--- a/Drone_Faults_and_Anomaly_detection.pptx
+++ b/Drone_Faults_and_Anomaly_detection.pptx
@@ -4980,6 +4980,76 @@
           </a:p>
         </p:txBody>
       </p:sp>
+      <p:pic>
+        <p:nvPicPr>
+          <p:cNvPr id="6" name="Picture 5" descr="A picture containing plane, airplane, red, runway&#10;&#10;Description automatically generated">
+            <a:extLst>
+              <a:ext uri="{FF2B5EF4-FFF2-40B4-BE49-F238E27FC236}">
+                <a16:creationId xmlns:a16="http://schemas.microsoft.com/office/drawing/2014/main" id="{0587BC57-5E28-154F-8742-3EC163165C92}"/>
+              </a:ext>
+            </a:extLst>
+          </p:cNvPr>
+          <p:cNvPicPr>
+            <a:picLocks noChangeAspect="1"/>
+          </p:cNvPicPr>
+          <p:nvPr/>
+        </p:nvPicPr>
+        <p:blipFill rotWithShape="1">
+          <a:blip r:embed="rId6">
+            <a:extLst>
+              <a:ext uri="{BEBA8EAE-BF5A-486C-A8C5-ECC9F3942E4B}">
+                <a14:imgProps xmlns:a14="http://schemas.microsoft.com/office/drawing/2010/main">
+                  <a14:imgLayer r:embed="rId7">
+                    <a14:imgEffect>
+                      <a14:backgroundRemoval t="34875" b="65000" l="3250" r="94500">
+                        <a14:foregroundMark x1="7250" y1="49625" x2="7250" y2="49625"/>
+                        <a14:foregroundMark x1="3250" y1="49375" x2="3250" y2="49375"/>
+                        <a14:foregroundMark x1="57000" y1="52250" x2="57000" y2="52250"/>
+                        <a14:foregroundMark x1="90375" y1="49000" x2="90375" y2="49000"/>
+                        <a14:foregroundMark x1="94500" y1="48500" x2="94500" y2="48500"/>
+                        <a14:foregroundMark x1="50250" y1="41875" x2="50250" y2="41875"/>
+                        <a14:foregroundMark x1="51875" y1="42000" x2="51875" y2="42000"/>
+                        <a14:foregroundMark x1="47250" y1="42125" x2="47250" y2="42125"/>
+                        <a14:foregroundMark x1="47250" y1="41250" x2="47250" y2="41250"/>
+                        <a14:foregroundMark x1="49375" y1="39625" x2="49375" y2="39625"/>
+                        <a14:foregroundMark x1="49375" y1="39500" x2="49375" y2="39500"/>
+                        <a14:foregroundMark x1="49375" y1="39250" x2="49375" y2="39250"/>
+                        <a14:foregroundMark x1="49875" y1="39625" x2="49875" y2="39625"/>
+                        <a14:foregroundMark x1="50625" y1="39625" x2="50625" y2="39625"/>
+                        <a14:foregroundMark x1="51000" y1="39875" x2="51000" y2="39875"/>
+                        <a14:foregroundMark x1="47750" y1="40125" x2="47750" y2="40125"/>
+                        <a14:foregroundMark x1="46875" y1="41125" x2="46875" y2="41125"/>
+                        <a14:foregroundMark x1="46625" y1="42125" x2="46625" y2="42125"/>
+                        <a14:foregroundMark x1="46375" y1="43000" x2="46375" y2="43000"/>
+                        <a14:foregroundMark x1="46750" y1="43625" x2="46750" y2="43625"/>
+                        <a14:foregroundMark x1="46500" y1="43875" x2="46500" y2="43875"/>
+                        <a14:foregroundMark x1="40000" y1="48375" x2="40000" y2="48375"/>
+                        <a14:backgroundMark x1="28000" y1="57875" x2="28000" y2="57875"/>
+                        <a14:backgroundMark x1="42000" y1="57750" x2="42000" y2="57750"/>
+                        <a14:backgroundMark x1="40500" y1="58625" x2="40500" y2="58625"/>
+                        <a14:backgroundMark x1="40250" y1="58125" x2="46125" y2="60500"/>
+                        <a14:backgroundMark x1="53125" y1="56750" x2="59750" y2="65000"/>
+                        <a14:backgroundMark x1="59750" y1="65000" x2="55375" y2="60125"/>
+                      </a14:backgroundRemoval>
+                    </a14:imgEffect>
+                  </a14:imgLayer>
+                </a14:imgProps>
+              </a:ext>
+            </a:extLst>
+          </a:blip>
+          <a:srcRect t="31179" r="1250" b="31239"/>
+          <a:stretch/>
+        </p:blipFill>
+        <p:spPr>
+          <a:xfrm rot="20437590">
+            <a:off x="10465446" y="330959"/>
+            <a:ext cx="1505358" cy="573262"/>
+          </a:xfrm>
+          <a:prstGeom prst="rect">
+            <a:avLst/>
+          </a:prstGeom>
+        </p:spPr>
+      </p:pic>
     </p:spTree>
     <p:extLst>
       <p:ext uri="{BB962C8B-B14F-4D97-AF65-F5344CB8AC3E}">
@@ -5339,7 +5409,7 @@
             </a:pPr>
             <a:r>
               <a:rPr lang="en-US" dirty="0"/>
-              <a:t>Rising safety concern due to increasing number of Autonomous drones.</a:t>
+              <a:t>Rising safety concerns due to increasing number of Autonomous drones.</a:t>
             </a:r>
           </a:p>
           <a:p>
@@ -5466,6 +5536,76 @@
           </a:p>
         </p:txBody>
       </p:sp>
+      <p:pic>
+        <p:nvPicPr>
+          <p:cNvPr id="6" name="Picture 5" descr="A picture containing plane, airplane, red, runway&#10;&#10;Description automatically generated">
+            <a:extLst>
+              <a:ext uri="{FF2B5EF4-FFF2-40B4-BE49-F238E27FC236}">
+                <a16:creationId xmlns:a16="http://schemas.microsoft.com/office/drawing/2014/main" id="{AEC439F2-86B0-D140-873F-A7F3D6B41B16}"/>
+              </a:ext>
+            </a:extLst>
+          </p:cNvPr>
+          <p:cNvPicPr>
+            <a:picLocks noChangeAspect="1"/>
+          </p:cNvPicPr>
+          <p:nvPr/>
+        </p:nvPicPr>
+        <p:blipFill rotWithShape="1">
+          <a:blip r:embed="rId3">
+            <a:extLst>
+              <a:ext uri="{BEBA8EAE-BF5A-486C-A8C5-ECC9F3942E4B}">
+                <a14:imgProps xmlns:a14="http://schemas.microsoft.com/office/drawing/2010/main">
+                  <a14:imgLayer r:embed="rId4">
+                    <a14:imgEffect>
+                      <a14:backgroundRemoval t="34875" b="65000" l="3250" r="94500">
+                        <a14:foregroundMark x1="7250" y1="49625" x2="7250" y2="49625"/>
+                        <a14:foregroundMark x1="3250" y1="49375" x2="3250" y2="49375"/>
+                        <a14:foregroundMark x1="57000" y1="52250" x2="57000" y2="52250"/>
+                        <a14:foregroundMark x1="90375" y1="49000" x2="90375" y2="49000"/>
+                        <a14:foregroundMark x1="94500" y1="48500" x2="94500" y2="48500"/>
+                        <a14:foregroundMark x1="50250" y1="41875" x2="50250" y2="41875"/>
+                        <a14:foregroundMark x1="51875" y1="42000" x2="51875" y2="42000"/>
+                        <a14:foregroundMark x1="47250" y1="42125" x2="47250" y2="42125"/>
+                        <a14:foregroundMark x1="47250" y1="41250" x2="47250" y2="41250"/>
+                        <a14:foregroundMark x1="49375" y1="39625" x2="49375" y2="39625"/>
+                        <a14:foregroundMark x1="49375" y1="39500" x2="49375" y2="39500"/>
+                        <a14:foregroundMark x1="49375" y1="39250" x2="49375" y2="39250"/>
+                        <a14:foregroundMark x1="49875" y1="39625" x2="49875" y2="39625"/>
+                        <a14:foregroundMark x1="50625" y1="39625" x2="50625" y2="39625"/>
+                        <a14:foregroundMark x1="51000" y1="39875" x2="51000" y2="39875"/>
+                        <a14:foregroundMark x1="47750" y1="40125" x2="47750" y2="40125"/>
+                        <a14:foregroundMark x1="46875" y1="41125" x2="46875" y2="41125"/>
+                        <a14:foregroundMark x1="46625" y1="42125" x2="46625" y2="42125"/>
+                        <a14:foregroundMark x1="46375" y1="43000" x2="46375" y2="43000"/>
+                        <a14:foregroundMark x1="46750" y1="43625" x2="46750" y2="43625"/>
+                        <a14:foregroundMark x1="46500" y1="43875" x2="46500" y2="43875"/>
+                        <a14:foregroundMark x1="40000" y1="48375" x2="40000" y2="48375"/>
+                        <a14:backgroundMark x1="28000" y1="57875" x2="28000" y2="57875"/>
+                        <a14:backgroundMark x1="42000" y1="57750" x2="42000" y2="57750"/>
+                        <a14:backgroundMark x1="40500" y1="58625" x2="40500" y2="58625"/>
+                        <a14:backgroundMark x1="40250" y1="58125" x2="46125" y2="60500"/>
+                        <a14:backgroundMark x1="53125" y1="56750" x2="59750" y2="65000"/>
+                        <a14:backgroundMark x1="59750" y1="65000" x2="55375" y2="60125"/>
+                      </a14:backgroundRemoval>
+                    </a14:imgEffect>
+                  </a14:imgLayer>
+                </a14:imgProps>
+              </a:ext>
+            </a:extLst>
+          </a:blip>
+          <a:srcRect t="31179" r="1250" b="31239"/>
+          <a:stretch/>
+        </p:blipFill>
+        <p:spPr>
+          <a:xfrm rot="20437590">
+            <a:off x="10922980" y="317543"/>
+            <a:ext cx="1109015" cy="422329"/>
+          </a:xfrm>
+          <a:prstGeom prst="rect">
+            <a:avLst/>
+          </a:prstGeom>
+        </p:spPr>
+      </p:pic>
     </p:spTree>
     <p:extLst>
       <p:ext uri="{BB962C8B-B14F-4D97-AF65-F5344CB8AC3E}">
@@ -5888,6 +6028,76 @@
           </a:custGeom>
         </p:spPr>
       </p:pic>
+      <p:pic>
+        <p:nvPicPr>
+          <p:cNvPr id="6" name="Picture 5" descr="A picture containing plane, airplane, red, runway&#10;&#10;Description automatically generated">
+            <a:extLst>
+              <a:ext uri="{FF2B5EF4-FFF2-40B4-BE49-F238E27FC236}">
+                <a16:creationId xmlns:a16="http://schemas.microsoft.com/office/drawing/2014/main" id="{CFBA984E-F4BC-BA4B-97B1-2FDE6E40DC3C}"/>
+              </a:ext>
+            </a:extLst>
+          </p:cNvPr>
+          <p:cNvPicPr>
+            <a:picLocks noChangeAspect="1"/>
+          </p:cNvPicPr>
+          <p:nvPr/>
+        </p:nvPicPr>
+        <p:blipFill rotWithShape="1">
+          <a:blip r:embed="rId3">
+            <a:extLst>
+              <a:ext uri="{BEBA8EAE-BF5A-486C-A8C5-ECC9F3942E4B}">
+                <a14:imgProps xmlns:a14="http://schemas.microsoft.com/office/drawing/2010/main">
+                  <a14:imgLayer r:embed="rId4">
+                    <a14:imgEffect>
+                      <a14:backgroundRemoval t="34875" b="65000" l="3250" r="94500">
+                        <a14:foregroundMark x1="7250" y1="49625" x2="7250" y2="49625"/>
+                        <a14:foregroundMark x1="3250" y1="49375" x2="3250" y2="49375"/>
+                        <a14:foregroundMark x1="57000" y1="52250" x2="57000" y2="52250"/>
+                        <a14:foregroundMark x1="90375" y1="49000" x2="90375" y2="49000"/>
+                        <a14:foregroundMark x1="94500" y1="48500" x2="94500" y2="48500"/>
+                        <a14:foregroundMark x1="50250" y1="41875" x2="50250" y2="41875"/>
+                        <a14:foregroundMark x1="51875" y1="42000" x2="51875" y2="42000"/>
+                        <a14:foregroundMark x1="47250" y1="42125" x2="47250" y2="42125"/>
+                        <a14:foregroundMark x1="47250" y1="41250" x2="47250" y2="41250"/>
+                        <a14:foregroundMark x1="49375" y1="39625" x2="49375" y2="39625"/>
+                        <a14:foregroundMark x1="49375" y1="39500" x2="49375" y2="39500"/>
+                        <a14:foregroundMark x1="49375" y1="39250" x2="49375" y2="39250"/>
+                        <a14:foregroundMark x1="49875" y1="39625" x2="49875" y2="39625"/>
+                        <a14:foregroundMark x1="50625" y1="39625" x2="50625" y2="39625"/>
+                        <a14:foregroundMark x1="51000" y1="39875" x2="51000" y2="39875"/>
+                        <a14:foregroundMark x1="47750" y1="40125" x2="47750" y2="40125"/>
+                        <a14:foregroundMark x1="46875" y1="41125" x2="46875" y2="41125"/>
+                        <a14:foregroundMark x1="46625" y1="42125" x2="46625" y2="42125"/>
+                        <a14:foregroundMark x1="46375" y1="43000" x2="46375" y2="43000"/>
+                        <a14:foregroundMark x1="46750" y1="43625" x2="46750" y2="43625"/>
+                        <a14:foregroundMark x1="46500" y1="43875" x2="46500" y2="43875"/>
+                        <a14:foregroundMark x1="40000" y1="48375" x2="40000" y2="48375"/>
+                        <a14:backgroundMark x1="28000" y1="57875" x2="28000" y2="57875"/>
+                        <a14:backgroundMark x1="42000" y1="57750" x2="42000" y2="57750"/>
+                        <a14:backgroundMark x1="40500" y1="58625" x2="40500" y2="58625"/>
+                        <a14:backgroundMark x1="40250" y1="58125" x2="46125" y2="60500"/>
+                        <a14:backgroundMark x1="53125" y1="56750" x2="59750" y2="65000"/>
+                        <a14:backgroundMark x1="59750" y1="65000" x2="55375" y2="60125"/>
+                      </a14:backgroundRemoval>
+                    </a14:imgEffect>
+                  </a14:imgLayer>
+                </a14:imgProps>
+              </a:ext>
+            </a:extLst>
+          </a:blip>
+          <a:srcRect t="31179" r="1250" b="31239"/>
+          <a:stretch/>
+        </p:blipFill>
+        <p:spPr>
+          <a:xfrm rot="20437590">
+            <a:off x="130909" y="229531"/>
+            <a:ext cx="1109015" cy="422329"/>
+          </a:xfrm>
+          <a:prstGeom prst="rect">
+            <a:avLst/>
+          </a:prstGeom>
+        </p:spPr>
+      </p:pic>
     </p:spTree>
     <p:extLst>
       <p:ext uri="{BB962C8B-B14F-4D97-AF65-F5344CB8AC3E}">
@@ -5959,8 +6169,8 @@
         </p:nvSpPr>
         <p:spPr>
           <a:xfrm>
-            <a:off x="5441861" y="273389"/>
-            <a:ext cx="6477996" cy="1325563"/>
+            <a:off x="5231927" y="293706"/>
+            <a:ext cx="5071318" cy="960636"/>
           </a:xfrm>
         </p:spPr>
         <p:txBody>
@@ -5969,9 +6179,10 @@
           </a:bodyPr>
           <a:lstStyle/>
           <a:p>
-            <a:r>
-              <a:rPr lang="en-US" dirty="0"/>
-              <a:t>PROCEDURE AND ANALYSIS</a:t>
+            <a:pPr algn="ctr"/>
+            <a:r>
+              <a:rPr lang="en-US" sz="4000" dirty="0"/>
+              <a:t>PROCESS AND ANALYSIS</a:t>
             </a:r>
           </a:p>
         </p:txBody>
@@ -6208,6 +6419,76 @@
           </a:custGeom>
         </p:spPr>
       </p:pic>
+      <p:pic>
+        <p:nvPicPr>
+          <p:cNvPr id="6" name="Picture 5" descr="A picture containing plane, airplane, red, runway&#10;&#10;Description automatically generated">
+            <a:extLst>
+              <a:ext uri="{FF2B5EF4-FFF2-40B4-BE49-F238E27FC236}">
+                <a16:creationId xmlns:a16="http://schemas.microsoft.com/office/drawing/2014/main" id="{B59AEB0D-2EB7-CB48-A2E0-DE1F0CC9D611}"/>
+              </a:ext>
+            </a:extLst>
+          </p:cNvPr>
+          <p:cNvPicPr>
+            <a:picLocks noChangeAspect="1"/>
+          </p:cNvPicPr>
+          <p:nvPr/>
+        </p:nvPicPr>
+        <p:blipFill rotWithShape="1">
+          <a:blip r:embed="rId3">
+            <a:extLst>
+              <a:ext uri="{BEBA8EAE-BF5A-486C-A8C5-ECC9F3942E4B}">
+                <a14:imgProps xmlns:a14="http://schemas.microsoft.com/office/drawing/2010/main">
+                  <a14:imgLayer r:embed="rId4">
+                    <a14:imgEffect>
+                      <a14:backgroundRemoval t="34875" b="65000" l="3250" r="94500">
+                        <a14:foregroundMark x1="7250" y1="49625" x2="7250" y2="49625"/>
+                        <a14:foregroundMark x1="3250" y1="49375" x2="3250" y2="49375"/>
+                        <a14:foregroundMark x1="57000" y1="52250" x2="57000" y2="52250"/>
+                        <a14:foregroundMark x1="90375" y1="49000" x2="90375" y2="49000"/>
+                        <a14:foregroundMark x1="94500" y1="48500" x2="94500" y2="48500"/>
+                        <a14:foregroundMark x1="50250" y1="41875" x2="50250" y2="41875"/>
+                        <a14:foregroundMark x1="51875" y1="42000" x2="51875" y2="42000"/>
+                        <a14:foregroundMark x1="47250" y1="42125" x2="47250" y2="42125"/>
+                        <a14:foregroundMark x1="47250" y1="41250" x2="47250" y2="41250"/>
+                        <a14:foregroundMark x1="49375" y1="39625" x2="49375" y2="39625"/>
+                        <a14:foregroundMark x1="49375" y1="39500" x2="49375" y2="39500"/>
+                        <a14:foregroundMark x1="49375" y1="39250" x2="49375" y2="39250"/>
+                        <a14:foregroundMark x1="49875" y1="39625" x2="49875" y2="39625"/>
+                        <a14:foregroundMark x1="50625" y1="39625" x2="50625" y2="39625"/>
+                        <a14:foregroundMark x1="51000" y1="39875" x2="51000" y2="39875"/>
+                        <a14:foregroundMark x1="47750" y1="40125" x2="47750" y2="40125"/>
+                        <a14:foregroundMark x1="46875" y1="41125" x2="46875" y2="41125"/>
+                        <a14:foregroundMark x1="46625" y1="42125" x2="46625" y2="42125"/>
+                        <a14:foregroundMark x1="46375" y1="43000" x2="46375" y2="43000"/>
+                        <a14:foregroundMark x1="46750" y1="43625" x2="46750" y2="43625"/>
+                        <a14:foregroundMark x1="46500" y1="43875" x2="46500" y2="43875"/>
+                        <a14:foregroundMark x1="40000" y1="48375" x2="40000" y2="48375"/>
+                        <a14:backgroundMark x1="28000" y1="57875" x2="28000" y2="57875"/>
+                        <a14:backgroundMark x1="42000" y1="57750" x2="42000" y2="57750"/>
+                        <a14:backgroundMark x1="40500" y1="58625" x2="40500" y2="58625"/>
+                        <a14:backgroundMark x1="40250" y1="58125" x2="46125" y2="60500"/>
+                        <a14:backgroundMark x1="53125" y1="56750" x2="59750" y2="65000"/>
+                        <a14:backgroundMark x1="59750" y1="65000" x2="55375" y2="60125"/>
+                      </a14:backgroundRemoval>
+                    </a14:imgEffect>
+                  </a14:imgLayer>
+                </a14:imgProps>
+              </a:ext>
+            </a:extLst>
+          </a:blip>
+          <a:srcRect t="31179" r="1250" b="31239"/>
+          <a:stretch/>
+        </p:blipFill>
+        <p:spPr>
+          <a:xfrm rot="20437590">
+            <a:off x="10922980" y="317543"/>
+            <a:ext cx="1109015" cy="422329"/>
+          </a:xfrm>
+          <a:prstGeom prst="rect">
+            <a:avLst/>
+          </a:prstGeom>
+        </p:spPr>
+      </p:pic>
       <p:sp>
         <p:nvSpPr>
           <p:cNvPr id="3" name="TextBox 2">
@@ -6222,8 +6503,8 @@
         </p:nvSpPr>
         <p:spPr>
           <a:xfrm>
-            <a:off x="5714999" y="1974218"/>
-            <a:ext cx="6204858" cy="3947611"/>
+            <a:off x="261247" y="6248807"/>
+            <a:ext cx="5441859" cy="518435"/>
           </a:xfrm>
           <a:prstGeom prst="rect">
             <a:avLst/>
@@ -6253,6 +6534,17 @@
               <a:rPr lang="en-US" dirty="0"/>
               <a:t>Jupiter Notebook,  GitHub, Python and R</a:t>
             </a:r>
+          </a:p>
+          <a:p>
+            <a:pPr>
+              <a:lnSpc>
+                <a:spcPct val="90000"/>
+              </a:lnSpc>
+              <a:spcAft>
+                <a:spcPts val="600"/>
+              </a:spcAft>
+            </a:pPr>
+            <a:endParaRPr lang="en-US" b="1" dirty="0"/>
           </a:p>
           <a:p>
             <a:pPr indent="-228600">
@@ -6268,91 +6560,26 @@
             <a:endParaRPr lang="en-US" dirty="0"/>
           </a:p>
           <a:p>
-            <a:pPr indent="-228600">
+            <a:pPr marL="514350" lvl="1">
               <a:lnSpc>
                 <a:spcPct val="90000"/>
               </a:lnSpc>
               <a:spcAft>
                 <a:spcPts val="600"/>
               </a:spcAft>
-              <a:buFont typeface="Arial" panose="020B0604020202020204" pitchFamily="34" charset="0"/>
-              <a:buChar char="•"/>
             </a:pPr>
             <a:endParaRPr lang="en-US" dirty="0"/>
           </a:p>
           <a:p>
-            <a:pPr indent="-228600">
+            <a:pPr marL="514350" lvl="1">
               <a:lnSpc>
                 <a:spcPct val="90000"/>
               </a:lnSpc>
               <a:spcAft>
                 <a:spcPts val="600"/>
               </a:spcAft>
-              <a:buFont typeface="Arial" panose="020B0604020202020204" pitchFamily="34" charset="0"/>
-              <a:buChar char="•"/>
-            </a:pPr>
-            <a:r>
-              <a:rPr lang="en-US" b="1" dirty="0"/>
-              <a:t>Analysis : </a:t>
-            </a:r>
-          </a:p>
-          <a:p>
-            <a:pPr indent="-228600">
-              <a:lnSpc>
-                <a:spcPct val="90000"/>
-              </a:lnSpc>
-              <a:spcAft>
-                <a:spcPts val="600"/>
-              </a:spcAft>
-              <a:buFont typeface="Arial" panose="020B0604020202020204" pitchFamily="34" charset="0"/>
-              <a:buChar char="•"/>
             </a:pPr>
             <a:endParaRPr lang="en-US" dirty="0"/>
-          </a:p>
-          <a:p>
-            <a:pPr marL="742950" lvl="1" indent="-228600">
-              <a:lnSpc>
-                <a:spcPct val="90000"/>
-              </a:lnSpc>
-              <a:spcAft>
-                <a:spcPts val="600"/>
-              </a:spcAft>
-              <a:buFont typeface="Arial" panose="020B0604020202020204" pitchFamily="34" charset="0"/>
-              <a:buChar char="•"/>
-            </a:pPr>
-            <a:r>
-              <a:rPr lang="en-US" dirty="0"/>
-              <a:t>Backward elimination</a:t>
-            </a:r>
-          </a:p>
-          <a:p>
-            <a:pPr marL="742950" lvl="1" indent="-228600">
-              <a:lnSpc>
-                <a:spcPct val="90000"/>
-              </a:lnSpc>
-              <a:spcAft>
-                <a:spcPts val="600"/>
-              </a:spcAft>
-              <a:buFont typeface="Arial" panose="020B0604020202020204" pitchFamily="34" charset="0"/>
-              <a:buChar char="•"/>
-            </a:pPr>
-            <a:endParaRPr lang="en-US" dirty="0"/>
-          </a:p>
-          <a:p>
-            <a:pPr marL="742950" lvl="1" indent="-228600">
-              <a:lnSpc>
-                <a:spcPct val="90000"/>
-              </a:lnSpc>
-              <a:spcAft>
-                <a:spcPts val="600"/>
-              </a:spcAft>
-              <a:buFont typeface="Arial" panose="020B0604020202020204" pitchFamily="34" charset="0"/>
-              <a:buChar char="•"/>
-            </a:pPr>
-            <a:r>
-              <a:rPr lang="en-US" dirty="0"/>
-              <a:t>Machine learning</a:t>
-            </a:r>
           </a:p>
           <a:p>
             <a:pPr marL="285750" indent="-228600">
@@ -6368,17 +6595,6 @@
             <a:endParaRPr lang="en-US" dirty="0"/>
           </a:p>
           <a:p>
-            <a:pPr marL="57150">
-              <a:lnSpc>
-                <a:spcPct val="90000"/>
-              </a:lnSpc>
-              <a:spcAft>
-                <a:spcPts val="600"/>
-              </a:spcAft>
-            </a:pPr>
-            <a:endParaRPr lang="en-US" dirty="0"/>
-          </a:p>
-          <a:p>
             <a:pPr marL="285750" indent="-228600">
               <a:lnSpc>
                 <a:spcPct val="90000"/>
@@ -6389,38 +6605,839 @@
               <a:buFont typeface="Arial" panose="020B0604020202020204" pitchFamily="34" charset="0"/>
               <a:buChar char="•"/>
             </a:pPr>
-            <a:r>
-              <a:rPr lang="en-US" b="1" dirty="0"/>
-              <a:t>Here’s a link to access our project on GitHub: </a:t>
-            </a:r>
-            <a:r>
-              <a:rPr lang="en-US" sz="1400" dirty="0"/>
-              <a:t>https://</a:t>
-            </a:r>
-            <a:r>
-              <a:rPr lang="en-US" sz="1400" dirty="0" err="1"/>
-              <a:t>github.com</a:t>
-            </a:r>
-            <a:r>
-              <a:rPr lang="en-US" sz="1400" dirty="0"/>
-              <a:t>/</a:t>
-            </a:r>
-            <a:r>
-              <a:rPr lang="en-US" sz="1400" dirty="0" err="1"/>
-              <a:t>MrAshTag</a:t>
-            </a:r>
-            <a:r>
-              <a:rPr lang="en-US" sz="1400" dirty="0"/>
-              <a:t>/</a:t>
-            </a:r>
-            <a:r>
-              <a:rPr lang="en-US" sz="1400" dirty="0" err="1"/>
-              <a:t>Drone_Faults_Anomaly_Dectection</a:t>
-            </a:r>
             <a:endParaRPr lang="en-US" dirty="0"/>
           </a:p>
-        </p:txBody>
-      </p:sp>
+          <a:p>
+            <a:pPr marL="285750" indent="-228600">
+              <a:lnSpc>
+                <a:spcPct val="90000"/>
+              </a:lnSpc>
+              <a:spcAft>
+                <a:spcPts val="600"/>
+              </a:spcAft>
+              <a:buFont typeface="Arial" panose="020B0604020202020204" pitchFamily="34" charset="0"/>
+              <a:buChar char="•"/>
+            </a:pPr>
+            <a:endParaRPr lang="en-US" dirty="0"/>
+          </a:p>
+          <a:p>
+            <a:pPr marL="285750" indent="-228600">
+              <a:lnSpc>
+                <a:spcPct val="90000"/>
+              </a:lnSpc>
+              <a:spcAft>
+                <a:spcPts val="600"/>
+              </a:spcAft>
+              <a:buFont typeface="Arial" panose="020B0604020202020204" pitchFamily="34" charset="0"/>
+              <a:buChar char="•"/>
+            </a:pPr>
+            <a:endParaRPr lang="en-US" dirty="0"/>
+          </a:p>
+          <a:p>
+            <a:pPr marL="285750" indent="-228600">
+              <a:lnSpc>
+                <a:spcPct val="90000"/>
+              </a:lnSpc>
+              <a:spcAft>
+                <a:spcPts val="600"/>
+              </a:spcAft>
+              <a:buFont typeface="Arial" panose="020B0604020202020204" pitchFamily="34" charset="0"/>
+              <a:buChar char="•"/>
+            </a:pPr>
+            <a:endParaRPr lang="en-US" dirty="0"/>
+          </a:p>
+          <a:p>
+            <a:pPr marL="285750" indent="-228600">
+              <a:lnSpc>
+                <a:spcPct val="90000"/>
+              </a:lnSpc>
+              <a:spcAft>
+                <a:spcPts val="600"/>
+              </a:spcAft>
+              <a:buFont typeface="Arial" panose="020B0604020202020204" pitchFamily="34" charset="0"/>
+              <a:buChar char="•"/>
+            </a:pPr>
+            <a:endParaRPr lang="en-US" dirty="0"/>
+          </a:p>
+        </p:txBody>
+      </p:sp>
+      <p:grpSp>
+        <p:nvGrpSpPr>
+          <p:cNvPr id="29" name="Group 28">
+            <a:extLst>
+              <a:ext uri="{FF2B5EF4-FFF2-40B4-BE49-F238E27FC236}">
+                <a16:creationId xmlns:a16="http://schemas.microsoft.com/office/drawing/2014/main" id="{FD446A0E-B44B-5E43-A4BC-A205DDB5F025}"/>
+              </a:ext>
+            </a:extLst>
+          </p:cNvPr>
+          <p:cNvGrpSpPr/>
+          <p:nvPr/>
+        </p:nvGrpSpPr>
+        <p:grpSpPr>
+          <a:xfrm>
+            <a:off x="5940356" y="1510045"/>
+            <a:ext cx="5647797" cy="5054249"/>
+            <a:chOff x="6206574" y="1586712"/>
+            <a:chExt cx="5647797" cy="5054249"/>
+          </a:xfrm>
+        </p:grpSpPr>
+        <p:sp>
+          <p:nvSpPr>
+            <p:cNvPr id="22" name="Rectangle 21">
+              <a:extLst>
+                <a:ext uri="{FF2B5EF4-FFF2-40B4-BE49-F238E27FC236}">
+                  <a16:creationId xmlns:a16="http://schemas.microsoft.com/office/drawing/2014/main" id="{9916B528-6CB3-B645-9390-742DC642AB44}"/>
+                </a:ext>
+              </a:extLst>
+            </p:cNvPr>
+            <p:cNvSpPr/>
+            <p:nvPr/>
+          </p:nvSpPr>
+          <p:spPr>
+            <a:xfrm>
+              <a:off x="8231495" y="1586712"/>
+              <a:ext cx="3622876" cy="5054249"/>
+            </a:xfrm>
+            <a:prstGeom prst="rect">
+              <a:avLst/>
+            </a:prstGeom>
+            <a:solidFill>
+              <a:schemeClr val="accent1">
+                <a:lumMod val="20000"/>
+                <a:lumOff val="80000"/>
+              </a:schemeClr>
+            </a:solidFill>
+            <a:ln>
+              <a:noFill/>
+            </a:ln>
+          </p:spPr>
+          <p:style>
+            <a:lnRef idx="2">
+              <a:schemeClr val="accent1">
+                <a:shade val="50000"/>
+              </a:schemeClr>
+            </a:lnRef>
+            <a:fillRef idx="1">
+              <a:schemeClr val="accent1"/>
+            </a:fillRef>
+            <a:effectRef idx="0">
+              <a:schemeClr val="accent1"/>
+            </a:effectRef>
+            <a:fontRef idx="minor">
+              <a:schemeClr val="lt1"/>
+            </a:fontRef>
+          </p:style>
+          <p:txBody>
+            <a:bodyPr rtlCol="0" anchor="ctr"/>
+            <a:lstStyle/>
+            <a:p>
+              <a:pPr algn="ctr"/>
+              <a:endParaRPr lang="en-US"/>
+            </a:p>
+          </p:txBody>
+        </p:sp>
+        <p:grpSp>
+          <p:nvGrpSpPr>
+            <p:cNvPr id="21" name="Group 20">
+              <a:extLst>
+                <a:ext uri="{FF2B5EF4-FFF2-40B4-BE49-F238E27FC236}">
+                  <a16:creationId xmlns:a16="http://schemas.microsoft.com/office/drawing/2014/main" id="{BE03BE50-1722-4A4A-AFDF-B0BD77C64739}"/>
+                </a:ext>
+              </a:extLst>
+            </p:cNvPr>
+            <p:cNvGrpSpPr/>
+            <p:nvPr/>
+          </p:nvGrpSpPr>
+          <p:grpSpPr>
+            <a:xfrm>
+              <a:off x="9016195" y="1832559"/>
+              <a:ext cx="1936257" cy="2473959"/>
+              <a:chOff x="7226746" y="1855040"/>
+              <a:chExt cx="1936257" cy="2473959"/>
+            </a:xfrm>
+          </p:grpSpPr>
+          <p:sp>
+            <p:nvSpPr>
+              <p:cNvPr id="16" name="Down Arrow 15">
+                <a:extLst>
+                  <a:ext uri="{FF2B5EF4-FFF2-40B4-BE49-F238E27FC236}">
+                    <a16:creationId xmlns:a16="http://schemas.microsoft.com/office/drawing/2014/main" id="{85315B3B-F865-1146-859B-635D58CE3B99}"/>
+                  </a:ext>
+                </a:extLst>
+              </p:cNvPr>
+              <p:cNvSpPr/>
+              <p:nvPr/>
+            </p:nvSpPr>
+            <p:spPr>
+              <a:xfrm>
+                <a:off x="7980661" y="2328405"/>
+                <a:ext cx="441844" cy="403912"/>
+              </a:xfrm>
+              <a:prstGeom prst="downArrow">
+                <a:avLst/>
+              </a:prstGeom>
+              <a:solidFill>
+                <a:schemeClr val="bg1"/>
+              </a:solidFill>
+              <a:ln>
+                <a:noFill/>
+              </a:ln>
+            </p:spPr>
+            <p:style>
+              <a:lnRef idx="2">
+                <a:schemeClr val="accent1">
+                  <a:shade val="50000"/>
+                </a:schemeClr>
+              </a:lnRef>
+              <a:fillRef idx="1">
+                <a:schemeClr val="accent1"/>
+              </a:fillRef>
+              <a:effectRef idx="0">
+                <a:schemeClr val="accent1"/>
+              </a:effectRef>
+              <a:fontRef idx="minor">
+                <a:schemeClr val="lt1"/>
+              </a:fontRef>
+            </p:style>
+            <p:txBody>
+              <a:bodyPr rtlCol="0" anchor="ctr"/>
+              <a:lstStyle/>
+              <a:p>
+                <a:pPr algn="ctr"/>
+                <a:endParaRPr lang="en-US"/>
+              </a:p>
+            </p:txBody>
+          </p:sp>
+          <p:sp>
+            <p:nvSpPr>
+              <p:cNvPr id="4" name="Rectangle 3">
+                <a:extLst>
+                  <a:ext uri="{FF2B5EF4-FFF2-40B4-BE49-F238E27FC236}">
+                    <a16:creationId xmlns:a16="http://schemas.microsoft.com/office/drawing/2014/main" id="{9DB8B7AD-9FE5-FB44-AD44-8CBF3A401292}"/>
+                  </a:ext>
+                </a:extLst>
+              </p:cNvPr>
+              <p:cNvSpPr/>
+              <p:nvPr/>
+            </p:nvSpPr>
+            <p:spPr>
+              <a:xfrm>
+                <a:off x="7686511" y="3543055"/>
+                <a:ext cx="1030147" cy="439838"/>
+              </a:xfrm>
+              <a:prstGeom prst="rect">
+                <a:avLst/>
+              </a:prstGeom>
+              <a:solidFill>
+                <a:schemeClr val="bg1"/>
+              </a:solidFill>
+              <a:ln>
+                <a:noFill/>
+              </a:ln>
+            </p:spPr>
+            <p:style>
+              <a:lnRef idx="2">
+                <a:schemeClr val="accent1">
+                  <a:shade val="50000"/>
+                </a:schemeClr>
+              </a:lnRef>
+              <a:fillRef idx="1">
+                <a:schemeClr val="accent1"/>
+              </a:fillRef>
+              <a:effectRef idx="0">
+                <a:schemeClr val="accent1"/>
+              </a:effectRef>
+              <a:fontRef idx="minor">
+                <a:schemeClr val="lt1"/>
+              </a:fontRef>
+            </p:style>
+            <p:txBody>
+              <a:bodyPr rtlCol="0" anchor="ctr"/>
+              <a:lstStyle/>
+              <a:p>
+                <a:pPr algn="ctr"/>
+                <a:r>
+                  <a:rPr lang="en-US" sz="1400" dirty="0"/>
+                  <a:t>Data Exp</a:t>
+                </a:r>
+              </a:p>
+            </p:txBody>
+          </p:sp>
+          <p:sp>
+            <p:nvSpPr>
+              <p:cNvPr id="9" name="Rectangle 8">
+                <a:extLst>
+                  <a:ext uri="{FF2B5EF4-FFF2-40B4-BE49-F238E27FC236}">
+                    <a16:creationId xmlns:a16="http://schemas.microsoft.com/office/drawing/2014/main" id="{4CBD9124-7B22-2743-9749-68FFAA372099}"/>
+                  </a:ext>
+                </a:extLst>
+              </p:cNvPr>
+              <p:cNvSpPr/>
+              <p:nvPr/>
+            </p:nvSpPr>
+            <p:spPr>
+              <a:xfrm>
+                <a:off x="7686510" y="2743982"/>
+                <a:ext cx="1030147" cy="439838"/>
+              </a:xfrm>
+              <a:prstGeom prst="rect">
+                <a:avLst/>
+              </a:prstGeom>
+              <a:solidFill>
+                <a:schemeClr val="bg1"/>
+              </a:solidFill>
+              <a:ln>
+                <a:noFill/>
+              </a:ln>
+            </p:spPr>
+            <p:style>
+              <a:lnRef idx="2">
+                <a:schemeClr val="accent1">
+                  <a:shade val="50000"/>
+                </a:schemeClr>
+              </a:lnRef>
+              <a:fillRef idx="1">
+                <a:schemeClr val="accent1"/>
+              </a:fillRef>
+              <a:effectRef idx="0">
+                <a:schemeClr val="accent1"/>
+              </a:effectRef>
+              <a:fontRef idx="minor">
+                <a:schemeClr val="lt1"/>
+              </a:fontRef>
+            </p:style>
+            <p:txBody>
+              <a:bodyPr rtlCol="0" anchor="ctr"/>
+              <a:lstStyle/>
+              <a:p>
+                <a:pPr algn="ctr"/>
+                <a:r>
+                  <a:rPr lang="en-US" sz="1400" dirty="0"/>
+                  <a:t>Data Prep</a:t>
+                </a:r>
+              </a:p>
+            </p:txBody>
+          </p:sp>
+          <p:sp>
+            <p:nvSpPr>
+              <p:cNvPr id="10" name="Rectangle 9">
+                <a:extLst>
+                  <a:ext uri="{FF2B5EF4-FFF2-40B4-BE49-F238E27FC236}">
+                    <a16:creationId xmlns:a16="http://schemas.microsoft.com/office/drawing/2014/main" id="{09B379BF-E6C7-084A-AE03-F96F894110C0}"/>
+                  </a:ext>
+                </a:extLst>
+              </p:cNvPr>
+              <p:cNvSpPr/>
+              <p:nvPr/>
+            </p:nvSpPr>
+            <p:spPr>
+              <a:xfrm>
+                <a:off x="7226746" y="1855040"/>
+                <a:ext cx="1936257" cy="604180"/>
+              </a:xfrm>
+              <a:prstGeom prst="rect">
+                <a:avLst/>
+              </a:prstGeom>
+              <a:solidFill>
+                <a:schemeClr val="bg1"/>
+              </a:solidFill>
+              <a:ln>
+                <a:noFill/>
+              </a:ln>
+            </p:spPr>
+            <p:style>
+              <a:lnRef idx="2">
+                <a:schemeClr val="accent1">
+                  <a:shade val="50000"/>
+                </a:schemeClr>
+              </a:lnRef>
+              <a:fillRef idx="1">
+                <a:schemeClr val="accent1"/>
+              </a:fillRef>
+              <a:effectRef idx="0">
+                <a:schemeClr val="accent1"/>
+              </a:effectRef>
+              <a:fontRef idx="minor">
+                <a:schemeClr val="lt1"/>
+              </a:fontRef>
+            </p:style>
+            <p:txBody>
+              <a:bodyPr rtlCol="0" anchor="ctr"/>
+              <a:lstStyle/>
+              <a:p>
+                <a:pPr algn="ctr"/>
+                <a:r>
+                  <a:rPr lang="en-US" sz="1400" dirty="0"/>
+                  <a:t>Data Collection  &amp; Wrangling</a:t>
+                </a:r>
+              </a:p>
+            </p:txBody>
+          </p:sp>
+          <p:sp>
+            <p:nvSpPr>
+              <p:cNvPr id="13" name="Down Arrow 12">
+                <a:extLst>
+                  <a:ext uri="{FF2B5EF4-FFF2-40B4-BE49-F238E27FC236}">
+                    <a16:creationId xmlns:a16="http://schemas.microsoft.com/office/drawing/2014/main" id="{9BAB3519-116A-D54E-9EF2-CBA3971F38A9}"/>
+                  </a:ext>
+                </a:extLst>
+              </p:cNvPr>
+              <p:cNvSpPr/>
+              <p:nvPr/>
+            </p:nvSpPr>
+            <p:spPr>
+              <a:xfrm>
+                <a:off x="7949965" y="3925087"/>
+                <a:ext cx="490764" cy="403912"/>
+              </a:xfrm>
+              <a:prstGeom prst="downArrow">
+                <a:avLst/>
+              </a:prstGeom>
+              <a:solidFill>
+                <a:schemeClr val="bg1"/>
+              </a:solidFill>
+              <a:ln>
+                <a:noFill/>
+              </a:ln>
+            </p:spPr>
+            <p:style>
+              <a:lnRef idx="2">
+                <a:schemeClr val="accent1">
+                  <a:shade val="50000"/>
+                </a:schemeClr>
+              </a:lnRef>
+              <a:fillRef idx="1">
+                <a:schemeClr val="accent1"/>
+              </a:fillRef>
+              <a:effectRef idx="0">
+                <a:schemeClr val="accent1"/>
+              </a:effectRef>
+              <a:fontRef idx="minor">
+                <a:schemeClr val="lt1"/>
+              </a:fontRef>
+            </p:style>
+            <p:txBody>
+              <a:bodyPr rtlCol="0" anchor="ctr"/>
+              <a:lstStyle/>
+              <a:p>
+                <a:pPr algn="ctr"/>
+                <a:endParaRPr lang="en-US"/>
+              </a:p>
+            </p:txBody>
+          </p:sp>
+          <p:sp>
+            <p:nvSpPr>
+              <p:cNvPr id="15" name="Down Arrow 14">
+                <a:extLst>
+                  <a:ext uri="{FF2B5EF4-FFF2-40B4-BE49-F238E27FC236}">
+                    <a16:creationId xmlns:a16="http://schemas.microsoft.com/office/drawing/2014/main" id="{6CB1C1FA-EA66-914F-A5D9-3FC158FD27AB}"/>
+                  </a:ext>
+                </a:extLst>
+              </p:cNvPr>
+              <p:cNvSpPr/>
+              <p:nvPr/>
+            </p:nvSpPr>
+            <p:spPr>
+              <a:xfrm>
+                <a:off x="7985721" y="3119247"/>
+                <a:ext cx="418309" cy="403912"/>
+              </a:xfrm>
+              <a:prstGeom prst="downArrow">
+                <a:avLst/>
+              </a:prstGeom>
+              <a:solidFill>
+                <a:schemeClr val="bg1"/>
+              </a:solidFill>
+              <a:ln>
+                <a:noFill/>
+              </a:ln>
+            </p:spPr>
+            <p:style>
+              <a:lnRef idx="2">
+                <a:schemeClr val="accent1">
+                  <a:shade val="50000"/>
+                </a:schemeClr>
+              </a:lnRef>
+              <a:fillRef idx="1">
+                <a:schemeClr val="accent1"/>
+              </a:fillRef>
+              <a:effectRef idx="0">
+                <a:schemeClr val="accent1"/>
+              </a:effectRef>
+              <a:fontRef idx="minor">
+                <a:schemeClr val="lt1"/>
+              </a:fontRef>
+            </p:style>
+            <p:txBody>
+              <a:bodyPr rtlCol="0" anchor="ctr"/>
+              <a:lstStyle/>
+              <a:p>
+                <a:pPr algn="ctr"/>
+                <a:endParaRPr lang="en-US"/>
+              </a:p>
+            </p:txBody>
+          </p:sp>
+        </p:grpSp>
+        <p:grpSp>
+          <p:nvGrpSpPr>
+            <p:cNvPr id="20" name="Group 19">
+              <a:extLst>
+                <a:ext uri="{FF2B5EF4-FFF2-40B4-BE49-F238E27FC236}">
+                  <a16:creationId xmlns:a16="http://schemas.microsoft.com/office/drawing/2014/main" id="{0199ABF4-AC28-0F46-BF6F-C77226A750FB}"/>
+                </a:ext>
+              </a:extLst>
+            </p:cNvPr>
+            <p:cNvGrpSpPr/>
+            <p:nvPr/>
+          </p:nvGrpSpPr>
+          <p:grpSpPr>
+            <a:xfrm>
+              <a:off x="6902769" y="4431265"/>
+              <a:ext cx="4267774" cy="1921397"/>
+              <a:chOff x="5061421" y="4467828"/>
+              <a:chExt cx="4267774" cy="1921397"/>
+            </a:xfrm>
+          </p:grpSpPr>
+          <p:sp>
+            <p:nvSpPr>
+              <p:cNvPr id="12" name="TextBox 11">
+                <a:extLst>
+                  <a:ext uri="{FF2B5EF4-FFF2-40B4-BE49-F238E27FC236}">
+                    <a16:creationId xmlns:a16="http://schemas.microsoft.com/office/drawing/2014/main" id="{964B3054-FC58-4F40-B4C1-356448A817BF}"/>
+                  </a:ext>
+                </a:extLst>
+              </p:cNvPr>
+              <p:cNvSpPr txBox="1"/>
+              <p:nvPr/>
+            </p:nvSpPr>
+            <p:spPr>
+              <a:xfrm>
+                <a:off x="5061421" y="5243860"/>
+                <a:ext cx="1095597" cy="369332"/>
+              </a:xfrm>
+              <a:prstGeom prst="rect">
+                <a:avLst/>
+              </a:prstGeom>
+              <a:noFill/>
+            </p:spPr>
+            <p:txBody>
+              <a:bodyPr wrap="square" rtlCol="0">
+                <a:spAutoFit/>
+              </a:bodyPr>
+              <a:lstStyle/>
+              <a:p>
+                <a:r>
+                  <a:rPr lang="en-US" b="1" dirty="0"/>
+                  <a:t>Analysis</a:t>
+                </a:r>
+                <a:endParaRPr lang="en-US" dirty="0"/>
+              </a:p>
+            </p:txBody>
+          </p:sp>
+          <p:grpSp>
+            <p:nvGrpSpPr>
+              <p:cNvPr id="19" name="Group 18">
+                <a:extLst>
+                  <a:ext uri="{FF2B5EF4-FFF2-40B4-BE49-F238E27FC236}">
+                    <a16:creationId xmlns:a16="http://schemas.microsoft.com/office/drawing/2014/main" id="{1F045510-B18D-1B49-B102-56B8B9E6166A}"/>
+                  </a:ext>
+                </a:extLst>
+              </p:cNvPr>
+              <p:cNvGrpSpPr/>
+              <p:nvPr/>
+            </p:nvGrpSpPr>
+            <p:grpSpPr>
+              <a:xfrm>
+                <a:off x="5926238" y="4467828"/>
+                <a:ext cx="3402957" cy="1921397"/>
+                <a:chOff x="5926238" y="4467828"/>
+                <a:chExt cx="3402957" cy="1921397"/>
+              </a:xfrm>
+            </p:grpSpPr>
+            <p:sp>
+              <p:nvSpPr>
+                <p:cNvPr id="7" name="Rectangle 6">
+                  <a:extLst>
+                    <a:ext uri="{FF2B5EF4-FFF2-40B4-BE49-F238E27FC236}">
+                      <a16:creationId xmlns:a16="http://schemas.microsoft.com/office/drawing/2014/main" id="{0A611001-E1AC-3F41-B8EB-17BF1F95BAEF}"/>
+                    </a:ext>
+                  </a:extLst>
+                </p:cNvPr>
+                <p:cNvSpPr/>
+                <p:nvPr/>
+              </p:nvSpPr>
+              <p:spPr>
+                <a:xfrm>
+                  <a:off x="7060557" y="4467828"/>
+                  <a:ext cx="2268638" cy="1921397"/>
+                </a:xfrm>
+                <a:prstGeom prst="rect">
+                  <a:avLst/>
+                </a:prstGeom>
+              </p:spPr>
+              <p:style>
+                <a:lnRef idx="2">
+                  <a:schemeClr val="accent1">
+                    <a:shade val="50000"/>
+                  </a:schemeClr>
+                </a:lnRef>
+                <a:fillRef idx="1">
+                  <a:schemeClr val="accent1"/>
+                </a:fillRef>
+                <a:effectRef idx="0">
+                  <a:schemeClr val="accent1"/>
+                </a:effectRef>
+                <a:fontRef idx="minor">
+                  <a:schemeClr val="lt1"/>
+                </a:fontRef>
+              </p:style>
+              <p:txBody>
+                <a:bodyPr rtlCol="0" anchor="ctr"/>
+                <a:lstStyle/>
+                <a:p>
+                  <a:pPr algn="ctr"/>
+                  <a:endParaRPr lang="en-US"/>
+                </a:p>
+              </p:txBody>
+            </p:sp>
+            <p:sp>
+              <p:nvSpPr>
+                <p:cNvPr id="8" name="Rectangle 7">
+                  <a:extLst>
+                    <a:ext uri="{FF2B5EF4-FFF2-40B4-BE49-F238E27FC236}">
+                      <a16:creationId xmlns:a16="http://schemas.microsoft.com/office/drawing/2014/main" id="{D2C78EC0-A002-F04F-AA22-552422A412BE}"/>
+                    </a:ext>
+                  </a:extLst>
+                </p:cNvPr>
+                <p:cNvSpPr/>
+                <p:nvPr/>
+              </p:nvSpPr>
+              <p:spPr>
+                <a:xfrm>
+                  <a:off x="7686512" y="4726937"/>
+                  <a:ext cx="1030147" cy="439838"/>
+                </a:xfrm>
+                <a:prstGeom prst="rect">
+                  <a:avLst/>
+                </a:prstGeom>
+                <a:solidFill>
+                  <a:schemeClr val="bg1"/>
+                </a:solidFill>
+                <a:ln>
+                  <a:noFill/>
+                </a:ln>
+              </p:spPr>
+              <p:style>
+                <a:lnRef idx="2">
+                  <a:schemeClr val="accent1">
+                    <a:shade val="50000"/>
+                  </a:schemeClr>
+                </a:lnRef>
+                <a:fillRef idx="1">
+                  <a:schemeClr val="accent1"/>
+                </a:fillRef>
+                <a:effectRef idx="0">
+                  <a:schemeClr val="accent1"/>
+                </a:effectRef>
+                <a:fontRef idx="minor">
+                  <a:schemeClr val="lt1"/>
+                </a:fontRef>
+              </p:style>
+              <p:txBody>
+                <a:bodyPr rtlCol="0" anchor="ctr"/>
+                <a:lstStyle/>
+                <a:p>
+                  <a:pPr algn="ctr"/>
+                  <a:r>
+                    <a:rPr lang="en-US" sz="1400" dirty="0"/>
+                    <a:t>Backward Elimination</a:t>
+                  </a:r>
+                </a:p>
+              </p:txBody>
+            </p:sp>
+            <p:sp>
+              <p:nvSpPr>
+                <p:cNvPr id="11" name="Rectangle 10">
+                  <a:extLst>
+                    <a:ext uri="{FF2B5EF4-FFF2-40B4-BE49-F238E27FC236}">
+                      <a16:creationId xmlns:a16="http://schemas.microsoft.com/office/drawing/2014/main" id="{F256F7A8-A673-6E4E-981B-B82BEEA2B972}"/>
+                    </a:ext>
+                  </a:extLst>
+                </p:cNvPr>
+                <p:cNvSpPr/>
+                <p:nvPr/>
+              </p:nvSpPr>
+              <p:spPr>
+                <a:xfrm>
+                  <a:off x="7680915" y="5712437"/>
+                  <a:ext cx="1030147" cy="439838"/>
+                </a:xfrm>
+                <a:prstGeom prst="rect">
+                  <a:avLst/>
+                </a:prstGeom>
+                <a:solidFill>
+                  <a:schemeClr val="bg1"/>
+                </a:solidFill>
+                <a:ln>
+                  <a:noFill/>
+                </a:ln>
+              </p:spPr>
+              <p:style>
+                <a:lnRef idx="2">
+                  <a:schemeClr val="accent1">
+                    <a:shade val="50000"/>
+                  </a:schemeClr>
+                </a:lnRef>
+                <a:fillRef idx="1">
+                  <a:schemeClr val="accent1"/>
+                </a:fillRef>
+                <a:effectRef idx="0">
+                  <a:schemeClr val="accent1"/>
+                </a:effectRef>
+                <a:fontRef idx="minor">
+                  <a:schemeClr val="lt1"/>
+                </a:fontRef>
+              </p:style>
+              <p:txBody>
+                <a:bodyPr rtlCol="0" anchor="ctr"/>
+                <a:lstStyle/>
+                <a:p>
+                  <a:pPr algn="ctr"/>
+                  <a:r>
+                    <a:rPr lang="en-US" sz="1600" dirty="0"/>
+                    <a:t>ML</a:t>
+                  </a:r>
+                  <a:endParaRPr lang="en-US" dirty="0"/>
+                </a:p>
+              </p:txBody>
+            </p:sp>
+            <p:cxnSp>
+              <p:nvCxnSpPr>
+                <p:cNvPr id="17" name="Straight Arrow Connector 16">
+                  <a:extLst>
+                    <a:ext uri="{FF2B5EF4-FFF2-40B4-BE49-F238E27FC236}">
+                      <a16:creationId xmlns:a16="http://schemas.microsoft.com/office/drawing/2014/main" id="{B4F4F91A-8079-D244-9C83-E6466BD0829E}"/>
+                    </a:ext>
+                  </a:extLst>
+                </p:cNvPr>
+                <p:cNvCxnSpPr>
+                  <a:cxnSpLocks/>
+                  <a:stCxn id="7" idx="1"/>
+                </p:cNvCxnSpPr>
+                <p:nvPr/>
+              </p:nvCxnSpPr>
+              <p:spPr>
+                <a:xfrm flipH="1">
+                  <a:off x="5926238" y="5428527"/>
+                  <a:ext cx="1134319" cy="0"/>
+                </a:xfrm>
+                <a:prstGeom prst="straightConnector1">
+                  <a:avLst/>
+                </a:prstGeom>
+                <a:ln w="19050">
+                  <a:tailEnd type="triangle"/>
+                </a:ln>
+              </p:spPr>
+              <p:style>
+                <a:lnRef idx="1">
+                  <a:schemeClr val="accent1"/>
+                </a:lnRef>
+                <a:fillRef idx="0">
+                  <a:schemeClr val="accent1"/>
+                </a:fillRef>
+                <a:effectRef idx="0">
+                  <a:schemeClr val="accent1"/>
+                </a:effectRef>
+                <a:fontRef idx="minor">
+                  <a:schemeClr val="tx1"/>
+                </a:fontRef>
+              </p:style>
+            </p:cxnSp>
+          </p:grpSp>
+        </p:grpSp>
+        <p:sp>
+          <p:nvSpPr>
+            <p:cNvPr id="25" name="TextBox 24">
+              <a:extLst>
+                <a:ext uri="{FF2B5EF4-FFF2-40B4-BE49-F238E27FC236}">
+                  <a16:creationId xmlns:a16="http://schemas.microsoft.com/office/drawing/2014/main" id="{7E776BEB-6BDC-3245-90E8-8CE5DD952BA6}"/>
+                </a:ext>
+              </a:extLst>
+            </p:cNvPr>
+            <p:cNvSpPr txBox="1"/>
+            <p:nvPr/>
+          </p:nvSpPr>
+          <p:spPr>
+            <a:xfrm>
+              <a:off x="6206574" y="2492850"/>
+              <a:ext cx="1095597" cy="369332"/>
+            </a:xfrm>
+            <a:prstGeom prst="rect">
+              <a:avLst/>
+            </a:prstGeom>
+            <a:noFill/>
+          </p:spPr>
+          <p:txBody>
+            <a:bodyPr wrap="square" rtlCol="0">
+              <a:spAutoFit/>
+            </a:bodyPr>
+            <a:lstStyle/>
+            <a:p>
+              <a:r>
+                <a:rPr lang="en-US" b="1" dirty="0"/>
+                <a:t>Process</a:t>
+              </a:r>
+            </a:p>
+          </p:txBody>
+        </p:sp>
+        <p:cxnSp>
+          <p:nvCxnSpPr>
+            <p:cNvPr id="27" name="Straight Arrow Connector 26">
+              <a:extLst>
+                <a:ext uri="{FF2B5EF4-FFF2-40B4-BE49-F238E27FC236}">
+                  <a16:creationId xmlns:a16="http://schemas.microsoft.com/office/drawing/2014/main" id="{89BE7448-354D-894C-9C4C-DDD39B2E99AC}"/>
+                </a:ext>
+              </a:extLst>
+            </p:cNvPr>
+            <p:cNvCxnSpPr>
+              <a:cxnSpLocks/>
+            </p:cNvCxnSpPr>
+            <p:nvPr/>
+          </p:nvCxnSpPr>
+          <p:spPr>
+            <a:xfrm flipH="1" flipV="1">
+              <a:off x="7104457" y="2689181"/>
+              <a:ext cx="1101994" cy="1"/>
+            </a:xfrm>
+            <a:prstGeom prst="straightConnector1">
+              <a:avLst/>
+            </a:prstGeom>
+            <a:ln w="19050">
+              <a:solidFill>
+                <a:schemeClr val="accent1">
+                  <a:lumMod val="20000"/>
+                  <a:lumOff val="80000"/>
+                </a:schemeClr>
+              </a:solidFill>
+              <a:tailEnd type="triangle"/>
+            </a:ln>
+          </p:spPr>
+          <p:style>
+            <a:lnRef idx="1">
+              <a:schemeClr val="accent1"/>
+            </a:lnRef>
+            <a:fillRef idx="0">
+              <a:schemeClr val="accent1"/>
+            </a:fillRef>
+            <a:effectRef idx="0">
+              <a:schemeClr val="accent1"/>
+            </a:effectRef>
+            <a:fontRef idx="minor">
+              <a:schemeClr val="tx1"/>
+            </a:fontRef>
+          </p:style>
+        </p:cxnSp>
+      </p:grpSp>
     </p:spTree>
     <p:extLst>
       <p:ext uri="{BB962C8B-B14F-4D97-AF65-F5344CB8AC3E}">
@@ -6970,6 +7987,76 @@
           </a:p>
         </p:txBody>
       </p:sp>
+      <p:pic>
+        <p:nvPicPr>
+          <p:cNvPr id="9" name="Picture 8" descr="A picture containing plane, airplane, red, runway&#10;&#10;Description automatically generated">
+            <a:extLst>
+              <a:ext uri="{FF2B5EF4-FFF2-40B4-BE49-F238E27FC236}">
+                <a16:creationId xmlns:a16="http://schemas.microsoft.com/office/drawing/2014/main" id="{7F0D42C0-1245-8C4B-8295-A335A1A9D102}"/>
+              </a:ext>
+            </a:extLst>
+          </p:cNvPr>
+          <p:cNvPicPr>
+            <a:picLocks noChangeAspect="1"/>
+          </p:cNvPicPr>
+          <p:nvPr/>
+        </p:nvPicPr>
+        <p:blipFill rotWithShape="1">
+          <a:blip r:embed="rId3">
+            <a:extLst>
+              <a:ext uri="{BEBA8EAE-BF5A-486C-A8C5-ECC9F3942E4B}">
+                <a14:imgProps xmlns:a14="http://schemas.microsoft.com/office/drawing/2010/main">
+                  <a14:imgLayer r:embed="rId4">
+                    <a14:imgEffect>
+                      <a14:backgroundRemoval t="34875" b="65000" l="3250" r="94500">
+                        <a14:foregroundMark x1="7250" y1="49625" x2="7250" y2="49625"/>
+                        <a14:foregroundMark x1="3250" y1="49375" x2="3250" y2="49375"/>
+                        <a14:foregroundMark x1="57000" y1="52250" x2="57000" y2="52250"/>
+                        <a14:foregroundMark x1="90375" y1="49000" x2="90375" y2="49000"/>
+                        <a14:foregroundMark x1="94500" y1="48500" x2="94500" y2="48500"/>
+                        <a14:foregroundMark x1="50250" y1="41875" x2="50250" y2="41875"/>
+                        <a14:foregroundMark x1="51875" y1="42000" x2="51875" y2="42000"/>
+                        <a14:foregroundMark x1="47250" y1="42125" x2="47250" y2="42125"/>
+                        <a14:foregroundMark x1="47250" y1="41250" x2="47250" y2="41250"/>
+                        <a14:foregroundMark x1="49375" y1="39625" x2="49375" y2="39625"/>
+                        <a14:foregroundMark x1="49375" y1="39500" x2="49375" y2="39500"/>
+                        <a14:foregroundMark x1="49375" y1="39250" x2="49375" y2="39250"/>
+                        <a14:foregroundMark x1="49875" y1="39625" x2="49875" y2="39625"/>
+                        <a14:foregroundMark x1="50625" y1="39625" x2="50625" y2="39625"/>
+                        <a14:foregroundMark x1="51000" y1="39875" x2="51000" y2="39875"/>
+                        <a14:foregroundMark x1="47750" y1="40125" x2="47750" y2="40125"/>
+                        <a14:foregroundMark x1="46875" y1="41125" x2="46875" y2="41125"/>
+                        <a14:foregroundMark x1="46625" y1="42125" x2="46625" y2="42125"/>
+                        <a14:foregroundMark x1="46375" y1="43000" x2="46375" y2="43000"/>
+                        <a14:foregroundMark x1="46750" y1="43625" x2="46750" y2="43625"/>
+                        <a14:foregroundMark x1="46500" y1="43875" x2="46500" y2="43875"/>
+                        <a14:foregroundMark x1="40000" y1="48375" x2="40000" y2="48375"/>
+                        <a14:backgroundMark x1="28000" y1="57875" x2="28000" y2="57875"/>
+                        <a14:backgroundMark x1="42000" y1="57750" x2="42000" y2="57750"/>
+                        <a14:backgroundMark x1="40500" y1="58625" x2="40500" y2="58625"/>
+                        <a14:backgroundMark x1="40250" y1="58125" x2="46125" y2="60500"/>
+                        <a14:backgroundMark x1="53125" y1="56750" x2="59750" y2="65000"/>
+                        <a14:backgroundMark x1="59750" y1="65000" x2="55375" y2="60125"/>
+                      </a14:backgroundRemoval>
+                    </a14:imgEffect>
+                  </a14:imgLayer>
+                </a14:imgProps>
+              </a:ext>
+            </a:extLst>
+          </a:blip>
+          <a:srcRect t="31179" r="1250" b="31239"/>
+          <a:stretch/>
+        </p:blipFill>
+        <p:spPr>
+          <a:xfrm rot="20437590">
+            <a:off x="10922980" y="317543"/>
+            <a:ext cx="1109015" cy="422329"/>
+          </a:xfrm>
+          <a:prstGeom prst="rect">
+            <a:avLst/>
+          </a:prstGeom>
+        </p:spPr>
+      </p:pic>
     </p:spTree>
     <p:extLst>
       <p:ext uri="{BB962C8B-B14F-4D97-AF65-F5344CB8AC3E}">
@@ -7431,7 +8518,7 @@
               <a:buChar char="•"/>
             </a:pPr>
             <a:r>
-              <a:rPr lang="en-US" sz="1600" dirty="0"/>
+              <a:rPr lang="en-US" sz="1600" b="1" dirty="0"/>
               <a:t>Data Source:</a:t>
             </a:r>
           </a:p>
@@ -7445,20 +8532,8 @@
               </a:spcAft>
             </a:pPr>
             <a:r>
-              <a:rPr lang="en-US" dirty="0" err="1"/>
-              <a:t>Keipour</a:t>
-            </a:r>
-            <a:r>
               <a:rPr lang="en-US" dirty="0"/>
-              <a:t>, A., Mohammadreza </a:t>
-            </a:r>
-            <a:r>
-              <a:rPr lang="en-US" dirty="0" err="1"/>
-              <a:t>Mousaei</a:t>
-            </a:r>
-            <a:r>
-              <a:rPr lang="en-US" dirty="0"/>
-              <a:t>, &amp; Scherer, S. (2020). </a:t>
+              <a:t>Keipour, A., Mohammadreza Mousaei, &amp; Scherer, S. (2020). </a:t>
             </a:r>
             <a:r>
               <a:rPr lang="en-US" i="1" dirty="0"/>
@@ -7466,15 +8541,7 @@
             </a:r>
             <a:r>
               <a:rPr lang="en-US" dirty="0"/>
-              <a:t> [Data set]. Carnegie Mellon University. https://</a:t>
-            </a:r>
-            <a:r>
-              <a:rPr lang="en-US" dirty="0" err="1"/>
-              <a:t>doi.org</a:t>
-            </a:r>
-            <a:r>
-              <a:rPr lang="en-US" dirty="0"/>
-              <a:t>/10.1184/R1/12707963</a:t>
+              <a:t> [Data set]. Carnegie Mellon University. https://doi.org/10.1184/R1/12707963</a:t>
             </a:r>
             <a:r>
               <a:rPr lang="en-US" sz="1600" dirty="0"/>
@@ -7506,7 +8573,7 @@
               <a:buChar char="•"/>
             </a:pPr>
             <a:r>
-              <a:rPr lang="en-US" sz="1600" dirty="0"/>
+              <a:rPr lang="en-US" sz="1600" b="1" dirty="0"/>
               <a:t>Project Code:</a:t>
             </a:r>
           </a:p>
@@ -7521,29 +8588,8 @@
             </a:pPr>
             <a:r>
               <a:rPr lang="en-US" sz="1600" dirty="0"/>
-              <a:t>Mbaya, J.(2021).GITHUB: https://</a:t>
-            </a:r>
-            <a:r>
-              <a:rPr lang="en-US" sz="1600" dirty="0" err="1"/>
-              <a:t>github.com</a:t>
-            </a:r>
-            <a:r>
-              <a:rPr lang="en-US" sz="1600" dirty="0"/>
-              <a:t>/</a:t>
-            </a:r>
-            <a:r>
-              <a:rPr lang="en-US" sz="1600" dirty="0" err="1"/>
-              <a:t>MrAshTag</a:t>
-            </a:r>
-            <a:r>
-              <a:rPr lang="en-US" sz="1600" dirty="0"/>
-              <a:t>/</a:t>
-            </a:r>
-            <a:r>
-              <a:rPr lang="en-US" sz="1600" dirty="0" err="1"/>
-              <a:t>Drone_Faults_Anomaly_Dectection</a:t>
-            </a:r>
-            <a:endParaRPr lang="en-US" sz="1600" dirty="0"/>
+              <a:t>Mbaya, J.(2021).GITHUB: https://github.com/MrAshTag/Drone_Faults_Anomaly_Dectection</a:t>
+            </a:r>
           </a:p>
           <a:p>
             <a:pPr marL="57150">
@@ -7584,6 +8630,76 @@
           </a:p>
         </p:txBody>
       </p:sp>
+      <p:pic>
+        <p:nvPicPr>
+          <p:cNvPr id="9" name="Picture 8" descr="A picture containing plane, airplane, red, runway&#10;&#10;Description automatically generated">
+            <a:extLst>
+              <a:ext uri="{FF2B5EF4-FFF2-40B4-BE49-F238E27FC236}">
+                <a16:creationId xmlns:a16="http://schemas.microsoft.com/office/drawing/2014/main" id="{A5591FCB-8D01-D54F-AEA4-03BEF3B2A930}"/>
+              </a:ext>
+            </a:extLst>
+          </p:cNvPr>
+          <p:cNvPicPr>
+            <a:picLocks noChangeAspect="1"/>
+          </p:cNvPicPr>
+          <p:nvPr/>
+        </p:nvPicPr>
+        <p:blipFill rotWithShape="1">
+          <a:blip r:embed="rId3">
+            <a:extLst>
+              <a:ext uri="{BEBA8EAE-BF5A-486C-A8C5-ECC9F3942E4B}">
+                <a14:imgProps xmlns:a14="http://schemas.microsoft.com/office/drawing/2010/main">
+                  <a14:imgLayer r:embed="rId4">
+                    <a14:imgEffect>
+                      <a14:backgroundRemoval t="34875" b="65000" l="3250" r="94500">
+                        <a14:foregroundMark x1="7250" y1="49625" x2="7250" y2="49625"/>
+                        <a14:foregroundMark x1="3250" y1="49375" x2="3250" y2="49375"/>
+                        <a14:foregroundMark x1="57000" y1="52250" x2="57000" y2="52250"/>
+                        <a14:foregroundMark x1="90375" y1="49000" x2="90375" y2="49000"/>
+                        <a14:foregroundMark x1="94500" y1="48500" x2="94500" y2="48500"/>
+                        <a14:foregroundMark x1="50250" y1="41875" x2="50250" y2="41875"/>
+                        <a14:foregroundMark x1="51875" y1="42000" x2="51875" y2="42000"/>
+                        <a14:foregroundMark x1="47250" y1="42125" x2="47250" y2="42125"/>
+                        <a14:foregroundMark x1="47250" y1="41250" x2="47250" y2="41250"/>
+                        <a14:foregroundMark x1="49375" y1="39625" x2="49375" y2="39625"/>
+                        <a14:foregroundMark x1="49375" y1="39500" x2="49375" y2="39500"/>
+                        <a14:foregroundMark x1="49375" y1="39250" x2="49375" y2="39250"/>
+                        <a14:foregroundMark x1="49875" y1="39625" x2="49875" y2="39625"/>
+                        <a14:foregroundMark x1="50625" y1="39625" x2="50625" y2="39625"/>
+                        <a14:foregroundMark x1="51000" y1="39875" x2="51000" y2="39875"/>
+                        <a14:foregroundMark x1="47750" y1="40125" x2="47750" y2="40125"/>
+                        <a14:foregroundMark x1="46875" y1="41125" x2="46875" y2="41125"/>
+                        <a14:foregroundMark x1="46625" y1="42125" x2="46625" y2="42125"/>
+                        <a14:foregroundMark x1="46375" y1="43000" x2="46375" y2="43000"/>
+                        <a14:foregroundMark x1="46750" y1="43625" x2="46750" y2="43625"/>
+                        <a14:foregroundMark x1="46500" y1="43875" x2="46500" y2="43875"/>
+                        <a14:foregroundMark x1="40000" y1="48375" x2="40000" y2="48375"/>
+                        <a14:backgroundMark x1="28000" y1="57875" x2="28000" y2="57875"/>
+                        <a14:backgroundMark x1="42000" y1="57750" x2="42000" y2="57750"/>
+                        <a14:backgroundMark x1="40500" y1="58625" x2="40500" y2="58625"/>
+                        <a14:backgroundMark x1="40250" y1="58125" x2="46125" y2="60500"/>
+                        <a14:backgroundMark x1="53125" y1="56750" x2="59750" y2="65000"/>
+                        <a14:backgroundMark x1="59750" y1="65000" x2="55375" y2="60125"/>
+                      </a14:backgroundRemoval>
+                    </a14:imgEffect>
+                  </a14:imgLayer>
+                </a14:imgProps>
+              </a:ext>
+            </a:extLst>
+          </a:blip>
+          <a:srcRect t="31179" r="1250" b="31239"/>
+          <a:stretch/>
+        </p:blipFill>
+        <p:spPr>
+          <a:xfrm rot="20437590">
+            <a:off x="10922980" y="317543"/>
+            <a:ext cx="1109015" cy="422329"/>
+          </a:xfrm>
+          <a:prstGeom prst="rect">
+            <a:avLst/>
+          </a:prstGeom>
+        </p:spPr>
+      </p:pic>
     </p:spTree>
     <p:extLst>
       <p:ext uri="{BB962C8B-B14F-4D97-AF65-F5344CB8AC3E}">
@@ -7596,12 +8712,12 @@
   </p:clrMapOvr>
   <mc:AlternateContent xmlns:mc="http://schemas.openxmlformats.org/markup-compatibility/2006">
     <mc:Choice xmlns:p14="http://schemas.microsoft.com/office/powerpoint/2010/main" Requires="p14">
-      <p:transition spd="slow" p14:dur="1600">
+      <p:transition spd="slow" p14:dur="1600" advTm="3">
         <p14:gallery dir="l"/>
       </p:transition>
     </mc:Choice>
     <mc:Fallback>
-      <p:transition spd="slow">
+      <p:transition spd="slow" advTm="3">
         <p:fade/>
       </p:transition>
     </mc:Fallback>

--- a/Drone_Faults_and_Anomaly_detection.pptx
+++ b/Drone_Faults_and_Anomaly_detection.pptx
@@ -6,12 +6,15 @@
   </p:sldMasterIdLst>
   <p:sldIdLst>
     <p:sldId id="256" r:id="rId2"/>
-    <p:sldId id="257" r:id="rId3"/>
-    <p:sldId id="258" r:id="rId4"/>
-    <p:sldId id="259" r:id="rId5"/>
-    <p:sldId id="260" r:id="rId6"/>
-    <p:sldId id="261" r:id="rId7"/>
-    <p:sldId id="262" r:id="rId8"/>
+    <p:sldId id="263" r:id="rId3"/>
+    <p:sldId id="257" r:id="rId4"/>
+    <p:sldId id="258" r:id="rId5"/>
+    <p:sldId id="259" r:id="rId6"/>
+    <p:sldId id="260" r:id="rId7"/>
+    <p:sldId id="261" r:id="rId8"/>
+    <p:sldId id="264" r:id="rId9"/>
+    <p:sldId id="262" r:id="rId10"/>
+    <p:sldId id="265" r:id="rId11"/>
   </p:sldIdLst>
   <p:sldSz cx="12192000" cy="6858000"/>
   <p:notesSz cx="6858000" cy="9144000"/>
@@ -3902,6 +3905,11 @@
               <a:alpha val="87843"/>
             </a:srgbClr>
           </a:solidFill>
+          <a:ln w="57150">
+            <a:solidFill>
+              <a:srgbClr val="FFC000"/>
+            </a:solidFill>
+          </a:ln>
         </p:spPr>
         <p:txBody>
           <a:bodyPr wrap="square" rtlCol="0">
@@ -3975,18 +3983,370 @@
   <p:clrMapOvr>
     <a:masterClrMapping/>
   </p:clrMapOvr>
-  <mc:AlternateContent xmlns:mc="http://schemas.openxmlformats.org/markup-compatibility/2006">
-    <mc:Choice xmlns:p14="http://schemas.microsoft.com/office/powerpoint/2010/main" Requires="p14">
+  <mc:AlternateContent xmlns:mc="http://schemas.openxmlformats.org/markup-compatibility/2006" xmlns:p14="http://schemas.microsoft.com/office/powerpoint/2010/main">
+    <mc:Choice Requires="p14">
       <p:transition spd="slow" p14:dur="8000">
         <p14:vortex dir="r"/>
       </p:transition>
     </mc:Choice>
-    <mc:Fallback>
+    <mc:Fallback xmlns="">
       <p:transition spd="slow">
         <p:fade/>
       </p:transition>
     </mc:Fallback>
   </mc:AlternateContent>
+</p:sld>
+</file>
+
+<file path=ppt/slides/slide10.xml><?xml version="1.0" encoding="utf-8"?>
+<p:sld xmlns:a="http://schemas.openxmlformats.org/drawingml/2006/main" xmlns:r="http://schemas.openxmlformats.org/officeDocument/2006/relationships" xmlns:p="http://schemas.openxmlformats.org/presentationml/2006/main">
+  <p:cSld>
+    <p:bg>
+      <p:bgPr>
+        <a:solidFill>
+          <a:srgbClr val="000000"/>
+        </a:solidFill>
+        <a:effectLst/>
+      </p:bgPr>
+    </p:bg>
+    <p:spTree>
+      <p:nvGrpSpPr>
+        <p:cNvPr id="1" name=""/>
+        <p:cNvGrpSpPr/>
+        <p:nvPr/>
+      </p:nvGrpSpPr>
+      <p:grpSpPr>
+        <a:xfrm>
+          <a:off x="0" y="0"/>
+          <a:ext cx="0" cy="0"/>
+          <a:chOff x="0" y="0"/>
+          <a:chExt cx="0" cy="0"/>
+        </a:xfrm>
+      </p:grpSpPr>
+      <p:sp>
+        <p:nvSpPr>
+          <p:cNvPr id="15" name="Rectangle 14">
+            <a:extLst>
+              <a:ext uri="{FF2B5EF4-FFF2-40B4-BE49-F238E27FC236}">
+                <a16:creationId xmlns:a16="http://schemas.microsoft.com/office/drawing/2014/main" id="{71B2258F-86CA-4D4D-8270-BC05FCDEBFB3}"/>
+              </a:ext>
+              <a:ext uri="{C183D7F6-B498-43B3-948B-1728B52AA6E4}">
+                <adec:decorative xmlns:adec="http://schemas.microsoft.com/office/drawing/2017/decorative" val="1"/>
+              </a:ext>
+            </a:extLst>
+          </p:cNvPr>
+          <p:cNvSpPr>
+            <a:spLocks noGrp="1" noRot="1" noChangeAspect="1" noMove="1" noResize="1" noEditPoints="1" noAdjustHandles="1" noChangeArrowheads="1" noChangeShapeType="1" noTextEdit="1"/>
+          </p:cNvSpPr>
+          <p:nvPr>
+            <p:extLst>
+              <p:ext uri="{386F3935-93C4-4BCD-93E2-E3B085C9AB24}">
+                <p16:designElem xmlns:p16="http://schemas.microsoft.com/office/powerpoint/2015/main" val="1"/>
+              </p:ext>
+            </p:extLst>
+          </p:nvPr>
+        </p:nvSpPr>
+        <p:spPr>
+          <a:xfrm>
+            <a:off x="0" y="0"/>
+            <a:ext cx="12192000" cy="6857999"/>
+          </a:xfrm>
+          <a:prstGeom prst="rect">
+            <a:avLst/>
+          </a:prstGeom>
+          <a:solidFill>
+            <a:srgbClr val="000000"/>
+          </a:solidFill>
+          <a:ln>
+            <a:noFill/>
+          </a:ln>
+        </p:spPr>
+        <p:style>
+          <a:lnRef idx="2">
+            <a:schemeClr val="accent1">
+              <a:shade val="50000"/>
+            </a:schemeClr>
+          </a:lnRef>
+          <a:fillRef idx="1">
+            <a:schemeClr val="accent1"/>
+          </a:fillRef>
+          <a:effectRef idx="0">
+            <a:schemeClr val="accent1"/>
+          </a:effectRef>
+          <a:fontRef idx="minor">
+            <a:schemeClr val="lt1"/>
+          </a:fontRef>
+        </p:style>
+        <p:txBody>
+          <a:bodyPr rtlCol="0" anchor="ctr"/>
+          <a:lstStyle/>
+          <a:p>
+            <a:pPr algn="ctr"/>
+            <a:endParaRPr lang="en-US"/>
+          </a:p>
+        </p:txBody>
+      </p:sp>
+      <p:pic>
+        <p:nvPicPr>
+          <p:cNvPr id="3" name="Picture 2" descr="A picture containing plane, airplane, red, runway&#10;&#10;Description automatically generated">
+            <a:extLst>
+              <a:ext uri="{FF2B5EF4-FFF2-40B4-BE49-F238E27FC236}">
+                <a16:creationId xmlns:a16="http://schemas.microsoft.com/office/drawing/2014/main" id="{5F347243-0F29-9149-B700-9D706F6F6D1B}"/>
+              </a:ext>
+            </a:extLst>
+          </p:cNvPr>
+          <p:cNvPicPr>
+            <a:picLocks noChangeAspect="1"/>
+          </p:cNvPicPr>
+          <p:nvPr/>
+        </p:nvPicPr>
+        <p:blipFill rotWithShape="1">
+          <a:blip r:embed="rId2">
+            <a:alphaModFix amt="22000"/>
+            <a:extLst>
+              <a:ext uri="{BEBA8EAE-BF5A-486C-A8C5-ECC9F3942E4B}">
+                <a14:imgProps xmlns:a14="http://schemas.microsoft.com/office/drawing/2010/main">
+                  <a14:imgLayer r:embed="rId3">
+                    <a14:imgEffect>
+                      <a14:backgroundRemoval t="34875" b="65000" l="3250" r="94500">
+                        <a14:foregroundMark x1="7250" y1="49625" x2="7250" y2="49625"/>
+                        <a14:foregroundMark x1="3250" y1="49375" x2="3250" y2="49375"/>
+                        <a14:foregroundMark x1="57000" y1="52250" x2="57000" y2="52250"/>
+                        <a14:foregroundMark x1="90375" y1="49000" x2="90375" y2="49000"/>
+                        <a14:foregroundMark x1="94500" y1="48500" x2="94500" y2="48500"/>
+                        <a14:foregroundMark x1="50250" y1="41875" x2="50250" y2="41875"/>
+                        <a14:foregroundMark x1="51875" y1="42000" x2="51875" y2="42000"/>
+                        <a14:foregroundMark x1="47250" y1="42125" x2="47250" y2="42125"/>
+                        <a14:foregroundMark x1="47250" y1="41250" x2="47250" y2="41250"/>
+                        <a14:foregroundMark x1="49375" y1="39625" x2="49375" y2="39625"/>
+                        <a14:foregroundMark x1="49375" y1="39500" x2="49375" y2="39500"/>
+                        <a14:foregroundMark x1="49375" y1="39250" x2="49375" y2="39250"/>
+                        <a14:foregroundMark x1="49875" y1="39625" x2="49875" y2="39625"/>
+                        <a14:foregroundMark x1="50625" y1="39625" x2="50625" y2="39625"/>
+                        <a14:foregroundMark x1="51000" y1="39875" x2="51000" y2="39875"/>
+                        <a14:foregroundMark x1="47750" y1="40125" x2="47750" y2="40125"/>
+                        <a14:foregroundMark x1="46875" y1="41125" x2="46875" y2="41125"/>
+                        <a14:foregroundMark x1="46625" y1="42125" x2="46625" y2="42125"/>
+                        <a14:foregroundMark x1="46375" y1="43000" x2="46375" y2="43000"/>
+                        <a14:foregroundMark x1="46750" y1="43625" x2="46750" y2="43625"/>
+                        <a14:foregroundMark x1="46500" y1="43875" x2="46500" y2="43875"/>
+                        <a14:foregroundMark x1="40000" y1="48375" x2="40000" y2="48375"/>
+                        <a14:backgroundMark x1="28000" y1="57875" x2="28000" y2="57875"/>
+                        <a14:backgroundMark x1="42000" y1="57750" x2="42000" y2="57750"/>
+                        <a14:backgroundMark x1="40500" y1="58625" x2="40500" y2="58625"/>
+                        <a14:backgroundMark x1="40250" y1="58125" x2="46125" y2="60500"/>
+                        <a14:backgroundMark x1="53125" y1="56750" x2="59750" y2="65000"/>
+                        <a14:backgroundMark x1="59750" y1="65000" x2="55375" y2="60125"/>
+                      </a14:backgroundRemoval>
+                    </a14:imgEffect>
+                  </a14:imgLayer>
+                </a14:imgProps>
+              </a:ext>
+            </a:extLst>
+          </a:blip>
+          <a:srcRect t="21394" b="22356"/>
+          <a:stretch/>
+        </p:blipFill>
+        <p:spPr>
+          <a:xfrm>
+            <a:off x="4045688" y="1122395"/>
+            <a:ext cx="4100624" cy="2306604"/>
+          </a:xfrm>
+          <a:prstGeom prst="rect">
+            <a:avLst/>
+          </a:prstGeom>
+        </p:spPr>
+      </p:pic>
+      <p:sp>
+        <p:nvSpPr>
+          <p:cNvPr id="2" name="Title 1">
+            <a:extLst>
+              <a:ext uri="{FF2B5EF4-FFF2-40B4-BE49-F238E27FC236}">
+                <a16:creationId xmlns:a16="http://schemas.microsoft.com/office/drawing/2014/main" id="{EA8F413F-25BE-C442-9AFC-0A5AF845B63A}"/>
+              </a:ext>
+            </a:extLst>
+          </p:cNvPr>
+          <p:cNvSpPr>
+            <a:spLocks noGrp="1"/>
+          </p:cNvSpPr>
+          <p:nvPr>
+            <p:ph type="title"/>
+          </p:nvPr>
+        </p:nvSpPr>
+        <p:spPr>
+          <a:xfrm>
+            <a:off x="1524000" y="1122362"/>
+            <a:ext cx="9144000" cy="2900518"/>
+          </a:xfrm>
+        </p:spPr>
+        <p:txBody>
+          <a:bodyPr vert="horz" lIns="91440" tIns="45720" rIns="91440" bIns="45720" rtlCol="0" anchor="b">
+            <a:normAutofit/>
+          </a:bodyPr>
+          <a:lstStyle/>
+          <a:p>
+            <a:pPr algn="ctr"/>
+            <a:r>
+              <a:rPr lang="en-US" sz="8800" dirty="0">
+                <a:solidFill>
+                  <a:srgbClr val="FFFFFF"/>
+                </a:solidFill>
+              </a:rPr>
+              <a:t>QUESTIONS?</a:t>
+            </a:r>
+            <a:endParaRPr lang="en-US" sz="6000" dirty="0">
+              <a:solidFill>
+                <a:srgbClr val="FFFFFF"/>
+              </a:solidFill>
+            </a:endParaRPr>
+          </a:p>
+        </p:txBody>
+      </p:sp>
+      <p:cxnSp>
+        <p:nvCxnSpPr>
+          <p:cNvPr id="7" name="Straight Connector 6">
+            <a:extLst>
+              <a:ext uri="{FF2B5EF4-FFF2-40B4-BE49-F238E27FC236}">
+                <a16:creationId xmlns:a16="http://schemas.microsoft.com/office/drawing/2014/main" id="{B60AFF5A-9D4B-2045-889A-E14E4DBC807C}"/>
+              </a:ext>
+            </a:extLst>
+          </p:cNvPr>
+          <p:cNvCxnSpPr>
+            <a:cxnSpLocks/>
+          </p:cNvCxnSpPr>
+          <p:nvPr/>
+        </p:nvCxnSpPr>
+        <p:spPr>
+          <a:xfrm>
+            <a:off x="0" y="3334887"/>
+            <a:ext cx="3253563" cy="0"/>
+          </a:xfrm>
+          <a:prstGeom prst="line">
+            <a:avLst/>
+          </a:prstGeom>
+          <a:ln w="57150">
+            <a:solidFill>
+              <a:srgbClr val="FFC000"/>
+            </a:solidFill>
+          </a:ln>
+        </p:spPr>
+        <p:style>
+          <a:lnRef idx="1">
+            <a:schemeClr val="accent1"/>
+          </a:lnRef>
+          <a:fillRef idx="0">
+            <a:schemeClr val="accent1"/>
+          </a:fillRef>
+          <a:effectRef idx="0">
+            <a:schemeClr val="accent1"/>
+          </a:effectRef>
+          <a:fontRef idx="minor">
+            <a:schemeClr val="tx1"/>
+          </a:fontRef>
+        </p:style>
+      </p:cxnSp>
+    </p:spTree>
+    <p:extLst>
+      <p:ext uri="{BB962C8B-B14F-4D97-AF65-F5344CB8AC3E}">
+        <p14:creationId xmlns:p14="http://schemas.microsoft.com/office/powerpoint/2010/main" val="3574470395"/>
+      </p:ext>
+    </p:extLst>
+  </p:cSld>
+  <p:clrMapOvr>
+    <a:overrideClrMapping bg1="dk1" tx1="lt1" bg2="dk2" tx2="lt2" accent1="accent1" accent2="accent2" accent3="accent3" accent4="accent4" accent5="accent5" accent6="accent6" hlink="hlink" folHlink="folHlink"/>
+  </p:clrMapOvr>
+  <p:timing>
+    <p:tnLst>
+      <p:par>
+        <p:cTn id="1" dur="indefinite" restart="never" nodeType="tmRoot">
+          <p:childTnLst>
+            <p:seq concurrent="1" nextAc="seek">
+              <p:cTn id="2" dur="indefinite" nodeType="mainSeq">
+                <p:childTnLst>
+                  <p:par>
+                    <p:cTn id="3" fill="hold">
+                      <p:stCondLst>
+                        <p:cond delay="indefinite"/>
+                        <p:cond evt="onBegin" delay="0">
+                          <p:tn val="2"/>
+                        </p:cond>
+                      </p:stCondLst>
+                      <p:childTnLst>
+                        <p:par>
+                          <p:cTn id="4" fill="hold">
+                            <p:stCondLst>
+                              <p:cond delay="0"/>
+                            </p:stCondLst>
+                            <p:childTnLst>
+                              <p:par>
+                                <p:cTn id="5" presetID="10" presetClass="entr" presetSubtype="0" fill="hold" grpId="0" nodeType="withEffect">
+                                  <p:stCondLst>
+                                    <p:cond delay="500"/>
+                                  </p:stCondLst>
+                                  <p:iterate type="wd">
+                                    <p:tmPct val="15000"/>
+                                  </p:iterate>
+                                  <p:childTnLst>
+                                    <p:set>
+                                      <p:cBhvr>
+                                        <p:cTn id="6" dur="1" fill="hold">
+                                          <p:stCondLst>
+                                            <p:cond delay="0"/>
+                                          </p:stCondLst>
+                                        </p:cTn>
+                                        <p:tgtEl>
+                                          <p:spTgt spid="2"/>
+                                        </p:tgtEl>
+                                        <p:attrNameLst>
+                                          <p:attrName>style.visibility</p:attrName>
+                                        </p:attrNameLst>
+                                      </p:cBhvr>
+                                      <p:to>
+                                        <p:strVal val="visible"/>
+                                      </p:to>
+                                    </p:set>
+                                    <p:animEffect transition="in" filter="fade">
+                                      <p:cBhvr>
+                                        <p:cTn id="7" dur="1000"/>
+                                        <p:tgtEl>
+                                          <p:spTgt spid="2"/>
+                                        </p:tgtEl>
+                                      </p:cBhvr>
+                                    </p:animEffect>
+                                  </p:childTnLst>
+                                </p:cTn>
+                              </p:par>
+                            </p:childTnLst>
+                          </p:cTn>
+                        </p:par>
+                      </p:childTnLst>
+                    </p:cTn>
+                  </p:par>
+                </p:childTnLst>
+              </p:cTn>
+              <p:prevCondLst>
+                <p:cond evt="onPrev" delay="0">
+                  <p:tgtEl>
+                    <p:sldTgt/>
+                  </p:tgtEl>
+                </p:cond>
+              </p:prevCondLst>
+              <p:nextCondLst>
+                <p:cond evt="onNext" delay="0">
+                  <p:tgtEl>
+                    <p:sldTgt/>
+                  </p:tgtEl>
+                </p:cond>
+              </p:nextCondLst>
+            </p:seq>
+          </p:childTnLst>
+        </p:cTn>
+      </p:par>
+    </p:tnLst>
+    <p:bldLst>
+      <p:bldP spid="2" grpId="0"/>
+    </p:bldLst>
+  </p:timing>
 </p:sld>
 </file>
 
@@ -4020,10 +4380,774 @@
       </p:grpSpPr>
       <p:sp>
         <p:nvSpPr>
+          <p:cNvPr id="20" name="Rectangle 19">
+            <a:extLst>
+              <a:ext uri="{FF2B5EF4-FFF2-40B4-BE49-F238E27FC236}">
+                <a16:creationId xmlns:a16="http://schemas.microsoft.com/office/drawing/2014/main" id="{2A785343-5D24-4118-A2E4-665D196F60C2}"/>
+              </a:ext>
+              <a:ext uri="{C183D7F6-B498-43B3-948B-1728B52AA6E4}">
+                <adec:decorative xmlns:adec="http://schemas.microsoft.com/office/drawing/2017/decorative" val="1"/>
+              </a:ext>
+            </a:extLst>
+          </p:cNvPr>
+          <p:cNvSpPr>
+            <a:spLocks noGrp="1" noRot="1" noChangeAspect="1" noMove="1" noResize="1" noEditPoints="1" noAdjustHandles="1" noChangeArrowheads="1" noChangeShapeType="1" noTextEdit="1"/>
+          </p:cNvSpPr>
+          <p:nvPr>
+            <p:extLst>
+              <p:ext uri="{386F3935-93C4-4BCD-93E2-E3B085C9AB24}">
+                <p16:designElem xmlns:p16="http://schemas.microsoft.com/office/powerpoint/2015/main" val="1"/>
+              </p:ext>
+            </p:extLst>
+          </p:nvPr>
+        </p:nvSpPr>
+        <p:spPr>
+          <a:xfrm>
+            <a:off x="0" y="0"/>
+            <a:ext cx="12191999" cy="6858000"/>
+          </a:xfrm>
+          <a:prstGeom prst="rect">
+            <a:avLst/>
+          </a:prstGeom>
+          <a:solidFill>
+            <a:schemeClr val="tx1"/>
+          </a:solidFill>
+          <a:ln>
+            <a:noFill/>
+          </a:ln>
+        </p:spPr>
+        <p:style>
+          <a:lnRef idx="2">
+            <a:schemeClr val="accent1">
+              <a:shade val="50000"/>
+            </a:schemeClr>
+          </a:lnRef>
+          <a:fillRef idx="1">
+            <a:schemeClr val="accent1"/>
+          </a:fillRef>
+          <a:effectRef idx="0">
+            <a:schemeClr val="accent1"/>
+          </a:effectRef>
+          <a:fontRef idx="minor">
+            <a:schemeClr val="lt1"/>
+          </a:fontRef>
+        </p:style>
+        <p:txBody>
+          <a:bodyPr rtlCol="0" anchor="ctr"/>
+          <a:lstStyle/>
+          <a:p>
+            <a:pPr marL="0" marR="0" lvl="0" indent="0" algn="ctr" defTabSz="914400" rtl="0" eaLnBrk="1" fontAlgn="auto" latinLnBrk="0" hangingPunct="1">
+              <a:lnSpc>
+                <a:spcPct val="100000"/>
+              </a:lnSpc>
+              <a:spcBef>
+                <a:spcPts val="0"/>
+              </a:spcBef>
+              <a:spcAft>
+                <a:spcPts val="0"/>
+              </a:spcAft>
+              <a:buClrTx/>
+              <a:buSzTx/>
+              <a:buFontTx/>
+              <a:buNone/>
+              <a:tabLst/>
+              <a:defRPr/>
+            </a:pPr>
+            <a:endParaRPr kumimoji="0" lang="en-US" sz="1800" b="0" i="0" u="none" strike="noStrike" kern="1200" cap="none" spc="0" normalizeH="0" baseline="0" noProof="0">
+              <a:ln>
+                <a:noFill/>
+              </a:ln>
+              <a:solidFill>
+                <a:prstClr val="white"/>
+              </a:solidFill>
+              <a:effectLst/>
+              <a:uLnTx/>
+              <a:uFillTx/>
+              <a:latin typeface="Calibri" panose="020F0502020204030204"/>
+              <a:ea typeface="+mn-ea"/>
+              <a:cs typeface="+mn-cs"/>
+            </a:endParaRPr>
+          </a:p>
+        </p:txBody>
+      </p:sp>
+      <p:sp>
+        <p:nvSpPr>
+          <p:cNvPr id="22" name="Freeform 11">
+            <a:extLst>
+              <a:ext uri="{FF2B5EF4-FFF2-40B4-BE49-F238E27FC236}">
+                <a16:creationId xmlns:a16="http://schemas.microsoft.com/office/drawing/2014/main" id="{32F4D216-10B7-4DCA-A0A1-068E9E32F4F2}"/>
+              </a:ext>
+              <a:ext uri="{C183D7F6-B498-43B3-948B-1728B52AA6E4}">
+                <adec:decorative xmlns:adec="http://schemas.microsoft.com/office/drawing/2017/decorative" val="1"/>
+              </a:ext>
+            </a:extLst>
+          </p:cNvPr>
+          <p:cNvSpPr>
+            <a:spLocks noGrp="1" noRot="1" noChangeAspect="1" noMove="1" noResize="1" noEditPoints="1" noAdjustHandles="1" noChangeArrowheads="1" noChangeShapeType="1" noTextEdit="1"/>
+          </p:cNvSpPr>
+          <p:nvPr>
+            <p:extLst>
+              <p:ext uri="{386F3935-93C4-4BCD-93E2-E3B085C9AB24}">
+                <p16:designElem xmlns:p16="http://schemas.microsoft.com/office/powerpoint/2015/main" val="1"/>
+              </p:ext>
+            </p:extLst>
+          </p:nvPr>
+        </p:nvSpPr>
+        <p:spPr>
+          <a:xfrm flipV="1">
+            <a:off x="1" y="2660091"/>
+            <a:ext cx="7122523" cy="4197911"/>
+          </a:xfrm>
+          <a:custGeom>
+            <a:avLst/>
+            <a:gdLst>
+              <a:gd name="connsiteX0" fmla="*/ 0 w 7122523"/>
+              <a:gd name="connsiteY0" fmla="*/ 4197911 h 4197911"/>
+              <a:gd name="connsiteX1" fmla="*/ 7122523 w 7122523"/>
+              <a:gd name="connsiteY1" fmla="*/ 4197911 h 4197911"/>
+              <a:gd name="connsiteX2" fmla="*/ 5177382 w 7122523"/>
+              <a:gd name="connsiteY2" fmla="*/ 0 h 4197911"/>
+              <a:gd name="connsiteX3" fmla="*/ 5171159 w 7122523"/>
+              <a:gd name="connsiteY3" fmla="*/ 0 h 4197911"/>
+              <a:gd name="connsiteX4" fmla="*/ 3981368 w 7122523"/>
+              <a:gd name="connsiteY4" fmla="*/ 0 h 4197911"/>
+              <a:gd name="connsiteX5" fmla="*/ 2331323 w 7122523"/>
+              <a:gd name="connsiteY5" fmla="*/ 0 h 4197911"/>
+              <a:gd name="connsiteX6" fmla="*/ 0 w 7122523"/>
+              <a:gd name="connsiteY6" fmla="*/ 0 h 4197911"/>
+            </a:gdLst>
+            <a:ahLst/>
+            <a:cxnLst>
+              <a:cxn ang="0">
+                <a:pos x="connsiteX0" y="connsiteY0"/>
+              </a:cxn>
+              <a:cxn ang="0">
+                <a:pos x="connsiteX1" y="connsiteY1"/>
+              </a:cxn>
+              <a:cxn ang="0">
+                <a:pos x="connsiteX2" y="connsiteY2"/>
+              </a:cxn>
+              <a:cxn ang="0">
+                <a:pos x="connsiteX3" y="connsiteY3"/>
+              </a:cxn>
+              <a:cxn ang="0">
+                <a:pos x="connsiteX4" y="connsiteY4"/>
+              </a:cxn>
+              <a:cxn ang="0">
+                <a:pos x="connsiteX5" y="connsiteY5"/>
+              </a:cxn>
+              <a:cxn ang="0">
+                <a:pos x="connsiteX6" y="connsiteY6"/>
+              </a:cxn>
+            </a:cxnLst>
+            <a:rect l="l" t="t" r="r" b="b"/>
+            <a:pathLst>
+              <a:path w="7122523" h="4197911">
+                <a:moveTo>
+                  <a:pt x="0" y="4197911"/>
+                </a:moveTo>
+                <a:lnTo>
+                  <a:pt x="7122523" y="4197911"/>
+                </a:lnTo>
+                <a:lnTo>
+                  <a:pt x="5177382" y="0"/>
+                </a:lnTo>
+                <a:lnTo>
+                  <a:pt x="5171159" y="0"/>
+                </a:lnTo>
+                <a:lnTo>
+                  <a:pt x="3981368" y="0"/>
+                </a:lnTo>
+                <a:lnTo>
+                  <a:pt x="2331323" y="0"/>
+                </a:lnTo>
+                <a:lnTo>
+                  <a:pt x="0" y="0"/>
+                </a:lnTo>
+                <a:close/>
+              </a:path>
+            </a:pathLst>
+          </a:custGeom>
+          <a:solidFill>
+            <a:srgbClr val="404040"/>
+          </a:solidFill>
+          <a:ln>
+            <a:noFill/>
+          </a:ln>
+        </p:spPr>
+        <p:style>
+          <a:lnRef idx="2">
+            <a:schemeClr val="accent1">
+              <a:shade val="50000"/>
+            </a:schemeClr>
+          </a:lnRef>
+          <a:fillRef idx="1">
+            <a:schemeClr val="accent1"/>
+          </a:fillRef>
+          <a:effectRef idx="0">
+            <a:schemeClr val="accent1"/>
+          </a:effectRef>
+          <a:fontRef idx="minor">
+            <a:schemeClr val="lt1"/>
+          </a:fontRef>
+        </p:style>
+        <p:txBody>
+          <a:bodyPr wrap="square" rtlCol="0" anchor="ctr">
+            <a:noAutofit/>
+          </a:bodyPr>
+          <a:lstStyle/>
+          <a:p>
+            <a:pPr marL="0" marR="0" lvl="0" indent="0" algn="ctr" defTabSz="914400" rtl="0" eaLnBrk="1" fontAlgn="auto" latinLnBrk="0" hangingPunct="1">
+              <a:lnSpc>
+                <a:spcPct val="100000"/>
+              </a:lnSpc>
+              <a:spcBef>
+                <a:spcPts val="0"/>
+              </a:spcBef>
+              <a:spcAft>
+                <a:spcPts val="0"/>
+              </a:spcAft>
+              <a:buClrTx/>
+              <a:buSzTx/>
+              <a:buFontTx/>
+              <a:buNone/>
+              <a:tabLst/>
+              <a:defRPr/>
+            </a:pPr>
+            <a:endParaRPr kumimoji="0" lang="en-US" sz="1800" b="0" i="0" u="none" strike="noStrike" kern="1200" cap="none" spc="0" normalizeH="0" baseline="0" noProof="0">
+              <a:ln>
+                <a:noFill/>
+              </a:ln>
+              <a:solidFill>
+                <a:prstClr val="white"/>
+              </a:solidFill>
+              <a:effectLst/>
+              <a:uLnTx/>
+              <a:uFillTx/>
+              <a:latin typeface="Calibri" panose="020F0502020204030204"/>
+              <a:ea typeface="+mn-ea"/>
+              <a:cs typeface="+mn-cs"/>
+            </a:endParaRPr>
+          </a:p>
+        </p:txBody>
+      </p:sp>
+      <p:grpSp>
+        <p:nvGrpSpPr>
+          <p:cNvPr id="17" name="Group 16">
+            <a:extLst>
+              <a:ext uri="{FF2B5EF4-FFF2-40B4-BE49-F238E27FC236}">
+                <a16:creationId xmlns:a16="http://schemas.microsoft.com/office/drawing/2014/main" id="{250CB976-A225-934B-BB85-AEC68DA92735}"/>
+              </a:ext>
+            </a:extLst>
+          </p:cNvPr>
+          <p:cNvGrpSpPr/>
+          <p:nvPr/>
+        </p:nvGrpSpPr>
+        <p:grpSpPr>
+          <a:xfrm>
+            <a:off x="3" y="-6235"/>
+            <a:ext cx="12191998" cy="6867852"/>
+            <a:chOff x="3" y="-6235"/>
+            <a:chExt cx="12191998" cy="6867852"/>
+          </a:xfrm>
+        </p:grpSpPr>
+        <p:pic>
+          <p:nvPicPr>
+            <p:cNvPr id="15" name="Picture 14" descr="A picture containing plane, kitchenware, stove, kitchen appliance&#10;&#10;Description automatically generated">
+              <a:extLst>
+                <a:ext uri="{FF2B5EF4-FFF2-40B4-BE49-F238E27FC236}">
+                  <a16:creationId xmlns:a16="http://schemas.microsoft.com/office/drawing/2014/main" id="{5370474C-3C2F-B34E-AC99-96BCA4FB3B4A}"/>
+                </a:ext>
+              </a:extLst>
+            </p:cNvPr>
+            <p:cNvPicPr>
+              <a:picLocks noChangeAspect="1"/>
+            </p:cNvPicPr>
+            <p:nvPr/>
+          </p:nvPicPr>
+          <p:blipFill rotWithShape="1">
+            <a:blip r:embed="rId2">
+              <a:clrChange>
+                <a:clrFrom>
+                  <a:srgbClr val="8E9DBE"/>
+                </a:clrFrom>
+                <a:clrTo>
+                  <a:srgbClr val="8E9DBE">
+                    <a:alpha val="0"/>
+                  </a:srgbClr>
+                </a:clrTo>
+              </a:clrChange>
+            </a:blip>
+            <a:srcRect t="7310" r="-3" b="1837"/>
+            <a:stretch/>
+          </p:blipFill>
+          <p:spPr>
+            <a:xfrm>
+              <a:off x="7381876" y="1"/>
+              <a:ext cx="4810125" cy="2501837"/>
+            </a:xfrm>
+            <a:custGeom>
+              <a:avLst/>
+              <a:gdLst/>
+              <a:ahLst/>
+              <a:cxnLst/>
+              <a:rect l="l" t="t" r="r" b="b"/>
+              <a:pathLst>
+                <a:path w="4810125" h="2501837">
+                  <a:moveTo>
+                    <a:pt x="1159248" y="0"/>
+                  </a:moveTo>
+                  <a:lnTo>
+                    <a:pt x="4810125" y="0"/>
+                  </a:lnTo>
+                  <a:lnTo>
+                    <a:pt x="4810125" y="2501837"/>
+                  </a:lnTo>
+                  <a:lnTo>
+                    <a:pt x="0" y="2501837"/>
+                  </a:lnTo>
+                  <a:close/>
+                </a:path>
+              </a:pathLst>
+            </a:custGeom>
+            <a:effectLst>
+              <a:glow>
+                <a:schemeClr val="accent1"/>
+              </a:glow>
+              <a:outerShdw blurRad="50800" dist="50800" dir="5400000" algn="ctr" rotWithShape="0">
+                <a:schemeClr val="tx1"/>
+              </a:outerShdw>
+              <a:reflection endPos="0" dist="50800" dir="5400000" sy="-100000" algn="bl" rotWithShape="0"/>
+            </a:effectLst>
+          </p:spPr>
+        </p:pic>
+        <p:pic>
+          <p:nvPicPr>
+            <p:cNvPr id="13" name="Picture 12" descr="A black and white robot&#10;&#10;Description automatically generated with medium confidence">
+              <a:extLst>
+                <a:ext uri="{FF2B5EF4-FFF2-40B4-BE49-F238E27FC236}">
+                  <a16:creationId xmlns:a16="http://schemas.microsoft.com/office/drawing/2014/main" id="{404E405B-406E-054D-9C9B-018907269B14}"/>
+                </a:ext>
+              </a:extLst>
+            </p:cNvPr>
+            <p:cNvPicPr>
+              <a:picLocks noChangeAspect="1"/>
+            </p:cNvPicPr>
+            <p:nvPr/>
+          </p:nvPicPr>
+          <p:blipFill rotWithShape="1">
+            <a:blip r:embed="rId3">
+              <a:clrChange>
+                <a:clrFrom>
+                  <a:srgbClr val="8E9DBE"/>
+                </a:clrFrom>
+                <a:clrTo>
+                  <a:srgbClr val="8E9DBE">
+                    <a:alpha val="0"/>
+                  </a:srgbClr>
+                </a:clrTo>
+              </a:clrChange>
+            </a:blip>
+            <a:srcRect l="26427" r="3" b="3"/>
+            <a:stretch/>
+          </p:blipFill>
+          <p:spPr>
+            <a:xfrm>
+              <a:off x="5374639" y="2663706"/>
+              <a:ext cx="4626927" cy="4197911"/>
+            </a:xfrm>
+            <a:custGeom>
+              <a:avLst/>
+              <a:gdLst/>
+              <a:ahLst/>
+              <a:cxnLst/>
+              <a:rect l="l" t="t" r="r" b="b"/>
+              <a:pathLst>
+                <a:path w="4626927" h="4197911">
+                  <a:moveTo>
+                    <a:pt x="1945141" y="0"/>
+                  </a:moveTo>
+                  <a:lnTo>
+                    <a:pt x="1951364" y="0"/>
+                  </a:lnTo>
+                  <a:lnTo>
+                    <a:pt x="3141155" y="0"/>
+                  </a:lnTo>
+                  <a:lnTo>
+                    <a:pt x="4626927" y="0"/>
+                  </a:lnTo>
+                  <a:lnTo>
+                    <a:pt x="2681786" y="4197911"/>
+                  </a:lnTo>
+                  <a:lnTo>
+                    <a:pt x="0" y="4197911"/>
+                  </a:lnTo>
+                  <a:close/>
+                </a:path>
+              </a:pathLst>
+            </a:custGeom>
+            <a:effectLst>
+              <a:glow>
+                <a:schemeClr val="accent1"/>
+              </a:glow>
+              <a:outerShdw blurRad="50800" dist="50800" dir="5400000" algn="ctr" rotWithShape="0">
+                <a:schemeClr val="tx1"/>
+              </a:outerShdw>
+              <a:reflection endPos="0" dist="50800" dir="5400000" sy="-100000" algn="bl" rotWithShape="0"/>
+            </a:effectLst>
+          </p:spPr>
+        </p:pic>
+        <p:pic>
+          <p:nvPicPr>
+            <p:cNvPr id="7" name="Picture 6" descr="A picture containing plane, red, aircraft, transport&#10;&#10;Description automatically generated">
+              <a:extLst>
+                <a:ext uri="{FF2B5EF4-FFF2-40B4-BE49-F238E27FC236}">
+                  <a16:creationId xmlns:a16="http://schemas.microsoft.com/office/drawing/2014/main" id="{63581341-BA49-3B40-814A-35F376011299}"/>
+                </a:ext>
+              </a:extLst>
+            </p:cNvPr>
+            <p:cNvPicPr>
+              <a:picLocks noChangeAspect="1"/>
+            </p:cNvPicPr>
+            <p:nvPr/>
+          </p:nvPicPr>
+          <p:blipFill rotWithShape="1">
+            <a:blip r:embed="rId4">
+              <a:clrChange>
+                <a:clrFrom>
+                  <a:srgbClr val="8E9DBE"/>
+                </a:clrFrom>
+                <a:clrTo>
+                  <a:srgbClr val="8E9DBE">
+                    <a:alpha val="0"/>
+                  </a:srgbClr>
+                </a:clrTo>
+              </a:clrChange>
+            </a:blip>
+            <a:srcRect t="14601" r="5" b="17279"/>
+            <a:stretch/>
+          </p:blipFill>
+          <p:spPr>
+            <a:xfrm>
+              <a:off x="4675537" y="-1"/>
+              <a:ext cx="3677817" cy="2505456"/>
+            </a:xfrm>
+            <a:custGeom>
+              <a:avLst/>
+              <a:gdLst/>
+              <a:ahLst/>
+              <a:cxnLst/>
+              <a:rect l="l" t="t" r="r" b="b"/>
+              <a:pathLst>
+                <a:path w="3677817" h="2505456">
+                  <a:moveTo>
+                    <a:pt x="1160926" y="0"/>
+                  </a:moveTo>
+                  <a:lnTo>
+                    <a:pt x="3677817" y="0"/>
+                  </a:lnTo>
+                  <a:lnTo>
+                    <a:pt x="2516891" y="2505456"/>
+                  </a:lnTo>
+                  <a:lnTo>
+                    <a:pt x="0" y="2505456"/>
+                  </a:lnTo>
+                  <a:close/>
+                </a:path>
+              </a:pathLst>
+            </a:custGeom>
+            <a:effectLst>
+              <a:glow>
+                <a:schemeClr val="accent1"/>
+              </a:glow>
+              <a:outerShdw blurRad="50800" dist="50800" dir="5400000" algn="ctr" rotWithShape="0">
+                <a:schemeClr val="tx1"/>
+              </a:outerShdw>
+              <a:reflection endPos="0" dist="50800" dir="5400000" sy="-100000" algn="bl" rotWithShape="0"/>
+            </a:effectLst>
+          </p:spPr>
+        </p:pic>
+        <p:pic>
+          <p:nvPicPr>
+            <p:cNvPr id="11" name="Picture 10" descr="A close-up of a fan&#10;&#10;Description automatically generated with low confidence">
+              <a:extLst>
+                <a:ext uri="{FF2B5EF4-FFF2-40B4-BE49-F238E27FC236}">
+                  <a16:creationId xmlns:a16="http://schemas.microsoft.com/office/drawing/2014/main" id="{DF678131-6519-9E40-8ED2-FF0727254D97}"/>
+                </a:ext>
+              </a:extLst>
+            </p:cNvPr>
+            <p:cNvPicPr>
+              <a:picLocks noChangeAspect="1"/>
+            </p:cNvPicPr>
+            <p:nvPr/>
+          </p:nvPicPr>
+          <p:blipFill rotWithShape="1">
+            <a:blip r:embed="rId5">
+              <a:clrChange>
+                <a:clrFrom>
+                  <a:srgbClr val="8E9DBE"/>
+                </a:clrFrom>
+                <a:clrTo>
+                  <a:srgbClr val="8E9DBE">
+                    <a:alpha val="0"/>
+                  </a:srgbClr>
+                </a:clrTo>
+              </a:clrChange>
+            </a:blip>
+            <a:srcRect l="1412" r="25361" b="-2"/>
+            <a:stretch/>
+          </p:blipFill>
+          <p:spPr>
+            <a:xfrm>
+              <a:off x="2280734" y="2"/>
+              <a:ext cx="3393943" cy="2502843"/>
+            </a:xfrm>
+            <a:custGeom>
+              <a:avLst/>
+              <a:gdLst/>
+              <a:ahLst/>
+              <a:cxnLst/>
+              <a:rect l="l" t="t" r="r" b="b"/>
+              <a:pathLst>
+                <a:path w="3393943" h="2502843">
+                  <a:moveTo>
+                    <a:pt x="1159715" y="0"/>
+                  </a:moveTo>
+                  <a:lnTo>
+                    <a:pt x="3393943" y="0"/>
+                  </a:lnTo>
+                  <a:lnTo>
+                    <a:pt x="2234228" y="2502843"/>
+                  </a:lnTo>
+                  <a:lnTo>
+                    <a:pt x="0" y="2502843"/>
+                  </a:lnTo>
+                  <a:close/>
+                </a:path>
+              </a:pathLst>
+            </a:custGeom>
+            <a:effectLst>
+              <a:glow>
+                <a:schemeClr val="accent1"/>
+              </a:glow>
+              <a:outerShdw blurRad="50800" dist="50800" dir="5400000" algn="ctr" rotWithShape="0">
+                <a:schemeClr val="tx1"/>
+              </a:outerShdw>
+              <a:reflection endPos="0" dist="50800" dir="5400000" sy="-100000" algn="bl" rotWithShape="0"/>
+            </a:effectLst>
+          </p:spPr>
+        </p:pic>
+        <p:pic>
+          <p:nvPicPr>
+            <p:cNvPr id="9" name="Picture 8" descr="A picture containing plane, road, airplane, runway&#10;&#10;Description automatically generated">
+              <a:extLst>
+                <a:ext uri="{FF2B5EF4-FFF2-40B4-BE49-F238E27FC236}">
+                  <a16:creationId xmlns:a16="http://schemas.microsoft.com/office/drawing/2014/main" id="{DEB5A8F6-5ACA-694D-AFF4-4BA9038384C5}"/>
+                </a:ext>
+              </a:extLst>
+            </p:cNvPr>
+            <p:cNvPicPr>
+              <a:picLocks noChangeAspect="1"/>
+            </p:cNvPicPr>
+            <p:nvPr/>
+          </p:nvPicPr>
+          <p:blipFill rotWithShape="1">
+            <a:blip r:embed="rId6">
+              <a:clrChange>
+                <a:clrFrom>
+                  <a:srgbClr val="8E9DBE"/>
+                </a:clrFrom>
+                <a:clrTo>
+                  <a:srgbClr val="8E9DBE">
+                    <a:alpha val="0"/>
+                  </a:srgbClr>
+                </a:clrTo>
+              </a:clrChange>
+            </a:blip>
+            <a:srcRect r="6" b="23042"/>
+            <a:stretch/>
+          </p:blipFill>
+          <p:spPr>
+            <a:xfrm>
+              <a:off x="3" y="-6235"/>
+              <a:ext cx="3255403" cy="2505456"/>
+            </a:xfrm>
+            <a:custGeom>
+              <a:avLst/>
+              <a:gdLst/>
+              <a:ahLst/>
+              <a:cxnLst/>
+              <a:rect l="l" t="t" r="r" b="b"/>
+              <a:pathLst>
+                <a:path w="3255403" h="2505456">
+                  <a:moveTo>
+                    <a:pt x="0" y="0"/>
+                  </a:moveTo>
+                  <a:lnTo>
+                    <a:pt x="3255403" y="0"/>
+                  </a:lnTo>
+                  <a:lnTo>
+                    <a:pt x="2094477" y="2505456"/>
+                  </a:lnTo>
+                  <a:lnTo>
+                    <a:pt x="0" y="2505456"/>
+                  </a:lnTo>
+                  <a:close/>
+                </a:path>
+              </a:pathLst>
+            </a:custGeom>
+            <a:effectLst>
+              <a:glow>
+                <a:schemeClr val="accent1"/>
+              </a:glow>
+              <a:outerShdw blurRad="50800" dist="50800" dir="5400000" algn="ctr" rotWithShape="0">
+                <a:schemeClr val="tx1"/>
+              </a:outerShdw>
+              <a:reflection endPos="0" dist="50800" dir="5400000" sy="-100000" algn="bl" rotWithShape="0"/>
+            </a:effectLst>
+          </p:spPr>
+        </p:pic>
+        <p:pic>
+          <p:nvPicPr>
+            <p:cNvPr id="5" name="Picture 4" descr="A close-up of a helmet&#10;&#10;Description automatically generated with low confidence">
+              <a:extLst>
+                <a:ext uri="{FF2B5EF4-FFF2-40B4-BE49-F238E27FC236}">
+                  <a16:creationId xmlns:a16="http://schemas.microsoft.com/office/drawing/2014/main" id="{37444D40-D558-F44E-B536-C6232A400F08}"/>
+                </a:ext>
+              </a:extLst>
+            </p:cNvPr>
+            <p:cNvPicPr>
+              <a:picLocks noChangeAspect="1"/>
+            </p:cNvPicPr>
+            <p:nvPr/>
+          </p:nvPicPr>
+          <p:blipFill rotWithShape="1">
+            <a:blip r:embed="rId7">
+              <a:clrChange>
+                <a:clrFrom>
+                  <a:srgbClr val="8E9DBE"/>
+                </a:clrFrom>
+                <a:clrTo>
+                  <a:srgbClr val="8E9DBE">
+                    <a:alpha val="0"/>
+                  </a:srgbClr>
+                </a:clrTo>
+              </a:clrChange>
+            </a:blip>
+            <a:srcRect l="8992" r="28801" b="2"/>
+            <a:stretch/>
+          </p:blipFill>
+          <p:spPr>
+            <a:xfrm>
+              <a:off x="8264962" y="2660089"/>
+              <a:ext cx="3927039" cy="4197911"/>
+            </a:xfrm>
+            <a:custGeom>
+              <a:avLst/>
+              <a:gdLst/>
+              <a:ahLst/>
+              <a:cxnLst/>
+              <a:rect l="l" t="t" r="r" b="b"/>
+              <a:pathLst>
+                <a:path w="3927039" h="4197911">
+                  <a:moveTo>
+                    <a:pt x="1945141" y="0"/>
+                  </a:moveTo>
+                  <a:lnTo>
+                    <a:pt x="1951364" y="0"/>
+                  </a:lnTo>
+                  <a:lnTo>
+                    <a:pt x="3141155" y="0"/>
+                  </a:lnTo>
+                  <a:lnTo>
+                    <a:pt x="3927039" y="0"/>
+                  </a:lnTo>
+                  <a:lnTo>
+                    <a:pt x="3927039" y="4194293"/>
+                  </a:lnTo>
+                  <a:lnTo>
+                    <a:pt x="2683462" y="4194293"/>
+                  </a:lnTo>
+                  <a:lnTo>
+                    <a:pt x="2681786" y="4197911"/>
+                  </a:lnTo>
+                  <a:lnTo>
+                    <a:pt x="0" y="4197911"/>
+                  </a:lnTo>
+                  <a:close/>
+                </a:path>
+              </a:pathLst>
+            </a:custGeom>
+            <a:effectLst>
+              <a:glow>
+                <a:schemeClr val="accent1"/>
+              </a:glow>
+              <a:outerShdw blurRad="50800" dist="50800" dir="5400000" algn="ctr" rotWithShape="0">
+                <a:schemeClr val="tx1"/>
+              </a:outerShdw>
+              <a:reflection endPos="0" dist="50800" dir="5400000" sy="-100000" algn="bl" rotWithShape="0"/>
+            </a:effectLst>
+          </p:spPr>
+        </p:pic>
+      </p:grpSp>
+      <p:sp>
+        <p:nvSpPr>
+          <p:cNvPr id="19" name="Rectangle 18">
+            <a:extLst>
+              <a:ext uri="{FF2B5EF4-FFF2-40B4-BE49-F238E27FC236}">
+                <a16:creationId xmlns:a16="http://schemas.microsoft.com/office/drawing/2014/main" id="{29E3CD92-76A9-6845-8B23-2DBB4F087FD0}"/>
+              </a:ext>
+            </a:extLst>
+          </p:cNvPr>
+          <p:cNvSpPr/>
+          <p:nvPr/>
+        </p:nvSpPr>
+        <p:spPr>
+          <a:xfrm>
+            <a:off x="3" y="-6235"/>
+            <a:ext cx="12191997" cy="6858000"/>
+          </a:xfrm>
+          <a:prstGeom prst="rect">
+            <a:avLst/>
+          </a:prstGeom>
+          <a:solidFill>
+            <a:schemeClr val="tx2">
+              <a:lumMod val="25000"/>
+              <a:alpha val="84000"/>
+            </a:schemeClr>
+          </a:solidFill>
+        </p:spPr>
+        <p:style>
+          <a:lnRef idx="2">
+            <a:schemeClr val="accent1">
+              <a:shade val="50000"/>
+            </a:schemeClr>
+          </a:lnRef>
+          <a:fillRef idx="1">
+            <a:schemeClr val="accent1"/>
+          </a:fillRef>
+          <a:effectRef idx="0">
+            <a:schemeClr val="accent1"/>
+          </a:effectRef>
+          <a:fontRef idx="minor">
+            <a:schemeClr val="lt1"/>
+          </a:fontRef>
+        </p:style>
+        <p:txBody>
+          <a:bodyPr rtlCol="0" anchor="ctr"/>
+          <a:lstStyle/>
+          <a:p>
+            <a:pPr algn="ctr"/>
+            <a:endParaRPr lang="en-US" dirty="0"/>
+          </a:p>
+        </p:txBody>
+      </p:sp>
+      <p:sp>
+        <p:nvSpPr>
           <p:cNvPr id="2" name="Title 1">
             <a:extLst>
               <a:ext uri="{FF2B5EF4-FFF2-40B4-BE49-F238E27FC236}">
-                <a16:creationId xmlns:a16="http://schemas.microsoft.com/office/drawing/2014/main" id="{6422BBA5-1EA2-BF4C-996C-3194E429151F}"/>
+                <a16:creationId xmlns:a16="http://schemas.microsoft.com/office/drawing/2014/main" id="{69679005-E354-9842-AEEF-5F84C11D45E7}"/>
               </a:ext>
             </a:extLst>
           </p:cNvPr>
@@ -4036,7 +5160,406 @@
         </p:nvSpPr>
         <p:spPr>
           <a:xfrm>
-            <a:off x="7025034" y="881623"/>
+            <a:off x="4024538" y="457606"/>
+            <a:ext cx="5960907" cy="922102"/>
+          </a:xfrm>
+        </p:spPr>
+        <p:txBody>
+          <a:bodyPr vert="horz" lIns="91440" tIns="45720" rIns="91440" bIns="45720" rtlCol="0" anchor="ctr">
+            <a:normAutofit/>
+          </a:bodyPr>
+          <a:lstStyle/>
+          <a:p>
+            <a:r>
+              <a:rPr lang="en-US" sz="4800" b="1" kern="1200" dirty="0">
+                <a:solidFill>
+                  <a:srgbClr val="FFFFFF"/>
+                </a:solidFill>
+                <a:latin typeface="+mj-lt"/>
+                <a:ea typeface="+mj-ea"/>
+                <a:cs typeface="+mj-cs"/>
+              </a:rPr>
+              <a:t>Jean Baptiste Mbaya</a:t>
+            </a:r>
+          </a:p>
+        </p:txBody>
+      </p:sp>
+      <p:sp>
+        <p:nvSpPr>
+          <p:cNvPr id="3" name="TextBox 2">
+            <a:extLst>
+              <a:ext uri="{FF2B5EF4-FFF2-40B4-BE49-F238E27FC236}">
+                <a16:creationId xmlns:a16="http://schemas.microsoft.com/office/drawing/2014/main" id="{0830A3FE-95C6-F74A-89BF-0C9DE7706C39}"/>
+              </a:ext>
+            </a:extLst>
+          </p:cNvPr>
+          <p:cNvSpPr txBox="1"/>
+          <p:nvPr/>
+        </p:nvSpPr>
+        <p:spPr>
+          <a:xfrm>
+            <a:off x="3970079" y="1667478"/>
+            <a:ext cx="7667966" cy="2409569"/>
+          </a:xfrm>
+          <a:prstGeom prst="rect">
+            <a:avLst/>
+          </a:prstGeom>
+        </p:spPr>
+        <p:txBody>
+          <a:bodyPr vert="horz" lIns="91440" tIns="45720" rIns="91440" bIns="45720" rtlCol="0" anchor="ctr">
+            <a:normAutofit/>
+          </a:bodyPr>
+          <a:lstStyle/>
+          <a:p>
+            <a:pPr marL="342900" indent="-342900">
+              <a:lnSpc>
+                <a:spcPct val="90000"/>
+              </a:lnSpc>
+              <a:spcAft>
+                <a:spcPts val="600"/>
+              </a:spcAft>
+              <a:buFont typeface="Arial" panose="020B0604020202020204" pitchFamily="34" charset="0"/>
+              <a:buChar char="•"/>
+            </a:pPr>
+            <a:r>
+              <a:rPr lang="en-US" sz="2000" b="1" dirty="0">
+                <a:solidFill>
+                  <a:srgbClr val="FFFFFF"/>
+                </a:solidFill>
+              </a:rPr>
+              <a:t>Currently</a:t>
+            </a:r>
+            <a:r>
+              <a:rPr lang="en-US" sz="2000" dirty="0">
+                <a:solidFill>
+                  <a:srgbClr val="FFFFFF"/>
+                </a:solidFill>
+              </a:rPr>
+              <a:t> a Cloud Data Analyst &amp; Power BI at AT&amp;T </a:t>
+            </a:r>
+          </a:p>
+          <a:p>
+            <a:pPr marL="800100" lvl="1" indent="-342900">
+              <a:lnSpc>
+                <a:spcPct val="90000"/>
+              </a:lnSpc>
+              <a:spcAft>
+                <a:spcPts val="600"/>
+              </a:spcAft>
+              <a:buFont typeface="Arial" panose="020B0604020202020204" pitchFamily="34" charset="0"/>
+              <a:buChar char="•"/>
+            </a:pPr>
+            <a:r>
+              <a:rPr lang="en-US" sz="2000" dirty="0">
+                <a:solidFill>
+                  <a:srgbClr val="FFFFFF"/>
+                </a:solidFill>
+              </a:rPr>
+              <a:t>Was also a Data Analyst at The Coca Cola Company &amp;</a:t>
+            </a:r>
+          </a:p>
+          <a:p>
+            <a:pPr marL="800100" lvl="1" indent="-342900">
+              <a:lnSpc>
+                <a:spcPct val="90000"/>
+              </a:lnSpc>
+              <a:spcAft>
+                <a:spcPts val="600"/>
+              </a:spcAft>
+              <a:buFont typeface="Arial" panose="020B0604020202020204" pitchFamily="34" charset="0"/>
+              <a:buChar char="•"/>
+            </a:pPr>
+            <a:r>
+              <a:rPr lang="en-US" sz="2000" dirty="0">
+                <a:solidFill>
+                  <a:srgbClr val="FFFFFF"/>
+                </a:solidFill>
+              </a:rPr>
+              <a:t>Data Analyst - Data Engineer at Millennial R&amp;D, LLC</a:t>
+            </a:r>
+          </a:p>
+          <a:p>
+            <a:pPr marL="800100" lvl="1" indent="-342900">
+              <a:lnSpc>
+                <a:spcPct val="90000"/>
+              </a:lnSpc>
+              <a:spcAft>
+                <a:spcPts val="600"/>
+              </a:spcAft>
+              <a:buFont typeface="Arial" panose="020B0604020202020204" pitchFamily="34" charset="0"/>
+              <a:buChar char="•"/>
+            </a:pPr>
+            <a:r>
+              <a:rPr lang="en-US" sz="2000" dirty="0">
+                <a:solidFill>
+                  <a:srgbClr val="FFFFFF"/>
+                </a:solidFill>
+              </a:rPr>
+              <a:t>Total of 5 years experience in Data Analysis</a:t>
+            </a:r>
+          </a:p>
+          <a:p>
+            <a:pPr marL="342900" indent="-342900">
+              <a:lnSpc>
+                <a:spcPct val="90000"/>
+              </a:lnSpc>
+              <a:spcAft>
+                <a:spcPts val="600"/>
+              </a:spcAft>
+              <a:buFontTx/>
+              <a:buChar char="-"/>
+            </a:pPr>
+            <a:endParaRPr lang="en-US" sz="2000" dirty="0">
+              <a:solidFill>
+                <a:srgbClr val="FFFFFF"/>
+              </a:solidFill>
+            </a:endParaRPr>
+          </a:p>
+        </p:txBody>
+      </p:sp>
+      <p:sp>
+        <p:nvSpPr>
+          <p:cNvPr id="21" name="TextBox 20">
+            <a:extLst>
+              <a:ext uri="{FF2B5EF4-FFF2-40B4-BE49-F238E27FC236}">
+                <a16:creationId xmlns:a16="http://schemas.microsoft.com/office/drawing/2014/main" id="{F5197DFA-9542-9147-8C93-21C8F90297F5}"/>
+              </a:ext>
+            </a:extLst>
+          </p:cNvPr>
+          <p:cNvSpPr txBox="1"/>
+          <p:nvPr/>
+        </p:nvSpPr>
+        <p:spPr>
+          <a:xfrm>
+            <a:off x="1225694" y="4451473"/>
+            <a:ext cx="9195487" cy="1785104"/>
+          </a:xfrm>
+          <a:prstGeom prst="rect">
+            <a:avLst/>
+          </a:prstGeom>
+          <a:noFill/>
+        </p:spPr>
+        <p:txBody>
+          <a:bodyPr wrap="square" rtlCol="0">
+            <a:spAutoFit/>
+          </a:bodyPr>
+          <a:lstStyle/>
+          <a:p>
+            <a:pPr marL="342900" indent="-342900">
+              <a:lnSpc>
+                <a:spcPct val="90000"/>
+              </a:lnSpc>
+              <a:spcAft>
+                <a:spcPts val="600"/>
+              </a:spcAft>
+              <a:buFont typeface="Arial" panose="020B0604020202020204" pitchFamily="34" charset="0"/>
+              <a:buChar char="•"/>
+            </a:pPr>
+            <a:r>
+              <a:rPr lang="en-US" sz="2000" b="1" dirty="0">
+                <a:solidFill>
+                  <a:srgbClr val="FFFFFF"/>
+                </a:solidFill>
+              </a:rPr>
+              <a:t>Education: </a:t>
+            </a:r>
+          </a:p>
+          <a:p>
+            <a:pPr marL="800100" lvl="1" indent="-342900">
+              <a:lnSpc>
+                <a:spcPct val="90000"/>
+              </a:lnSpc>
+              <a:spcAft>
+                <a:spcPts val="600"/>
+              </a:spcAft>
+              <a:buFont typeface="Arial" panose="020B0604020202020204" pitchFamily="34" charset="0"/>
+              <a:buChar char="•"/>
+            </a:pPr>
+            <a:r>
+              <a:rPr lang="en-US" sz="2000" dirty="0">
+                <a:solidFill>
+                  <a:srgbClr val="FFFFFF"/>
+                </a:solidFill>
+              </a:rPr>
+              <a:t>Bachelor’s in MIS &amp; IT Minor From Georgia Gwinnett College (GGC)</a:t>
+            </a:r>
+          </a:p>
+          <a:p>
+            <a:pPr marL="800100" lvl="1" indent="-342900">
+              <a:lnSpc>
+                <a:spcPct val="90000"/>
+              </a:lnSpc>
+              <a:spcAft>
+                <a:spcPts val="600"/>
+              </a:spcAft>
+              <a:buFont typeface="Arial" panose="020B0604020202020204" pitchFamily="34" charset="0"/>
+              <a:buChar char="•"/>
+            </a:pPr>
+            <a:r>
+              <a:rPr lang="en-US" sz="2000" dirty="0">
+                <a:solidFill>
+                  <a:srgbClr val="FFFFFF"/>
+                </a:solidFill>
+              </a:rPr>
+              <a:t>Expecting Master’s in Data Science from Illinois Institute of Tech (IIT)</a:t>
+            </a:r>
+          </a:p>
+          <a:p>
+            <a:pPr marL="800100" lvl="1" indent="-342900">
+              <a:lnSpc>
+                <a:spcPct val="90000"/>
+              </a:lnSpc>
+              <a:spcAft>
+                <a:spcPts val="600"/>
+              </a:spcAft>
+              <a:buFont typeface="Arial" panose="020B0604020202020204" pitchFamily="34" charset="0"/>
+              <a:buChar char="•"/>
+            </a:pPr>
+            <a:r>
+              <a:rPr lang="en-US" sz="2000" dirty="0">
+                <a:solidFill>
+                  <a:srgbClr val="FFFFFF"/>
+                </a:solidFill>
+              </a:rPr>
+              <a:t>Area of interest: ML and AI</a:t>
+            </a:r>
+          </a:p>
+          <a:p>
+            <a:endParaRPr lang="en-US" dirty="0"/>
+          </a:p>
+        </p:txBody>
+      </p:sp>
+      <p:cxnSp>
+        <p:nvCxnSpPr>
+          <p:cNvPr id="24" name="Straight Connector 23">
+            <a:extLst>
+              <a:ext uri="{FF2B5EF4-FFF2-40B4-BE49-F238E27FC236}">
+                <a16:creationId xmlns:a16="http://schemas.microsoft.com/office/drawing/2014/main" id="{EEAE61B4-0E67-7F49-8109-AD23C348E161}"/>
+              </a:ext>
+            </a:extLst>
+          </p:cNvPr>
+          <p:cNvCxnSpPr/>
+          <p:nvPr/>
+        </p:nvCxnSpPr>
+        <p:spPr>
+          <a:xfrm>
+            <a:off x="4102443" y="1421027"/>
+            <a:ext cx="8089554" cy="0"/>
+          </a:xfrm>
+          <a:prstGeom prst="line">
+            <a:avLst/>
+          </a:prstGeom>
+          <a:ln w="57150">
+            <a:solidFill>
+              <a:srgbClr val="FFC000"/>
+            </a:solidFill>
+          </a:ln>
+        </p:spPr>
+        <p:style>
+          <a:lnRef idx="1">
+            <a:schemeClr val="accent1"/>
+          </a:lnRef>
+          <a:fillRef idx="0">
+            <a:schemeClr val="accent1"/>
+          </a:fillRef>
+          <a:effectRef idx="0">
+            <a:schemeClr val="accent1"/>
+          </a:effectRef>
+          <a:fontRef idx="minor">
+            <a:schemeClr val="tx1"/>
+          </a:fontRef>
+        </p:style>
+      </p:cxnSp>
+      <p:pic>
+        <p:nvPicPr>
+          <p:cNvPr id="26" name="Picture 25" descr="Icon&#10;&#10;Description automatically generated">
+            <a:extLst>
+              <a:ext uri="{FF2B5EF4-FFF2-40B4-BE49-F238E27FC236}">
+                <a16:creationId xmlns:a16="http://schemas.microsoft.com/office/drawing/2014/main" id="{82B35E11-A20B-AE4D-B75F-F617C62F6280}"/>
+              </a:ext>
+            </a:extLst>
+          </p:cNvPr>
+          <p:cNvPicPr>
+            <a:picLocks noChangeAspect="1"/>
+          </p:cNvPicPr>
+          <p:nvPr/>
+        </p:nvPicPr>
+        <p:blipFill>
+          <a:blip r:embed="rId8"/>
+          <a:stretch>
+            <a:fillRect/>
+          </a:stretch>
+        </p:blipFill>
+        <p:spPr>
+          <a:xfrm>
+            <a:off x="531538" y="761216"/>
+            <a:ext cx="2760455" cy="2760455"/>
+          </a:xfrm>
+          <a:prstGeom prst="rect">
+            <a:avLst/>
+          </a:prstGeom>
+        </p:spPr>
+      </p:pic>
+    </p:spTree>
+    <p:extLst>
+      <p:ext uri="{BB962C8B-B14F-4D97-AF65-F5344CB8AC3E}">
+        <p14:creationId xmlns:p14="http://schemas.microsoft.com/office/powerpoint/2010/main" val="1377865085"/>
+      </p:ext>
+    </p:extLst>
+  </p:cSld>
+  <p:clrMapOvr>
+    <a:overrideClrMapping bg1="dk1" tx1="lt1" bg2="dk2" tx2="lt2" accent1="accent1" accent2="accent2" accent3="accent3" accent4="accent4" accent5="accent5" accent6="accent6" hlink="hlink" folHlink="folHlink"/>
+  </p:clrMapOvr>
+</p:sld>
+</file>
+
+<file path=ppt/slides/slide3.xml><?xml version="1.0" encoding="utf-8"?>
+<p:sld xmlns:a="http://schemas.openxmlformats.org/drawingml/2006/main" xmlns:r="http://schemas.openxmlformats.org/officeDocument/2006/relationships" xmlns:p="http://schemas.openxmlformats.org/presentationml/2006/main">
+  <p:cSld>
+    <p:bg>
+      <p:bgPr>
+        <a:solidFill>
+          <a:schemeClr val="bg1">
+            <a:tint val="95000"/>
+            <a:satMod val="170000"/>
+          </a:schemeClr>
+        </a:solidFill>
+        <a:effectLst/>
+      </p:bgPr>
+    </p:bg>
+    <p:spTree>
+      <p:nvGrpSpPr>
+        <p:cNvPr id="1" name=""/>
+        <p:cNvGrpSpPr/>
+        <p:nvPr/>
+      </p:nvGrpSpPr>
+      <p:grpSpPr>
+        <a:xfrm>
+          <a:off x="0" y="0"/>
+          <a:ext cx="0" cy="0"/>
+          <a:chOff x="0" y="0"/>
+          <a:chExt cx="0" cy="0"/>
+        </a:xfrm>
+      </p:grpSpPr>
+      <p:sp>
+        <p:nvSpPr>
+          <p:cNvPr id="2" name="Title 1">
+            <a:extLst>
+              <a:ext uri="{FF2B5EF4-FFF2-40B4-BE49-F238E27FC236}">
+                <a16:creationId xmlns:a16="http://schemas.microsoft.com/office/drawing/2014/main" id="{6422BBA5-1EA2-BF4C-996C-3194E429151F}"/>
+              </a:ext>
+            </a:extLst>
+          </p:cNvPr>
+          <p:cNvSpPr>
+            <a:spLocks noGrp="1"/>
+          </p:cNvSpPr>
+          <p:nvPr>
+            <p:ph type="title"/>
+          </p:nvPr>
+        </p:nvSpPr>
+        <p:spPr>
+          <a:xfrm>
+            <a:off x="7025034" y="750372"/>
             <a:ext cx="4375586" cy="1325563"/>
           </a:xfrm>
         </p:spPr>
@@ -4863,7 +6386,7 @@
         </p:nvSpPr>
         <p:spPr>
           <a:xfrm>
-            <a:off x="6721221" y="2309232"/>
+            <a:off x="6895991" y="2596018"/>
             <a:ext cx="4633672" cy="3662944"/>
           </a:xfrm>
           <a:prstGeom prst="rect">
@@ -4980,6 +6503,49 @@
           </a:p>
         </p:txBody>
       </p:sp>
+      <p:cxnSp>
+        <p:nvCxnSpPr>
+          <p:cNvPr id="13" name="Straight Connector 12">
+            <a:extLst>
+              <a:ext uri="{FF2B5EF4-FFF2-40B4-BE49-F238E27FC236}">
+                <a16:creationId xmlns:a16="http://schemas.microsoft.com/office/drawing/2014/main" id="{89FF8976-78C9-D54F-9748-14718188E277}"/>
+              </a:ext>
+            </a:extLst>
+          </p:cNvPr>
+          <p:cNvCxnSpPr>
+            <a:cxnSpLocks/>
+          </p:cNvCxnSpPr>
+          <p:nvPr/>
+        </p:nvCxnSpPr>
+        <p:spPr>
+          <a:xfrm>
+            <a:off x="6392036" y="2075935"/>
+            <a:ext cx="5799964" cy="0"/>
+          </a:xfrm>
+          <a:prstGeom prst="line">
+            <a:avLst/>
+          </a:prstGeom>
+          <a:ln w="57150">
+            <a:solidFill>
+              <a:srgbClr val="FFC000"/>
+            </a:solidFill>
+          </a:ln>
+        </p:spPr>
+        <p:style>
+          <a:lnRef idx="1">
+            <a:schemeClr val="accent1"/>
+          </a:lnRef>
+          <a:fillRef idx="0">
+            <a:schemeClr val="accent1"/>
+          </a:fillRef>
+          <a:effectRef idx="0">
+            <a:schemeClr val="accent1"/>
+          </a:effectRef>
+          <a:fontRef idx="minor">
+            <a:schemeClr val="tx1"/>
+          </a:fontRef>
+        </p:style>
+      </p:cxnSp>
       <p:pic>
         <p:nvPicPr>
           <p:cNvPr id="6" name="Picture 5" descr="A picture containing plane, airplane, red, runway&#10;&#10;Description automatically generated">
@@ -5060,13 +6626,13 @@
   <p:clrMapOvr>
     <a:overrideClrMapping bg1="dk1" tx1="lt1" bg2="dk2" tx2="lt2" accent1="accent1" accent2="accent2" accent3="accent3" accent4="accent4" accent5="accent5" accent6="accent6" hlink="hlink" folHlink="folHlink"/>
   </p:clrMapOvr>
-  <mc:AlternateContent xmlns:mc="http://schemas.openxmlformats.org/markup-compatibility/2006">
-    <mc:Choice xmlns:p14="http://schemas.microsoft.com/office/powerpoint/2010/main" Requires="p14">
+  <mc:AlternateContent xmlns:mc="http://schemas.openxmlformats.org/markup-compatibility/2006" xmlns:p14="http://schemas.microsoft.com/office/powerpoint/2010/main">
+    <mc:Choice Requires="p14">
       <p:transition spd="slow" p14:dur="900">
         <p14:warp dir="in"/>
       </p:transition>
     </mc:Choice>
-    <mc:Fallback>
+    <mc:Fallback xmlns="">
       <p:transition spd="slow">
         <p:fade/>
       </p:transition>
@@ -5075,7 +6641,7 @@
 </p:sld>
 </file>
 
-<file path=ppt/slides/slide3.xml><?xml version="1.0" encoding="utf-8"?>
+<file path=ppt/slides/slide4.xml><?xml version="1.0" encoding="utf-8"?>
 <p:sld xmlns:a="http://schemas.openxmlformats.org/drawingml/2006/main" xmlns:r="http://schemas.openxmlformats.org/officeDocument/2006/relationships" xmlns:p="http://schemas.openxmlformats.org/presentationml/2006/main">
   <p:cSld>
     <p:bg>
@@ -5384,7 +6950,7 @@
         </p:nvSpPr>
         <p:spPr>
           <a:xfrm>
-            <a:off x="5609220" y="1458686"/>
+            <a:off x="5609220" y="1672172"/>
             <a:ext cx="6321522" cy="4626428"/>
           </a:xfrm>
           <a:prstGeom prst="rect">
@@ -5606,6 +7172,49 @@
           </a:prstGeom>
         </p:spPr>
       </p:pic>
+      <p:cxnSp>
+        <p:nvCxnSpPr>
+          <p:cNvPr id="7" name="Straight Connector 6">
+            <a:extLst>
+              <a:ext uri="{FF2B5EF4-FFF2-40B4-BE49-F238E27FC236}">
+                <a16:creationId xmlns:a16="http://schemas.microsoft.com/office/drawing/2014/main" id="{D4DBB567-C17D-D84D-8584-F2F3F4A570D7}"/>
+              </a:ext>
+            </a:extLst>
+          </p:cNvPr>
+          <p:cNvCxnSpPr>
+            <a:cxnSpLocks/>
+          </p:cNvCxnSpPr>
+          <p:nvPr/>
+        </p:nvCxnSpPr>
+        <p:spPr>
+          <a:xfrm>
+            <a:off x="5441861" y="1421027"/>
+            <a:ext cx="6750136" cy="0"/>
+          </a:xfrm>
+          <a:prstGeom prst="line">
+            <a:avLst/>
+          </a:prstGeom>
+          <a:ln w="57150">
+            <a:solidFill>
+              <a:srgbClr val="FFC000"/>
+            </a:solidFill>
+          </a:ln>
+        </p:spPr>
+        <p:style>
+          <a:lnRef idx="1">
+            <a:schemeClr val="accent1"/>
+          </a:lnRef>
+          <a:fillRef idx="0">
+            <a:schemeClr val="accent1"/>
+          </a:fillRef>
+          <a:effectRef idx="0">
+            <a:schemeClr val="accent1"/>
+          </a:effectRef>
+          <a:fontRef idx="minor">
+            <a:schemeClr val="tx1"/>
+          </a:fontRef>
+        </p:style>
+      </p:cxnSp>
     </p:spTree>
     <p:extLst>
       <p:ext uri="{BB962C8B-B14F-4D97-AF65-F5344CB8AC3E}">
@@ -5616,13 +7225,13 @@
   <p:clrMapOvr>
     <a:overrideClrMapping bg1="dk1" tx1="lt1" bg2="dk2" tx2="lt2" accent1="accent1" accent2="accent2" accent3="accent3" accent4="accent4" accent5="accent5" accent6="accent6" hlink="hlink" folHlink="folHlink"/>
   </p:clrMapOvr>
-  <mc:AlternateContent xmlns:mc="http://schemas.openxmlformats.org/markup-compatibility/2006">
-    <mc:Choice xmlns:p14="http://schemas.microsoft.com/office/powerpoint/2010/main" Requires="p14">
+  <mc:AlternateContent xmlns:mc="http://schemas.openxmlformats.org/markup-compatibility/2006" xmlns:p14="http://schemas.microsoft.com/office/powerpoint/2010/main">
+    <mc:Choice Requires="p14">
       <p:transition spd="slow" p14:dur="1600">
         <p14:prism isContent="1" isInverted="1"/>
       </p:transition>
     </mc:Choice>
-    <mc:Fallback>
+    <mc:Fallback xmlns="">
       <p:transition spd="slow">
         <p:fade/>
       </p:transition>
@@ -5631,7 +7240,7 @@
 </p:sld>
 </file>
 
-<file path=ppt/slides/slide4.xml><?xml version="1.0" encoding="utf-8"?>
+<file path=ppt/slides/slide5.xml><?xml version="1.0" encoding="utf-8"?>
 <p:sld xmlns:a="http://schemas.openxmlformats.org/drawingml/2006/main" xmlns:r="http://schemas.openxmlformats.org/officeDocument/2006/relationships" xmlns:p="http://schemas.openxmlformats.org/presentationml/2006/main">
   <p:cSld>
     <p:bg>
@@ -6098,6 +7707,49 @@
           </a:prstGeom>
         </p:spPr>
       </p:pic>
+      <p:cxnSp>
+        <p:nvCxnSpPr>
+          <p:cNvPr id="7" name="Straight Connector 6">
+            <a:extLst>
+              <a:ext uri="{FF2B5EF4-FFF2-40B4-BE49-F238E27FC236}">
+                <a16:creationId xmlns:a16="http://schemas.microsoft.com/office/drawing/2014/main" id="{E4243B50-0700-664B-87B2-76936E0F9AB0}"/>
+              </a:ext>
+            </a:extLst>
+          </p:cNvPr>
+          <p:cNvCxnSpPr>
+            <a:cxnSpLocks/>
+          </p:cNvCxnSpPr>
+          <p:nvPr/>
+        </p:nvCxnSpPr>
+        <p:spPr>
+          <a:xfrm>
+            <a:off x="0" y="1486630"/>
+            <a:ext cx="6750141" cy="0"/>
+          </a:xfrm>
+          <a:prstGeom prst="line">
+            <a:avLst/>
+          </a:prstGeom>
+          <a:ln w="57150">
+            <a:solidFill>
+              <a:srgbClr val="FFC000"/>
+            </a:solidFill>
+          </a:ln>
+        </p:spPr>
+        <p:style>
+          <a:lnRef idx="1">
+            <a:schemeClr val="accent1"/>
+          </a:lnRef>
+          <a:fillRef idx="0">
+            <a:schemeClr val="accent1"/>
+          </a:fillRef>
+          <a:effectRef idx="0">
+            <a:schemeClr val="accent1"/>
+          </a:effectRef>
+          <a:fontRef idx="minor">
+            <a:schemeClr val="tx1"/>
+          </a:fontRef>
+        </p:style>
+      </p:cxnSp>
     </p:spTree>
     <p:extLst>
       <p:ext uri="{BB962C8B-B14F-4D97-AF65-F5344CB8AC3E}">
@@ -6108,13 +7760,13 @@
   <p:clrMapOvr>
     <a:overrideClrMapping bg1="dk1" tx1="lt1" bg2="dk2" tx2="lt2" accent1="accent1" accent2="accent2" accent3="accent3" accent4="accent4" accent5="accent5" accent6="accent6" hlink="hlink" folHlink="folHlink"/>
   </p:clrMapOvr>
-  <mc:AlternateContent xmlns:mc="http://schemas.openxmlformats.org/markup-compatibility/2006">
-    <mc:Choice xmlns:p14="http://schemas.microsoft.com/office/powerpoint/2010/main" Requires="p14">
+  <mc:AlternateContent xmlns:mc="http://schemas.openxmlformats.org/markup-compatibility/2006" xmlns:p14="http://schemas.microsoft.com/office/powerpoint/2010/main">
+    <mc:Choice Requires="p14">
       <p:transition spd="slow" p14:dur="1250">
         <p14:switch dir="r"/>
       </p:transition>
     </mc:Choice>
-    <mc:Fallback>
+    <mc:Fallback xmlns="">
       <p:transition spd="slow">
         <p:fade/>
       </p:transition>
@@ -6123,7 +7775,7 @@
 </p:sld>
 </file>
 
-<file path=ppt/slides/slide5.xml><?xml version="1.0" encoding="utf-8"?>
+<file path=ppt/slides/slide6.xml><?xml version="1.0" encoding="utf-8"?>
 <p:sld xmlns:a="http://schemas.openxmlformats.org/drawingml/2006/main" xmlns:r="http://schemas.openxmlformats.org/officeDocument/2006/relationships" xmlns:p="http://schemas.openxmlformats.org/presentationml/2006/main">
   <p:cSld>
     <p:bg>
@@ -6675,8 +8327,8 @@
         </p:nvGrpSpPr>
         <p:grpSpPr>
           <a:xfrm>
-            <a:off x="5940356" y="1510045"/>
-            <a:ext cx="5647797" cy="5054249"/>
+            <a:off x="5940357" y="1763510"/>
+            <a:ext cx="5609220" cy="4800784"/>
             <a:chOff x="6206574" y="1586712"/>
             <a:chExt cx="5647797" cy="5054249"/>
           </a:xfrm>
@@ -7438,6 +9090,49 @@
           </p:style>
         </p:cxnSp>
       </p:grpSp>
+      <p:cxnSp>
+        <p:nvCxnSpPr>
+          <p:cNvPr id="26" name="Straight Connector 25">
+            <a:extLst>
+              <a:ext uri="{FF2B5EF4-FFF2-40B4-BE49-F238E27FC236}">
+                <a16:creationId xmlns:a16="http://schemas.microsoft.com/office/drawing/2014/main" id="{34181C4A-5BCF-8A4F-8AF8-92019A420386}"/>
+              </a:ext>
+            </a:extLst>
+          </p:cNvPr>
+          <p:cNvCxnSpPr>
+            <a:cxnSpLocks/>
+          </p:cNvCxnSpPr>
+          <p:nvPr/>
+        </p:nvCxnSpPr>
+        <p:spPr>
+          <a:xfrm>
+            <a:off x="5441861" y="1421027"/>
+            <a:ext cx="6750136" cy="0"/>
+          </a:xfrm>
+          <a:prstGeom prst="line">
+            <a:avLst/>
+          </a:prstGeom>
+          <a:ln w="57150">
+            <a:solidFill>
+              <a:srgbClr val="FFC000"/>
+            </a:solidFill>
+          </a:ln>
+        </p:spPr>
+        <p:style>
+          <a:lnRef idx="1">
+            <a:schemeClr val="accent1"/>
+          </a:lnRef>
+          <a:fillRef idx="0">
+            <a:schemeClr val="accent1"/>
+          </a:fillRef>
+          <a:effectRef idx="0">
+            <a:schemeClr val="accent1"/>
+          </a:effectRef>
+          <a:fontRef idx="minor">
+            <a:schemeClr val="tx1"/>
+          </a:fontRef>
+        </p:style>
+      </p:cxnSp>
     </p:spTree>
     <p:extLst>
       <p:ext uri="{BB962C8B-B14F-4D97-AF65-F5344CB8AC3E}">
@@ -7448,13 +9143,13 @@
   <p:clrMapOvr>
     <a:overrideClrMapping bg1="dk1" tx1="lt1" bg2="dk2" tx2="lt2" accent1="accent1" accent2="accent2" accent3="accent3" accent4="accent4" accent5="accent5" accent6="accent6" hlink="hlink" folHlink="folHlink"/>
   </p:clrMapOvr>
-  <mc:AlternateContent xmlns:mc="http://schemas.openxmlformats.org/markup-compatibility/2006">
-    <mc:Choice xmlns:p14="http://schemas.microsoft.com/office/powerpoint/2010/main" Requires="p14">
+  <mc:AlternateContent xmlns:mc="http://schemas.openxmlformats.org/markup-compatibility/2006" xmlns:p14="http://schemas.microsoft.com/office/powerpoint/2010/main">
+    <mc:Choice Requires="p14">
       <p:transition spd="slow" p14:dur="1600">
         <p14:prism isContent="1" isInverted="1"/>
       </p:transition>
     </mc:Choice>
-    <mc:Fallback>
+    <mc:Fallback xmlns="">
       <p:transition spd="slow">
         <p:fade/>
       </p:transition>
@@ -7463,7 +9158,7 @@
 </p:sld>
 </file>
 
-<file path=ppt/slides/slide6.xml><?xml version="1.0" encoding="utf-8"?>
+<file path=ppt/slides/slide7.xml><?xml version="1.0" encoding="utf-8"?>
 <p:sld xmlns:a="http://schemas.openxmlformats.org/drawingml/2006/main" xmlns:r="http://schemas.openxmlformats.org/officeDocument/2006/relationships" xmlns:p="http://schemas.openxmlformats.org/presentationml/2006/main">
   <p:cSld>
     <p:bg>
@@ -7563,7 +9258,9 @@
           <p:nvPr/>
         </p:nvPicPr>
         <p:blipFill rotWithShape="1">
-          <a:blip r:embed="rId2"/>
+          <a:blip r:embed="rId2">
+            <a:alphaModFix amt="32000"/>
+          </a:blip>
           <a:srcRect t="31370" r="9090" b="31706"/>
           <a:stretch/>
         </p:blipFill>
@@ -7575,6 +9272,12 @@
           <a:prstGeom prst="rect">
             <a:avLst/>
           </a:prstGeom>
+          <a:ln>
+            <a:noFill/>
+          </a:ln>
+          <a:effectLst>
+            <a:softEdge rad="112500"/>
+          </a:effectLst>
         </p:spPr>
       </p:pic>
       <p:sp>
@@ -7900,7 +9603,7 @@
             </a:pPr>
             <a:r>
               <a:rPr lang="en-US" sz="2000" dirty="0"/>
-              <a:t>Our best model has 6 variables that influence faults and anomalies on Carbon Z:  Tx Speed, Rx Speed… that are responsible for 29% of outcome changes, the remaining 70% can be cause by noise and other  uncaptured variables.</a:t>
+              <a:t>Our best model has 6 variables that influence faults and anomalies on Carbon Z:  Tx Speed, Rx Speed… that are responsible for 29% of outcome changes, the remaining 70% can be caused by noise and other  uncaptured variables.</a:t>
             </a:r>
           </a:p>
           <a:p>
@@ -8067,13 +9770,13 @@
   <p:clrMapOvr>
     <a:overrideClrMapping bg1="dk1" tx1="lt1" bg2="dk2" tx2="lt2" accent1="accent1" accent2="accent2" accent3="accent3" accent4="accent4" accent5="accent5" accent6="accent6" hlink="hlink" folHlink="folHlink"/>
   </p:clrMapOvr>
-  <mc:AlternateContent xmlns:mc="http://schemas.openxmlformats.org/markup-compatibility/2006">
-    <mc:Choice xmlns:p14="http://schemas.microsoft.com/office/powerpoint/2010/main" Requires="p14">
+  <mc:AlternateContent xmlns:mc="http://schemas.openxmlformats.org/markup-compatibility/2006" xmlns:p14="http://schemas.microsoft.com/office/powerpoint/2010/main">
+    <mc:Choice Requires="p14">
       <p:transition spd="slow" p14:dur="1250">
         <p14:flip dir="r"/>
       </p:transition>
     </mc:Choice>
-    <mc:Fallback>
+    <mc:Fallback xmlns="">
       <p:transition spd="slow">
         <p:fade/>
       </p:transition>
@@ -8082,7 +9785,1059 @@
 </p:sld>
 </file>
 
-<file path=ppt/slides/slide7.xml><?xml version="1.0" encoding="utf-8"?>
+<file path=ppt/slides/slide8.xml><?xml version="1.0" encoding="utf-8"?>
+<p:sld xmlns:a="http://schemas.openxmlformats.org/drawingml/2006/main" xmlns:r="http://schemas.openxmlformats.org/officeDocument/2006/relationships" xmlns:p="http://schemas.openxmlformats.org/presentationml/2006/main">
+  <p:cSld>
+    <p:bg>
+      <p:bgPr>
+        <a:solidFill>
+          <a:schemeClr val="bg1"/>
+        </a:solidFill>
+        <a:effectLst/>
+      </p:bgPr>
+    </p:bg>
+    <p:spTree>
+      <p:nvGrpSpPr>
+        <p:cNvPr id="1" name=""/>
+        <p:cNvGrpSpPr/>
+        <p:nvPr/>
+      </p:nvGrpSpPr>
+      <p:grpSpPr>
+        <a:xfrm>
+          <a:off x="0" y="0"/>
+          <a:ext cx="0" cy="0"/>
+          <a:chOff x="0" y="0"/>
+          <a:chExt cx="0" cy="0"/>
+        </a:xfrm>
+      </p:grpSpPr>
+      <p:pic>
+        <p:nvPicPr>
+          <p:cNvPr id="11" name="Picture 10" descr="A close-up of a fan&#10;&#10;Description automatically generated with low confidence">
+            <a:extLst>
+              <a:ext uri="{FF2B5EF4-FFF2-40B4-BE49-F238E27FC236}">
+                <a16:creationId xmlns:a16="http://schemas.microsoft.com/office/drawing/2014/main" id="{2D925301-90FF-DC49-9134-FC4092F5B72D}"/>
+              </a:ext>
+            </a:extLst>
+          </p:cNvPr>
+          <p:cNvPicPr>
+            <a:picLocks noChangeAspect="1"/>
+          </p:cNvPicPr>
+          <p:nvPr/>
+        </p:nvPicPr>
+        <p:blipFill rotWithShape="1">
+          <a:blip r:embed="rId2">
+            <a:alphaModFix amt="35000"/>
+          </a:blip>
+          <a:srcRect r="3973" b="1"/>
+          <a:stretch/>
+        </p:blipFill>
+        <p:spPr>
+          <a:xfrm>
+            <a:off x="20" y="1021"/>
+            <a:ext cx="12191980" cy="6855958"/>
+          </a:xfrm>
+          <a:prstGeom prst="rect">
+            <a:avLst/>
+          </a:prstGeom>
+        </p:spPr>
+      </p:pic>
+      <p:sp>
+        <p:nvSpPr>
+          <p:cNvPr id="2" name="Title 1">
+            <a:extLst>
+              <a:ext uri="{FF2B5EF4-FFF2-40B4-BE49-F238E27FC236}">
+                <a16:creationId xmlns:a16="http://schemas.microsoft.com/office/drawing/2014/main" id="{ED054125-6851-C146-9A7D-26877FB24782}"/>
+              </a:ext>
+            </a:extLst>
+          </p:cNvPr>
+          <p:cNvSpPr>
+            <a:spLocks noGrp="1"/>
+          </p:cNvSpPr>
+          <p:nvPr>
+            <p:ph type="title"/>
+          </p:nvPr>
+        </p:nvSpPr>
+        <p:spPr>
+          <a:xfrm>
+            <a:off x="517510" y="246813"/>
+            <a:ext cx="4624342" cy="1325563"/>
+          </a:xfrm>
+        </p:spPr>
+        <p:txBody>
+          <a:bodyPr vert="horz" lIns="91440" tIns="45720" rIns="91440" bIns="45720" rtlCol="0" anchor="ctr">
+            <a:normAutofit/>
+          </a:bodyPr>
+          <a:lstStyle/>
+          <a:p>
+            <a:r>
+              <a:rPr lang="en-US" kern="1200" dirty="0">
+                <a:solidFill>
+                  <a:schemeClr val="tx1"/>
+                </a:solidFill>
+                <a:latin typeface="+mj-lt"/>
+                <a:ea typeface="+mj-ea"/>
+                <a:cs typeface="+mj-cs"/>
+              </a:rPr>
+              <a:t>CONCLUSION</a:t>
+            </a:r>
+          </a:p>
+        </p:txBody>
+      </p:sp>
+      <p:sp>
+        <p:nvSpPr>
+          <p:cNvPr id="18" name="Oval 17">
+            <a:extLst>
+              <a:ext uri="{FF2B5EF4-FFF2-40B4-BE49-F238E27FC236}">
+                <a16:creationId xmlns:a16="http://schemas.microsoft.com/office/drawing/2014/main" id="{07977D39-626F-40D7-B00F-16E02602DD5A}"/>
+              </a:ext>
+              <a:ext uri="{C183D7F6-B498-43B3-948B-1728B52AA6E4}">
+                <adec:decorative xmlns:adec="http://schemas.microsoft.com/office/drawing/2017/decorative" val="1"/>
+              </a:ext>
+            </a:extLst>
+          </p:cNvPr>
+          <p:cNvSpPr>
+            <a:spLocks noGrp="1" noRot="1" noChangeAspect="1" noMove="1" noResize="1" noEditPoints="1" noAdjustHandles="1" noChangeArrowheads="1" noChangeShapeType="1" noTextEdit="1"/>
+          </p:cNvSpPr>
+          <p:nvPr>
+            <p:extLst>
+              <p:ext uri="{386F3935-93C4-4BCD-93E2-E3B085C9AB24}">
+                <p16:designElem xmlns:p16="http://schemas.microsoft.com/office/powerpoint/2015/main" val="1"/>
+              </p:ext>
+            </p:extLst>
+          </p:nvPr>
+        </p:nvSpPr>
+        <p:spPr>
+          <a:xfrm>
+            <a:off x="5515495" y="197110"/>
+            <a:ext cx="2020824" cy="2020824"/>
+          </a:xfrm>
+          <a:prstGeom prst="ellipse">
+            <a:avLst/>
+          </a:prstGeom>
+          <a:solidFill>
+            <a:srgbClr val="FFFFFF">
+              <a:alpha val="80000"/>
+            </a:srgbClr>
+          </a:solidFill>
+          <a:ln>
+            <a:noFill/>
+          </a:ln>
+        </p:spPr>
+        <p:style>
+          <a:lnRef idx="2">
+            <a:schemeClr val="accent1">
+              <a:shade val="50000"/>
+            </a:schemeClr>
+          </a:lnRef>
+          <a:fillRef idx="1">
+            <a:schemeClr val="accent1"/>
+          </a:fillRef>
+          <a:effectRef idx="0">
+            <a:schemeClr val="accent1"/>
+          </a:effectRef>
+          <a:fontRef idx="minor">
+            <a:schemeClr val="lt1"/>
+          </a:fontRef>
+        </p:style>
+        <p:txBody>
+          <a:bodyPr rtlCol="0" anchor="ctr"/>
+          <a:lstStyle/>
+          <a:p>
+            <a:pPr marL="0" marR="0" lvl="0" indent="0" algn="ctr" defTabSz="914400" rtl="0" eaLnBrk="1" fontAlgn="auto" latinLnBrk="0" hangingPunct="1">
+              <a:lnSpc>
+                <a:spcPct val="100000"/>
+              </a:lnSpc>
+              <a:spcBef>
+                <a:spcPts val="0"/>
+              </a:spcBef>
+              <a:spcAft>
+                <a:spcPts val="0"/>
+              </a:spcAft>
+              <a:buClrTx/>
+              <a:buSzTx/>
+              <a:buFontTx/>
+              <a:buNone/>
+              <a:tabLst/>
+              <a:defRPr/>
+            </a:pPr>
+            <a:endParaRPr kumimoji="0" lang="en-US" sz="1800" b="0" i="0" u="none" strike="noStrike" kern="1200" cap="none" spc="0" normalizeH="0" baseline="0" noProof="0">
+              <a:ln>
+                <a:noFill/>
+              </a:ln>
+              <a:solidFill>
+                <a:prstClr val="white"/>
+              </a:solidFill>
+              <a:effectLst/>
+              <a:uLnTx/>
+              <a:uFillTx/>
+              <a:latin typeface="Calibri" panose="020F0502020204030204"/>
+              <a:ea typeface="+mn-ea"/>
+              <a:cs typeface="+mn-cs"/>
+            </a:endParaRPr>
+          </a:p>
+        </p:txBody>
+      </p:sp>
+      <p:pic>
+        <p:nvPicPr>
+          <p:cNvPr id="7" name="Picture 6" descr="A close-up of a helmet&#10;&#10;Description automatically generated with low confidence">
+            <a:extLst>
+              <a:ext uri="{FF2B5EF4-FFF2-40B4-BE49-F238E27FC236}">
+                <a16:creationId xmlns:a16="http://schemas.microsoft.com/office/drawing/2014/main" id="{B0E8BC9E-88CA-A14C-8CF8-02A92FE70903}"/>
+              </a:ext>
+            </a:extLst>
+          </p:cNvPr>
+          <p:cNvPicPr>
+            <a:picLocks noChangeAspect="1"/>
+          </p:cNvPicPr>
+          <p:nvPr/>
+        </p:nvPicPr>
+        <p:blipFill rotWithShape="1">
+          <a:blip r:embed="rId3"/>
+          <a:srcRect l="6846" r="26659" b="7"/>
+          <a:stretch/>
+        </p:blipFill>
+        <p:spPr>
+          <a:xfrm>
+            <a:off x="5680087" y="361702"/>
+            <a:ext cx="1691640" cy="1691640"/>
+          </a:xfrm>
+          <a:custGeom>
+            <a:avLst/>
+            <a:gdLst/>
+            <a:ahLst/>
+            <a:cxnLst/>
+            <a:rect l="l" t="t" r="r" b="b"/>
+            <a:pathLst>
+              <a:path w="1956816" h="1956816">
+                <a:moveTo>
+                  <a:pt x="978408" y="0"/>
+                </a:moveTo>
+                <a:cubicBezTo>
+                  <a:pt x="1518768" y="0"/>
+                  <a:pt x="1956816" y="438048"/>
+                  <a:pt x="1956816" y="978408"/>
+                </a:cubicBezTo>
+                <a:cubicBezTo>
+                  <a:pt x="1956816" y="1518768"/>
+                  <a:pt x="1518768" y="1956816"/>
+                  <a:pt x="978408" y="1956816"/>
+                </a:cubicBezTo>
+                <a:cubicBezTo>
+                  <a:pt x="438048" y="1956816"/>
+                  <a:pt x="0" y="1518768"/>
+                  <a:pt x="0" y="978408"/>
+                </a:cubicBezTo>
+                <a:cubicBezTo>
+                  <a:pt x="0" y="438048"/>
+                  <a:pt x="438048" y="0"/>
+                  <a:pt x="978408" y="0"/>
+                </a:cubicBezTo>
+                <a:close/>
+              </a:path>
+            </a:pathLst>
+          </a:custGeom>
+        </p:spPr>
+      </p:pic>
+      <p:sp>
+        <p:nvSpPr>
+          <p:cNvPr id="20" name="Freeform: Shape 19">
+            <a:extLst>
+              <a:ext uri="{FF2B5EF4-FFF2-40B4-BE49-F238E27FC236}">
+                <a16:creationId xmlns:a16="http://schemas.microsoft.com/office/drawing/2014/main" id="{B905CDE4-B751-4B3E-B625-6E59F8903414}"/>
+              </a:ext>
+              <a:ext uri="{C183D7F6-B498-43B3-948B-1728B52AA6E4}">
+                <adec:decorative xmlns:adec="http://schemas.microsoft.com/office/drawing/2017/decorative" val="1"/>
+              </a:ext>
+            </a:extLst>
+          </p:cNvPr>
+          <p:cNvSpPr>
+            <a:spLocks noGrp="1" noRot="1" noChangeAspect="1" noMove="1" noResize="1" noEditPoints="1" noAdjustHandles="1" noChangeArrowheads="1" noChangeShapeType="1" noTextEdit="1"/>
+          </p:cNvSpPr>
+          <p:nvPr>
+            <p:extLst>
+              <p:ext uri="{386F3935-93C4-4BCD-93E2-E3B085C9AB24}">
+                <p16:designElem xmlns:p16="http://schemas.microsoft.com/office/powerpoint/2015/main" val="1"/>
+              </p:ext>
+            </p:extLst>
+          </p:nvPr>
+        </p:nvSpPr>
+        <p:spPr>
+          <a:xfrm>
+            <a:off x="8114932" y="1"/>
+            <a:ext cx="4077068" cy="3445261"/>
+          </a:xfrm>
+          <a:custGeom>
+            <a:avLst/>
+            <a:gdLst>
+              <a:gd name="connsiteX0" fmla="*/ 250035 w 4077068"/>
+              <a:gd name="connsiteY0" fmla="*/ 0 h 3445261"/>
+              <a:gd name="connsiteX1" fmla="*/ 4077068 w 4077068"/>
+              <a:gd name="connsiteY1" fmla="*/ 0 h 3445261"/>
+              <a:gd name="connsiteX2" fmla="*/ 4077068 w 4077068"/>
+              <a:gd name="connsiteY2" fmla="*/ 2743040 h 3445261"/>
+              <a:gd name="connsiteX3" fmla="*/ 4074154 w 4077068"/>
+              <a:gd name="connsiteY3" fmla="*/ 2746247 h 3445261"/>
+              <a:gd name="connsiteX4" fmla="*/ 2386584 w 4077068"/>
+              <a:gd name="connsiteY4" fmla="*/ 3445261 h 3445261"/>
+              <a:gd name="connsiteX5" fmla="*/ 0 w 4077068"/>
+              <a:gd name="connsiteY5" fmla="*/ 1058677 h 3445261"/>
+              <a:gd name="connsiteX6" fmla="*/ 187550 w 4077068"/>
+              <a:gd name="connsiteY6" fmla="*/ 129711 h 3445261"/>
+            </a:gdLst>
+            <a:ahLst/>
+            <a:cxnLst>
+              <a:cxn ang="0">
+                <a:pos x="connsiteX0" y="connsiteY0"/>
+              </a:cxn>
+              <a:cxn ang="0">
+                <a:pos x="connsiteX1" y="connsiteY1"/>
+              </a:cxn>
+              <a:cxn ang="0">
+                <a:pos x="connsiteX2" y="connsiteY2"/>
+              </a:cxn>
+              <a:cxn ang="0">
+                <a:pos x="connsiteX3" y="connsiteY3"/>
+              </a:cxn>
+              <a:cxn ang="0">
+                <a:pos x="connsiteX4" y="connsiteY4"/>
+              </a:cxn>
+              <a:cxn ang="0">
+                <a:pos x="connsiteX5" y="connsiteY5"/>
+              </a:cxn>
+              <a:cxn ang="0">
+                <a:pos x="connsiteX6" y="connsiteY6"/>
+              </a:cxn>
+            </a:cxnLst>
+            <a:rect l="l" t="t" r="r" b="b"/>
+            <a:pathLst>
+              <a:path w="4077068" h="3445261">
+                <a:moveTo>
+                  <a:pt x="250035" y="0"/>
+                </a:moveTo>
+                <a:lnTo>
+                  <a:pt x="4077068" y="0"/>
+                </a:lnTo>
+                <a:lnTo>
+                  <a:pt x="4077068" y="2743040"/>
+                </a:lnTo>
+                <a:lnTo>
+                  <a:pt x="4074154" y="2746247"/>
+                </a:lnTo>
+                <a:cubicBezTo>
+                  <a:pt x="3642267" y="3178134"/>
+                  <a:pt x="3045621" y="3445261"/>
+                  <a:pt x="2386584" y="3445261"/>
+                </a:cubicBezTo>
+                <a:cubicBezTo>
+                  <a:pt x="1068510" y="3445261"/>
+                  <a:pt x="0" y="2376751"/>
+                  <a:pt x="0" y="1058677"/>
+                </a:cubicBezTo>
+                <a:cubicBezTo>
+                  <a:pt x="0" y="729159"/>
+                  <a:pt x="66782" y="415238"/>
+                  <a:pt x="187550" y="129711"/>
+                </a:cubicBezTo>
+                <a:close/>
+              </a:path>
+            </a:pathLst>
+          </a:custGeom>
+          <a:solidFill>
+            <a:srgbClr val="FFFFFF">
+              <a:alpha val="80000"/>
+            </a:srgbClr>
+          </a:solidFill>
+          <a:ln>
+            <a:noFill/>
+          </a:ln>
+        </p:spPr>
+        <p:style>
+          <a:lnRef idx="2">
+            <a:schemeClr val="accent1">
+              <a:shade val="50000"/>
+            </a:schemeClr>
+          </a:lnRef>
+          <a:fillRef idx="1">
+            <a:schemeClr val="accent1"/>
+          </a:fillRef>
+          <a:effectRef idx="0">
+            <a:schemeClr val="accent1"/>
+          </a:effectRef>
+          <a:fontRef idx="minor">
+            <a:schemeClr val="lt1"/>
+          </a:fontRef>
+        </p:style>
+        <p:txBody>
+          <a:bodyPr wrap="square" rtlCol="0" anchor="ctr">
+            <a:noAutofit/>
+          </a:bodyPr>
+          <a:lstStyle/>
+          <a:p>
+            <a:pPr marL="0" marR="0" lvl="0" indent="0" algn="ctr" defTabSz="914400" rtl="0" eaLnBrk="1" fontAlgn="auto" latinLnBrk="0" hangingPunct="1">
+              <a:lnSpc>
+                <a:spcPct val="100000"/>
+              </a:lnSpc>
+              <a:spcBef>
+                <a:spcPts val="0"/>
+              </a:spcBef>
+              <a:spcAft>
+                <a:spcPts val="0"/>
+              </a:spcAft>
+              <a:buClrTx/>
+              <a:buSzTx/>
+              <a:buFontTx/>
+              <a:buNone/>
+              <a:tabLst/>
+              <a:defRPr/>
+            </a:pPr>
+            <a:endParaRPr kumimoji="0" lang="en-US" sz="1800" b="0" i="0" u="none" strike="noStrike" kern="1200" cap="none" spc="0" normalizeH="0" baseline="0" noProof="0">
+              <a:ln>
+                <a:noFill/>
+              </a:ln>
+              <a:solidFill>
+                <a:prstClr val="white"/>
+              </a:solidFill>
+              <a:effectLst/>
+              <a:uLnTx/>
+              <a:uFillTx/>
+              <a:latin typeface="Calibri" panose="020F0502020204030204"/>
+              <a:ea typeface="+mn-ea"/>
+              <a:cs typeface="+mn-cs"/>
+            </a:endParaRPr>
+          </a:p>
+        </p:txBody>
+      </p:sp>
+      <p:sp>
+        <p:nvSpPr>
+          <p:cNvPr id="22" name="Oval 21">
+            <a:extLst>
+              <a:ext uri="{FF2B5EF4-FFF2-40B4-BE49-F238E27FC236}">
+                <a16:creationId xmlns:a16="http://schemas.microsoft.com/office/drawing/2014/main" id="{08108C16-F4C0-44AA-999D-17BD39219B24}"/>
+              </a:ext>
+              <a:ext uri="{C183D7F6-B498-43B3-948B-1728B52AA6E4}">
+                <adec:decorative xmlns:adec="http://schemas.microsoft.com/office/drawing/2017/decorative" val="1"/>
+              </a:ext>
+            </a:extLst>
+          </p:cNvPr>
+          <p:cNvSpPr>
+            <a:spLocks noGrp="1" noRot="1" noChangeAspect="1" noMove="1" noResize="1" noEditPoints="1" noAdjustHandles="1" noChangeArrowheads="1" noChangeShapeType="1" noTextEdit="1"/>
+          </p:cNvSpPr>
+          <p:nvPr>
+            <p:extLst>
+              <p:ext uri="{386F3935-93C4-4BCD-93E2-E3B085C9AB24}">
+                <p16:designElem xmlns:p16="http://schemas.microsoft.com/office/powerpoint/2015/main" val="1"/>
+              </p:ext>
+            </p:extLst>
+          </p:nvPr>
+        </p:nvSpPr>
+        <p:spPr>
+          <a:xfrm>
+            <a:off x="5673660" y="2557569"/>
+            <a:ext cx="3072384" cy="3072384"/>
+          </a:xfrm>
+          <a:prstGeom prst="ellipse">
+            <a:avLst/>
+          </a:prstGeom>
+          <a:solidFill>
+            <a:srgbClr val="FFFFFF">
+              <a:alpha val="80000"/>
+            </a:srgbClr>
+          </a:solidFill>
+          <a:ln>
+            <a:noFill/>
+          </a:ln>
+        </p:spPr>
+        <p:style>
+          <a:lnRef idx="2">
+            <a:schemeClr val="accent1">
+              <a:shade val="50000"/>
+            </a:schemeClr>
+          </a:lnRef>
+          <a:fillRef idx="1">
+            <a:schemeClr val="accent1"/>
+          </a:fillRef>
+          <a:effectRef idx="0">
+            <a:schemeClr val="accent1"/>
+          </a:effectRef>
+          <a:fontRef idx="minor">
+            <a:schemeClr val="lt1"/>
+          </a:fontRef>
+        </p:style>
+        <p:txBody>
+          <a:bodyPr rtlCol="0" anchor="ctr"/>
+          <a:lstStyle/>
+          <a:p>
+            <a:pPr marL="0" marR="0" lvl="0" indent="0" algn="ctr" defTabSz="914400" rtl="0" eaLnBrk="1" fontAlgn="auto" latinLnBrk="0" hangingPunct="1">
+              <a:lnSpc>
+                <a:spcPct val="100000"/>
+              </a:lnSpc>
+              <a:spcBef>
+                <a:spcPts val="0"/>
+              </a:spcBef>
+              <a:spcAft>
+                <a:spcPts val="0"/>
+              </a:spcAft>
+              <a:buClrTx/>
+              <a:buSzTx/>
+              <a:buFontTx/>
+              <a:buNone/>
+              <a:tabLst/>
+              <a:defRPr/>
+            </a:pPr>
+            <a:endParaRPr kumimoji="0" lang="en-US" sz="1800" b="0" i="0" u="none" strike="noStrike" kern="1200" cap="none" spc="0" normalizeH="0" baseline="0" noProof="0">
+              <a:ln>
+                <a:noFill/>
+              </a:ln>
+              <a:solidFill>
+                <a:prstClr val="white"/>
+              </a:solidFill>
+              <a:effectLst/>
+              <a:uLnTx/>
+              <a:uFillTx/>
+              <a:latin typeface="Calibri" panose="020F0502020204030204"/>
+              <a:ea typeface="+mn-ea"/>
+              <a:cs typeface="+mn-cs"/>
+            </a:endParaRPr>
+          </a:p>
+        </p:txBody>
+      </p:sp>
+      <p:pic>
+        <p:nvPicPr>
+          <p:cNvPr id="9" name="Picture 8" descr="A picture containing indoor, opener, watch, several&#10;&#10;Description automatically generated">
+            <a:extLst>
+              <a:ext uri="{FF2B5EF4-FFF2-40B4-BE49-F238E27FC236}">
+                <a16:creationId xmlns:a16="http://schemas.microsoft.com/office/drawing/2014/main" id="{12B34153-0400-D64A-A7B7-E25A02F1FA5D}"/>
+              </a:ext>
+            </a:extLst>
+          </p:cNvPr>
+          <p:cNvPicPr>
+            <a:picLocks noChangeAspect="1"/>
+          </p:cNvPicPr>
+          <p:nvPr/>
+        </p:nvPicPr>
+        <p:blipFill rotWithShape="1">
+          <a:blip r:embed="rId4"/>
+          <a:srcRect l="22100" r="3904" b="5"/>
+          <a:stretch/>
+        </p:blipFill>
+        <p:spPr>
+          <a:xfrm>
+            <a:off x="5838252" y="2722161"/>
+            <a:ext cx="2743200" cy="2743200"/>
+          </a:xfrm>
+          <a:custGeom>
+            <a:avLst/>
+            <a:gdLst/>
+            <a:ahLst/>
+            <a:cxnLst/>
+            <a:rect l="l" t="t" r="r" b="b"/>
+            <a:pathLst>
+              <a:path w="2834640" h="2834640">
+                <a:moveTo>
+                  <a:pt x="1417320" y="0"/>
+                </a:moveTo>
+                <a:cubicBezTo>
+                  <a:pt x="2200084" y="0"/>
+                  <a:pt x="2834640" y="634556"/>
+                  <a:pt x="2834640" y="1417320"/>
+                </a:cubicBezTo>
+                <a:cubicBezTo>
+                  <a:pt x="2834640" y="2200084"/>
+                  <a:pt x="2200084" y="2834640"/>
+                  <a:pt x="1417320" y="2834640"/>
+                </a:cubicBezTo>
+                <a:cubicBezTo>
+                  <a:pt x="634556" y="2834640"/>
+                  <a:pt x="0" y="2200084"/>
+                  <a:pt x="0" y="1417320"/>
+                </a:cubicBezTo>
+                <a:cubicBezTo>
+                  <a:pt x="0" y="634556"/>
+                  <a:pt x="634556" y="0"/>
+                  <a:pt x="1417320" y="0"/>
+                </a:cubicBezTo>
+                <a:close/>
+              </a:path>
+            </a:pathLst>
+          </a:custGeom>
+        </p:spPr>
+      </p:pic>
+      <p:pic>
+        <p:nvPicPr>
+          <p:cNvPr id="5" name="Picture 4">
+            <a:extLst>
+              <a:ext uri="{FF2B5EF4-FFF2-40B4-BE49-F238E27FC236}">
+                <a16:creationId xmlns:a16="http://schemas.microsoft.com/office/drawing/2014/main" id="{DE2A54CB-6F29-5841-950D-D40EFB6B27A8}"/>
+              </a:ext>
+            </a:extLst>
+          </p:cNvPr>
+          <p:cNvPicPr>
+            <a:picLocks noChangeAspect="1"/>
+          </p:cNvPicPr>
+          <p:nvPr/>
+        </p:nvPicPr>
+        <p:blipFill rotWithShape="1">
+          <a:blip r:embed="rId5"/>
+          <a:srcRect l="19445" r="13477" b="2"/>
+          <a:stretch/>
+        </p:blipFill>
+        <p:spPr>
+          <a:xfrm>
+            <a:off x="8278624" y="2"/>
+            <a:ext cx="3913376" cy="3281569"/>
+          </a:xfrm>
+          <a:custGeom>
+            <a:avLst/>
+            <a:gdLst/>
+            <a:ahLst/>
+            <a:cxnLst/>
+            <a:rect l="l" t="t" r="r" b="b"/>
+            <a:pathLst>
+              <a:path w="3913376" h="3281569">
+                <a:moveTo>
+                  <a:pt x="267865" y="0"/>
+                </a:moveTo>
+                <a:lnTo>
+                  <a:pt x="3913376" y="0"/>
+                </a:lnTo>
+                <a:lnTo>
+                  <a:pt x="3913376" y="2499938"/>
+                </a:lnTo>
+                <a:lnTo>
+                  <a:pt x="3794714" y="2630499"/>
+                </a:lnTo>
+                <a:cubicBezTo>
+                  <a:pt x="3392450" y="3032763"/>
+                  <a:pt x="2836727" y="3281569"/>
+                  <a:pt x="2222892" y="3281569"/>
+                </a:cubicBezTo>
+                <a:cubicBezTo>
+                  <a:pt x="995223" y="3281569"/>
+                  <a:pt x="0" y="2286346"/>
+                  <a:pt x="0" y="1058677"/>
+                </a:cubicBezTo>
+                <a:cubicBezTo>
+                  <a:pt x="0" y="751760"/>
+                  <a:pt x="62202" y="459370"/>
+                  <a:pt x="174686" y="193427"/>
+                </a:cubicBezTo>
+                <a:close/>
+              </a:path>
+            </a:pathLst>
+          </a:custGeom>
+        </p:spPr>
+      </p:pic>
+      <p:sp>
+        <p:nvSpPr>
+          <p:cNvPr id="24" name="Freeform: Shape 23">
+            <a:extLst>
+              <a:ext uri="{FF2B5EF4-FFF2-40B4-BE49-F238E27FC236}">
+                <a16:creationId xmlns:a16="http://schemas.microsoft.com/office/drawing/2014/main" id="{C8F10CB3-3B5E-4C7A-98CF-B87454DDFA39}"/>
+              </a:ext>
+              <a:ext uri="{C183D7F6-B498-43B3-948B-1728B52AA6E4}">
+                <adec:decorative xmlns:adec="http://schemas.microsoft.com/office/drawing/2017/decorative" val="1"/>
+              </a:ext>
+            </a:extLst>
+          </p:cNvPr>
+          <p:cNvSpPr>
+            <a:spLocks noGrp="1" noRot="1" noChangeAspect="1" noMove="1" noResize="1" noEditPoints="1" noAdjustHandles="1" noChangeArrowheads="1" noChangeShapeType="1" noTextEdit="1"/>
+          </p:cNvSpPr>
+          <p:nvPr>
+            <p:extLst>
+              <p:ext uri="{386F3935-93C4-4BCD-93E2-E3B085C9AB24}">
+                <p16:designElem xmlns:p16="http://schemas.microsoft.com/office/powerpoint/2015/main" val="1"/>
+              </p:ext>
+            </p:extLst>
+          </p:nvPr>
+        </p:nvSpPr>
+        <p:spPr>
+          <a:xfrm>
+            <a:off x="8848370" y="3966828"/>
+            <a:ext cx="3339958" cy="2891173"/>
+          </a:xfrm>
+          <a:custGeom>
+            <a:avLst/>
+            <a:gdLst>
+              <a:gd name="connsiteX0" fmla="*/ 2002536 w 3339958"/>
+              <a:gd name="connsiteY0" fmla="*/ 0 h 2891173"/>
+              <a:gd name="connsiteX1" fmla="*/ 3276335 w 3339958"/>
+              <a:gd name="connsiteY1" fmla="*/ 457282 h 2891173"/>
+              <a:gd name="connsiteX2" fmla="*/ 3339958 w 3339958"/>
+              <a:gd name="connsiteY2" fmla="*/ 515107 h 2891173"/>
+              <a:gd name="connsiteX3" fmla="*/ 3339958 w 3339958"/>
+              <a:gd name="connsiteY3" fmla="*/ 2891173 h 2891173"/>
+              <a:gd name="connsiteX4" fmla="*/ 209954 w 3339958"/>
+              <a:gd name="connsiteY4" fmla="*/ 2891173 h 2891173"/>
+              <a:gd name="connsiteX5" fmla="*/ 157369 w 3339958"/>
+              <a:gd name="connsiteY5" fmla="*/ 2782014 h 2891173"/>
+              <a:gd name="connsiteX6" fmla="*/ 0 w 3339958"/>
+              <a:gd name="connsiteY6" fmla="*/ 2002536 h 2891173"/>
+              <a:gd name="connsiteX7" fmla="*/ 2002536 w 3339958"/>
+              <a:gd name="connsiteY7" fmla="*/ 0 h 2891173"/>
+            </a:gdLst>
+            <a:ahLst/>
+            <a:cxnLst>
+              <a:cxn ang="0">
+                <a:pos x="connsiteX0" y="connsiteY0"/>
+              </a:cxn>
+              <a:cxn ang="0">
+                <a:pos x="connsiteX1" y="connsiteY1"/>
+              </a:cxn>
+              <a:cxn ang="0">
+                <a:pos x="connsiteX2" y="connsiteY2"/>
+              </a:cxn>
+              <a:cxn ang="0">
+                <a:pos x="connsiteX3" y="connsiteY3"/>
+              </a:cxn>
+              <a:cxn ang="0">
+                <a:pos x="connsiteX4" y="connsiteY4"/>
+              </a:cxn>
+              <a:cxn ang="0">
+                <a:pos x="connsiteX5" y="connsiteY5"/>
+              </a:cxn>
+              <a:cxn ang="0">
+                <a:pos x="connsiteX6" y="connsiteY6"/>
+              </a:cxn>
+              <a:cxn ang="0">
+                <a:pos x="connsiteX7" y="connsiteY7"/>
+              </a:cxn>
+            </a:cxnLst>
+            <a:rect l="l" t="t" r="r" b="b"/>
+            <a:pathLst>
+              <a:path w="3339958" h="2891173">
+                <a:moveTo>
+                  <a:pt x="2002536" y="0"/>
+                </a:moveTo>
+                <a:cubicBezTo>
+                  <a:pt x="2486398" y="0"/>
+                  <a:pt x="2930179" y="171609"/>
+                  <a:pt x="3276335" y="457282"/>
+                </a:cubicBezTo>
+                <a:lnTo>
+                  <a:pt x="3339958" y="515107"/>
+                </a:lnTo>
+                <a:lnTo>
+                  <a:pt x="3339958" y="2891173"/>
+                </a:lnTo>
+                <a:lnTo>
+                  <a:pt x="209954" y="2891173"/>
+                </a:lnTo>
+                <a:lnTo>
+                  <a:pt x="157369" y="2782014"/>
+                </a:lnTo>
+                <a:cubicBezTo>
+                  <a:pt x="56036" y="2542434"/>
+                  <a:pt x="0" y="2279029"/>
+                  <a:pt x="0" y="2002536"/>
+                </a:cubicBezTo>
+                <a:cubicBezTo>
+                  <a:pt x="0" y="896566"/>
+                  <a:pt x="896566" y="0"/>
+                  <a:pt x="2002536" y="0"/>
+                </a:cubicBezTo>
+                <a:close/>
+              </a:path>
+            </a:pathLst>
+          </a:custGeom>
+          <a:solidFill>
+            <a:srgbClr val="FFFFFF">
+              <a:alpha val="80000"/>
+            </a:srgbClr>
+          </a:solidFill>
+          <a:ln>
+            <a:noFill/>
+          </a:ln>
+        </p:spPr>
+        <p:style>
+          <a:lnRef idx="2">
+            <a:schemeClr val="accent1">
+              <a:shade val="50000"/>
+            </a:schemeClr>
+          </a:lnRef>
+          <a:fillRef idx="1">
+            <a:schemeClr val="accent1"/>
+          </a:fillRef>
+          <a:effectRef idx="0">
+            <a:schemeClr val="accent1"/>
+          </a:effectRef>
+          <a:fontRef idx="minor">
+            <a:schemeClr val="lt1"/>
+          </a:fontRef>
+        </p:style>
+        <p:txBody>
+          <a:bodyPr wrap="square" rtlCol="0" anchor="ctr">
+            <a:noAutofit/>
+          </a:bodyPr>
+          <a:lstStyle/>
+          <a:p>
+            <a:pPr marL="0" marR="0" lvl="0" indent="0" algn="ctr" defTabSz="914400" rtl="0" eaLnBrk="1" fontAlgn="auto" latinLnBrk="0" hangingPunct="1">
+              <a:lnSpc>
+                <a:spcPct val="100000"/>
+              </a:lnSpc>
+              <a:spcBef>
+                <a:spcPts val="0"/>
+              </a:spcBef>
+              <a:spcAft>
+                <a:spcPts val="0"/>
+              </a:spcAft>
+              <a:buClrTx/>
+              <a:buSzTx/>
+              <a:buFontTx/>
+              <a:buNone/>
+              <a:tabLst/>
+              <a:defRPr/>
+            </a:pPr>
+            <a:endParaRPr kumimoji="0" lang="en-US" sz="1800" b="0" i="0" u="none" strike="noStrike" kern="1200" cap="none" spc="0" normalizeH="0" baseline="0" noProof="0" dirty="0">
+              <a:ln>
+                <a:noFill/>
+              </a:ln>
+              <a:solidFill>
+                <a:prstClr val="white"/>
+              </a:solidFill>
+              <a:effectLst/>
+              <a:uLnTx/>
+              <a:uFillTx/>
+              <a:latin typeface="Calibri" panose="020F0502020204030204"/>
+              <a:ea typeface="+mn-ea"/>
+              <a:cs typeface="+mn-cs"/>
+            </a:endParaRPr>
+          </a:p>
+        </p:txBody>
+      </p:sp>
+      <p:pic>
+        <p:nvPicPr>
+          <p:cNvPr id="13" name="Picture 12" descr="A black and white robot&#10;&#10;Description automatically generated with medium confidence">
+            <a:extLst>
+              <a:ext uri="{FF2B5EF4-FFF2-40B4-BE49-F238E27FC236}">
+                <a16:creationId xmlns:a16="http://schemas.microsoft.com/office/drawing/2014/main" id="{1DBE438A-F6E9-8547-8416-58577ABF3454}"/>
+              </a:ext>
+            </a:extLst>
+          </p:cNvPr>
+          <p:cNvPicPr>
+            <a:picLocks noChangeAspect="1"/>
+          </p:cNvPicPr>
+          <p:nvPr/>
+        </p:nvPicPr>
+        <p:blipFill rotWithShape="1">
+          <a:blip r:embed="rId6"/>
+          <a:srcRect l="22174" r="-4" b="-4"/>
+          <a:stretch/>
+        </p:blipFill>
+        <p:spPr>
+          <a:xfrm>
+            <a:off x="9009416" y="4131546"/>
+            <a:ext cx="3178912" cy="2726454"/>
+          </a:xfrm>
+          <a:custGeom>
+            <a:avLst/>
+            <a:gdLst/>
+            <a:ahLst/>
+            <a:cxnLst/>
+            <a:rect l="l" t="t" r="r" b="b"/>
+            <a:pathLst>
+              <a:path w="3178912" h="2726454">
+                <a:moveTo>
+                  <a:pt x="1837818" y="0"/>
+                </a:moveTo>
+                <a:cubicBezTo>
+                  <a:pt x="2345318" y="0"/>
+                  <a:pt x="2804772" y="205705"/>
+                  <a:pt x="3137352" y="538285"/>
+                </a:cubicBezTo>
+                <a:lnTo>
+                  <a:pt x="3178912" y="584013"/>
+                </a:lnTo>
+                <a:lnTo>
+                  <a:pt x="3178912" y="2726454"/>
+                </a:lnTo>
+                <a:lnTo>
+                  <a:pt x="229483" y="2726454"/>
+                </a:lnTo>
+                <a:lnTo>
+                  <a:pt x="221815" y="2713832"/>
+                </a:lnTo>
+                <a:cubicBezTo>
+                  <a:pt x="80353" y="2453425"/>
+                  <a:pt x="0" y="2155005"/>
+                  <a:pt x="0" y="1837818"/>
+                </a:cubicBezTo>
+                <a:cubicBezTo>
+                  <a:pt x="0" y="822819"/>
+                  <a:pt x="822819" y="0"/>
+                  <a:pt x="1837818" y="0"/>
+                </a:cubicBezTo>
+                <a:close/>
+              </a:path>
+            </a:pathLst>
+          </a:custGeom>
+        </p:spPr>
+      </p:pic>
+      <p:sp>
+        <p:nvSpPr>
+          <p:cNvPr id="14" name="TextBox 13">
+            <a:extLst>
+              <a:ext uri="{FF2B5EF4-FFF2-40B4-BE49-F238E27FC236}">
+                <a16:creationId xmlns:a16="http://schemas.microsoft.com/office/drawing/2014/main" id="{2EFAE464-8470-7149-AF47-585F08666A74}"/>
+              </a:ext>
+            </a:extLst>
+          </p:cNvPr>
+          <p:cNvSpPr txBox="1"/>
+          <p:nvPr/>
+        </p:nvSpPr>
+        <p:spPr>
+          <a:xfrm>
+            <a:off x="281253" y="1576237"/>
+            <a:ext cx="5370178" cy="4567854"/>
+          </a:xfrm>
+          <a:prstGeom prst="rect">
+            <a:avLst/>
+          </a:prstGeom>
+          <a:noFill/>
+        </p:spPr>
+        <p:txBody>
+          <a:bodyPr wrap="square" rtlCol="0">
+            <a:spAutoFit/>
+          </a:bodyPr>
+          <a:lstStyle/>
+          <a:p>
+            <a:pPr indent="-228600">
+              <a:lnSpc>
+                <a:spcPct val="150000"/>
+              </a:lnSpc>
+              <a:spcAft>
+                <a:spcPts val="600"/>
+              </a:spcAft>
+              <a:buFont typeface="Arial" panose="020B0604020202020204" pitchFamily="34" charset="0"/>
+              <a:buChar char="•"/>
+            </a:pPr>
+            <a:r>
+              <a:rPr lang="en-US" sz="1400" dirty="0"/>
+              <a:t>Autonomous drones would be able to fly and land safely without causing injuries.</a:t>
+            </a:r>
+          </a:p>
+          <a:p>
+            <a:pPr>
+              <a:lnSpc>
+                <a:spcPct val="150000"/>
+              </a:lnSpc>
+              <a:spcAft>
+                <a:spcPts val="600"/>
+              </a:spcAft>
+            </a:pPr>
+            <a:endParaRPr lang="en-US" sz="1400" dirty="0"/>
+          </a:p>
+          <a:p>
+            <a:pPr indent="-228600">
+              <a:lnSpc>
+                <a:spcPct val="150000"/>
+              </a:lnSpc>
+              <a:spcAft>
+                <a:spcPts val="600"/>
+              </a:spcAft>
+              <a:buFont typeface="Arial" panose="020B0604020202020204" pitchFamily="34" charset="0"/>
+              <a:buChar char="•"/>
+            </a:pPr>
+            <a:r>
+              <a:rPr lang="en-US" sz="1400" dirty="0"/>
+              <a:t>A faults and anomaly detection model can be applied to some many fields, not limited to Banking, being detecting and preventing fraud, in Agriculture, to predict crop yielding; in health to predict and prevent sickness like cancer, and so on.  This model can be applied in so many other fields.</a:t>
+            </a:r>
+          </a:p>
+          <a:p>
+            <a:pPr indent="-228600">
+              <a:lnSpc>
+                <a:spcPct val="150000"/>
+              </a:lnSpc>
+              <a:spcAft>
+                <a:spcPts val="600"/>
+              </a:spcAft>
+              <a:buFont typeface="Arial" panose="020B0604020202020204" pitchFamily="34" charset="0"/>
+              <a:buChar char="•"/>
+            </a:pPr>
+            <a:endParaRPr lang="en-US" sz="1400" dirty="0"/>
+          </a:p>
+          <a:p>
+            <a:pPr indent="-228600">
+              <a:lnSpc>
+                <a:spcPct val="150000"/>
+              </a:lnSpc>
+              <a:spcAft>
+                <a:spcPts val="600"/>
+              </a:spcAft>
+              <a:buFont typeface="Arial" panose="020B0604020202020204" pitchFamily="34" charset="0"/>
+              <a:buChar char="•"/>
+            </a:pPr>
+            <a:r>
+              <a:rPr lang="en-US" sz="1400" dirty="0"/>
+              <a:t>There are about 100000 autonomous drones in the  world( </a:t>
+            </a:r>
+            <a:r>
+              <a:rPr lang="en-US" sz="1400" dirty="0" err="1"/>
+              <a:t>www.goofler.com</a:t>
+            </a:r>
+            <a:r>
+              <a:rPr lang="en-US" sz="1400" dirty="0"/>
+              <a:t>) and 200000 drones.  By 2030, we project there would be at least 30000 drones.  In a world full of drones, this model would another safety layer.</a:t>
+            </a:r>
+          </a:p>
+        </p:txBody>
+      </p:sp>
+      <p:cxnSp>
+        <p:nvCxnSpPr>
+          <p:cNvPr id="19" name="Straight Connector 18">
+            <a:extLst>
+              <a:ext uri="{FF2B5EF4-FFF2-40B4-BE49-F238E27FC236}">
+                <a16:creationId xmlns:a16="http://schemas.microsoft.com/office/drawing/2014/main" id="{B6D9C605-D38A-F942-9DA6-3A67572A85BF}"/>
+              </a:ext>
+            </a:extLst>
+          </p:cNvPr>
+          <p:cNvCxnSpPr>
+            <a:cxnSpLocks/>
+          </p:cNvCxnSpPr>
+          <p:nvPr/>
+        </p:nvCxnSpPr>
+        <p:spPr>
+          <a:xfrm>
+            <a:off x="0" y="1410394"/>
+            <a:ext cx="5515495" cy="0"/>
+          </a:xfrm>
+          <a:prstGeom prst="line">
+            <a:avLst/>
+          </a:prstGeom>
+          <a:ln w="57150">
+            <a:solidFill>
+              <a:srgbClr val="FFC000"/>
+            </a:solidFill>
+          </a:ln>
+        </p:spPr>
+        <p:style>
+          <a:lnRef idx="1">
+            <a:schemeClr val="accent1"/>
+          </a:lnRef>
+          <a:fillRef idx="0">
+            <a:schemeClr val="accent1"/>
+          </a:fillRef>
+          <a:effectRef idx="0">
+            <a:schemeClr val="accent1"/>
+          </a:effectRef>
+          <a:fontRef idx="minor">
+            <a:schemeClr val="tx1"/>
+          </a:fontRef>
+        </p:style>
+      </p:cxnSp>
+    </p:spTree>
+    <p:extLst>
+      <p:ext uri="{BB962C8B-B14F-4D97-AF65-F5344CB8AC3E}">
+        <p14:creationId xmlns:p14="http://schemas.microsoft.com/office/powerpoint/2010/main" val="2029401164"/>
+      </p:ext>
+    </p:extLst>
+  </p:cSld>
+  <p:clrMapOvr>
+    <a:overrideClrMapping bg1="dk1" tx1="lt1" bg2="dk2" tx2="lt2" accent1="accent1" accent2="accent2" accent3="accent3" accent4="accent4" accent5="accent5" accent6="accent6" hlink="hlink" folHlink="folHlink"/>
+  </p:clrMapOvr>
+</p:sld>
+</file>
+
+<file path=ppt/slides/slide9.xml><?xml version="1.0" encoding="utf-8"?>
 <p:sld xmlns:a="http://schemas.openxmlformats.org/drawingml/2006/main" xmlns:r="http://schemas.openxmlformats.org/officeDocument/2006/relationships" xmlns:p="http://schemas.openxmlformats.org/presentationml/2006/main">
   <p:cSld>
     <p:bg>
@@ -8182,7 +10937,9 @@
           <p:nvPr/>
         </p:nvPicPr>
         <p:blipFill rotWithShape="1">
-          <a:blip r:embed="rId2"/>
+          <a:blip r:embed="rId2">
+            <a:alphaModFix amt="30000"/>
+          </a:blip>
           <a:srcRect t="31370" r="9090" b="31706"/>
           <a:stretch/>
         </p:blipFill>
@@ -8194,6 +10951,12 @@
           <a:prstGeom prst="rect">
             <a:avLst/>
           </a:prstGeom>
+          <a:ln>
+            <a:noFill/>
+          </a:ln>
+          <a:effectLst>
+            <a:softEdge rad="112500"/>
+          </a:effectLst>
         </p:spPr>
       </p:pic>
       <p:sp>
@@ -8710,13 +11473,13 @@
   <p:clrMapOvr>
     <a:overrideClrMapping bg1="dk1" tx1="lt1" bg2="dk2" tx2="lt2" accent1="accent1" accent2="accent2" accent3="accent3" accent4="accent4" accent5="accent5" accent6="accent6" hlink="hlink" folHlink="folHlink"/>
   </p:clrMapOvr>
-  <mc:AlternateContent xmlns:mc="http://schemas.openxmlformats.org/markup-compatibility/2006">
-    <mc:Choice xmlns:p14="http://schemas.microsoft.com/office/powerpoint/2010/main" Requires="p14">
+  <mc:AlternateContent xmlns:mc="http://schemas.openxmlformats.org/markup-compatibility/2006" xmlns:p14="http://schemas.microsoft.com/office/powerpoint/2010/main">
+    <mc:Choice Requires="p14">
       <p:transition spd="slow" p14:dur="1600" advTm="3">
         <p14:gallery dir="l"/>
       </p:transition>
     </mc:Choice>
-    <mc:Fallback>
+    <mc:Fallback xmlns="">
       <p:transition spd="slow" advTm="3">
         <p:fade/>
       </p:transition>

--- a/Drone_Faults_and_Anomaly_detection.pptx
+++ b/Drone_Faults_and_Anomaly_detection.pptx
@@ -11,10 +11,12 @@
     <p:sldId id="258" r:id="rId5"/>
     <p:sldId id="259" r:id="rId6"/>
     <p:sldId id="260" r:id="rId7"/>
-    <p:sldId id="261" r:id="rId8"/>
-    <p:sldId id="264" r:id="rId9"/>
-    <p:sldId id="262" r:id="rId10"/>
-    <p:sldId id="265" r:id="rId11"/>
+    <p:sldId id="267" r:id="rId8"/>
+    <p:sldId id="268" r:id="rId9"/>
+    <p:sldId id="261" r:id="rId10"/>
+    <p:sldId id="264" r:id="rId11"/>
+    <p:sldId id="262" r:id="rId12"/>
+    <p:sldId id="265" r:id="rId13"/>
   </p:sldIdLst>
   <p:sldSz cx="12192000" cy="6858000"/>
   <p:notesSz cx="6858000" cy="9144000"/>
@@ -268,7 +270,7 @@
           <a:p>
             <a:fld id="{2322F9CC-3CD8-F64C-9E7A-7649FAE6ACC1}" type="datetimeFigureOut">
               <a:rPr lang="en-US" smtClean="0"/>
-              <a:t>8/14/21</a:t>
+              <a:t>8/18/21</a:t>
             </a:fld>
             <a:endParaRPr lang="en-US" dirty="0"/>
           </a:p>
@@ -466,7 +468,7 @@
           <a:p>
             <a:fld id="{2322F9CC-3CD8-F64C-9E7A-7649FAE6ACC1}" type="datetimeFigureOut">
               <a:rPr lang="en-US" smtClean="0"/>
-              <a:t>8/14/21</a:t>
+              <a:t>8/18/21</a:t>
             </a:fld>
             <a:endParaRPr lang="en-US" dirty="0"/>
           </a:p>
@@ -674,7 +676,7 @@
           <a:p>
             <a:fld id="{2322F9CC-3CD8-F64C-9E7A-7649FAE6ACC1}" type="datetimeFigureOut">
               <a:rPr lang="en-US" smtClean="0"/>
-              <a:t>8/14/21</a:t>
+              <a:t>8/18/21</a:t>
             </a:fld>
             <a:endParaRPr lang="en-US" dirty="0"/>
           </a:p>
@@ -872,7 +874,7 @@
           <a:p>
             <a:fld id="{2322F9CC-3CD8-F64C-9E7A-7649FAE6ACC1}" type="datetimeFigureOut">
               <a:rPr lang="en-US" smtClean="0"/>
-              <a:t>8/14/21</a:t>
+              <a:t>8/18/21</a:t>
             </a:fld>
             <a:endParaRPr lang="en-US" dirty="0"/>
           </a:p>
@@ -1147,7 +1149,7 @@
           <a:p>
             <a:fld id="{2322F9CC-3CD8-F64C-9E7A-7649FAE6ACC1}" type="datetimeFigureOut">
               <a:rPr lang="en-US" smtClean="0"/>
-              <a:t>8/14/21</a:t>
+              <a:t>8/18/21</a:t>
             </a:fld>
             <a:endParaRPr lang="en-US" dirty="0"/>
           </a:p>
@@ -1412,7 +1414,7 @@
           <a:p>
             <a:fld id="{2322F9CC-3CD8-F64C-9E7A-7649FAE6ACC1}" type="datetimeFigureOut">
               <a:rPr lang="en-US" smtClean="0"/>
-              <a:t>8/14/21</a:t>
+              <a:t>8/18/21</a:t>
             </a:fld>
             <a:endParaRPr lang="en-US" dirty="0"/>
           </a:p>
@@ -1824,7 +1826,7 @@
           <a:p>
             <a:fld id="{2322F9CC-3CD8-F64C-9E7A-7649FAE6ACC1}" type="datetimeFigureOut">
               <a:rPr lang="en-US" smtClean="0"/>
-              <a:t>8/14/21</a:t>
+              <a:t>8/18/21</a:t>
             </a:fld>
             <a:endParaRPr lang="en-US" dirty="0"/>
           </a:p>
@@ -1965,7 +1967,7 @@
           <a:p>
             <a:fld id="{2322F9CC-3CD8-F64C-9E7A-7649FAE6ACC1}" type="datetimeFigureOut">
               <a:rPr lang="en-US" smtClean="0"/>
-              <a:t>8/14/21</a:t>
+              <a:t>8/18/21</a:t>
             </a:fld>
             <a:endParaRPr lang="en-US" dirty="0"/>
           </a:p>
@@ -2078,7 +2080,7 @@
           <a:p>
             <a:fld id="{2322F9CC-3CD8-F64C-9E7A-7649FAE6ACC1}" type="datetimeFigureOut">
               <a:rPr lang="en-US" smtClean="0"/>
-              <a:t>8/14/21</a:t>
+              <a:t>8/18/21</a:t>
             </a:fld>
             <a:endParaRPr lang="en-US" dirty="0"/>
           </a:p>
@@ -2389,7 +2391,7 @@
           <a:p>
             <a:fld id="{2322F9CC-3CD8-F64C-9E7A-7649FAE6ACC1}" type="datetimeFigureOut">
               <a:rPr lang="en-US" smtClean="0"/>
-              <a:t>8/14/21</a:t>
+              <a:t>8/18/21</a:t>
             </a:fld>
             <a:endParaRPr lang="en-US" dirty="0"/>
           </a:p>
@@ -2677,7 +2679,7 @@
           <a:p>
             <a:fld id="{2322F9CC-3CD8-F64C-9E7A-7649FAE6ACC1}" type="datetimeFigureOut">
               <a:rPr lang="en-US" smtClean="0"/>
-              <a:t>8/14/21</a:t>
+              <a:t>8/18/21</a:t>
             </a:fld>
             <a:endParaRPr lang="en-US" dirty="0"/>
           </a:p>
@@ -2918,7 +2920,7 @@
           <a:p>
             <a:fld id="{2322F9CC-3CD8-F64C-9E7A-7649FAE6ACC1}" type="datetimeFigureOut">
               <a:rPr lang="en-US" smtClean="0"/>
-              <a:t>8/14/21</a:t>
+              <a:t>8/18/21</a:t>
             </a:fld>
             <a:endParaRPr lang="en-US" dirty="0"/>
           </a:p>
@@ -3943,7 +3945,7 @@
         </p:nvSpPr>
         <p:spPr>
           <a:xfrm>
-            <a:off x="6768419" y="3784172"/>
+            <a:off x="6768419" y="3817422"/>
             <a:ext cx="4465638" cy="369332"/>
           </a:xfrm>
           <a:prstGeom prst="rect">
@@ -3999,6 +4001,1767 @@
 </file>
 
 <file path=ppt/slides/slide10.xml><?xml version="1.0" encoding="utf-8"?>
+<p:sld xmlns:a="http://schemas.openxmlformats.org/drawingml/2006/main" xmlns:r="http://schemas.openxmlformats.org/officeDocument/2006/relationships" xmlns:p="http://schemas.openxmlformats.org/presentationml/2006/main">
+  <p:cSld>
+    <p:bg>
+      <p:bgPr>
+        <a:solidFill>
+          <a:schemeClr val="bg1"/>
+        </a:solidFill>
+        <a:effectLst/>
+      </p:bgPr>
+    </p:bg>
+    <p:spTree>
+      <p:nvGrpSpPr>
+        <p:cNvPr id="1" name=""/>
+        <p:cNvGrpSpPr/>
+        <p:nvPr/>
+      </p:nvGrpSpPr>
+      <p:grpSpPr>
+        <a:xfrm>
+          <a:off x="0" y="0"/>
+          <a:ext cx="0" cy="0"/>
+          <a:chOff x="0" y="0"/>
+          <a:chExt cx="0" cy="0"/>
+        </a:xfrm>
+      </p:grpSpPr>
+      <p:pic>
+        <p:nvPicPr>
+          <p:cNvPr id="11" name="Picture 10" descr="A close-up of a fan&#10;&#10;Description automatically generated with low confidence">
+            <a:extLst>
+              <a:ext uri="{FF2B5EF4-FFF2-40B4-BE49-F238E27FC236}">
+                <a16:creationId xmlns:a16="http://schemas.microsoft.com/office/drawing/2014/main" id="{2D925301-90FF-DC49-9134-FC4092F5B72D}"/>
+              </a:ext>
+            </a:extLst>
+          </p:cNvPr>
+          <p:cNvPicPr>
+            <a:picLocks noChangeAspect="1"/>
+          </p:cNvPicPr>
+          <p:nvPr/>
+        </p:nvPicPr>
+        <p:blipFill rotWithShape="1">
+          <a:blip r:embed="rId2">
+            <a:alphaModFix amt="35000"/>
+          </a:blip>
+          <a:srcRect r="3973" b="1"/>
+          <a:stretch/>
+        </p:blipFill>
+        <p:spPr>
+          <a:xfrm>
+            <a:off x="20" y="1021"/>
+            <a:ext cx="12191980" cy="6855958"/>
+          </a:xfrm>
+          <a:prstGeom prst="rect">
+            <a:avLst/>
+          </a:prstGeom>
+        </p:spPr>
+      </p:pic>
+      <p:sp>
+        <p:nvSpPr>
+          <p:cNvPr id="2" name="Title 1">
+            <a:extLst>
+              <a:ext uri="{FF2B5EF4-FFF2-40B4-BE49-F238E27FC236}">
+                <a16:creationId xmlns:a16="http://schemas.microsoft.com/office/drawing/2014/main" id="{ED054125-6851-C146-9A7D-26877FB24782}"/>
+              </a:ext>
+            </a:extLst>
+          </p:cNvPr>
+          <p:cNvSpPr>
+            <a:spLocks noGrp="1"/>
+          </p:cNvSpPr>
+          <p:nvPr>
+            <p:ph type="title"/>
+          </p:nvPr>
+        </p:nvSpPr>
+        <p:spPr>
+          <a:xfrm>
+            <a:off x="517510" y="246813"/>
+            <a:ext cx="4624342" cy="1325563"/>
+          </a:xfrm>
+        </p:spPr>
+        <p:txBody>
+          <a:bodyPr vert="horz" lIns="91440" tIns="45720" rIns="91440" bIns="45720" rtlCol="0" anchor="ctr">
+            <a:normAutofit/>
+          </a:bodyPr>
+          <a:lstStyle/>
+          <a:p>
+            <a:r>
+              <a:rPr lang="en-US" kern="1200" dirty="0">
+                <a:solidFill>
+                  <a:schemeClr val="tx1"/>
+                </a:solidFill>
+                <a:latin typeface="+mj-lt"/>
+                <a:ea typeface="+mj-ea"/>
+                <a:cs typeface="+mj-cs"/>
+              </a:rPr>
+              <a:t>CONCLUSIONS</a:t>
+            </a:r>
+          </a:p>
+        </p:txBody>
+      </p:sp>
+      <p:sp>
+        <p:nvSpPr>
+          <p:cNvPr id="18" name="Oval 17">
+            <a:extLst>
+              <a:ext uri="{FF2B5EF4-FFF2-40B4-BE49-F238E27FC236}">
+                <a16:creationId xmlns:a16="http://schemas.microsoft.com/office/drawing/2014/main" id="{07977D39-626F-40D7-B00F-16E02602DD5A}"/>
+              </a:ext>
+              <a:ext uri="{C183D7F6-B498-43B3-948B-1728B52AA6E4}">
+                <adec:decorative xmlns:adec="http://schemas.microsoft.com/office/drawing/2017/decorative" val="1"/>
+              </a:ext>
+            </a:extLst>
+          </p:cNvPr>
+          <p:cNvSpPr>
+            <a:spLocks noGrp="1" noRot="1" noChangeAspect="1" noMove="1" noResize="1" noEditPoints="1" noAdjustHandles="1" noChangeArrowheads="1" noChangeShapeType="1" noTextEdit="1"/>
+          </p:cNvSpPr>
+          <p:nvPr>
+            <p:extLst>
+              <p:ext uri="{386F3935-93C4-4BCD-93E2-E3B085C9AB24}">
+                <p16:designElem xmlns:p16="http://schemas.microsoft.com/office/powerpoint/2015/main" val="1"/>
+              </p:ext>
+            </p:extLst>
+          </p:nvPr>
+        </p:nvSpPr>
+        <p:spPr>
+          <a:xfrm>
+            <a:off x="5515495" y="197110"/>
+            <a:ext cx="2020824" cy="2020824"/>
+          </a:xfrm>
+          <a:prstGeom prst="ellipse">
+            <a:avLst/>
+          </a:prstGeom>
+          <a:solidFill>
+            <a:srgbClr val="FFFFFF">
+              <a:alpha val="80000"/>
+            </a:srgbClr>
+          </a:solidFill>
+          <a:ln>
+            <a:noFill/>
+          </a:ln>
+        </p:spPr>
+        <p:style>
+          <a:lnRef idx="2">
+            <a:schemeClr val="accent1">
+              <a:shade val="50000"/>
+            </a:schemeClr>
+          </a:lnRef>
+          <a:fillRef idx="1">
+            <a:schemeClr val="accent1"/>
+          </a:fillRef>
+          <a:effectRef idx="0">
+            <a:schemeClr val="accent1"/>
+          </a:effectRef>
+          <a:fontRef idx="minor">
+            <a:schemeClr val="lt1"/>
+          </a:fontRef>
+        </p:style>
+        <p:txBody>
+          <a:bodyPr rtlCol="0" anchor="ctr"/>
+          <a:lstStyle/>
+          <a:p>
+            <a:pPr marL="0" marR="0" lvl="0" indent="0" algn="ctr" defTabSz="914400" rtl="0" eaLnBrk="1" fontAlgn="auto" latinLnBrk="0" hangingPunct="1">
+              <a:lnSpc>
+                <a:spcPct val="100000"/>
+              </a:lnSpc>
+              <a:spcBef>
+                <a:spcPts val="0"/>
+              </a:spcBef>
+              <a:spcAft>
+                <a:spcPts val="0"/>
+              </a:spcAft>
+              <a:buClrTx/>
+              <a:buSzTx/>
+              <a:buFontTx/>
+              <a:buNone/>
+              <a:tabLst/>
+              <a:defRPr/>
+            </a:pPr>
+            <a:endParaRPr kumimoji="0" lang="en-US" sz="1800" b="0" i="0" u="none" strike="noStrike" kern="1200" cap="none" spc="0" normalizeH="0" baseline="0" noProof="0">
+              <a:ln>
+                <a:noFill/>
+              </a:ln>
+              <a:solidFill>
+                <a:prstClr val="white"/>
+              </a:solidFill>
+              <a:effectLst/>
+              <a:uLnTx/>
+              <a:uFillTx/>
+              <a:latin typeface="Calibri" panose="020F0502020204030204"/>
+              <a:ea typeface="+mn-ea"/>
+              <a:cs typeface="+mn-cs"/>
+            </a:endParaRPr>
+          </a:p>
+        </p:txBody>
+      </p:sp>
+      <p:pic>
+        <p:nvPicPr>
+          <p:cNvPr id="7" name="Picture 6" descr="A close-up of a helmet&#10;&#10;Description automatically generated with low confidence">
+            <a:extLst>
+              <a:ext uri="{FF2B5EF4-FFF2-40B4-BE49-F238E27FC236}">
+                <a16:creationId xmlns:a16="http://schemas.microsoft.com/office/drawing/2014/main" id="{B0E8BC9E-88CA-A14C-8CF8-02A92FE70903}"/>
+              </a:ext>
+            </a:extLst>
+          </p:cNvPr>
+          <p:cNvPicPr>
+            <a:picLocks noChangeAspect="1"/>
+          </p:cNvPicPr>
+          <p:nvPr/>
+        </p:nvPicPr>
+        <p:blipFill rotWithShape="1">
+          <a:blip r:embed="rId3"/>
+          <a:srcRect l="6846" r="26659" b="7"/>
+          <a:stretch/>
+        </p:blipFill>
+        <p:spPr>
+          <a:xfrm>
+            <a:off x="5680087" y="361702"/>
+            <a:ext cx="1691640" cy="1691640"/>
+          </a:xfrm>
+          <a:custGeom>
+            <a:avLst/>
+            <a:gdLst/>
+            <a:ahLst/>
+            <a:cxnLst/>
+            <a:rect l="l" t="t" r="r" b="b"/>
+            <a:pathLst>
+              <a:path w="1956816" h="1956816">
+                <a:moveTo>
+                  <a:pt x="978408" y="0"/>
+                </a:moveTo>
+                <a:cubicBezTo>
+                  <a:pt x="1518768" y="0"/>
+                  <a:pt x="1956816" y="438048"/>
+                  <a:pt x="1956816" y="978408"/>
+                </a:cubicBezTo>
+                <a:cubicBezTo>
+                  <a:pt x="1956816" y="1518768"/>
+                  <a:pt x="1518768" y="1956816"/>
+                  <a:pt x="978408" y="1956816"/>
+                </a:cubicBezTo>
+                <a:cubicBezTo>
+                  <a:pt x="438048" y="1956816"/>
+                  <a:pt x="0" y="1518768"/>
+                  <a:pt x="0" y="978408"/>
+                </a:cubicBezTo>
+                <a:cubicBezTo>
+                  <a:pt x="0" y="438048"/>
+                  <a:pt x="438048" y="0"/>
+                  <a:pt x="978408" y="0"/>
+                </a:cubicBezTo>
+                <a:close/>
+              </a:path>
+            </a:pathLst>
+          </a:custGeom>
+        </p:spPr>
+      </p:pic>
+      <p:sp>
+        <p:nvSpPr>
+          <p:cNvPr id="20" name="Freeform: Shape 19">
+            <a:extLst>
+              <a:ext uri="{FF2B5EF4-FFF2-40B4-BE49-F238E27FC236}">
+                <a16:creationId xmlns:a16="http://schemas.microsoft.com/office/drawing/2014/main" id="{B905CDE4-B751-4B3E-B625-6E59F8903414}"/>
+              </a:ext>
+              <a:ext uri="{C183D7F6-B498-43B3-948B-1728B52AA6E4}">
+                <adec:decorative xmlns:adec="http://schemas.microsoft.com/office/drawing/2017/decorative" val="1"/>
+              </a:ext>
+            </a:extLst>
+          </p:cNvPr>
+          <p:cNvSpPr>
+            <a:spLocks noGrp="1" noRot="1" noChangeAspect="1" noMove="1" noResize="1" noEditPoints="1" noAdjustHandles="1" noChangeArrowheads="1" noChangeShapeType="1" noTextEdit="1"/>
+          </p:cNvSpPr>
+          <p:nvPr>
+            <p:extLst>
+              <p:ext uri="{386F3935-93C4-4BCD-93E2-E3B085C9AB24}">
+                <p16:designElem xmlns:p16="http://schemas.microsoft.com/office/powerpoint/2015/main" val="1"/>
+              </p:ext>
+            </p:extLst>
+          </p:nvPr>
+        </p:nvSpPr>
+        <p:spPr>
+          <a:xfrm>
+            <a:off x="8114932" y="1"/>
+            <a:ext cx="4077068" cy="3445261"/>
+          </a:xfrm>
+          <a:custGeom>
+            <a:avLst/>
+            <a:gdLst>
+              <a:gd name="connsiteX0" fmla="*/ 250035 w 4077068"/>
+              <a:gd name="connsiteY0" fmla="*/ 0 h 3445261"/>
+              <a:gd name="connsiteX1" fmla="*/ 4077068 w 4077068"/>
+              <a:gd name="connsiteY1" fmla="*/ 0 h 3445261"/>
+              <a:gd name="connsiteX2" fmla="*/ 4077068 w 4077068"/>
+              <a:gd name="connsiteY2" fmla="*/ 2743040 h 3445261"/>
+              <a:gd name="connsiteX3" fmla="*/ 4074154 w 4077068"/>
+              <a:gd name="connsiteY3" fmla="*/ 2746247 h 3445261"/>
+              <a:gd name="connsiteX4" fmla="*/ 2386584 w 4077068"/>
+              <a:gd name="connsiteY4" fmla="*/ 3445261 h 3445261"/>
+              <a:gd name="connsiteX5" fmla="*/ 0 w 4077068"/>
+              <a:gd name="connsiteY5" fmla="*/ 1058677 h 3445261"/>
+              <a:gd name="connsiteX6" fmla="*/ 187550 w 4077068"/>
+              <a:gd name="connsiteY6" fmla="*/ 129711 h 3445261"/>
+            </a:gdLst>
+            <a:ahLst/>
+            <a:cxnLst>
+              <a:cxn ang="0">
+                <a:pos x="connsiteX0" y="connsiteY0"/>
+              </a:cxn>
+              <a:cxn ang="0">
+                <a:pos x="connsiteX1" y="connsiteY1"/>
+              </a:cxn>
+              <a:cxn ang="0">
+                <a:pos x="connsiteX2" y="connsiteY2"/>
+              </a:cxn>
+              <a:cxn ang="0">
+                <a:pos x="connsiteX3" y="connsiteY3"/>
+              </a:cxn>
+              <a:cxn ang="0">
+                <a:pos x="connsiteX4" y="connsiteY4"/>
+              </a:cxn>
+              <a:cxn ang="0">
+                <a:pos x="connsiteX5" y="connsiteY5"/>
+              </a:cxn>
+              <a:cxn ang="0">
+                <a:pos x="connsiteX6" y="connsiteY6"/>
+              </a:cxn>
+            </a:cxnLst>
+            <a:rect l="l" t="t" r="r" b="b"/>
+            <a:pathLst>
+              <a:path w="4077068" h="3445261">
+                <a:moveTo>
+                  <a:pt x="250035" y="0"/>
+                </a:moveTo>
+                <a:lnTo>
+                  <a:pt x="4077068" y="0"/>
+                </a:lnTo>
+                <a:lnTo>
+                  <a:pt x="4077068" y="2743040"/>
+                </a:lnTo>
+                <a:lnTo>
+                  <a:pt x="4074154" y="2746247"/>
+                </a:lnTo>
+                <a:cubicBezTo>
+                  <a:pt x="3642267" y="3178134"/>
+                  <a:pt x="3045621" y="3445261"/>
+                  <a:pt x="2386584" y="3445261"/>
+                </a:cubicBezTo>
+                <a:cubicBezTo>
+                  <a:pt x="1068510" y="3445261"/>
+                  <a:pt x="0" y="2376751"/>
+                  <a:pt x="0" y="1058677"/>
+                </a:cubicBezTo>
+                <a:cubicBezTo>
+                  <a:pt x="0" y="729159"/>
+                  <a:pt x="66782" y="415238"/>
+                  <a:pt x="187550" y="129711"/>
+                </a:cubicBezTo>
+                <a:close/>
+              </a:path>
+            </a:pathLst>
+          </a:custGeom>
+          <a:solidFill>
+            <a:srgbClr val="FFFFFF">
+              <a:alpha val="80000"/>
+            </a:srgbClr>
+          </a:solidFill>
+          <a:ln>
+            <a:noFill/>
+          </a:ln>
+        </p:spPr>
+        <p:style>
+          <a:lnRef idx="2">
+            <a:schemeClr val="accent1">
+              <a:shade val="50000"/>
+            </a:schemeClr>
+          </a:lnRef>
+          <a:fillRef idx="1">
+            <a:schemeClr val="accent1"/>
+          </a:fillRef>
+          <a:effectRef idx="0">
+            <a:schemeClr val="accent1"/>
+          </a:effectRef>
+          <a:fontRef idx="minor">
+            <a:schemeClr val="lt1"/>
+          </a:fontRef>
+        </p:style>
+        <p:txBody>
+          <a:bodyPr wrap="square" rtlCol="0" anchor="ctr">
+            <a:noAutofit/>
+          </a:bodyPr>
+          <a:lstStyle/>
+          <a:p>
+            <a:pPr marL="0" marR="0" lvl="0" indent="0" algn="ctr" defTabSz="914400" rtl="0" eaLnBrk="1" fontAlgn="auto" latinLnBrk="0" hangingPunct="1">
+              <a:lnSpc>
+                <a:spcPct val="100000"/>
+              </a:lnSpc>
+              <a:spcBef>
+                <a:spcPts val="0"/>
+              </a:spcBef>
+              <a:spcAft>
+                <a:spcPts val="0"/>
+              </a:spcAft>
+              <a:buClrTx/>
+              <a:buSzTx/>
+              <a:buFontTx/>
+              <a:buNone/>
+              <a:tabLst/>
+              <a:defRPr/>
+            </a:pPr>
+            <a:endParaRPr kumimoji="0" lang="en-US" sz="1800" b="0" i="0" u="none" strike="noStrike" kern="1200" cap="none" spc="0" normalizeH="0" baseline="0" noProof="0">
+              <a:ln>
+                <a:noFill/>
+              </a:ln>
+              <a:solidFill>
+                <a:prstClr val="white"/>
+              </a:solidFill>
+              <a:effectLst/>
+              <a:uLnTx/>
+              <a:uFillTx/>
+              <a:latin typeface="Calibri" panose="020F0502020204030204"/>
+              <a:ea typeface="+mn-ea"/>
+              <a:cs typeface="+mn-cs"/>
+            </a:endParaRPr>
+          </a:p>
+        </p:txBody>
+      </p:sp>
+      <p:sp>
+        <p:nvSpPr>
+          <p:cNvPr id="22" name="Oval 21">
+            <a:extLst>
+              <a:ext uri="{FF2B5EF4-FFF2-40B4-BE49-F238E27FC236}">
+                <a16:creationId xmlns:a16="http://schemas.microsoft.com/office/drawing/2014/main" id="{08108C16-F4C0-44AA-999D-17BD39219B24}"/>
+              </a:ext>
+              <a:ext uri="{C183D7F6-B498-43B3-948B-1728B52AA6E4}">
+                <adec:decorative xmlns:adec="http://schemas.microsoft.com/office/drawing/2017/decorative" val="1"/>
+              </a:ext>
+            </a:extLst>
+          </p:cNvPr>
+          <p:cNvSpPr>
+            <a:spLocks noGrp="1" noRot="1" noChangeAspect="1" noMove="1" noResize="1" noEditPoints="1" noAdjustHandles="1" noChangeArrowheads="1" noChangeShapeType="1" noTextEdit="1"/>
+          </p:cNvSpPr>
+          <p:nvPr>
+            <p:extLst>
+              <p:ext uri="{386F3935-93C4-4BCD-93E2-E3B085C9AB24}">
+                <p16:designElem xmlns:p16="http://schemas.microsoft.com/office/powerpoint/2015/main" val="1"/>
+              </p:ext>
+            </p:extLst>
+          </p:nvPr>
+        </p:nvSpPr>
+        <p:spPr>
+          <a:xfrm>
+            <a:off x="5673660" y="2557569"/>
+            <a:ext cx="3072384" cy="3072384"/>
+          </a:xfrm>
+          <a:prstGeom prst="ellipse">
+            <a:avLst/>
+          </a:prstGeom>
+          <a:solidFill>
+            <a:srgbClr val="FFFFFF">
+              <a:alpha val="80000"/>
+            </a:srgbClr>
+          </a:solidFill>
+          <a:ln>
+            <a:noFill/>
+          </a:ln>
+        </p:spPr>
+        <p:style>
+          <a:lnRef idx="2">
+            <a:schemeClr val="accent1">
+              <a:shade val="50000"/>
+            </a:schemeClr>
+          </a:lnRef>
+          <a:fillRef idx="1">
+            <a:schemeClr val="accent1"/>
+          </a:fillRef>
+          <a:effectRef idx="0">
+            <a:schemeClr val="accent1"/>
+          </a:effectRef>
+          <a:fontRef idx="minor">
+            <a:schemeClr val="lt1"/>
+          </a:fontRef>
+        </p:style>
+        <p:txBody>
+          <a:bodyPr rtlCol="0" anchor="ctr"/>
+          <a:lstStyle/>
+          <a:p>
+            <a:pPr marL="0" marR="0" lvl="0" indent="0" algn="ctr" defTabSz="914400" rtl="0" eaLnBrk="1" fontAlgn="auto" latinLnBrk="0" hangingPunct="1">
+              <a:lnSpc>
+                <a:spcPct val="100000"/>
+              </a:lnSpc>
+              <a:spcBef>
+                <a:spcPts val="0"/>
+              </a:spcBef>
+              <a:spcAft>
+                <a:spcPts val="0"/>
+              </a:spcAft>
+              <a:buClrTx/>
+              <a:buSzTx/>
+              <a:buFontTx/>
+              <a:buNone/>
+              <a:tabLst/>
+              <a:defRPr/>
+            </a:pPr>
+            <a:endParaRPr kumimoji="0" lang="en-US" sz="1800" b="0" i="0" u="none" strike="noStrike" kern="1200" cap="none" spc="0" normalizeH="0" baseline="0" noProof="0">
+              <a:ln>
+                <a:noFill/>
+              </a:ln>
+              <a:solidFill>
+                <a:prstClr val="white"/>
+              </a:solidFill>
+              <a:effectLst/>
+              <a:uLnTx/>
+              <a:uFillTx/>
+              <a:latin typeface="Calibri" panose="020F0502020204030204"/>
+              <a:ea typeface="+mn-ea"/>
+              <a:cs typeface="+mn-cs"/>
+            </a:endParaRPr>
+          </a:p>
+        </p:txBody>
+      </p:sp>
+      <p:pic>
+        <p:nvPicPr>
+          <p:cNvPr id="9" name="Picture 8" descr="A picture containing indoor, opener, watch, several&#10;&#10;Description automatically generated">
+            <a:extLst>
+              <a:ext uri="{FF2B5EF4-FFF2-40B4-BE49-F238E27FC236}">
+                <a16:creationId xmlns:a16="http://schemas.microsoft.com/office/drawing/2014/main" id="{12B34153-0400-D64A-A7B7-E25A02F1FA5D}"/>
+              </a:ext>
+            </a:extLst>
+          </p:cNvPr>
+          <p:cNvPicPr>
+            <a:picLocks noChangeAspect="1"/>
+          </p:cNvPicPr>
+          <p:nvPr/>
+        </p:nvPicPr>
+        <p:blipFill rotWithShape="1">
+          <a:blip r:embed="rId4"/>
+          <a:srcRect l="22100" r="3904" b="5"/>
+          <a:stretch/>
+        </p:blipFill>
+        <p:spPr>
+          <a:xfrm>
+            <a:off x="5838252" y="2722161"/>
+            <a:ext cx="2743200" cy="2743200"/>
+          </a:xfrm>
+          <a:custGeom>
+            <a:avLst/>
+            <a:gdLst/>
+            <a:ahLst/>
+            <a:cxnLst/>
+            <a:rect l="l" t="t" r="r" b="b"/>
+            <a:pathLst>
+              <a:path w="2834640" h="2834640">
+                <a:moveTo>
+                  <a:pt x="1417320" y="0"/>
+                </a:moveTo>
+                <a:cubicBezTo>
+                  <a:pt x="2200084" y="0"/>
+                  <a:pt x="2834640" y="634556"/>
+                  <a:pt x="2834640" y="1417320"/>
+                </a:cubicBezTo>
+                <a:cubicBezTo>
+                  <a:pt x="2834640" y="2200084"/>
+                  <a:pt x="2200084" y="2834640"/>
+                  <a:pt x="1417320" y="2834640"/>
+                </a:cubicBezTo>
+                <a:cubicBezTo>
+                  <a:pt x="634556" y="2834640"/>
+                  <a:pt x="0" y="2200084"/>
+                  <a:pt x="0" y="1417320"/>
+                </a:cubicBezTo>
+                <a:cubicBezTo>
+                  <a:pt x="0" y="634556"/>
+                  <a:pt x="634556" y="0"/>
+                  <a:pt x="1417320" y="0"/>
+                </a:cubicBezTo>
+                <a:close/>
+              </a:path>
+            </a:pathLst>
+          </a:custGeom>
+        </p:spPr>
+      </p:pic>
+      <p:pic>
+        <p:nvPicPr>
+          <p:cNvPr id="5" name="Picture 4">
+            <a:extLst>
+              <a:ext uri="{FF2B5EF4-FFF2-40B4-BE49-F238E27FC236}">
+                <a16:creationId xmlns:a16="http://schemas.microsoft.com/office/drawing/2014/main" id="{DE2A54CB-6F29-5841-950D-D40EFB6B27A8}"/>
+              </a:ext>
+            </a:extLst>
+          </p:cNvPr>
+          <p:cNvPicPr>
+            <a:picLocks noChangeAspect="1"/>
+          </p:cNvPicPr>
+          <p:nvPr/>
+        </p:nvPicPr>
+        <p:blipFill rotWithShape="1">
+          <a:blip r:embed="rId5"/>
+          <a:srcRect l="19445" r="13477" b="2"/>
+          <a:stretch/>
+        </p:blipFill>
+        <p:spPr>
+          <a:xfrm>
+            <a:off x="8278624" y="2"/>
+            <a:ext cx="3913376" cy="3281569"/>
+          </a:xfrm>
+          <a:custGeom>
+            <a:avLst/>
+            <a:gdLst/>
+            <a:ahLst/>
+            <a:cxnLst/>
+            <a:rect l="l" t="t" r="r" b="b"/>
+            <a:pathLst>
+              <a:path w="3913376" h="3281569">
+                <a:moveTo>
+                  <a:pt x="267865" y="0"/>
+                </a:moveTo>
+                <a:lnTo>
+                  <a:pt x="3913376" y="0"/>
+                </a:lnTo>
+                <a:lnTo>
+                  <a:pt x="3913376" y="2499938"/>
+                </a:lnTo>
+                <a:lnTo>
+                  <a:pt x="3794714" y="2630499"/>
+                </a:lnTo>
+                <a:cubicBezTo>
+                  <a:pt x="3392450" y="3032763"/>
+                  <a:pt x="2836727" y="3281569"/>
+                  <a:pt x="2222892" y="3281569"/>
+                </a:cubicBezTo>
+                <a:cubicBezTo>
+                  <a:pt x="995223" y="3281569"/>
+                  <a:pt x="0" y="2286346"/>
+                  <a:pt x="0" y="1058677"/>
+                </a:cubicBezTo>
+                <a:cubicBezTo>
+                  <a:pt x="0" y="751760"/>
+                  <a:pt x="62202" y="459370"/>
+                  <a:pt x="174686" y="193427"/>
+                </a:cubicBezTo>
+                <a:close/>
+              </a:path>
+            </a:pathLst>
+          </a:custGeom>
+        </p:spPr>
+      </p:pic>
+      <p:sp>
+        <p:nvSpPr>
+          <p:cNvPr id="24" name="Freeform: Shape 23">
+            <a:extLst>
+              <a:ext uri="{FF2B5EF4-FFF2-40B4-BE49-F238E27FC236}">
+                <a16:creationId xmlns:a16="http://schemas.microsoft.com/office/drawing/2014/main" id="{C8F10CB3-3B5E-4C7A-98CF-B87454DDFA39}"/>
+              </a:ext>
+              <a:ext uri="{C183D7F6-B498-43B3-948B-1728B52AA6E4}">
+                <adec:decorative xmlns:adec="http://schemas.microsoft.com/office/drawing/2017/decorative" val="1"/>
+              </a:ext>
+            </a:extLst>
+          </p:cNvPr>
+          <p:cNvSpPr>
+            <a:spLocks noGrp="1" noRot="1" noChangeAspect="1" noMove="1" noResize="1" noEditPoints="1" noAdjustHandles="1" noChangeArrowheads="1" noChangeShapeType="1" noTextEdit="1"/>
+          </p:cNvSpPr>
+          <p:nvPr>
+            <p:extLst>
+              <p:ext uri="{386F3935-93C4-4BCD-93E2-E3B085C9AB24}">
+                <p16:designElem xmlns:p16="http://schemas.microsoft.com/office/powerpoint/2015/main" val="1"/>
+              </p:ext>
+            </p:extLst>
+          </p:nvPr>
+        </p:nvSpPr>
+        <p:spPr>
+          <a:xfrm>
+            <a:off x="8848370" y="3966828"/>
+            <a:ext cx="3339958" cy="2891173"/>
+          </a:xfrm>
+          <a:custGeom>
+            <a:avLst/>
+            <a:gdLst>
+              <a:gd name="connsiteX0" fmla="*/ 2002536 w 3339958"/>
+              <a:gd name="connsiteY0" fmla="*/ 0 h 2891173"/>
+              <a:gd name="connsiteX1" fmla="*/ 3276335 w 3339958"/>
+              <a:gd name="connsiteY1" fmla="*/ 457282 h 2891173"/>
+              <a:gd name="connsiteX2" fmla="*/ 3339958 w 3339958"/>
+              <a:gd name="connsiteY2" fmla="*/ 515107 h 2891173"/>
+              <a:gd name="connsiteX3" fmla="*/ 3339958 w 3339958"/>
+              <a:gd name="connsiteY3" fmla="*/ 2891173 h 2891173"/>
+              <a:gd name="connsiteX4" fmla="*/ 209954 w 3339958"/>
+              <a:gd name="connsiteY4" fmla="*/ 2891173 h 2891173"/>
+              <a:gd name="connsiteX5" fmla="*/ 157369 w 3339958"/>
+              <a:gd name="connsiteY5" fmla="*/ 2782014 h 2891173"/>
+              <a:gd name="connsiteX6" fmla="*/ 0 w 3339958"/>
+              <a:gd name="connsiteY6" fmla="*/ 2002536 h 2891173"/>
+              <a:gd name="connsiteX7" fmla="*/ 2002536 w 3339958"/>
+              <a:gd name="connsiteY7" fmla="*/ 0 h 2891173"/>
+            </a:gdLst>
+            <a:ahLst/>
+            <a:cxnLst>
+              <a:cxn ang="0">
+                <a:pos x="connsiteX0" y="connsiteY0"/>
+              </a:cxn>
+              <a:cxn ang="0">
+                <a:pos x="connsiteX1" y="connsiteY1"/>
+              </a:cxn>
+              <a:cxn ang="0">
+                <a:pos x="connsiteX2" y="connsiteY2"/>
+              </a:cxn>
+              <a:cxn ang="0">
+                <a:pos x="connsiteX3" y="connsiteY3"/>
+              </a:cxn>
+              <a:cxn ang="0">
+                <a:pos x="connsiteX4" y="connsiteY4"/>
+              </a:cxn>
+              <a:cxn ang="0">
+                <a:pos x="connsiteX5" y="connsiteY5"/>
+              </a:cxn>
+              <a:cxn ang="0">
+                <a:pos x="connsiteX6" y="connsiteY6"/>
+              </a:cxn>
+              <a:cxn ang="0">
+                <a:pos x="connsiteX7" y="connsiteY7"/>
+              </a:cxn>
+            </a:cxnLst>
+            <a:rect l="l" t="t" r="r" b="b"/>
+            <a:pathLst>
+              <a:path w="3339958" h="2891173">
+                <a:moveTo>
+                  <a:pt x="2002536" y="0"/>
+                </a:moveTo>
+                <a:cubicBezTo>
+                  <a:pt x="2486398" y="0"/>
+                  <a:pt x="2930179" y="171609"/>
+                  <a:pt x="3276335" y="457282"/>
+                </a:cubicBezTo>
+                <a:lnTo>
+                  <a:pt x="3339958" y="515107"/>
+                </a:lnTo>
+                <a:lnTo>
+                  <a:pt x="3339958" y="2891173"/>
+                </a:lnTo>
+                <a:lnTo>
+                  <a:pt x="209954" y="2891173"/>
+                </a:lnTo>
+                <a:lnTo>
+                  <a:pt x="157369" y="2782014"/>
+                </a:lnTo>
+                <a:cubicBezTo>
+                  <a:pt x="56036" y="2542434"/>
+                  <a:pt x="0" y="2279029"/>
+                  <a:pt x="0" y="2002536"/>
+                </a:cubicBezTo>
+                <a:cubicBezTo>
+                  <a:pt x="0" y="896566"/>
+                  <a:pt x="896566" y="0"/>
+                  <a:pt x="2002536" y="0"/>
+                </a:cubicBezTo>
+                <a:close/>
+              </a:path>
+            </a:pathLst>
+          </a:custGeom>
+          <a:solidFill>
+            <a:srgbClr val="FFFFFF">
+              <a:alpha val="80000"/>
+            </a:srgbClr>
+          </a:solidFill>
+          <a:ln>
+            <a:noFill/>
+          </a:ln>
+        </p:spPr>
+        <p:style>
+          <a:lnRef idx="2">
+            <a:schemeClr val="accent1">
+              <a:shade val="50000"/>
+            </a:schemeClr>
+          </a:lnRef>
+          <a:fillRef idx="1">
+            <a:schemeClr val="accent1"/>
+          </a:fillRef>
+          <a:effectRef idx="0">
+            <a:schemeClr val="accent1"/>
+          </a:effectRef>
+          <a:fontRef idx="minor">
+            <a:schemeClr val="lt1"/>
+          </a:fontRef>
+        </p:style>
+        <p:txBody>
+          <a:bodyPr wrap="square" rtlCol="0" anchor="ctr">
+            <a:noAutofit/>
+          </a:bodyPr>
+          <a:lstStyle/>
+          <a:p>
+            <a:pPr marL="0" marR="0" lvl="0" indent="0" algn="ctr" defTabSz="914400" rtl="0" eaLnBrk="1" fontAlgn="auto" latinLnBrk="0" hangingPunct="1">
+              <a:lnSpc>
+                <a:spcPct val="100000"/>
+              </a:lnSpc>
+              <a:spcBef>
+                <a:spcPts val="0"/>
+              </a:spcBef>
+              <a:spcAft>
+                <a:spcPts val="0"/>
+              </a:spcAft>
+              <a:buClrTx/>
+              <a:buSzTx/>
+              <a:buFontTx/>
+              <a:buNone/>
+              <a:tabLst/>
+              <a:defRPr/>
+            </a:pPr>
+            <a:endParaRPr kumimoji="0" lang="en-US" sz="1800" b="0" i="0" u="none" strike="noStrike" kern="1200" cap="none" spc="0" normalizeH="0" baseline="0" noProof="0" dirty="0">
+              <a:ln>
+                <a:noFill/>
+              </a:ln>
+              <a:solidFill>
+                <a:prstClr val="white"/>
+              </a:solidFill>
+              <a:effectLst/>
+              <a:uLnTx/>
+              <a:uFillTx/>
+              <a:latin typeface="Calibri" panose="020F0502020204030204"/>
+              <a:ea typeface="+mn-ea"/>
+              <a:cs typeface="+mn-cs"/>
+            </a:endParaRPr>
+          </a:p>
+        </p:txBody>
+      </p:sp>
+      <p:pic>
+        <p:nvPicPr>
+          <p:cNvPr id="13" name="Picture 12" descr="A black and white robot&#10;&#10;Description automatically generated with medium confidence">
+            <a:extLst>
+              <a:ext uri="{FF2B5EF4-FFF2-40B4-BE49-F238E27FC236}">
+                <a16:creationId xmlns:a16="http://schemas.microsoft.com/office/drawing/2014/main" id="{1DBE438A-F6E9-8547-8416-58577ABF3454}"/>
+              </a:ext>
+            </a:extLst>
+          </p:cNvPr>
+          <p:cNvPicPr>
+            <a:picLocks noChangeAspect="1"/>
+          </p:cNvPicPr>
+          <p:nvPr/>
+        </p:nvPicPr>
+        <p:blipFill rotWithShape="1">
+          <a:blip r:embed="rId6"/>
+          <a:srcRect l="22174" r="-4" b="-4"/>
+          <a:stretch/>
+        </p:blipFill>
+        <p:spPr>
+          <a:xfrm>
+            <a:off x="9009416" y="4131546"/>
+            <a:ext cx="3178912" cy="2726454"/>
+          </a:xfrm>
+          <a:custGeom>
+            <a:avLst/>
+            <a:gdLst/>
+            <a:ahLst/>
+            <a:cxnLst/>
+            <a:rect l="l" t="t" r="r" b="b"/>
+            <a:pathLst>
+              <a:path w="3178912" h="2726454">
+                <a:moveTo>
+                  <a:pt x="1837818" y="0"/>
+                </a:moveTo>
+                <a:cubicBezTo>
+                  <a:pt x="2345318" y="0"/>
+                  <a:pt x="2804772" y="205705"/>
+                  <a:pt x="3137352" y="538285"/>
+                </a:cubicBezTo>
+                <a:lnTo>
+                  <a:pt x="3178912" y="584013"/>
+                </a:lnTo>
+                <a:lnTo>
+                  <a:pt x="3178912" y="2726454"/>
+                </a:lnTo>
+                <a:lnTo>
+                  <a:pt x="229483" y="2726454"/>
+                </a:lnTo>
+                <a:lnTo>
+                  <a:pt x="221815" y="2713832"/>
+                </a:lnTo>
+                <a:cubicBezTo>
+                  <a:pt x="80353" y="2453425"/>
+                  <a:pt x="0" y="2155005"/>
+                  <a:pt x="0" y="1837818"/>
+                </a:cubicBezTo>
+                <a:cubicBezTo>
+                  <a:pt x="0" y="822819"/>
+                  <a:pt x="822819" y="0"/>
+                  <a:pt x="1837818" y="0"/>
+                </a:cubicBezTo>
+                <a:close/>
+              </a:path>
+            </a:pathLst>
+          </a:custGeom>
+        </p:spPr>
+      </p:pic>
+      <p:sp>
+        <p:nvSpPr>
+          <p:cNvPr id="14" name="TextBox 13">
+            <a:extLst>
+              <a:ext uri="{FF2B5EF4-FFF2-40B4-BE49-F238E27FC236}">
+                <a16:creationId xmlns:a16="http://schemas.microsoft.com/office/drawing/2014/main" id="{2EFAE464-8470-7149-AF47-585F08666A74}"/>
+              </a:ext>
+            </a:extLst>
+          </p:cNvPr>
+          <p:cNvSpPr txBox="1"/>
+          <p:nvPr/>
+        </p:nvSpPr>
+        <p:spPr>
+          <a:xfrm>
+            <a:off x="281253" y="1576237"/>
+            <a:ext cx="5370178" cy="4793876"/>
+          </a:xfrm>
+          <a:prstGeom prst="rect">
+            <a:avLst/>
+          </a:prstGeom>
+          <a:noFill/>
+        </p:spPr>
+        <p:txBody>
+          <a:bodyPr wrap="square" rtlCol="0">
+            <a:spAutoFit/>
+          </a:bodyPr>
+          <a:lstStyle/>
+          <a:p>
+            <a:pPr indent="-228600">
+              <a:lnSpc>
+                <a:spcPct val="150000"/>
+              </a:lnSpc>
+              <a:spcAft>
+                <a:spcPts val="600"/>
+              </a:spcAft>
+              <a:buFont typeface="Arial" panose="020B0604020202020204" pitchFamily="34" charset="0"/>
+              <a:buChar char="•"/>
+            </a:pPr>
+            <a:r>
+              <a:rPr lang="en-US" sz="1600" dirty="0"/>
+              <a:t>Autonomous UAVs would be able to fly and land safely without causing injuries.</a:t>
+            </a:r>
+          </a:p>
+          <a:p>
+            <a:pPr>
+              <a:lnSpc>
+                <a:spcPct val="150000"/>
+              </a:lnSpc>
+              <a:spcAft>
+                <a:spcPts val="600"/>
+              </a:spcAft>
+            </a:pPr>
+            <a:endParaRPr lang="en-US" sz="1600" dirty="0"/>
+          </a:p>
+          <a:p>
+            <a:pPr indent="-228600">
+              <a:lnSpc>
+                <a:spcPct val="150000"/>
+              </a:lnSpc>
+              <a:spcAft>
+                <a:spcPts val="600"/>
+              </a:spcAft>
+              <a:buFont typeface="Arial" panose="020B0604020202020204" pitchFamily="34" charset="0"/>
+              <a:buChar char="•"/>
+            </a:pPr>
+            <a:r>
+              <a:rPr lang="en-US" sz="1600" dirty="0"/>
+              <a:t>A fault and anomaly detection model can be applied to many fields, not limited to Banking, being detecting and preventing fraud, in Agriculture, to predict crop yielding; in health to predict and prevent sickness like cancer, and so on.  This model can be applied in so many other fields.</a:t>
+            </a:r>
+          </a:p>
+          <a:p>
+            <a:pPr indent="-228600">
+              <a:lnSpc>
+                <a:spcPct val="150000"/>
+              </a:lnSpc>
+              <a:spcAft>
+                <a:spcPts val="600"/>
+              </a:spcAft>
+              <a:buFont typeface="Arial" panose="020B0604020202020204" pitchFamily="34" charset="0"/>
+              <a:buChar char="•"/>
+            </a:pPr>
+            <a:endParaRPr lang="en-US" sz="1600" dirty="0"/>
+          </a:p>
+          <a:p>
+            <a:pPr indent="-228600">
+              <a:lnSpc>
+                <a:spcPct val="150000"/>
+              </a:lnSpc>
+              <a:spcAft>
+                <a:spcPts val="600"/>
+              </a:spcAft>
+              <a:buFont typeface="Arial" panose="020B0604020202020204" pitchFamily="34" charset="0"/>
+              <a:buChar char="•"/>
+            </a:pPr>
+            <a:r>
+              <a:rPr lang="en-US" sz="1600" dirty="0"/>
+              <a:t>There are about 21,000 unmanned areal vehicles (Business Insider, 2019) and counting.  In a world full of drones, this model is another safety layer.</a:t>
+            </a:r>
+          </a:p>
+        </p:txBody>
+      </p:sp>
+      <p:cxnSp>
+        <p:nvCxnSpPr>
+          <p:cNvPr id="19" name="Straight Connector 18">
+            <a:extLst>
+              <a:ext uri="{FF2B5EF4-FFF2-40B4-BE49-F238E27FC236}">
+                <a16:creationId xmlns:a16="http://schemas.microsoft.com/office/drawing/2014/main" id="{B6D9C605-D38A-F942-9DA6-3A67572A85BF}"/>
+              </a:ext>
+            </a:extLst>
+          </p:cNvPr>
+          <p:cNvCxnSpPr>
+            <a:cxnSpLocks/>
+          </p:cNvCxnSpPr>
+          <p:nvPr/>
+        </p:nvCxnSpPr>
+        <p:spPr>
+          <a:xfrm>
+            <a:off x="0" y="1410394"/>
+            <a:ext cx="5515495" cy="0"/>
+          </a:xfrm>
+          <a:prstGeom prst="line">
+            <a:avLst/>
+          </a:prstGeom>
+          <a:ln w="57150">
+            <a:solidFill>
+              <a:srgbClr val="FFC000"/>
+            </a:solidFill>
+          </a:ln>
+        </p:spPr>
+        <p:style>
+          <a:lnRef idx="1">
+            <a:schemeClr val="accent1"/>
+          </a:lnRef>
+          <a:fillRef idx="0">
+            <a:schemeClr val="accent1"/>
+          </a:fillRef>
+          <a:effectRef idx="0">
+            <a:schemeClr val="accent1"/>
+          </a:effectRef>
+          <a:fontRef idx="minor">
+            <a:schemeClr val="tx1"/>
+          </a:fontRef>
+        </p:style>
+      </p:cxnSp>
+    </p:spTree>
+    <p:extLst>
+      <p:ext uri="{BB962C8B-B14F-4D97-AF65-F5344CB8AC3E}">
+        <p14:creationId xmlns:p14="http://schemas.microsoft.com/office/powerpoint/2010/main" val="2029401164"/>
+      </p:ext>
+    </p:extLst>
+  </p:cSld>
+  <p:clrMapOvr>
+    <a:overrideClrMapping bg1="dk1" tx1="lt1" bg2="dk2" tx2="lt2" accent1="accent1" accent2="accent2" accent3="accent3" accent4="accent4" accent5="accent5" accent6="accent6" hlink="hlink" folHlink="folHlink"/>
+  </p:clrMapOvr>
+</p:sld>
+</file>
+
+<file path=ppt/slides/slide11.xml><?xml version="1.0" encoding="utf-8"?>
+<p:sld xmlns:a="http://schemas.openxmlformats.org/drawingml/2006/main" xmlns:r="http://schemas.openxmlformats.org/officeDocument/2006/relationships" xmlns:p="http://schemas.openxmlformats.org/presentationml/2006/main">
+  <p:cSld>
+    <p:bg>
+      <p:bgPr>
+        <a:solidFill>
+          <a:schemeClr val="bg1"/>
+        </a:solidFill>
+        <a:effectLst/>
+      </p:bgPr>
+    </p:bg>
+    <p:spTree>
+      <p:nvGrpSpPr>
+        <p:cNvPr id="1" name=""/>
+        <p:cNvGrpSpPr/>
+        <p:nvPr/>
+      </p:nvGrpSpPr>
+      <p:grpSpPr>
+        <a:xfrm>
+          <a:off x="0" y="0"/>
+          <a:ext cx="0" cy="0"/>
+          <a:chOff x="0" y="0"/>
+          <a:chExt cx="0" cy="0"/>
+        </a:xfrm>
+      </p:grpSpPr>
+      <p:sp useBgFill="1">
+        <p:nvSpPr>
+          <p:cNvPr id="32" name="Rectangle 34">
+            <a:extLst>
+              <a:ext uri="{FF2B5EF4-FFF2-40B4-BE49-F238E27FC236}">
+                <a16:creationId xmlns:a16="http://schemas.microsoft.com/office/drawing/2014/main" id="{9AA72BD9-2C5A-4EDC-931F-5AA08EACA0F3}"/>
+              </a:ext>
+              <a:ext uri="{C183D7F6-B498-43B3-948B-1728B52AA6E4}">
+                <adec:decorative xmlns:adec="http://schemas.microsoft.com/office/drawing/2017/decorative" val="1"/>
+              </a:ext>
+            </a:extLst>
+          </p:cNvPr>
+          <p:cNvSpPr>
+            <a:spLocks noGrp="1" noRot="1" noChangeAspect="1" noMove="1" noResize="1" noEditPoints="1" noAdjustHandles="1" noChangeArrowheads="1" noChangeShapeType="1" noTextEdit="1"/>
+          </p:cNvSpPr>
+          <p:nvPr>
+            <p:extLst>
+              <p:ext uri="{386F3935-93C4-4BCD-93E2-E3B085C9AB24}">
+                <p16:designElem xmlns:p16="http://schemas.microsoft.com/office/powerpoint/2015/main" val="1"/>
+              </p:ext>
+            </p:extLst>
+          </p:nvPr>
+        </p:nvSpPr>
+        <p:spPr>
+          <a:xfrm>
+            <a:off x="0" y="0"/>
+            <a:ext cx="12192000" cy="6858000"/>
+          </a:xfrm>
+          <a:prstGeom prst="rect">
+            <a:avLst/>
+          </a:prstGeom>
+          <a:ln>
+            <a:noFill/>
+          </a:ln>
+        </p:spPr>
+        <p:style>
+          <a:lnRef idx="2">
+            <a:schemeClr val="accent1">
+              <a:shade val="50000"/>
+            </a:schemeClr>
+          </a:lnRef>
+          <a:fillRef idx="1">
+            <a:schemeClr val="accent1"/>
+          </a:fillRef>
+          <a:effectRef idx="0">
+            <a:schemeClr val="accent1"/>
+          </a:effectRef>
+          <a:fontRef idx="minor">
+            <a:schemeClr val="lt1"/>
+          </a:fontRef>
+        </p:style>
+        <p:txBody>
+          <a:bodyPr rtlCol="0" anchor="ctr"/>
+          <a:lstStyle/>
+          <a:p>
+            <a:pPr algn="ctr"/>
+            <a:endParaRPr lang="en-US" dirty="0"/>
+          </a:p>
+        </p:txBody>
+      </p:sp>
+      <p:pic>
+        <p:nvPicPr>
+          <p:cNvPr id="12" name="Picture 11" descr="A picture containing aircraft, transport, airplane&#10;&#10;Description automatically generated">
+            <a:extLst>
+              <a:ext uri="{FF2B5EF4-FFF2-40B4-BE49-F238E27FC236}">
+                <a16:creationId xmlns:a16="http://schemas.microsoft.com/office/drawing/2014/main" id="{71134584-1578-A145-A058-4302BC8A889B}"/>
+              </a:ext>
+            </a:extLst>
+          </p:cNvPr>
+          <p:cNvPicPr>
+            <a:picLocks noChangeAspect="1"/>
+          </p:cNvPicPr>
+          <p:nvPr/>
+        </p:nvPicPr>
+        <p:blipFill rotWithShape="1">
+          <a:blip r:embed="rId2">
+            <a:alphaModFix amt="30000"/>
+          </a:blip>
+          <a:srcRect t="31370" r="9090" b="31706"/>
+          <a:stretch/>
+        </p:blipFill>
+        <p:spPr>
+          <a:xfrm>
+            <a:off x="371427" y="1469572"/>
+            <a:ext cx="11640766" cy="4727884"/>
+          </a:xfrm>
+          <a:prstGeom prst="rect">
+            <a:avLst/>
+          </a:prstGeom>
+          <a:ln>
+            <a:noFill/>
+          </a:ln>
+          <a:effectLst>
+            <a:softEdge rad="112500"/>
+          </a:effectLst>
+        </p:spPr>
+      </p:pic>
+      <p:sp>
+        <p:nvSpPr>
+          <p:cNvPr id="37" name="Rectangle 36">
+            <a:extLst>
+              <a:ext uri="{FF2B5EF4-FFF2-40B4-BE49-F238E27FC236}">
+                <a16:creationId xmlns:a16="http://schemas.microsoft.com/office/drawing/2014/main" id="{DD3981AC-7B61-4947-BCF3-F7AA7FA385B9}"/>
+              </a:ext>
+              <a:ext uri="{C183D7F6-B498-43B3-948B-1728B52AA6E4}">
+                <adec:decorative xmlns:adec="http://schemas.microsoft.com/office/drawing/2017/decorative" val="1"/>
+              </a:ext>
+            </a:extLst>
+          </p:cNvPr>
+          <p:cNvSpPr>
+            <a:spLocks noGrp="1" noRot="1" noChangeAspect="1" noMove="1" noResize="1" noEditPoints="1" noAdjustHandles="1" noChangeArrowheads="1" noChangeShapeType="1" noTextEdit="1"/>
+          </p:cNvSpPr>
+          <p:nvPr>
+            <p:extLst>
+              <p:ext uri="{386F3935-93C4-4BCD-93E2-E3B085C9AB24}">
+                <p16:designElem xmlns:p16="http://schemas.microsoft.com/office/powerpoint/2015/main" val="1"/>
+              </p:ext>
+            </p:extLst>
+          </p:nvPr>
+        </p:nvSpPr>
+        <p:spPr>
+          <a:xfrm>
+            <a:off x="2" y="0"/>
+            <a:ext cx="9756601" cy="6858000"/>
+          </a:xfrm>
+          <a:prstGeom prst="rect">
+            <a:avLst/>
+          </a:prstGeom>
+          <a:gradFill>
+            <a:gsLst>
+              <a:gs pos="58000">
+                <a:schemeClr val="bg1"/>
+              </a:gs>
+              <a:gs pos="35000">
+                <a:schemeClr val="bg1">
+                  <a:alpha val="78000"/>
+                </a:schemeClr>
+              </a:gs>
+              <a:gs pos="19000">
+                <a:schemeClr val="bg1">
+                  <a:alpha val="38000"/>
+                </a:schemeClr>
+              </a:gs>
+              <a:gs pos="0">
+                <a:schemeClr val="bg1">
+                  <a:alpha val="0"/>
+                </a:schemeClr>
+              </a:gs>
+              <a:gs pos="100000">
+                <a:schemeClr val="bg1"/>
+              </a:gs>
+            </a:gsLst>
+            <a:lin ang="10800000" scaled="0"/>
+          </a:gradFill>
+          <a:ln>
+            <a:noFill/>
+          </a:ln>
+        </p:spPr>
+        <p:style>
+          <a:lnRef idx="2">
+            <a:schemeClr val="accent1">
+              <a:shade val="50000"/>
+            </a:schemeClr>
+          </a:lnRef>
+          <a:fillRef idx="1">
+            <a:schemeClr val="accent1"/>
+          </a:fillRef>
+          <a:effectRef idx="0">
+            <a:schemeClr val="accent1"/>
+          </a:effectRef>
+          <a:fontRef idx="minor">
+            <a:schemeClr val="lt1"/>
+          </a:fontRef>
+        </p:style>
+        <p:txBody>
+          <a:bodyPr rtlCol="0" anchor="ctr"/>
+          <a:lstStyle/>
+          <a:p>
+            <a:pPr algn="ctr"/>
+            <a:endParaRPr lang="en-US" dirty="0"/>
+          </a:p>
+        </p:txBody>
+      </p:sp>
+      <p:sp>
+        <p:nvSpPr>
+          <p:cNvPr id="2" name="Title 1">
+            <a:extLst>
+              <a:ext uri="{FF2B5EF4-FFF2-40B4-BE49-F238E27FC236}">
+                <a16:creationId xmlns:a16="http://schemas.microsoft.com/office/drawing/2014/main" id="{5BBA3E3D-C182-3F45-9200-3FF70A37E7D9}"/>
+              </a:ext>
+            </a:extLst>
+          </p:cNvPr>
+          <p:cNvSpPr>
+            <a:spLocks noGrp="1"/>
+          </p:cNvSpPr>
+          <p:nvPr>
+            <p:ph type="title"/>
+          </p:nvPr>
+        </p:nvSpPr>
+        <p:spPr>
+          <a:xfrm>
+            <a:off x="359664" y="1152889"/>
+            <a:ext cx="3438144" cy="1124712"/>
+          </a:xfrm>
+        </p:spPr>
+        <p:txBody>
+          <a:bodyPr vert="horz" lIns="91440" tIns="45720" rIns="91440" bIns="45720" rtlCol="0" anchor="b">
+            <a:normAutofit/>
+          </a:bodyPr>
+          <a:lstStyle/>
+          <a:p>
+            <a:pPr algn="ctr"/>
+            <a:r>
+              <a:rPr lang="en-US" b="1" dirty="0"/>
+              <a:t>REFERENCES</a:t>
+            </a:r>
+            <a:endParaRPr lang="en-US" sz="2800" b="1" dirty="0"/>
+          </a:p>
+        </p:txBody>
+      </p:sp>
+      <p:sp>
+        <p:nvSpPr>
+          <p:cNvPr id="39" name="Rectangle 38">
+            <a:extLst>
+              <a:ext uri="{FF2B5EF4-FFF2-40B4-BE49-F238E27FC236}">
+                <a16:creationId xmlns:a16="http://schemas.microsoft.com/office/drawing/2014/main" id="{55D4142C-5077-457F-A6AD-3FECFDB39685}"/>
+              </a:ext>
+              <a:ext uri="{C183D7F6-B498-43B3-948B-1728B52AA6E4}">
+                <adec:decorative xmlns:adec="http://schemas.microsoft.com/office/drawing/2017/decorative" val="1"/>
+              </a:ext>
+            </a:extLst>
+          </p:cNvPr>
+          <p:cNvSpPr>
+            <a:spLocks noGrp="1" noRot="1" noChangeAspect="1" noMove="1" noResize="1" noEditPoints="1" noAdjustHandles="1" noChangeArrowheads="1" noChangeShapeType="1" noTextEdit="1"/>
+          </p:cNvSpPr>
+          <p:nvPr>
+            <p:extLst>
+              <p:ext uri="{386F3935-93C4-4BCD-93E2-E3B085C9AB24}">
+                <p16:designElem xmlns:p16="http://schemas.microsoft.com/office/powerpoint/2015/main" val="1"/>
+              </p:ext>
+            </p:extLst>
+          </p:nvPr>
+        </p:nvSpPr>
+        <p:spPr>
+          <a:xfrm rot="5400000">
+            <a:off x="662559" y="605790"/>
+            <a:ext cx="73152" cy="548640"/>
+          </a:xfrm>
+          <a:prstGeom prst="rect">
+            <a:avLst/>
+          </a:prstGeom>
+          <a:solidFill>
+            <a:schemeClr val="accent2"/>
+          </a:solidFill>
+          <a:ln>
+            <a:noFill/>
+          </a:ln>
+        </p:spPr>
+        <p:style>
+          <a:lnRef idx="2">
+            <a:schemeClr val="accent1">
+              <a:shade val="50000"/>
+            </a:schemeClr>
+          </a:lnRef>
+          <a:fillRef idx="1">
+            <a:schemeClr val="accent1"/>
+          </a:fillRef>
+          <a:effectRef idx="0">
+            <a:schemeClr val="accent1"/>
+          </a:effectRef>
+          <a:fontRef idx="minor">
+            <a:schemeClr val="lt1"/>
+          </a:fontRef>
+        </p:style>
+        <p:txBody>
+          <a:bodyPr rtlCol="0" anchor="ctr"/>
+          <a:lstStyle/>
+          <a:p>
+            <a:pPr algn="ctr"/>
+            <a:endParaRPr lang="en-US" dirty="0">
+              <a:solidFill>
+                <a:prstClr val="white"/>
+              </a:solidFill>
+              <a:latin typeface="Calibri" panose="020F0502020204030204"/>
+            </a:endParaRPr>
+          </a:p>
+        </p:txBody>
+      </p:sp>
+      <p:sp>
+        <p:nvSpPr>
+          <p:cNvPr id="41" name="Rectangle 40">
+            <a:extLst>
+              <a:ext uri="{FF2B5EF4-FFF2-40B4-BE49-F238E27FC236}">
+                <a16:creationId xmlns:a16="http://schemas.microsoft.com/office/drawing/2014/main" id="{7A5F0580-5EE9-419F-96EE-B6529EF6E7D0}"/>
+              </a:ext>
+              <a:ext uri="{C183D7F6-B498-43B3-948B-1728B52AA6E4}">
+                <adec:decorative xmlns:adec="http://schemas.microsoft.com/office/drawing/2017/decorative" val="1"/>
+              </a:ext>
+            </a:extLst>
+          </p:cNvPr>
+          <p:cNvSpPr>
+            <a:spLocks noGrp="1" noRot="1" noChangeAspect="1" noMove="1" noResize="1" noEditPoints="1" noAdjustHandles="1" noChangeArrowheads="1" noChangeShapeType="1" noTextEdit="1"/>
+          </p:cNvSpPr>
+          <p:nvPr>
+            <p:extLst>
+              <p:ext uri="{386F3935-93C4-4BCD-93E2-E3B085C9AB24}">
+                <p16:designElem xmlns:p16="http://schemas.microsoft.com/office/powerpoint/2015/main" val="1"/>
+              </p:ext>
+            </p:extLst>
+          </p:nvPr>
+        </p:nvSpPr>
+        <p:spPr>
+          <a:xfrm>
+            <a:off x="428244" y="2443480"/>
+            <a:ext cx="3300984" cy="18288"/>
+          </a:xfrm>
+          <a:prstGeom prst="rect">
+            <a:avLst/>
+          </a:prstGeom>
+          <a:solidFill>
+            <a:schemeClr val="tx1"/>
+          </a:solidFill>
+          <a:ln w="3175">
+            <a:noFill/>
+          </a:ln>
+          <a:effectLst/>
+        </p:spPr>
+        <p:style>
+          <a:lnRef idx="2">
+            <a:schemeClr val="accent1">
+              <a:shade val="50000"/>
+            </a:schemeClr>
+          </a:lnRef>
+          <a:fillRef idx="1">
+            <a:schemeClr val="accent1"/>
+          </a:fillRef>
+          <a:effectRef idx="0">
+            <a:schemeClr val="accent1"/>
+          </a:effectRef>
+          <a:fontRef idx="minor">
+            <a:schemeClr val="lt1"/>
+          </a:fontRef>
+        </p:style>
+        <p:txBody>
+          <a:bodyPr rtlCol="0" anchor="ctr"/>
+          <a:lstStyle/>
+          <a:p>
+            <a:pPr marL="0" marR="0" lvl="0" indent="0" algn="ctr" defTabSz="914400" rtl="0" eaLnBrk="1" fontAlgn="auto" latinLnBrk="0" hangingPunct="1">
+              <a:lnSpc>
+                <a:spcPct val="100000"/>
+              </a:lnSpc>
+              <a:spcBef>
+                <a:spcPts val="0"/>
+              </a:spcBef>
+              <a:spcAft>
+                <a:spcPts val="0"/>
+              </a:spcAft>
+              <a:buClrTx/>
+              <a:buSzTx/>
+              <a:buFontTx/>
+              <a:buNone/>
+              <a:tabLst/>
+              <a:defRPr/>
+            </a:pPr>
+            <a:endParaRPr kumimoji="0" lang="en-US" sz="1800" b="0" i="0" u="none" strike="noStrike" kern="1200" cap="none" spc="0" normalizeH="0" baseline="0" noProof="0" dirty="0">
+              <a:ln>
+                <a:noFill/>
+              </a:ln>
+              <a:solidFill>
+                <a:prstClr val="white"/>
+              </a:solidFill>
+              <a:effectLst/>
+              <a:uLnTx/>
+              <a:uFillTx/>
+              <a:latin typeface="Calibri" panose="020F0502020204030204"/>
+              <a:ea typeface="+mn-ea"/>
+              <a:cs typeface="+mn-cs"/>
+            </a:endParaRPr>
+          </a:p>
+        </p:txBody>
+      </p:sp>
+      <p:sp>
+        <p:nvSpPr>
+          <p:cNvPr id="3" name="TextBox 2">
+            <a:extLst>
+              <a:ext uri="{FF2B5EF4-FFF2-40B4-BE49-F238E27FC236}">
+                <a16:creationId xmlns:a16="http://schemas.microsoft.com/office/drawing/2014/main" id="{3F909C64-03FB-E744-8DE8-A7C59BC8DBF8}"/>
+              </a:ext>
+            </a:extLst>
+          </p:cNvPr>
+          <p:cNvSpPr txBox="1"/>
+          <p:nvPr/>
+        </p:nvSpPr>
+        <p:spPr>
+          <a:xfrm>
+            <a:off x="371093" y="2986605"/>
+            <a:ext cx="10242478" cy="3210850"/>
+          </a:xfrm>
+          <a:prstGeom prst="rect">
+            <a:avLst/>
+          </a:prstGeom>
+        </p:spPr>
+        <p:txBody>
+          <a:bodyPr vert="horz" lIns="91440" tIns="45720" rIns="91440" bIns="45720" rtlCol="0" anchor="t">
+            <a:normAutofit/>
+          </a:bodyPr>
+          <a:lstStyle/>
+          <a:p>
+            <a:pPr marL="285750" indent="-228600">
+              <a:lnSpc>
+                <a:spcPct val="90000"/>
+              </a:lnSpc>
+              <a:spcAft>
+                <a:spcPts val="600"/>
+              </a:spcAft>
+              <a:buFont typeface="Arial" panose="020B0604020202020204" pitchFamily="34" charset="0"/>
+              <a:buChar char="•"/>
+            </a:pPr>
+            <a:r>
+              <a:rPr lang="en-US" sz="1600" b="1" dirty="0"/>
+              <a:t>Data Source:</a:t>
+            </a:r>
+          </a:p>
+          <a:p>
+            <a:pPr marL="514350" lvl="1">
+              <a:lnSpc>
+                <a:spcPct val="90000"/>
+              </a:lnSpc>
+              <a:spcAft>
+                <a:spcPts val="600"/>
+              </a:spcAft>
+            </a:pPr>
+            <a:r>
+              <a:rPr lang="en-US" dirty="0"/>
+              <a:t>Keipour, A., Mohammadreza Mousaei, &amp; Scherer, S. (2020). </a:t>
+            </a:r>
+            <a:r>
+              <a:rPr lang="en-US" i="1" dirty="0"/>
+              <a:t>ALFA: A Dataset for UAV Fault and Anomaly Detection</a:t>
+            </a:r>
+            <a:r>
+              <a:rPr lang="en-US" dirty="0"/>
+              <a:t> [Data set]. Carnegie Mellon University. https://doi.org/10.1184/R1/12707963</a:t>
+            </a:r>
+            <a:r>
+              <a:rPr lang="en-US" sz="1600" dirty="0"/>
+              <a:t> </a:t>
+            </a:r>
+          </a:p>
+          <a:p>
+            <a:pPr marL="742950" lvl="1" indent="-228600">
+              <a:lnSpc>
+                <a:spcPct val="90000"/>
+              </a:lnSpc>
+              <a:spcAft>
+                <a:spcPts val="600"/>
+              </a:spcAft>
+              <a:buFont typeface="Arial" panose="020B0604020202020204" pitchFamily="34" charset="0"/>
+              <a:buChar char="•"/>
+            </a:pPr>
+            <a:endParaRPr lang="en-US" sz="1600" dirty="0"/>
+          </a:p>
+          <a:p>
+            <a:pPr marL="285750" indent="-228600">
+              <a:lnSpc>
+                <a:spcPct val="90000"/>
+              </a:lnSpc>
+              <a:spcAft>
+                <a:spcPts val="600"/>
+              </a:spcAft>
+              <a:buFont typeface="Arial" panose="020B0604020202020204" pitchFamily="34" charset="0"/>
+              <a:buChar char="•"/>
+            </a:pPr>
+            <a:r>
+              <a:rPr lang="en-US" sz="1600" b="1" dirty="0"/>
+              <a:t>Project Code:</a:t>
+            </a:r>
+          </a:p>
+          <a:p>
+            <a:pPr marL="514350" lvl="1">
+              <a:lnSpc>
+                <a:spcPct val="90000"/>
+              </a:lnSpc>
+              <a:spcAft>
+                <a:spcPts val="600"/>
+              </a:spcAft>
+            </a:pPr>
+            <a:r>
+              <a:rPr lang="en-US" sz="1600" dirty="0"/>
+              <a:t>Mbaya, J.(2021).GITHUB: </a:t>
+            </a:r>
+            <a:r>
+              <a:rPr lang="en-US" sz="1600" dirty="0">
+                <a:hlinkClick r:id="rId3"/>
+              </a:rPr>
+              <a:t>https://github.com/MrAshTag/Drone_Faults_Anomaly_Dectection</a:t>
+            </a:r>
+            <a:endParaRPr lang="en-US" sz="1600" dirty="0"/>
+          </a:p>
+          <a:p>
+            <a:pPr marL="514350" lvl="1">
+              <a:lnSpc>
+                <a:spcPct val="90000"/>
+              </a:lnSpc>
+              <a:spcAft>
+                <a:spcPts val="600"/>
+              </a:spcAft>
+            </a:pPr>
+            <a:endParaRPr lang="en-US" sz="1600" dirty="0"/>
+          </a:p>
+          <a:p>
+            <a:pPr marL="342900" indent="-285750">
+              <a:lnSpc>
+                <a:spcPct val="90000"/>
+              </a:lnSpc>
+              <a:spcAft>
+                <a:spcPts val="600"/>
+              </a:spcAft>
+              <a:buFont typeface="Arial" panose="020B0604020202020204" pitchFamily="34" charset="0"/>
+              <a:buChar char="•"/>
+            </a:pPr>
+            <a:r>
+              <a:rPr lang="en-US" b="1" dirty="0"/>
+              <a:t>Citations</a:t>
+            </a:r>
+            <a:r>
+              <a:rPr lang="en-US" sz="1600" dirty="0"/>
+              <a:t>:</a:t>
+            </a:r>
+          </a:p>
+          <a:p>
+            <a:pPr marL="514350" lvl="1">
+              <a:lnSpc>
+                <a:spcPct val="90000"/>
+              </a:lnSpc>
+              <a:spcAft>
+                <a:spcPts val="600"/>
+              </a:spcAft>
+            </a:pPr>
+            <a:r>
+              <a:rPr lang="en-US" sz="1600" dirty="0">
+                <a:hlinkClick r:id="rId4"/>
+              </a:rPr>
+              <a:t>https://www.businessinsider.com/world-rethinks-war-as-nearly-100-countries-field-military-drones-2019-9</a:t>
+            </a:r>
+            <a:endParaRPr lang="en-US" sz="1600" dirty="0"/>
+          </a:p>
+          <a:p>
+            <a:pPr marL="57150">
+              <a:lnSpc>
+                <a:spcPct val="90000"/>
+              </a:lnSpc>
+              <a:spcAft>
+                <a:spcPts val="600"/>
+              </a:spcAft>
+            </a:pPr>
+            <a:endParaRPr lang="en-US" sz="1600" dirty="0"/>
+          </a:p>
+          <a:p>
+            <a:pPr marL="57150">
+              <a:lnSpc>
+                <a:spcPct val="90000"/>
+              </a:lnSpc>
+              <a:spcAft>
+                <a:spcPts val="600"/>
+              </a:spcAft>
+            </a:pPr>
+            <a:endParaRPr lang="en-US" sz="1600" dirty="0"/>
+          </a:p>
+          <a:p>
+            <a:pPr marL="285750" indent="-228600">
+              <a:lnSpc>
+                <a:spcPct val="90000"/>
+              </a:lnSpc>
+              <a:spcAft>
+                <a:spcPts val="600"/>
+              </a:spcAft>
+              <a:buFont typeface="Arial" panose="020B0604020202020204" pitchFamily="34" charset="0"/>
+              <a:buChar char="•"/>
+            </a:pPr>
+            <a:endParaRPr lang="en-US" sz="1600" dirty="0"/>
+          </a:p>
+          <a:p>
+            <a:pPr indent="-228600">
+              <a:lnSpc>
+                <a:spcPct val="90000"/>
+              </a:lnSpc>
+              <a:spcAft>
+                <a:spcPts val="600"/>
+              </a:spcAft>
+              <a:buFont typeface="Arial" panose="020B0604020202020204" pitchFamily="34" charset="0"/>
+              <a:buChar char="•"/>
+            </a:pPr>
+            <a:endParaRPr lang="en-US" sz="1600" dirty="0"/>
+          </a:p>
+        </p:txBody>
+      </p:sp>
+      <p:pic>
+        <p:nvPicPr>
+          <p:cNvPr id="9" name="Picture 8" descr="A picture containing plane, airplane, red, runway&#10;&#10;Description automatically generated">
+            <a:extLst>
+              <a:ext uri="{FF2B5EF4-FFF2-40B4-BE49-F238E27FC236}">
+                <a16:creationId xmlns:a16="http://schemas.microsoft.com/office/drawing/2014/main" id="{A5591FCB-8D01-D54F-AEA4-03BEF3B2A930}"/>
+              </a:ext>
+            </a:extLst>
+          </p:cNvPr>
+          <p:cNvPicPr>
+            <a:picLocks noChangeAspect="1"/>
+          </p:cNvPicPr>
+          <p:nvPr/>
+        </p:nvPicPr>
+        <p:blipFill rotWithShape="1">
+          <a:blip r:embed="rId5">
+            <a:extLst>
+              <a:ext uri="{BEBA8EAE-BF5A-486C-A8C5-ECC9F3942E4B}">
+                <a14:imgProps xmlns:a14="http://schemas.microsoft.com/office/drawing/2010/main">
+                  <a14:imgLayer r:embed="rId6">
+                    <a14:imgEffect>
+                      <a14:backgroundRemoval t="34875" b="65000" l="3250" r="94500">
+                        <a14:foregroundMark x1="7250" y1="49625" x2="7250" y2="49625"/>
+                        <a14:foregroundMark x1="3250" y1="49375" x2="3250" y2="49375"/>
+                        <a14:foregroundMark x1="57000" y1="52250" x2="57000" y2="52250"/>
+                        <a14:foregroundMark x1="90375" y1="49000" x2="90375" y2="49000"/>
+                        <a14:foregroundMark x1="94500" y1="48500" x2="94500" y2="48500"/>
+                        <a14:foregroundMark x1="50250" y1="41875" x2="50250" y2="41875"/>
+                        <a14:foregroundMark x1="51875" y1="42000" x2="51875" y2="42000"/>
+                        <a14:foregroundMark x1="47250" y1="42125" x2="47250" y2="42125"/>
+                        <a14:foregroundMark x1="47250" y1="41250" x2="47250" y2="41250"/>
+                        <a14:foregroundMark x1="49375" y1="39625" x2="49375" y2="39625"/>
+                        <a14:foregroundMark x1="49375" y1="39500" x2="49375" y2="39500"/>
+                        <a14:foregroundMark x1="49375" y1="39250" x2="49375" y2="39250"/>
+                        <a14:foregroundMark x1="49875" y1="39625" x2="49875" y2="39625"/>
+                        <a14:foregroundMark x1="50625" y1="39625" x2="50625" y2="39625"/>
+                        <a14:foregroundMark x1="51000" y1="39875" x2="51000" y2="39875"/>
+                        <a14:foregroundMark x1="47750" y1="40125" x2="47750" y2="40125"/>
+                        <a14:foregroundMark x1="46875" y1="41125" x2="46875" y2="41125"/>
+                        <a14:foregroundMark x1="46625" y1="42125" x2="46625" y2="42125"/>
+                        <a14:foregroundMark x1="46375" y1="43000" x2="46375" y2="43000"/>
+                        <a14:foregroundMark x1="46750" y1="43625" x2="46750" y2="43625"/>
+                        <a14:foregroundMark x1="46500" y1="43875" x2="46500" y2="43875"/>
+                        <a14:foregroundMark x1="40000" y1="48375" x2="40000" y2="48375"/>
+                        <a14:backgroundMark x1="28000" y1="57875" x2="28000" y2="57875"/>
+                        <a14:backgroundMark x1="42000" y1="57750" x2="42000" y2="57750"/>
+                        <a14:backgroundMark x1="40500" y1="58625" x2="40500" y2="58625"/>
+                        <a14:backgroundMark x1="40250" y1="58125" x2="46125" y2="60500"/>
+                        <a14:backgroundMark x1="53125" y1="56750" x2="59750" y2="65000"/>
+                        <a14:backgroundMark x1="59750" y1="65000" x2="55375" y2="60125"/>
+                      </a14:backgroundRemoval>
+                    </a14:imgEffect>
+                  </a14:imgLayer>
+                </a14:imgProps>
+              </a:ext>
+            </a:extLst>
+          </a:blip>
+          <a:srcRect t="31179" r="1250" b="31239"/>
+          <a:stretch/>
+        </p:blipFill>
+        <p:spPr>
+          <a:xfrm rot="20437590">
+            <a:off x="10922980" y="317543"/>
+            <a:ext cx="1109015" cy="422329"/>
+          </a:xfrm>
+          <a:prstGeom prst="rect">
+            <a:avLst/>
+          </a:prstGeom>
+        </p:spPr>
+      </p:pic>
+    </p:spTree>
+    <p:extLst>
+      <p:ext uri="{BB962C8B-B14F-4D97-AF65-F5344CB8AC3E}">
+        <p14:creationId xmlns:p14="http://schemas.microsoft.com/office/powerpoint/2010/main" val="3882958302"/>
+      </p:ext>
+    </p:extLst>
+  </p:cSld>
+  <p:clrMapOvr>
+    <a:overrideClrMapping bg1="dk1" tx1="lt1" bg2="dk2" tx2="lt2" accent1="accent1" accent2="accent2" accent3="accent3" accent4="accent4" accent5="accent5" accent6="accent6" hlink="hlink" folHlink="folHlink"/>
+  </p:clrMapOvr>
+  <mc:AlternateContent xmlns:mc="http://schemas.openxmlformats.org/markup-compatibility/2006" xmlns:p14="http://schemas.microsoft.com/office/powerpoint/2010/main">
+    <mc:Choice Requires="p14">
+      <p:transition spd="slow" p14:dur="1600" advTm="3">
+        <p14:gallery dir="l"/>
+      </p:transition>
+    </mc:Choice>
+    <mc:Fallback xmlns="">
+      <p:transition spd="slow" advTm="3">
+        <p:fade/>
+      </p:transition>
+    </mc:Fallback>
+  </mc:AlternateContent>
+</p:sld>
+</file>
+
+<file path=ppt/slides/slide12.xml><?xml version="1.0" encoding="utf-8"?>
 <p:sld xmlns:a="http://schemas.openxmlformats.org/drawingml/2006/main" xmlns:r="http://schemas.openxmlformats.org/officeDocument/2006/relationships" xmlns:p="http://schemas.openxmlformats.org/presentationml/2006/main">
   <p:cSld>
     <p:bg>
@@ -5255,7 +7018,7 @@
                   <a:srgbClr val="FFFFFF"/>
                 </a:solidFill>
               </a:rPr>
-              <a:t>Was also a Data Analyst at The Coca Cola Company &amp;</a:t>
+              <a:t>Data Analyst at The Coca Cola Company &amp;</a:t>
             </a:r>
           </a:p>
           <a:p>
@@ -6498,7 +8261,65 @@
             </a:pPr>
             <a:r>
               <a:rPr lang="en-US" dirty="0"/>
+              <a:t>MACHINE LEARNING MODEL</a:t>
+            </a:r>
+          </a:p>
+          <a:p>
+            <a:pPr marL="400050" indent="-228600">
+              <a:lnSpc>
+                <a:spcPct val="90000"/>
+              </a:lnSpc>
+              <a:spcAft>
+                <a:spcPts val="600"/>
+              </a:spcAft>
+              <a:buFont typeface="Arial" panose="020B0604020202020204" pitchFamily="34" charset="0"/>
+              <a:buChar char="•"/>
+            </a:pPr>
+            <a:endParaRPr lang="en-US" dirty="0"/>
+          </a:p>
+          <a:p>
+            <a:pPr marL="400050" indent="-228600">
+              <a:lnSpc>
+                <a:spcPct val="90000"/>
+              </a:lnSpc>
+              <a:spcAft>
+                <a:spcPts val="600"/>
+              </a:spcAft>
+              <a:buFont typeface="Arial" panose="020B0604020202020204" pitchFamily="34" charset="0"/>
+              <a:buChar char="•"/>
+            </a:pPr>
+            <a:r>
+              <a:rPr lang="en-US" dirty="0"/>
               <a:t>SUMMARY</a:t>
+            </a:r>
+          </a:p>
+          <a:p>
+            <a:pPr marL="400050" indent="-228600">
+              <a:lnSpc>
+                <a:spcPct val="90000"/>
+              </a:lnSpc>
+              <a:spcAft>
+                <a:spcPts val="600"/>
+              </a:spcAft>
+              <a:buFont typeface="Arial" panose="020B0604020202020204" pitchFamily="34" charset="0"/>
+              <a:buChar char="•"/>
+            </a:pPr>
+            <a:endParaRPr lang="en-US" dirty="0"/>
+          </a:p>
+          <a:p>
+            <a:pPr marL="400050" indent="-228600">
+              <a:lnSpc>
+                <a:spcPct val="90000"/>
+              </a:lnSpc>
+              <a:spcAft>
+                <a:spcPts val="600"/>
+              </a:spcAft>
+              <a:buFont typeface="Arial" panose="020B0604020202020204" pitchFamily="34" charset="0"/>
+              <a:buChar char="•"/>
+            </a:pPr>
+            <a:r>
+              <a:rPr lang="en-US" dirty="0"/>
+              <a:t>CONCLUSIONS</a:t>
             </a:r>
           </a:p>
         </p:txBody>
@@ -6950,8 +8771,8 @@
         </p:nvSpPr>
         <p:spPr>
           <a:xfrm>
-            <a:off x="5609220" y="1672172"/>
-            <a:ext cx="6321522" cy="4626428"/>
+            <a:off x="5609220" y="1967854"/>
+            <a:ext cx="6321522" cy="4090668"/>
           </a:xfrm>
           <a:prstGeom prst="rect">
             <a:avLst/>
@@ -7017,22 +8838,6 @@
               </a:spcAft>
             </a:pPr>
             <a:endParaRPr lang="en-US" dirty="0"/>
-          </a:p>
-          <a:p>
-            <a:pPr marL="342900" indent="-228600">
-              <a:lnSpc>
-                <a:spcPct val="150000"/>
-              </a:lnSpc>
-              <a:spcAft>
-                <a:spcPts val="600"/>
-              </a:spcAft>
-              <a:buFont typeface="Arial" panose="020B0604020202020204" pitchFamily="34" charset="0"/>
-              <a:buChar char="•"/>
-            </a:pPr>
-            <a:r>
-              <a:rPr lang="en-US" dirty="0"/>
-              <a:t>Preventing drones from randomly falling out of the sky.</a:t>
-            </a:r>
           </a:p>
           <a:p>
             <a:pPr marL="114300">
@@ -7317,8 +9122,8 @@
         </p:nvSpPr>
         <p:spPr>
           <a:xfrm>
-            <a:off x="272143" y="1654629"/>
-            <a:ext cx="6477998" cy="4539342"/>
+            <a:off x="272143" y="2134728"/>
+            <a:ext cx="6477998" cy="3427728"/>
           </a:xfrm>
           <a:prstGeom prst="rect">
             <a:avLst/>
@@ -7342,7 +9147,7 @@
             </a:pPr>
             <a:r>
               <a:rPr lang="en-US" b="1" dirty="0"/>
-              <a:t>There are two questions that we’re trying to answer in our project:</a:t>
+              <a:t>There are two questions that we’re researching in our project:</a:t>
             </a:r>
           </a:p>
           <a:p>
@@ -7371,7 +9176,7 @@
             </a:pPr>
             <a:r>
               <a:rPr lang="en-US" dirty="0"/>
-              <a:t>Which variables have the highest influence on whether the Carbon Z drone is has failures or not?</a:t>
+              <a:t>Which variables have the highest influence?</a:t>
             </a:r>
           </a:p>
           <a:p>
@@ -7400,7 +9205,7 @@
             </a:pPr>
             <a:r>
               <a:rPr lang="en-US" dirty="0"/>
-              <a:t>Could we build a machine learning model to predict faults and anomalies on Carbon Z drone at least 80% accuracy</a:t>
+              <a:t>Could we build a machine learning model to predict at least 80% accuracy?</a:t>
             </a:r>
           </a:p>
         </p:txBody>
@@ -9164,6 +10969,1027 @@
     <p:bg>
       <p:bgPr>
         <a:solidFill>
+          <a:srgbClr val="000000"/>
+        </a:solidFill>
+        <a:effectLst/>
+      </p:bgPr>
+    </p:bg>
+    <p:spTree>
+      <p:nvGrpSpPr>
+        <p:cNvPr id="1" name=""/>
+        <p:cNvGrpSpPr/>
+        <p:nvPr/>
+      </p:nvGrpSpPr>
+      <p:grpSpPr>
+        <a:xfrm>
+          <a:off x="0" y="0"/>
+          <a:ext cx="0" cy="0"/>
+          <a:chOff x="0" y="0"/>
+          <a:chExt cx="0" cy="0"/>
+        </a:xfrm>
+      </p:grpSpPr>
+      <p:sp>
+        <p:nvSpPr>
+          <p:cNvPr id="9" name="Rectangle 8">
+            <a:extLst>
+              <a:ext uri="{FF2B5EF4-FFF2-40B4-BE49-F238E27FC236}">
+                <a16:creationId xmlns:a16="http://schemas.microsoft.com/office/drawing/2014/main" id="{71B2258F-86CA-4D4D-8270-BC05FCDEBFB3}"/>
+              </a:ext>
+              <a:ext uri="{C183D7F6-B498-43B3-948B-1728B52AA6E4}">
+                <adec:decorative xmlns:adec="http://schemas.microsoft.com/office/drawing/2017/decorative" val="1"/>
+              </a:ext>
+            </a:extLst>
+          </p:cNvPr>
+          <p:cNvSpPr>
+            <a:spLocks noGrp="1" noRot="1" noChangeAspect="1" noMove="1" noResize="1" noEditPoints="1" noAdjustHandles="1" noChangeArrowheads="1" noChangeShapeType="1" noTextEdit="1"/>
+          </p:cNvSpPr>
+          <p:nvPr>
+            <p:extLst>
+              <p:ext uri="{386F3935-93C4-4BCD-93E2-E3B085C9AB24}">
+                <p16:designElem xmlns:p16="http://schemas.microsoft.com/office/powerpoint/2015/main" val="1"/>
+              </p:ext>
+            </p:extLst>
+          </p:nvPr>
+        </p:nvSpPr>
+        <p:spPr>
+          <a:xfrm>
+            <a:off x="0" y="0"/>
+            <a:ext cx="12192000" cy="6857999"/>
+          </a:xfrm>
+          <a:prstGeom prst="rect">
+            <a:avLst/>
+          </a:prstGeom>
+          <a:solidFill>
+            <a:srgbClr val="000000"/>
+          </a:solidFill>
+          <a:ln>
+            <a:noFill/>
+          </a:ln>
+        </p:spPr>
+        <p:style>
+          <a:lnRef idx="2">
+            <a:schemeClr val="accent1">
+              <a:shade val="50000"/>
+            </a:schemeClr>
+          </a:lnRef>
+          <a:fillRef idx="1">
+            <a:schemeClr val="accent1"/>
+          </a:fillRef>
+          <a:effectRef idx="0">
+            <a:schemeClr val="accent1"/>
+          </a:effectRef>
+          <a:fontRef idx="minor">
+            <a:schemeClr val="lt1"/>
+          </a:fontRef>
+        </p:style>
+        <p:txBody>
+          <a:bodyPr rtlCol="0" anchor="ctr"/>
+          <a:lstStyle/>
+          <a:p>
+            <a:pPr algn="ctr"/>
+            <a:endParaRPr lang="en-US"/>
+          </a:p>
+        </p:txBody>
+      </p:sp>
+      <p:pic>
+        <p:nvPicPr>
+          <p:cNvPr id="4" name="Picture 3" descr="A picture containing plane, red, aircraft, transport&#10;&#10;Description automatically generated">
+            <a:extLst>
+              <a:ext uri="{FF2B5EF4-FFF2-40B4-BE49-F238E27FC236}">
+                <a16:creationId xmlns:a16="http://schemas.microsoft.com/office/drawing/2014/main" id="{C291A53D-94D7-9F46-9562-604FCD3D9E7E}"/>
+              </a:ext>
+            </a:extLst>
+          </p:cNvPr>
+          <p:cNvPicPr>
+            <a:picLocks noChangeAspect="1"/>
+          </p:cNvPicPr>
+          <p:nvPr/>
+        </p:nvPicPr>
+        <p:blipFill rotWithShape="1">
+          <a:blip r:embed="rId2">
+            <a:alphaModFix amt="50000"/>
+          </a:blip>
+          <a:srcRect t="20538" b="23212"/>
+          <a:stretch/>
+        </p:blipFill>
+        <p:spPr>
+          <a:xfrm>
+            <a:off x="20" y="1"/>
+            <a:ext cx="12191980" cy="6857999"/>
+          </a:xfrm>
+          <a:prstGeom prst="rect">
+            <a:avLst/>
+          </a:prstGeom>
+        </p:spPr>
+      </p:pic>
+      <p:sp>
+        <p:nvSpPr>
+          <p:cNvPr id="2" name="Title 1">
+            <a:extLst>
+              <a:ext uri="{FF2B5EF4-FFF2-40B4-BE49-F238E27FC236}">
+                <a16:creationId xmlns:a16="http://schemas.microsoft.com/office/drawing/2014/main" id="{BAF3E8A2-8D0A-8143-9216-2ECF08559227}"/>
+              </a:ext>
+            </a:extLst>
+          </p:cNvPr>
+          <p:cNvSpPr>
+            <a:spLocks noGrp="1"/>
+          </p:cNvSpPr>
+          <p:nvPr>
+            <p:ph type="title"/>
+          </p:nvPr>
+        </p:nvSpPr>
+        <p:spPr>
+          <a:xfrm>
+            <a:off x="1510157" y="212651"/>
+            <a:ext cx="9164595" cy="766303"/>
+          </a:xfrm>
+        </p:spPr>
+        <p:txBody>
+          <a:bodyPr vert="horz" lIns="91440" tIns="45720" rIns="91440" bIns="45720" rtlCol="0" anchor="ctr">
+            <a:normAutofit/>
+          </a:bodyPr>
+          <a:lstStyle/>
+          <a:p>
+            <a:pPr algn="ctr"/>
+            <a:r>
+              <a:rPr lang="en-US" sz="4000" dirty="0">
+                <a:solidFill>
+                  <a:srgbClr val="FFFFFF"/>
+                </a:solidFill>
+              </a:rPr>
+              <a:t>MACHINE LEARNING MODEL</a:t>
+            </a:r>
+          </a:p>
+        </p:txBody>
+      </p:sp>
+      <p:graphicFrame>
+        <p:nvGraphicFramePr>
+          <p:cNvPr id="6" name="Table 6">
+            <a:extLst>
+              <a:ext uri="{FF2B5EF4-FFF2-40B4-BE49-F238E27FC236}">
+                <a16:creationId xmlns:a16="http://schemas.microsoft.com/office/drawing/2014/main" id="{5057344A-A8DF-684D-B065-B0F04D260527}"/>
+              </a:ext>
+            </a:extLst>
+          </p:cNvPr>
+          <p:cNvGraphicFramePr>
+            <a:graphicFrameLocks noGrp="1"/>
+          </p:cNvGraphicFramePr>
+          <p:nvPr>
+            <p:extLst>
+              <p:ext uri="{D42A27DB-BD31-4B8C-83A1-F6EECF244321}">
+                <p14:modId xmlns:p14="http://schemas.microsoft.com/office/powerpoint/2010/main" val="1932984190"/>
+              </p:ext>
+            </p:extLst>
+          </p:nvPr>
+        </p:nvGraphicFramePr>
+        <p:xfrm>
+          <a:off x="308343" y="1569306"/>
+          <a:ext cx="11568224" cy="5076043"/>
+        </p:xfrm>
+        <a:graphic>
+          <a:graphicData uri="http://schemas.openxmlformats.org/drawingml/2006/table">
+            <a:tbl>
+              <a:tblPr firstRow="1" bandRow="1">
+                <a:tableStyleId>{5C22544A-7EE6-4342-B048-85BDC9FD1C3A}</a:tableStyleId>
+              </a:tblPr>
+              <a:tblGrid>
+                <a:gridCol w="5784112">
+                  <a:extLst>
+                    <a:ext uri="{9D8B030D-6E8A-4147-A177-3AD203B41FA5}">
+                      <a16:colId xmlns:a16="http://schemas.microsoft.com/office/drawing/2014/main" val="2772417878"/>
+                    </a:ext>
+                  </a:extLst>
+                </a:gridCol>
+                <a:gridCol w="5784112">
+                  <a:extLst>
+                    <a:ext uri="{9D8B030D-6E8A-4147-A177-3AD203B41FA5}">
+                      <a16:colId xmlns:a16="http://schemas.microsoft.com/office/drawing/2014/main" val="3698826209"/>
+                    </a:ext>
+                  </a:extLst>
+                </a:gridCol>
+              </a:tblGrid>
+              <a:tr h="5076043">
+                <a:tc>
+                  <a:txBody>
+                    <a:bodyPr/>
+                    <a:lstStyle/>
+                    <a:p>
+                      <a:r>
+                        <a:rPr lang="en-US" sz="2400" dirty="0"/>
+                        <a:t>Random Forest : 120 estimators</a:t>
+                      </a:r>
+                    </a:p>
+                    <a:p>
+                      <a:endParaRPr lang="en-US" dirty="0"/>
+                    </a:p>
+                    <a:p>
+                      <a:endParaRPr lang="en-US" dirty="0"/>
+                    </a:p>
+                    <a:p>
+                      <a:endParaRPr lang="en-US" dirty="0"/>
+                    </a:p>
+                    <a:p>
+                      <a:endParaRPr lang="en-US" dirty="0"/>
+                    </a:p>
+                  </a:txBody>
+                  <a:tcPr>
+                    <a:lnL w="12700" cmpd="sng">
+                      <a:noFill/>
+                    </a:lnL>
+                    <a:lnR w="12700" cmpd="sng">
+                      <a:noFill/>
+                    </a:lnR>
+                    <a:lnT w="12700" cmpd="sng">
+                      <a:noFill/>
+                    </a:lnT>
+                    <a:lnB w="38100" cmpd="sng">
+                      <a:noFill/>
+                    </a:lnB>
+                    <a:lnTlToBr w="12700" cmpd="sng">
+                      <a:noFill/>
+                      <a:prstDash val="solid"/>
+                    </a:lnTlToBr>
+                    <a:lnBlToTr w="12700" cmpd="sng">
+                      <a:noFill/>
+                      <a:prstDash val="solid"/>
+                    </a:lnBlToTr>
+                    <a:noFill/>
+                  </a:tcPr>
+                </a:tc>
+                <a:tc>
+                  <a:txBody>
+                    <a:bodyPr/>
+                    <a:lstStyle/>
+                    <a:p>
+                      <a:r>
+                        <a:rPr lang="en-US" sz="2400" dirty="0"/>
+                        <a:t>Learning Curve:</a:t>
+                      </a:r>
+                    </a:p>
+                  </a:txBody>
+                  <a:tcPr>
+                    <a:lnL w="12700" cmpd="sng">
+                      <a:noFill/>
+                    </a:lnL>
+                    <a:lnR w="12700" cmpd="sng">
+                      <a:noFill/>
+                    </a:lnR>
+                    <a:lnT w="12700" cmpd="sng">
+                      <a:noFill/>
+                    </a:lnT>
+                    <a:lnB w="38100" cmpd="sng">
+                      <a:noFill/>
+                    </a:lnB>
+                    <a:lnTlToBr w="12700" cmpd="sng">
+                      <a:noFill/>
+                      <a:prstDash val="solid"/>
+                    </a:lnTlToBr>
+                    <a:lnBlToTr w="12700" cmpd="sng">
+                      <a:noFill/>
+                      <a:prstDash val="solid"/>
+                    </a:lnBlToTr>
+                    <a:noFill/>
+                  </a:tcPr>
+                </a:tc>
+                <a:extLst>
+                  <a:ext uri="{0D108BD9-81ED-4DB2-BD59-A6C34878D82A}">
+                    <a16:rowId xmlns:a16="http://schemas.microsoft.com/office/drawing/2014/main" val="1644569689"/>
+                  </a:ext>
+                </a:extLst>
+              </a:tr>
+            </a:tbl>
+          </a:graphicData>
+        </a:graphic>
+      </p:graphicFrame>
+      <p:pic>
+        <p:nvPicPr>
+          <p:cNvPr id="10" name="Picture 9" descr="A picture containing plane, airplane, red, runway&#10;&#10;Description automatically generated">
+            <a:extLst>
+              <a:ext uri="{FF2B5EF4-FFF2-40B4-BE49-F238E27FC236}">
+                <a16:creationId xmlns:a16="http://schemas.microsoft.com/office/drawing/2014/main" id="{378FD387-B94D-6E42-8B12-443918BC46BC}"/>
+              </a:ext>
+            </a:extLst>
+          </p:cNvPr>
+          <p:cNvPicPr>
+            <a:picLocks noChangeAspect="1"/>
+          </p:cNvPicPr>
+          <p:nvPr/>
+        </p:nvPicPr>
+        <p:blipFill rotWithShape="1">
+          <a:blip r:embed="rId3">
+            <a:extLst>
+              <a:ext uri="{BEBA8EAE-BF5A-486C-A8C5-ECC9F3942E4B}">
+                <a14:imgProps xmlns:a14="http://schemas.microsoft.com/office/drawing/2010/main">
+                  <a14:imgLayer r:embed="rId4">
+                    <a14:imgEffect>
+                      <a14:backgroundRemoval t="34875" b="65000" l="3250" r="94500">
+                        <a14:foregroundMark x1="7250" y1="49625" x2="7250" y2="49625"/>
+                        <a14:foregroundMark x1="3250" y1="49375" x2="3250" y2="49375"/>
+                        <a14:foregroundMark x1="57000" y1="52250" x2="57000" y2="52250"/>
+                        <a14:foregroundMark x1="90375" y1="49000" x2="90375" y2="49000"/>
+                        <a14:foregroundMark x1="94500" y1="48500" x2="94500" y2="48500"/>
+                        <a14:foregroundMark x1="50250" y1="41875" x2="50250" y2="41875"/>
+                        <a14:foregroundMark x1="51875" y1="42000" x2="51875" y2="42000"/>
+                        <a14:foregroundMark x1="47250" y1="42125" x2="47250" y2="42125"/>
+                        <a14:foregroundMark x1="47250" y1="41250" x2="47250" y2="41250"/>
+                        <a14:foregroundMark x1="49375" y1="39625" x2="49375" y2="39625"/>
+                        <a14:foregroundMark x1="49375" y1="39500" x2="49375" y2="39500"/>
+                        <a14:foregroundMark x1="49375" y1="39250" x2="49375" y2="39250"/>
+                        <a14:foregroundMark x1="49875" y1="39625" x2="49875" y2="39625"/>
+                        <a14:foregroundMark x1="50625" y1="39625" x2="50625" y2="39625"/>
+                        <a14:foregroundMark x1="51000" y1="39875" x2="51000" y2="39875"/>
+                        <a14:foregroundMark x1="47750" y1="40125" x2="47750" y2="40125"/>
+                        <a14:foregroundMark x1="46875" y1="41125" x2="46875" y2="41125"/>
+                        <a14:foregroundMark x1="46625" y1="42125" x2="46625" y2="42125"/>
+                        <a14:foregroundMark x1="46375" y1="43000" x2="46375" y2="43000"/>
+                        <a14:foregroundMark x1="46750" y1="43625" x2="46750" y2="43625"/>
+                        <a14:foregroundMark x1="46500" y1="43875" x2="46500" y2="43875"/>
+                        <a14:foregroundMark x1="40000" y1="48375" x2="40000" y2="48375"/>
+                        <a14:backgroundMark x1="28000" y1="57875" x2="28000" y2="57875"/>
+                        <a14:backgroundMark x1="42000" y1="57750" x2="42000" y2="57750"/>
+                        <a14:backgroundMark x1="40500" y1="58625" x2="40500" y2="58625"/>
+                        <a14:backgroundMark x1="40250" y1="58125" x2="46125" y2="60500"/>
+                        <a14:backgroundMark x1="53125" y1="56750" x2="59750" y2="65000"/>
+                        <a14:backgroundMark x1="59750" y1="65000" x2="55375" y2="60125"/>
+                      </a14:backgroundRemoval>
+                    </a14:imgEffect>
+                  </a14:imgLayer>
+                </a14:imgProps>
+              </a:ext>
+            </a:extLst>
+          </a:blip>
+          <a:srcRect t="31179" r="1250" b="31239"/>
+          <a:stretch/>
+        </p:blipFill>
+        <p:spPr>
+          <a:xfrm rot="20437590">
+            <a:off x="10922980" y="317543"/>
+            <a:ext cx="1109015" cy="422329"/>
+          </a:xfrm>
+          <a:prstGeom prst="rect">
+            <a:avLst/>
+          </a:prstGeom>
+        </p:spPr>
+      </p:pic>
+      <p:cxnSp>
+        <p:nvCxnSpPr>
+          <p:cNvPr id="11" name="Straight Connector 10">
+            <a:extLst>
+              <a:ext uri="{FF2B5EF4-FFF2-40B4-BE49-F238E27FC236}">
+                <a16:creationId xmlns:a16="http://schemas.microsoft.com/office/drawing/2014/main" id="{3938BC5C-8C60-B149-A66D-6D2322561B8F}"/>
+              </a:ext>
+            </a:extLst>
+          </p:cNvPr>
+          <p:cNvCxnSpPr>
+            <a:cxnSpLocks/>
+          </p:cNvCxnSpPr>
+          <p:nvPr/>
+        </p:nvCxnSpPr>
+        <p:spPr>
+          <a:xfrm>
+            <a:off x="0" y="1112683"/>
+            <a:ext cx="12192000" cy="0"/>
+          </a:xfrm>
+          <a:prstGeom prst="line">
+            <a:avLst/>
+          </a:prstGeom>
+          <a:ln w="57150">
+            <a:solidFill>
+              <a:srgbClr val="FFC000"/>
+            </a:solidFill>
+          </a:ln>
+        </p:spPr>
+        <p:style>
+          <a:lnRef idx="1">
+            <a:schemeClr val="accent1"/>
+          </a:lnRef>
+          <a:fillRef idx="0">
+            <a:schemeClr val="accent1"/>
+          </a:fillRef>
+          <a:effectRef idx="0">
+            <a:schemeClr val="accent1"/>
+          </a:effectRef>
+          <a:fontRef idx="minor">
+            <a:schemeClr val="tx1"/>
+          </a:fontRef>
+        </p:style>
+      </p:cxnSp>
+      <p:pic>
+        <p:nvPicPr>
+          <p:cNvPr id="13" name="Picture 12" descr="Chart&#10;&#10;Description automatically generated with medium confidence">
+            <a:extLst>
+              <a:ext uri="{FF2B5EF4-FFF2-40B4-BE49-F238E27FC236}">
+                <a16:creationId xmlns:a16="http://schemas.microsoft.com/office/drawing/2014/main" id="{4C7339B3-D738-4E4C-843B-1391EA78BD04}"/>
+              </a:ext>
+            </a:extLst>
+          </p:cNvPr>
+          <p:cNvPicPr>
+            <a:picLocks noChangeAspect="1"/>
+          </p:cNvPicPr>
+          <p:nvPr/>
+        </p:nvPicPr>
+        <p:blipFill>
+          <a:blip r:embed="rId5"/>
+          <a:stretch>
+            <a:fillRect/>
+          </a:stretch>
+        </p:blipFill>
+        <p:spPr>
+          <a:xfrm>
+            <a:off x="474101" y="2424577"/>
+            <a:ext cx="5497096" cy="3614716"/>
+          </a:xfrm>
+          <a:prstGeom prst="rect">
+            <a:avLst/>
+          </a:prstGeom>
+        </p:spPr>
+      </p:pic>
+      <p:pic>
+        <p:nvPicPr>
+          <p:cNvPr id="15" name="Picture 14" descr="Chart, line chart&#10;&#10;Description automatically generated">
+            <a:extLst>
+              <a:ext uri="{FF2B5EF4-FFF2-40B4-BE49-F238E27FC236}">
+                <a16:creationId xmlns:a16="http://schemas.microsoft.com/office/drawing/2014/main" id="{DBAAE425-CFE4-4F41-989D-348EC3CA1E7C}"/>
+              </a:ext>
+            </a:extLst>
+          </p:cNvPr>
+          <p:cNvPicPr>
+            <a:picLocks noChangeAspect="1"/>
+          </p:cNvPicPr>
+          <p:nvPr/>
+        </p:nvPicPr>
+        <p:blipFill>
+          <a:blip r:embed="rId6"/>
+          <a:stretch>
+            <a:fillRect/>
+          </a:stretch>
+        </p:blipFill>
+        <p:spPr>
+          <a:xfrm>
+            <a:off x="6694819" y="2424577"/>
+            <a:ext cx="5023079" cy="3614716"/>
+          </a:xfrm>
+          <a:prstGeom prst="rect">
+            <a:avLst/>
+          </a:prstGeom>
+        </p:spPr>
+      </p:pic>
+      <p:sp>
+        <p:nvSpPr>
+          <p:cNvPr id="16" name="TextBox 15">
+            <a:extLst>
+              <a:ext uri="{FF2B5EF4-FFF2-40B4-BE49-F238E27FC236}">
+                <a16:creationId xmlns:a16="http://schemas.microsoft.com/office/drawing/2014/main" id="{103D8953-BFA5-EC48-BC1D-53129E1C6C43}"/>
+              </a:ext>
+            </a:extLst>
+          </p:cNvPr>
+          <p:cNvSpPr txBox="1"/>
+          <p:nvPr/>
+        </p:nvSpPr>
+        <p:spPr>
+          <a:xfrm>
+            <a:off x="3476847" y="2541181"/>
+            <a:ext cx="329609" cy="478465"/>
+          </a:xfrm>
+          <a:prstGeom prst="rect">
+            <a:avLst/>
+          </a:prstGeom>
+          <a:noFill/>
+        </p:spPr>
+        <p:txBody>
+          <a:bodyPr wrap="square" rtlCol="0">
+            <a:spAutoFit/>
+          </a:bodyPr>
+          <a:lstStyle/>
+          <a:p>
+            <a:r>
+              <a:rPr lang="en-US" sz="2400" dirty="0">
+                <a:solidFill>
+                  <a:srgbClr val="92D050"/>
+                </a:solidFill>
+              </a:rPr>
+              <a:t>X</a:t>
+            </a:r>
+          </a:p>
+        </p:txBody>
+      </p:sp>
+    </p:spTree>
+    <p:extLst>
+      <p:ext uri="{BB962C8B-B14F-4D97-AF65-F5344CB8AC3E}">
+        <p14:creationId xmlns:p14="http://schemas.microsoft.com/office/powerpoint/2010/main" val="642936125"/>
+      </p:ext>
+    </p:extLst>
+  </p:cSld>
+  <p:clrMapOvr>
+    <a:overrideClrMapping bg1="dk1" tx1="lt1" bg2="dk2" tx2="lt2" accent1="accent1" accent2="accent2" accent3="accent3" accent4="accent4" accent5="accent5" accent6="accent6" hlink="hlink" folHlink="folHlink"/>
+  </p:clrMapOvr>
+</p:sld>
+</file>
+
+<file path=ppt/slides/slide8.xml><?xml version="1.0" encoding="utf-8"?>
+<p:sld xmlns:a="http://schemas.openxmlformats.org/drawingml/2006/main" xmlns:r="http://schemas.openxmlformats.org/officeDocument/2006/relationships" xmlns:p="http://schemas.openxmlformats.org/presentationml/2006/main">
+  <p:cSld>
+    <p:bg>
+      <p:bgPr>
+        <a:solidFill>
+          <a:srgbClr val="000000"/>
+        </a:solidFill>
+        <a:effectLst/>
+      </p:bgPr>
+    </p:bg>
+    <p:spTree>
+      <p:nvGrpSpPr>
+        <p:cNvPr id="1" name=""/>
+        <p:cNvGrpSpPr/>
+        <p:nvPr/>
+      </p:nvGrpSpPr>
+      <p:grpSpPr>
+        <a:xfrm>
+          <a:off x="0" y="0"/>
+          <a:ext cx="0" cy="0"/>
+          <a:chOff x="0" y="0"/>
+          <a:chExt cx="0" cy="0"/>
+        </a:xfrm>
+      </p:grpSpPr>
+      <p:sp>
+        <p:nvSpPr>
+          <p:cNvPr id="9" name="Rectangle 8">
+            <a:extLst>
+              <a:ext uri="{FF2B5EF4-FFF2-40B4-BE49-F238E27FC236}">
+                <a16:creationId xmlns:a16="http://schemas.microsoft.com/office/drawing/2014/main" id="{71B2258F-86CA-4D4D-8270-BC05FCDEBFB3}"/>
+              </a:ext>
+              <a:ext uri="{C183D7F6-B498-43B3-948B-1728B52AA6E4}">
+                <adec:decorative xmlns:adec="http://schemas.microsoft.com/office/drawing/2017/decorative" val="1"/>
+              </a:ext>
+            </a:extLst>
+          </p:cNvPr>
+          <p:cNvSpPr>
+            <a:spLocks noGrp="1" noRot="1" noChangeAspect="1" noMove="1" noResize="1" noEditPoints="1" noAdjustHandles="1" noChangeArrowheads="1" noChangeShapeType="1" noTextEdit="1"/>
+          </p:cNvSpPr>
+          <p:nvPr>
+            <p:extLst>
+              <p:ext uri="{386F3935-93C4-4BCD-93E2-E3B085C9AB24}">
+                <p16:designElem xmlns:p16="http://schemas.microsoft.com/office/powerpoint/2015/main" val="1"/>
+              </p:ext>
+            </p:extLst>
+          </p:nvPr>
+        </p:nvSpPr>
+        <p:spPr>
+          <a:xfrm>
+            <a:off x="0" y="0"/>
+            <a:ext cx="12192000" cy="6857999"/>
+          </a:xfrm>
+          <a:prstGeom prst="rect">
+            <a:avLst/>
+          </a:prstGeom>
+          <a:solidFill>
+            <a:srgbClr val="000000"/>
+          </a:solidFill>
+          <a:ln>
+            <a:noFill/>
+          </a:ln>
+        </p:spPr>
+        <p:style>
+          <a:lnRef idx="2">
+            <a:schemeClr val="accent1">
+              <a:shade val="50000"/>
+            </a:schemeClr>
+          </a:lnRef>
+          <a:fillRef idx="1">
+            <a:schemeClr val="accent1"/>
+          </a:fillRef>
+          <a:effectRef idx="0">
+            <a:schemeClr val="accent1"/>
+          </a:effectRef>
+          <a:fontRef idx="minor">
+            <a:schemeClr val="lt1"/>
+          </a:fontRef>
+        </p:style>
+        <p:txBody>
+          <a:bodyPr rtlCol="0" anchor="ctr"/>
+          <a:lstStyle/>
+          <a:p>
+            <a:pPr algn="ctr"/>
+            <a:endParaRPr lang="en-US"/>
+          </a:p>
+        </p:txBody>
+      </p:sp>
+      <p:pic>
+        <p:nvPicPr>
+          <p:cNvPr id="4" name="Picture 3" descr="A picture containing plane, red, aircraft, transport&#10;&#10;Description automatically generated">
+            <a:extLst>
+              <a:ext uri="{FF2B5EF4-FFF2-40B4-BE49-F238E27FC236}">
+                <a16:creationId xmlns:a16="http://schemas.microsoft.com/office/drawing/2014/main" id="{C291A53D-94D7-9F46-9562-604FCD3D9E7E}"/>
+              </a:ext>
+            </a:extLst>
+          </p:cNvPr>
+          <p:cNvPicPr>
+            <a:picLocks noChangeAspect="1"/>
+          </p:cNvPicPr>
+          <p:nvPr/>
+        </p:nvPicPr>
+        <p:blipFill rotWithShape="1">
+          <a:blip r:embed="rId2">
+            <a:alphaModFix amt="50000"/>
+          </a:blip>
+          <a:srcRect t="20538" b="23212"/>
+          <a:stretch/>
+        </p:blipFill>
+        <p:spPr>
+          <a:xfrm>
+            <a:off x="20" y="1"/>
+            <a:ext cx="12191980" cy="6857999"/>
+          </a:xfrm>
+          <a:prstGeom prst="rect">
+            <a:avLst/>
+          </a:prstGeom>
+        </p:spPr>
+      </p:pic>
+      <p:sp>
+        <p:nvSpPr>
+          <p:cNvPr id="2" name="Title 1">
+            <a:extLst>
+              <a:ext uri="{FF2B5EF4-FFF2-40B4-BE49-F238E27FC236}">
+                <a16:creationId xmlns:a16="http://schemas.microsoft.com/office/drawing/2014/main" id="{BAF3E8A2-8D0A-8143-9216-2ECF08559227}"/>
+              </a:ext>
+            </a:extLst>
+          </p:cNvPr>
+          <p:cNvSpPr>
+            <a:spLocks noGrp="1"/>
+          </p:cNvSpPr>
+          <p:nvPr>
+            <p:ph type="title"/>
+          </p:nvPr>
+        </p:nvSpPr>
+        <p:spPr>
+          <a:xfrm>
+            <a:off x="1510157" y="145556"/>
+            <a:ext cx="9164595" cy="902045"/>
+          </a:xfrm>
+        </p:spPr>
+        <p:txBody>
+          <a:bodyPr vert="horz" lIns="91440" tIns="45720" rIns="91440" bIns="45720" rtlCol="0" anchor="ctr">
+            <a:normAutofit/>
+          </a:bodyPr>
+          <a:lstStyle/>
+          <a:p>
+            <a:pPr algn="ctr"/>
+            <a:r>
+              <a:rPr lang="en-US" sz="4000" dirty="0">
+                <a:solidFill>
+                  <a:srgbClr val="FFFFFF"/>
+                </a:solidFill>
+              </a:rPr>
+              <a:t>MACHINE LEARNING MODEL</a:t>
+            </a:r>
+          </a:p>
+        </p:txBody>
+      </p:sp>
+      <p:graphicFrame>
+        <p:nvGraphicFramePr>
+          <p:cNvPr id="6" name="Table 6">
+            <a:extLst>
+              <a:ext uri="{FF2B5EF4-FFF2-40B4-BE49-F238E27FC236}">
+                <a16:creationId xmlns:a16="http://schemas.microsoft.com/office/drawing/2014/main" id="{5057344A-A8DF-684D-B065-B0F04D260527}"/>
+              </a:ext>
+            </a:extLst>
+          </p:cNvPr>
+          <p:cNvGraphicFramePr>
+            <a:graphicFrameLocks noGrp="1"/>
+          </p:cNvGraphicFramePr>
+          <p:nvPr>
+            <p:extLst>
+              <p:ext uri="{D42A27DB-BD31-4B8C-83A1-F6EECF244321}">
+                <p14:modId xmlns:p14="http://schemas.microsoft.com/office/powerpoint/2010/main" val="2210322590"/>
+              </p:ext>
+            </p:extLst>
+          </p:nvPr>
+        </p:nvGraphicFramePr>
+        <p:xfrm>
+          <a:off x="308343" y="1569306"/>
+          <a:ext cx="11568224" cy="5076043"/>
+        </p:xfrm>
+        <a:graphic>
+          <a:graphicData uri="http://schemas.openxmlformats.org/drawingml/2006/table">
+            <a:tbl>
+              <a:tblPr firstRow="1" bandRow="1">
+                <a:tableStyleId>{5C22544A-7EE6-4342-B048-85BDC9FD1C3A}</a:tableStyleId>
+              </a:tblPr>
+              <a:tblGrid>
+                <a:gridCol w="6560290">
+                  <a:extLst>
+                    <a:ext uri="{9D8B030D-6E8A-4147-A177-3AD203B41FA5}">
+                      <a16:colId xmlns:a16="http://schemas.microsoft.com/office/drawing/2014/main" val="2772417878"/>
+                    </a:ext>
+                  </a:extLst>
+                </a:gridCol>
+                <a:gridCol w="5007934">
+                  <a:extLst>
+                    <a:ext uri="{9D8B030D-6E8A-4147-A177-3AD203B41FA5}">
+                      <a16:colId xmlns:a16="http://schemas.microsoft.com/office/drawing/2014/main" val="3698826209"/>
+                    </a:ext>
+                  </a:extLst>
+                </a:gridCol>
+              </a:tblGrid>
+              <a:tr h="5076043">
+                <a:tc>
+                  <a:txBody>
+                    <a:bodyPr/>
+                    <a:lstStyle/>
+                    <a:p>
+                      <a:r>
+                        <a:rPr lang="en-US" sz="2400" dirty="0"/>
+                        <a:t>Most Important features:</a:t>
+                      </a:r>
+                    </a:p>
+                  </a:txBody>
+                  <a:tcPr>
+                    <a:lnL w="12700" cmpd="sng">
+                      <a:noFill/>
+                    </a:lnL>
+                    <a:lnR w="12700" cmpd="sng">
+                      <a:noFill/>
+                    </a:lnR>
+                    <a:lnT w="12700" cmpd="sng">
+                      <a:noFill/>
+                    </a:lnT>
+                    <a:lnB w="38100" cmpd="sng">
+                      <a:noFill/>
+                    </a:lnB>
+                    <a:lnTlToBr w="12700" cmpd="sng">
+                      <a:noFill/>
+                      <a:prstDash val="solid"/>
+                    </a:lnTlToBr>
+                    <a:lnBlToTr w="12700" cmpd="sng">
+                      <a:noFill/>
+                      <a:prstDash val="solid"/>
+                    </a:lnBlToTr>
+                    <a:noFill/>
+                  </a:tcPr>
+                </a:tc>
+                <a:tc>
+                  <a:txBody>
+                    <a:bodyPr/>
+                    <a:lstStyle/>
+                    <a:p>
+                      <a:endParaRPr lang="en-US" dirty="0"/>
+                    </a:p>
+                    <a:p>
+                      <a:endParaRPr lang="en-US" dirty="0"/>
+                    </a:p>
+                    <a:p>
+                      <a:endParaRPr lang="en-US" dirty="0"/>
+                    </a:p>
+                    <a:p>
+                      <a:endParaRPr lang="en-US" dirty="0"/>
+                    </a:p>
+                    <a:p>
+                      <a:endParaRPr lang="en-US" dirty="0"/>
+                    </a:p>
+                    <a:p>
+                      <a:endParaRPr lang="en-US" dirty="0"/>
+                    </a:p>
+                    <a:p>
+                      <a:pPr marL="285750" indent="-285750">
+                        <a:buFont typeface="Arial" panose="020B0604020202020204" pitchFamily="34" charset="0"/>
+                        <a:buChar char="•"/>
+                      </a:pPr>
+                      <a:r>
+                        <a:rPr lang="en-US" sz="2000" dirty="0"/>
+                        <a:t>Rx total bytes</a:t>
+                      </a:r>
+                    </a:p>
+                    <a:p>
+                      <a:pPr marL="285750" indent="-285750">
+                        <a:buFont typeface="Arial" panose="020B0604020202020204" pitchFamily="34" charset="0"/>
+                        <a:buChar char="•"/>
+                      </a:pPr>
+                      <a:endParaRPr lang="en-US" sz="2000" dirty="0"/>
+                    </a:p>
+                    <a:p>
+                      <a:pPr marL="285750" indent="-285750">
+                        <a:buFont typeface="Arial" panose="020B0604020202020204" pitchFamily="34" charset="0"/>
+                        <a:buChar char="•"/>
+                      </a:pPr>
+                      <a:r>
+                        <a:rPr lang="en-US" sz="2000" dirty="0"/>
+                        <a:t>Heartbeats since startup</a:t>
+                      </a:r>
+                    </a:p>
+                    <a:p>
+                      <a:pPr marL="285750" indent="-285750">
+                        <a:buFont typeface="Arial" panose="020B0604020202020204" pitchFamily="34" charset="0"/>
+                        <a:buChar char="•"/>
+                      </a:pPr>
+                      <a:endParaRPr lang="en-US" sz="2000" dirty="0"/>
+                    </a:p>
+                    <a:p>
+                      <a:pPr marL="285750" indent="-285750">
+                        <a:buFont typeface="Arial" panose="020B0604020202020204" pitchFamily="34" charset="0"/>
+                        <a:buChar char="•"/>
+                      </a:pPr>
+                      <a:r>
+                        <a:rPr lang="en-US" sz="2000" dirty="0"/>
+                        <a:t>EPV (m)</a:t>
+                      </a:r>
+                    </a:p>
+                  </a:txBody>
+                  <a:tcPr>
+                    <a:lnL w="12700" cmpd="sng">
+                      <a:noFill/>
+                    </a:lnL>
+                    <a:lnR w="12700" cmpd="sng">
+                      <a:noFill/>
+                    </a:lnR>
+                    <a:lnT w="12700" cmpd="sng">
+                      <a:noFill/>
+                    </a:lnT>
+                    <a:lnB w="38100" cmpd="sng">
+                      <a:noFill/>
+                    </a:lnB>
+                    <a:lnTlToBr w="12700" cmpd="sng">
+                      <a:noFill/>
+                      <a:prstDash val="solid"/>
+                    </a:lnTlToBr>
+                    <a:lnBlToTr w="12700" cmpd="sng">
+                      <a:noFill/>
+                      <a:prstDash val="solid"/>
+                    </a:lnBlToTr>
+                    <a:noFill/>
+                  </a:tcPr>
+                </a:tc>
+                <a:extLst>
+                  <a:ext uri="{0D108BD9-81ED-4DB2-BD59-A6C34878D82A}">
+                    <a16:rowId xmlns:a16="http://schemas.microsoft.com/office/drawing/2014/main" val="1644569689"/>
+                  </a:ext>
+                </a:extLst>
+              </a:tr>
+            </a:tbl>
+          </a:graphicData>
+        </a:graphic>
+      </p:graphicFrame>
+      <p:pic>
+        <p:nvPicPr>
+          <p:cNvPr id="7" name="Picture 6" descr="A picture containing plane, airplane, red, runway&#10;&#10;Description automatically generated">
+            <a:extLst>
+              <a:ext uri="{FF2B5EF4-FFF2-40B4-BE49-F238E27FC236}">
+                <a16:creationId xmlns:a16="http://schemas.microsoft.com/office/drawing/2014/main" id="{F07A991C-CD14-3C47-ACCD-6B1B16066EBA}"/>
+              </a:ext>
+            </a:extLst>
+          </p:cNvPr>
+          <p:cNvPicPr>
+            <a:picLocks noChangeAspect="1"/>
+          </p:cNvPicPr>
+          <p:nvPr/>
+        </p:nvPicPr>
+        <p:blipFill rotWithShape="1">
+          <a:blip r:embed="rId3">
+            <a:extLst>
+              <a:ext uri="{BEBA8EAE-BF5A-486C-A8C5-ECC9F3942E4B}">
+                <a14:imgProps xmlns:a14="http://schemas.microsoft.com/office/drawing/2010/main">
+                  <a14:imgLayer r:embed="rId4">
+                    <a14:imgEffect>
+                      <a14:backgroundRemoval t="34875" b="65000" l="3250" r="94500">
+                        <a14:foregroundMark x1="7250" y1="49625" x2="7250" y2="49625"/>
+                        <a14:foregroundMark x1="3250" y1="49375" x2="3250" y2="49375"/>
+                        <a14:foregroundMark x1="57000" y1="52250" x2="57000" y2="52250"/>
+                        <a14:foregroundMark x1="90375" y1="49000" x2="90375" y2="49000"/>
+                        <a14:foregroundMark x1="94500" y1="48500" x2="94500" y2="48500"/>
+                        <a14:foregroundMark x1="50250" y1="41875" x2="50250" y2="41875"/>
+                        <a14:foregroundMark x1="51875" y1="42000" x2="51875" y2="42000"/>
+                        <a14:foregroundMark x1="47250" y1="42125" x2="47250" y2="42125"/>
+                        <a14:foregroundMark x1="47250" y1="41250" x2="47250" y2="41250"/>
+                        <a14:foregroundMark x1="49375" y1="39625" x2="49375" y2="39625"/>
+                        <a14:foregroundMark x1="49375" y1="39500" x2="49375" y2="39500"/>
+                        <a14:foregroundMark x1="49375" y1="39250" x2="49375" y2="39250"/>
+                        <a14:foregroundMark x1="49875" y1="39625" x2="49875" y2="39625"/>
+                        <a14:foregroundMark x1="50625" y1="39625" x2="50625" y2="39625"/>
+                        <a14:foregroundMark x1="51000" y1="39875" x2="51000" y2="39875"/>
+                        <a14:foregroundMark x1="47750" y1="40125" x2="47750" y2="40125"/>
+                        <a14:foregroundMark x1="46875" y1="41125" x2="46875" y2="41125"/>
+                        <a14:foregroundMark x1="46625" y1="42125" x2="46625" y2="42125"/>
+                        <a14:foregroundMark x1="46375" y1="43000" x2="46375" y2="43000"/>
+                        <a14:foregroundMark x1="46750" y1="43625" x2="46750" y2="43625"/>
+                        <a14:foregroundMark x1="46500" y1="43875" x2="46500" y2="43875"/>
+                        <a14:foregroundMark x1="40000" y1="48375" x2="40000" y2="48375"/>
+                        <a14:backgroundMark x1="28000" y1="57875" x2="28000" y2="57875"/>
+                        <a14:backgroundMark x1="42000" y1="57750" x2="42000" y2="57750"/>
+                        <a14:backgroundMark x1="40500" y1="58625" x2="40500" y2="58625"/>
+                        <a14:backgroundMark x1="40250" y1="58125" x2="46125" y2="60500"/>
+                        <a14:backgroundMark x1="53125" y1="56750" x2="59750" y2="65000"/>
+                        <a14:backgroundMark x1="59750" y1="65000" x2="55375" y2="60125"/>
+                      </a14:backgroundRemoval>
+                    </a14:imgEffect>
+                  </a14:imgLayer>
+                </a14:imgProps>
+              </a:ext>
+            </a:extLst>
+          </a:blip>
+          <a:srcRect t="31179" r="1250" b="31239"/>
+          <a:stretch/>
+        </p:blipFill>
+        <p:spPr>
+          <a:xfrm rot="20437590">
+            <a:off x="10922980" y="317543"/>
+            <a:ext cx="1109015" cy="422329"/>
+          </a:xfrm>
+          <a:prstGeom prst="rect">
+            <a:avLst/>
+          </a:prstGeom>
+        </p:spPr>
+      </p:pic>
+      <p:cxnSp>
+        <p:nvCxnSpPr>
+          <p:cNvPr id="8" name="Straight Connector 7">
+            <a:extLst>
+              <a:ext uri="{FF2B5EF4-FFF2-40B4-BE49-F238E27FC236}">
+                <a16:creationId xmlns:a16="http://schemas.microsoft.com/office/drawing/2014/main" id="{AFD622A9-CAB6-6F4A-9A56-EB9088982812}"/>
+              </a:ext>
+            </a:extLst>
+          </p:cNvPr>
+          <p:cNvCxnSpPr>
+            <a:cxnSpLocks/>
+          </p:cNvCxnSpPr>
+          <p:nvPr/>
+        </p:nvCxnSpPr>
+        <p:spPr>
+          <a:xfrm>
+            <a:off x="0" y="1112683"/>
+            <a:ext cx="12192000" cy="0"/>
+          </a:xfrm>
+          <a:prstGeom prst="line">
+            <a:avLst/>
+          </a:prstGeom>
+          <a:ln w="57150">
+            <a:solidFill>
+              <a:srgbClr val="FFC000"/>
+            </a:solidFill>
+          </a:ln>
+        </p:spPr>
+        <p:style>
+          <a:lnRef idx="1">
+            <a:schemeClr val="accent1"/>
+          </a:lnRef>
+          <a:fillRef idx="0">
+            <a:schemeClr val="accent1"/>
+          </a:fillRef>
+          <a:effectRef idx="0">
+            <a:schemeClr val="accent1"/>
+          </a:effectRef>
+          <a:fontRef idx="minor">
+            <a:schemeClr val="tx1"/>
+          </a:fontRef>
+        </p:style>
+      </p:cxnSp>
+      <p:pic>
+        <p:nvPicPr>
+          <p:cNvPr id="5" name="Picture 4" descr="Chart, bar chart&#10;&#10;Description automatically generated">
+            <a:extLst>
+              <a:ext uri="{FF2B5EF4-FFF2-40B4-BE49-F238E27FC236}">
+                <a16:creationId xmlns:a16="http://schemas.microsoft.com/office/drawing/2014/main" id="{61BF98F8-DDE5-A54D-A63A-783980223C39}"/>
+              </a:ext>
+            </a:extLst>
+          </p:cNvPr>
+          <p:cNvPicPr>
+            <a:picLocks noChangeAspect="1"/>
+          </p:cNvPicPr>
+          <p:nvPr/>
+        </p:nvPicPr>
+        <p:blipFill>
+          <a:blip r:embed="rId5"/>
+          <a:stretch>
+            <a:fillRect/>
+          </a:stretch>
+        </p:blipFill>
+        <p:spPr>
+          <a:xfrm>
+            <a:off x="1210203" y="2498651"/>
+            <a:ext cx="5098029" cy="3985608"/>
+          </a:xfrm>
+          <a:prstGeom prst="rect">
+            <a:avLst/>
+          </a:prstGeom>
+        </p:spPr>
+      </p:pic>
+    </p:spTree>
+    <p:extLst>
+      <p:ext uri="{BB962C8B-B14F-4D97-AF65-F5344CB8AC3E}">
+        <p14:creationId xmlns:p14="http://schemas.microsoft.com/office/powerpoint/2010/main" val="4100014404"/>
+      </p:ext>
+    </p:extLst>
+  </p:cSld>
+  <p:clrMapOvr>
+    <a:overrideClrMapping bg1="dk1" tx1="lt1" bg2="dk2" tx2="lt2" accent1="accent1" accent2="accent2" accent3="accent3" accent4="accent4" accent5="accent5" accent6="accent6" hlink="hlink" folHlink="folHlink"/>
+  </p:clrMapOvr>
+</p:sld>
+</file>
+
+<file path=ppt/slides/slide9.xml><?xml version="1.0" encoding="utf-8"?>
+<p:sld xmlns:a="http://schemas.openxmlformats.org/drawingml/2006/main" xmlns:r="http://schemas.openxmlformats.org/officeDocument/2006/relationships" xmlns:p="http://schemas.openxmlformats.org/presentationml/2006/main">
+  <p:cSld>
+    <p:bg>
+      <p:bgPr>
+        <a:solidFill>
           <a:schemeClr val="bg1"/>
         </a:solidFill>
         <a:effectLst/>
@@ -9384,12 +12210,12 @@
         </p:nvSpPr>
         <p:spPr>
           <a:xfrm>
-            <a:off x="359664" y="1152889"/>
-            <a:ext cx="3438144" cy="1124712"/>
+            <a:off x="1506091" y="784624"/>
+            <a:ext cx="8205601" cy="1124712"/>
           </a:xfrm>
         </p:spPr>
         <p:txBody>
-          <a:bodyPr vert="horz" lIns="91440" tIns="45720" rIns="91440" bIns="45720" rtlCol="0" anchor="b">
+          <a:bodyPr vert="horz" lIns="91440" tIns="45720" rIns="91440" bIns="45720" rtlCol="0" anchor="ctr">
             <a:normAutofit/>
           </a:bodyPr>
           <a:lstStyle/>
@@ -9603,19 +12429,17 @@
             </a:pPr>
             <a:r>
               <a:rPr lang="en-US" sz="2000" dirty="0"/>
-              <a:t>Our best model has 6 variables that influence faults and anomalies on Carbon Z:  Tx Speed, Rx Speed… that are responsible for 29% of outcome changes, the remaining 70% can be caused by noise and other  uncaptured variables.</a:t>
+              <a:t>6 variables that influence faults and anomalies. </a:t>
             </a:r>
           </a:p>
           <a:p>
-            <a:pPr marL="285750" indent="-228600">
+            <a:pPr marL="57150">
               <a:lnSpc>
                 <a:spcPct val="90000"/>
               </a:lnSpc>
               <a:spcAft>
                 <a:spcPts val="600"/>
               </a:spcAft>
-              <a:buFont typeface="Arial" panose="020B0604020202020204" pitchFamily="34" charset="0"/>
-              <a:buChar char="•"/>
             </a:pPr>
             <a:endParaRPr lang="en-US" sz="2000" dirty="0"/>
           </a:p>
@@ -9632,19 +12456,17 @@
             </a:pPr>
             <a:r>
               <a:rPr lang="en-US" sz="2000" dirty="0"/>
-              <a:t>Our model can predict faults and anomalies on Carbon Z drones in flight, with a 100% accuracy overall and 96% accuracy on right aileron failure predictions.</a:t>
+              <a:t>Responsible for 29% of outcome changes.</a:t>
             </a:r>
           </a:p>
           <a:p>
-            <a:pPr marL="285750" indent="-228600">
+            <a:pPr marL="57150">
               <a:lnSpc>
                 <a:spcPct val="90000"/>
               </a:lnSpc>
               <a:spcAft>
                 <a:spcPts val="600"/>
               </a:spcAft>
-              <a:buFont typeface="Arial" panose="020B0604020202020204" pitchFamily="34" charset="0"/>
-              <a:buChar char="•"/>
             </a:pPr>
             <a:endParaRPr lang="en-US" sz="2000" dirty="0"/>
           </a:p>
@@ -9661,7 +12483,65 @@
             </a:pPr>
             <a:r>
               <a:rPr lang="en-US" sz="2000" dirty="0"/>
-              <a:t>We need more data on right aileron failures in order to make better predictions on this fault.</a:t>
+              <a:t>Our model predicts faults and anomalies at 100% accuracy overall</a:t>
+            </a:r>
+          </a:p>
+          <a:p>
+            <a:pPr marL="285750" indent="-228600">
+              <a:lnSpc>
+                <a:spcPct val="90000"/>
+              </a:lnSpc>
+              <a:spcAft>
+                <a:spcPts val="600"/>
+              </a:spcAft>
+              <a:buFont typeface="Arial" panose="020B0604020202020204" pitchFamily="34" charset="0"/>
+              <a:buChar char="•"/>
+            </a:pPr>
+            <a:endParaRPr lang="en-US" sz="2000" dirty="0"/>
+          </a:p>
+          <a:p>
+            <a:pPr marL="285750" indent="-228600">
+              <a:lnSpc>
+                <a:spcPct val="90000"/>
+              </a:lnSpc>
+              <a:spcAft>
+                <a:spcPts val="600"/>
+              </a:spcAft>
+              <a:buFont typeface="Arial" panose="020B0604020202020204" pitchFamily="34" charset="0"/>
+              <a:buChar char="•"/>
+            </a:pPr>
+            <a:r>
+              <a:rPr lang="en-US" sz="2000" dirty="0"/>
+              <a:t>96% accuracy on right aileron failure predictions.</a:t>
+            </a:r>
+          </a:p>
+          <a:p>
+            <a:pPr marL="285750" indent="-228600">
+              <a:lnSpc>
+                <a:spcPct val="90000"/>
+              </a:lnSpc>
+              <a:spcAft>
+                <a:spcPts val="600"/>
+              </a:spcAft>
+              <a:buFont typeface="Arial" panose="020B0604020202020204" pitchFamily="34" charset="0"/>
+              <a:buChar char="•"/>
+            </a:pPr>
+            <a:endParaRPr lang="en-US" sz="2000" dirty="0"/>
+          </a:p>
+          <a:p>
+            <a:pPr marL="285750" indent="-228600">
+              <a:lnSpc>
+                <a:spcPct val="90000"/>
+              </a:lnSpc>
+              <a:spcAft>
+                <a:spcPts val="600"/>
+              </a:spcAft>
+              <a:buFont typeface="Arial" panose="020B0604020202020204" pitchFamily="34" charset="0"/>
+              <a:buChar char="•"/>
+            </a:pPr>
+            <a:r>
+              <a:rPr lang="en-US" sz="2000" dirty="0"/>
+              <a:t>We need more data on right aileron failures.</a:t>
             </a:r>
           </a:p>
           <a:p>
@@ -9778,1709 +12658,6 @@
     </mc:Choice>
     <mc:Fallback xmlns="">
       <p:transition spd="slow">
-        <p:fade/>
-      </p:transition>
-    </mc:Fallback>
-  </mc:AlternateContent>
-</p:sld>
-</file>
-
-<file path=ppt/slides/slide8.xml><?xml version="1.0" encoding="utf-8"?>
-<p:sld xmlns:a="http://schemas.openxmlformats.org/drawingml/2006/main" xmlns:r="http://schemas.openxmlformats.org/officeDocument/2006/relationships" xmlns:p="http://schemas.openxmlformats.org/presentationml/2006/main">
-  <p:cSld>
-    <p:bg>
-      <p:bgPr>
-        <a:solidFill>
-          <a:schemeClr val="bg1"/>
-        </a:solidFill>
-        <a:effectLst/>
-      </p:bgPr>
-    </p:bg>
-    <p:spTree>
-      <p:nvGrpSpPr>
-        <p:cNvPr id="1" name=""/>
-        <p:cNvGrpSpPr/>
-        <p:nvPr/>
-      </p:nvGrpSpPr>
-      <p:grpSpPr>
-        <a:xfrm>
-          <a:off x="0" y="0"/>
-          <a:ext cx="0" cy="0"/>
-          <a:chOff x="0" y="0"/>
-          <a:chExt cx="0" cy="0"/>
-        </a:xfrm>
-      </p:grpSpPr>
-      <p:pic>
-        <p:nvPicPr>
-          <p:cNvPr id="11" name="Picture 10" descr="A close-up of a fan&#10;&#10;Description automatically generated with low confidence">
-            <a:extLst>
-              <a:ext uri="{FF2B5EF4-FFF2-40B4-BE49-F238E27FC236}">
-                <a16:creationId xmlns:a16="http://schemas.microsoft.com/office/drawing/2014/main" id="{2D925301-90FF-DC49-9134-FC4092F5B72D}"/>
-              </a:ext>
-            </a:extLst>
-          </p:cNvPr>
-          <p:cNvPicPr>
-            <a:picLocks noChangeAspect="1"/>
-          </p:cNvPicPr>
-          <p:nvPr/>
-        </p:nvPicPr>
-        <p:blipFill rotWithShape="1">
-          <a:blip r:embed="rId2">
-            <a:alphaModFix amt="35000"/>
-          </a:blip>
-          <a:srcRect r="3973" b="1"/>
-          <a:stretch/>
-        </p:blipFill>
-        <p:spPr>
-          <a:xfrm>
-            <a:off x="20" y="1021"/>
-            <a:ext cx="12191980" cy="6855958"/>
-          </a:xfrm>
-          <a:prstGeom prst="rect">
-            <a:avLst/>
-          </a:prstGeom>
-        </p:spPr>
-      </p:pic>
-      <p:sp>
-        <p:nvSpPr>
-          <p:cNvPr id="2" name="Title 1">
-            <a:extLst>
-              <a:ext uri="{FF2B5EF4-FFF2-40B4-BE49-F238E27FC236}">
-                <a16:creationId xmlns:a16="http://schemas.microsoft.com/office/drawing/2014/main" id="{ED054125-6851-C146-9A7D-26877FB24782}"/>
-              </a:ext>
-            </a:extLst>
-          </p:cNvPr>
-          <p:cNvSpPr>
-            <a:spLocks noGrp="1"/>
-          </p:cNvSpPr>
-          <p:nvPr>
-            <p:ph type="title"/>
-          </p:nvPr>
-        </p:nvSpPr>
-        <p:spPr>
-          <a:xfrm>
-            <a:off x="517510" y="246813"/>
-            <a:ext cx="4624342" cy="1325563"/>
-          </a:xfrm>
-        </p:spPr>
-        <p:txBody>
-          <a:bodyPr vert="horz" lIns="91440" tIns="45720" rIns="91440" bIns="45720" rtlCol="0" anchor="ctr">
-            <a:normAutofit/>
-          </a:bodyPr>
-          <a:lstStyle/>
-          <a:p>
-            <a:r>
-              <a:rPr lang="en-US" kern="1200" dirty="0">
-                <a:solidFill>
-                  <a:schemeClr val="tx1"/>
-                </a:solidFill>
-                <a:latin typeface="+mj-lt"/>
-                <a:ea typeface="+mj-ea"/>
-                <a:cs typeface="+mj-cs"/>
-              </a:rPr>
-              <a:t>CONCLUSION</a:t>
-            </a:r>
-          </a:p>
-        </p:txBody>
-      </p:sp>
-      <p:sp>
-        <p:nvSpPr>
-          <p:cNvPr id="18" name="Oval 17">
-            <a:extLst>
-              <a:ext uri="{FF2B5EF4-FFF2-40B4-BE49-F238E27FC236}">
-                <a16:creationId xmlns:a16="http://schemas.microsoft.com/office/drawing/2014/main" id="{07977D39-626F-40D7-B00F-16E02602DD5A}"/>
-              </a:ext>
-              <a:ext uri="{C183D7F6-B498-43B3-948B-1728B52AA6E4}">
-                <adec:decorative xmlns:adec="http://schemas.microsoft.com/office/drawing/2017/decorative" val="1"/>
-              </a:ext>
-            </a:extLst>
-          </p:cNvPr>
-          <p:cNvSpPr>
-            <a:spLocks noGrp="1" noRot="1" noChangeAspect="1" noMove="1" noResize="1" noEditPoints="1" noAdjustHandles="1" noChangeArrowheads="1" noChangeShapeType="1" noTextEdit="1"/>
-          </p:cNvSpPr>
-          <p:nvPr>
-            <p:extLst>
-              <p:ext uri="{386F3935-93C4-4BCD-93E2-E3B085C9AB24}">
-                <p16:designElem xmlns:p16="http://schemas.microsoft.com/office/powerpoint/2015/main" val="1"/>
-              </p:ext>
-            </p:extLst>
-          </p:nvPr>
-        </p:nvSpPr>
-        <p:spPr>
-          <a:xfrm>
-            <a:off x="5515495" y="197110"/>
-            <a:ext cx="2020824" cy="2020824"/>
-          </a:xfrm>
-          <a:prstGeom prst="ellipse">
-            <a:avLst/>
-          </a:prstGeom>
-          <a:solidFill>
-            <a:srgbClr val="FFFFFF">
-              <a:alpha val="80000"/>
-            </a:srgbClr>
-          </a:solidFill>
-          <a:ln>
-            <a:noFill/>
-          </a:ln>
-        </p:spPr>
-        <p:style>
-          <a:lnRef idx="2">
-            <a:schemeClr val="accent1">
-              <a:shade val="50000"/>
-            </a:schemeClr>
-          </a:lnRef>
-          <a:fillRef idx="1">
-            <a:schemeClr val="accent1"/>
-          </a:fillRef>
-          <a:effectRef idx="0">
-            <a:schemeClr val="accent1"/>
-          </a:effectRef>
-          <a:fontRef idx="minor">
-            <a:schemeClr val="lt1"/>
-          </a:fontRef>
-        </p:style>
-        <p:txBody>
-          <a:bodyPr rtlCol="0" anchor="ctr"/>
-          <a:lstStyle/>
-          <a:p>
-            <a:pPr marL="0" marR="0" lvl="0" indent="0" algn="ctr" defTabSz="914400" rtl="0" eaLnBrk="1" fontAlgn="auto" latinLnBrk="0" hangingPunct="1">
-              <a:lnSpc>
-                <a:spcPct val="100000"/>
-              </a:lnSpc>
-              <a:spcBef>
-                <a:spcPts val="0"/>
-              </a:spcBef>
-              <a:spcAft>
-                <a:spcPts val="0"/>
-              </a:spcAft>
-              <a:buClrTx/>
-              <a:buSzTx/>
-              <a:buFontTx/>
-              <a:buNone/>
-              <a:tabLst/>
-              <a:defRPr/>
-            </a:pPr>
-            <a:endParaRPr kumimoji="0" lang="en-US" sz="1800" b="0" i="0" u="none" strike="noStrike" kern="1200" cap="none" spc="0" normalizeH="0" baseline="0" noProof="0">
-              <a:ln>
-                <a:noFill/>
-              </a:ln>
-              <a:solidFill>
-                <a:prstClr val="white"/>
-              </a:solidFill>
-              <a:effectLst/>
-              <a:uLnTx/>
-              <a:uFillTx/>
-              <a:latin typeface="Calibri" panose="020F0502020204030204"/>
-              <a:ea typeface="+mn-ea"/>
-              <a:cs typeface="+mn-cs"/>
-            </a:endParaRPr>
-          </a:p>
-        </p:txBody>
-      </p:sp>
-      <p:pic>
-        <p:nvPicPr>
-          <p:cNvPr id="7" name="Picture 6" descr="A close-up of a helmet&#10;&#10;Description automatically generated with low confidence">
-            <a:extLst>
-              <a:ext uri="{FF2B5EF4-FFF2-40B4-BE49-F238E27FC236}">
-                <a16:creationId xmlns:a16="http://schemas.microsoft.com/office/drawing/2014/main" id="{B0E8BC9E-88CA-A14C-8CF8-02A92FE70903}"/>
-              </a:ext>
-            </a:extLst>
-          </p:cNvPr>
-          <p:cNvPicPr>
-            <a:picLocks noChangeAspect="1"/>
-          </p:cNvPicPr>
-          <p:nvPr/>
-        </p:nvPicPr>
-        <p:blipFill rotWithShape="1">
-          <a:blip r:embed="rId3"/>
-          <a:srcRect l="6846" r="26659" b="7"/>
-          <a:stretch/>
-        </p:blipFill>
-        <p:spPr>
-          <a:xfrm>
-            <a:off x="5680087" y="361702"/>
-            <a:ext cx="1691640" cy="1691640"/>
-          </a:xfrm>
-          <a:custGeom>
-            <a:avLst/>
-            <a:gdLst/>
-            <a:ahLst/>
-            <a:cxnLst/>
-            <a:rect l="l" t="t" r="r" b="b"/>
-            <a:pathLst>
-              <a:path w="1956816" h="1956816">
-                <a:moveTo>
-                  <a:pt x="978408" y="0"/>
-                </a:moveTo>
-                <a:cubicBezTo>
-                  <a:pt x="1518768" y="0"/>
-                  <a:pt x="1956816" y="438048"/>
-                  <a:pt x="1956816" y="978408"/>
-                </a:cubicBezTo>
-                <a:cubicBezTo>
-                  <a:pt x="1956816" y="1518768"/>
-                  <a:pt x="1518768" y="1956816"/>
-                  <a:pt x="978408" y="1956816"/>
-                </a:cubicBezTo>
-                <a:cubicBezTo>
-                  <a:pt x="438048" y="1956816"/>
-                  <a:pt x="0" y="1518768"/>
-                  <a:pt x="0" y="978408"/>
-                </a:cubicBezTo>
-                <a:cubicBezTo>
-                  <a:pt x="0" y="438048"/>
-                  <a:pt x="438048" y="0"/>
-                  <a:pt x="978408" y="0"/>
-                </a:cubicBezTo>
-                <a:close/>
-              </a:path>
-            </a:pathLst>
-          </a:custGeom>
-        </p:spPr>
-      </p:pic>
-      <p:sp>
-        <p:nvSpPr>
-          <p:cNvPr id="20" name="Freeform: Shape 19">
-            <a:extLst>
-              <a:ext uri="{FF2B5EF4-FFF2-40B4-BE49-F238E27FC236}">
-                <a16:creationId xmlns:a16="http://schemas.microsoft.com/office/drawing/2014/main" id="{B905CDE4-B751-4B3E-B625-6E59F8903414}"/>
-              </a:ext>
-              <a:ext uri="{C183D7F6-B498-43B3-948B-1728B52AA6E4}">
-                <adec:decorative xmlns:adec="http://schemas.microsoft.com/office/drawing/2017/decorative" val="1"/>
-              </a:ext>
-            </a:extLst>
-          </p:cNvPr>
-          <p:cNvSpPr>
-            <a:spLocks noGrp="1" noRot="1" noChangeAspect="1" noMove="1" noResize="1" noEditPoints="1" noAdjustHandles="1" noChangeArrowheads="1" noChangeShapeType="1" noTextEdit="1"/>
-          </p:cNvSpPr>
-          <p:nvPr>
-            <p:extLst>
-              <p:ext uri="{386F3935-93C4-4BCD-93E2-E3B085C9AB24}">
-                <p16:designElem xmlns:p16="http://schemas.microsoft.com/office/powerpoint/2015/main" val="1"/>
-              </p:ext>
-            </p:extLst>
-          </p:nvPr>
-        </p:nvSpPr>
-        <p:spPr>
-          <a:xfrm>
-            <a:off x="8114932" y="1"/>
-            <a:ext cx="4077068" cy="3445261"/>
-          </a:xfrm>
-          <a:custGeom>
-            <a:avLst/>
-            <a:gdLst>
-              <a:gd name="connsiteX0" fmla="*/ 250035 w 4077068"/>
-              <a:gd name="connsiteY0" fmla="*/ 0 h 3445261"/>
-              <a:gd name="connsiteX1" fmla="*/ 4077068 w 4077068"/>
-              <a:gd name="connsiteY1" fmla="*/ 0 h 3445261"/>
-              <a:gd name="connsiteX2" fmla="*/ 4077068 w 4077068"/>
-              <a:gd name="connsiteY2" fmla="*/ 2743040 h 3445261"/>
-              <a:gd name="connsiteX3" fmla="*/ 4074154 w 4077068"/>
-              <a:gd name="connsiteY3" fmla="*/ 2746247 h 3445261"/>
-              <a:gd name="connsiteX4" fmla="*/ 2386584 w 4077068"/>
-              <a:gd name="connsiteY4" fmla="*/ 3445261 h 3445261"/>
-              <a:gd name="connsiteX5" fmla="*/ 0 w 4077068"/>
-              <a:gd name="connsiteY5" fmla="*/ 1058677 h 3445261"/>
-              <a:gd name="connsiteX6" fmla="*/ 187550 w 4077068"/>
-              <a:gd name="connsiteY6" fmla="*/ 129711 h 3445261"/>
-            </a:gdLst>
-            <a:ahLst/>
-            <a:cxnLst>
-              <a:cxn ang="0">
-                <a:pos x="connsiteX0" y="connsiteY0"/>
-              </a:cxn>
-              <a:cxn ang="0">
-                <a:pos x="connsiteX1" y="connsiteY1"/>
-              </a:cxn>
-              <a:cxn ang="0">
-                <a:pos x="connsiteX2" y="connsiteY2"/>
-              </a:cxn>
-              <a:cxn ang="0">
-                <a:pos x="connsiteX3" y="connsiteY3"/>
-              </a:cxn>
-              <a:cxn ang="0">
-                <a:pos x="connsiteX4" y="connsiteY4"/>
-              </a:cxn>
-              <a:cxn ang="0">
-                <a:pos x="connsiteX5" y="connsiteY5"/>
-              </a:cxn>
-              <a:cxn ang="0">
-                <a:pos x="connsiteX6" y="connsiteY6"/>
-              </a:cxn>
-            </a:cxnLst>
-            <a:rect l="l" t="t" r="r" b="b"/>
-            <a:pathLst>
-              <a:path w="4077068" h="3445261">
-                <a:moveTo>
-                  <a:pt x="250035" y="0"/>
-                </a:moveTo>
-                <a:lnTo>
-                  <a:pt x="4077068" y="0"/>
-                </a:lnTo>
-                <a:lnTo>
-                  <a:pt x="4077068" y="2743040"/>
-                </a:lnTo>
-                <a:lnTo>
-                  <a:pt x="4074154" y="2746247"/>
-                </a:lnTo>
-                <a:cubicBezTo>
-                  <a:pt x="3642267" y="3178134"/>
-                  <a:pt x="3045621" y="3445261"/>
-                  <a:pt x="2386584" y="3445261"/>
-                </a:cubicBezTo>
-                <a:cubicBezTo>
-                  <a:pt x="1068510" y="3445261"/>
-                  <a:pt x="0" y="2376751"/>
-                  <a:pt x="0" y="1058677"/>
-                </a:cubicBezTo>
-                <a:cubicBezTo>
-                  <a:pt x="0" y="729159"/>
-                  <a:pt x="66782" y="415238"/>
-                  <a:pt x="187550" y="129711"/>
-                </a:cubicBezTo>
-                <a:close/>
-              </a:path>
-            </a:pathLst>
-          </a:custGeom>
-          <a:solidFill>
-            <a:srgbClr val="FFFFFF">
-              <a:alpha val="80000"/>
-            </a:srgbClr>
-          </a:solidFill>
-          <a:ln>
-            <a:noFill/>
-          </a:ln>
-        </p:spPr>
-        <p:style>
-          <a:lnRef idx="2">
-            <a:schemeClr val="accent1">
-              <a:shade val="50000"/>
-            </a:schemeClr>
-          </a:lnRef>
-          <a:fillRef idx="1">
-            <a:schemeClr val="accent1"/>
-          </a:fillRef>
-          <a:effectRef idx="0">
-            <a:schemeClr val="accent1"/>
-          </a:effectRef>
-          <a:fontRef idx="minor">
-            <a:schemeClr val="lt1"/>
-          </a:fontRef>
-        </p:style>
-        <p:txBody>
-          <a:bodyPr wrap="square" rtlCol="0" anchor="ctr">
-            <a:noAutofit/>
-          </a:bodyPr>
-          <a:lstStyle/>
-          <a:p>
-            <a:pPr marL="0" marR="0" lvl="0" indent="0" algn="ctr" defTabSz="914400" rtl="0" eaLnBrk="1" fontAlgn="auto" latinLnBrk="0" hangingPunct="1">
-              <a:lnSpc>
-                <a:spcPct val="100000"/>
-              </a:lnSpc>
-              <a:spcBef>
-                <a:spcPts val="0"/>
-              </a:spcBef>
-              <a:spcAft>
-                <a:spcPts val="0"/>
-              </a:spcAft>
-              <a:buClrTx/>
-              <a:buSzTx/>
-              <a:buFontTx/>
-              <a:buNone/>
-              <a:tabLst/>
-              <a:defRPr/>
-            </a:pPr>
-            <a:endParaRPr kumimoji="0" lang="en-US" sz="1800" b="0" i="0" u="none" strike="noStrike" kern="1200" cap="none" spc="0" normalizeH="0" baseline="0" noProof="0">
-              <a:ln>
-                <a:noFill/>
-              </a:ln>
-              <a:solidFill>
-                <a:prstClr val="white"/>
-              </a:solidFill>
-              <a:effectLst/>
-              <a:uLnTx/>
-              <a:uFillTx/>
-              <a:latin typeface="Calibri" panose="020F0502020204030204"/>
-              <a:ea typeface="+mn-ea"/>
-              <a:cs typeface="+mn-cs"/>
-            </a:endParaRPr>
-          </a:p>
-        </p:txBody>
-      </p:sp>
-      <p:sp>
-        <p:nvSpPr>
-          <p:cNvPr id="22" name="Oval 21">
-            <a:extLst>
-              <a:ext uri="{FF2B5EF4-FFF2-40B4-BE49-F238E27FC236}">
-                <a16:creationId xmlns:a16="http://schemas.microsoft.com/office/drawing/2014/main" id="{08108C16-F4C0-44AA-999D-17BD39219B24}"/>
-              </a:ext>
-              <a:ext uri="{C183D7F6-B498-43B3-948B-1728B52AA6E4}">
-                <adec:decorative xmlns:adec="http://schemas.microsoft.com/office/drawing/2017/decorative" val="1"/>
-              </a:ext>
-            </a:extLst>
-          </p:cNvPr>
-          <p:cNvSpPr>
-            <a:spLocks noGrp="1" noRot="1" noChangeAspect="1" noMove="1" noResize="1" noEditPoints="1" noAdjustHandles="1" noChangeArrowheads="1" noChangeShapeType="1" noTextEdit="1"/>
-          </p:cNvSpPr>
-          <p:nvPr>
-            <p:extLst>
-              <p:ext uri="{386F3935-93C4-4BCD-93E2-E3B085C9AB24}">
-                <p16:designElem xmlns:p16="http://schemas.microsoft.com/office/powerpoint/2015/main" val="1"/>
-              </p:ext>
-            </p:extLst>
-          </p:nvPr>
-        </p:nvSpPr>
-        <p:spPr>
-          <a:xfrm>
-            <a:off x="5673660" y="2557569"/>
-            <a:ext cx="3072384" cy="3072384"/>
-          </a:xfrm>
-          <a:prstGeom prst="ellipse">
-            <a:avLst/>
-          </a:prstGeom>
-          <a:solidFill>
-            <a:srgbClr val="FFFFFF">
-              <a:alpha val="80000"/>
-            </a:srgbClr>
-          </a:solidFill>
-          <a:ln>
-            <a:noFill/>
-          </a:ln>
-        </p:spPr>
-        <p:style>
-          <a:lnRef idx="2">
-            <a:schemeClr val="accent1">
-              <a:shade val="50000"/>
-            </a:schemeClr>
-          </a:lnRef>
-          <a:fillRef idx="1">
-            <a:schemeClr val="accent1"/>
-          </a:fillRef>
-          <a:effectRef idx="0">
-            <a:schemeClr val="accent1"/>
-          </a:effectRef>
-          <a:fontRef idx="minor">
-            <a:schemeClr val="lt1"/>
-          </a:fontRef>
-        </p:style>
-        <p:txBody>
-          <a:bodyPr rtlCol="0" anchor="ctr"/>
-          <a:lstStyle/>
-          <a:p>
-            <a:pPr marL="0" marR="0" lvl="0" indent="0" algn="ctr" defTabSz="914400" rtl="0" eaLnBrk="1" fontAlgn="auto" latinLnBrk="0" hangingPunct="1">
-              <a:lnSpc>
-                <a:spcPct val="100000"/>
-              </a:lnSpc>
-              <a:spcBef>
-                <a:spcPts val="0"/>
-              </a:spcBef>
-              <a:spcAft>
-                <a:spcPts val="0"/>
-              </a:spcAft>
-              <a:buClrTx/>
-              <a:buSzTx/>
-              <a:buFontTx/>
-              <a:buNone/>
-              <a:tabLst/>
-              <a:defRPr/>
-            </a:pPr>
-            <a:endParaRPr kumimoji="0" lang="en-US" sz="1800" b="0" i="0" u="none" strike="noStrike" kern="1200" cap="none" spc="0" normalizeH="0" baseline="0" noProof="0">
-              <a:ln>
-                <a:noFill/>
-              </a:ln>
-              <a:solidFill>
-                <a:prstClr val="white"/>
-              </a:solidFill>
-              <a:effectLst/>
-              <a:uLnTx/>
-              <a:uFillTx/>
-              <a:latin typeface="Calibri" panose="020F0502020204030204"/>
-              <a:ea typeface="+mn-ea"/>
-              <a:cs typeface="+mn-cs"/>
-            </a:endParaRPr>
-          </a:p>
-        </p:txBody>
-      </p:sp>
-      <p:pic>
-        <p:nvPicPr>
-          <p:cNvPr id="9" name="Picture 8" descr="A picture containing indoor, opener, watch, several&#10;&#10;Description automatically generated">
-            <a:extLst>
-              <a:ext uri="{FF2B5EF4-FFF2-40B4-BE49-F238E27FC236}">
-                <a16:creationId xmlns:a16="http://schemas.microsoft.com/office/drawing/2014/main" id="{12B34153-0400-D64A-A7B7-E25A02F1FA5D}"/>
-              </a:ext>
-            </a:extLst>
-          </p:cNvPr>
-          <p:cNvPicPr>
-            <a:picLocks noChangeAspect="1"/>
-          </p:cNvPicPr>
-          <p:nvPr/>
-        </p:nvPicPr>
-        <p:blipFill rotWithShape="1">
-          <a:blip r:embed="rId4"/>
-          <a:srcRect l="22100" r="3904" b="5"/>
-          <a:stretch/>
-        </p:blipFill>
-        <p:spPr>
-          <a:xfrm>
-            <a:off x="5838252" y="2722161"/>
-            <a:ext cx="2743200" cy="2743200"/>
-          </a:xfrm>
-          <a:custGeom>
-            <a:avLst/>
-            <a:gdLst/>
-            <a:ahLst/>
-            <a:cxnLst/>
-            <a:rect l="l" t="t" r="r" b="b"/>
-            <a:pathLst>
-              <a:path w="2834640" h="2834640">
-                <a:moveTo>
-                  <a:pt x="1417320" y="0"/>
-                </a:moveTo>
-                <a:cubicBezTo>
-                  <a:pt x="2200084" y="0"/>
-                  <a:pt x="2834640" y="634556"/>
-                  <a:pt x="2834640" y="1417320"/>
-                </a:cubicBezTo>
-                <a:cubicBezTo>
-                  <a:pt x="2834640" y="2200084"/>
-                  <a:pt x="2200084" y="2834640"/>
-                  <a:pt x="1417320" y="2834640"/>
-                </a:cubicBezTo>
-                <a:cubicBezTo>
-                  <a:pt x="634556" y="2834640"/>
-                  <a:pt x="0" y="2200084"/>
-                  <a:pt x="0" y="1417320"/>
-                </a:cubicBezTo>
-                <a:cubicBezTo>
-                  <a:pt x="0" y="634556"/>
-                  <a:pt x="634556" y="0"/>
-                  <a:pt x="1417320" y="0"/>
-                </a:cubicBezTo>
-                <a:close/>
-              </a:path>
-            </a:pathLst>
-          </a:custGeom>
-        </p:spPr>
-      </p:pic>
-      <p:pic>
-        <p:nvPicPr>
-          <p:cNvPr id="5" name="Picture 4">
-            <a:extLst>
-              <a:ext uri="{FF2B5EF4-FFF2-40B4-BE49-F238E27FC236}">
-                <a16:creationId xmlns:a16="http://schemas.microsoft.com/office/drawing/2014/main" id="{DE2A54CB-6F29-5841-950D-D40EFB6B27A8}"/>
-              </a:ext>
-            </a:extLst>
-          </p:cNvPr>
-          <p:cNvPicPr>
-            <a:picLocks noChangeAspect="1"/>
-          </p:cNvPicPr>
-          <p:nvPr/>
-        </p:nvPicPr>
-        <p:blipFill rotWithShape="1">
-          <a:blip r:embed="rId5"/>
-          <a:srcRect l="19445" r="13477" b="2"/>
-          <a:stretch/>
-        </p:blipFill>
-        <p:spPr>
-          <a:xfrm>
-            <a:off x="8278624" y="2"/>
-            <a:ext cx="3913376" cy="3281569"/>
-          </a:xfrm>
-          <a:custGeom>
-            <a:avLst/>
-            <a:gdLst/>
-            <a:ahLst/>
-            <a:cxnLst/>
-            <a:rect l="l" t="t" r="r" b="b"/>
-            <a:pathLst>
-              <a:path w="3913376" h="3281569">
-                <a:moveTo>
-                  <a:pt x="267865" y="0"/>
-                </a:moveTo>
-                <a:lnTo>
-                  <a:pt x="3913376" y="0"/>
-                </a:lnTo>
-                <a:lnTo>
-                  <a:pt x="3913376" y="2499938"/>
-                </a:lnTo>
-                <a:lnTo>
-                  <a:pt x="3794714" y="2630499"/>
-                </a:lnTo>
-                <a:cubicBezTo>
-                  <a:pt x="3392450" y="3032763"/>
-                  <a:pt x="2836727" y="3281569"/>
-                  <a:pt x="2222892" y="3281569"/>
-                </a:cubicBezTo>
-                <a:cubicBezTo>
-                  <a:pt x="995223" y="3281569"/>
-                  <a:pt x="0" y="2286346"/>
-                  <a:pt x="0" y="1058677"/>
-                </a:cubicBezTo>
-                <a:cubicBezTo>
-                  <a:pt x="0" y="751760"/>
-                  <a:pt x="62202" y="459370"/>
-                  <a:pt x="174686" y="193427"/>
-                </a:cubicBezTo>
-                <a:close/>
-              </a:path>
-            </a:pathLst>
-          </a:custGeom>
-        </p:spPr>
-      </p:pic>
-      <p:sp>
-        <p:nvSpPr>
-          <p:cNvPr id="24" name="Freeform: Shape 23">
-            <a:extLst>
-              <a:ext uri="{FF2B5EF4-FFF2-40B4-BE49-F238E27FC236}">
-                <a16:creationId xmlns:a16="http://schemas.microsoft.com/office/drawing/2014/main" id="{C8F10CB3-3B5E-4C7A-98CF-B87454DDFA39}"/>
-              </a:ext>
-              <a:ext uri="{C183D7F6-B498-43B3-948B-1728B52AA6E4}">
-                <adec:decorative xmlns:adec="http://schemas.microsoft.com/office/drawing/2017/decorative" val="1"/>
-              </a:ext>
-            </a:extLst>
-          </p:cNvPr>
-          <p:cNvSpPr>
-            <a:spLocks noGrp="1" noRot="1" noChangeAspect="1" noMove="1" noResize="1" noEditPoints="1" noAdjustHandles="1" noChangeArrowheads="1" noChangeShapeType="1" noTextEdit="1"/>
-          </p:cNvSpPr>
-          <p:nvPr>
-            <p:extLst>
-              <p:ext uri="{386F3935-93C4-4BCD-93E2-E3B085C9AB24}">
-                <p16:designElem xmlns:p16="http://schemas.microsoft.com/office/powerpoint/2015/main" val="1"/>
-              </p:ext>
-            </p:extLst>
-          </p:nvPr>
-        </p:nvSpPr>
-        <p:spPr>
-          <a:xfrm>
-            <a:off x="8848370" y="3966828"/>
-            <a:ext cx="3339958" cy="2891173"/>
-          </a:xfrm>
-          <a:custGeom>
-            <a:avLst/>
-            <a:gdLst>
-              <a:gd name="connsiteX0" fmla="*/ 2002536 w 3339958"/>
-              <a:gd name="connsiteY0" fmla="*/ 0 h 2891173"/>
-              <a:gd name="connsiteX1" fmla="*/ 3276335 w 3339958"/>
-              <a:gd name="connsiteY1" fmla="*/ 457282 h 2891173"/>
-              <a:gd name="connsiteX2" fmla="*/ 3339958 w 3339958"/>
-              <a:gd name="connsiteY2" fmla="*/ 515107 h 2891173"/>
-              <a:gd name="connsiteX3" fmla="*/ 3339958 w 3339958"/>
-              <a:gd name="connsiteY3" fmla="*/ 2891173 h 2891173"/>
-              <a:gd name="connsiteX4" fmla="*/ 209954 w 3339958"/>
-              <a:gd name="connsiteY4" fmla="*/ 2891173 h 2891173"/>
-              <a:gd name="connsiteX5" fmla="*/ 157369 w 3339958"/>
-              <a:gd name="connsiteY5" fmla="*/ 2782014 h 2891173"/>
-              <a:gd name="connsiteX6" fmla="*/ 0 w 3339958"/>
-              <a:gd name="connsiteY6" fmla="*/ 2002536 h 2891173"/>
-              <a:gd name="connsiteX7" fmla="*/ 2002536 w 3339958"/>
-              <a:gd name="connsiteY7" fmla="*/ 0 h 2891173"/>
-            </a:gdLst>
-            <a:ahLst/>
-            <a:cxnLst>
-              <a:cxn ang="0">
-                <a:pos x="connsiteX0" y="connsiteY0"/>
-              </a:cxn>
-              <a:cxn ang="0">
-                <a:pos x="connsiteX1" y="connsiteY1"/>
-              </a:cxn>
-              <a:cxn ang="0">
-                <a:pos x="connsiteX2" y="connsiteY2"/>
-              </a:cxn>
-              <a:cxn ang="0">
-                <a:pos x="connsiteX3" y="connsiteY3"/>
-              </a:cxn>
-              <a:cxn ang="0">
-                <a:pos x="connsiteX4" y="connsiteY4"/>
-              </a:cxn>
-              <a:cxn ang="0">
-                <a:pos x="connsiteX5" y="connsiteY5"/>
-              </a:cxn>
-              <a:cxn ang="0">
-                <a:pos x="connsiteX6" y="connsiteY6"/>
-              </a:cxn>
-              <a:cxn ang="0">
-                <a:pos x="connsiteX7" y="connsiteY7"/>
-              </a:cxn>
-            </a:cxnLst>
-            <a:rect l="l" t="t" r="r" b="b"/>
-            <a:pathLst>
-              <a:path w="3339958" h="2891173">
-                <a:moveTo>
-                  <a:pt x="2002536" y="0"/>
-                </a:moveTo>
-                <a:cubicBezTo>
-                  <a:pt x="2486398" y="0"/>
-                  <a:pt x="2930179" y="171609"/>
-                  <a:pt x="3276335" y="457282"/>
-                </a:cubicBezTo>
-                <a:lnTo>
-                  <a:pt x="3339958" y="515107"/>
-                </a:lnTo>
-                <a:lnTo>
-                  <a:pt x="3339958" y="2891173"/>
-                </a:lnTo>
-                <a:lnTo>
-                  <a:pt x="209954" y="2891173"/>
-                </a:lnTo>
-                <a:lnTo>
-                  <a:pt x="157369" y="2782014"/>
-                </a:lnTo>
-                <a:cubicBezTo>
-                  <a:pt x="56036" y="2542434"/>
-                  <a:pt x="0" y="2279029"/>
-                  <a:pt x="0" y="2002536"/>
-                </a:cubicBezTo>
-                <a:cubicBezTo>
-                  <a:pt x="0" y="896566"/>
-                  <a:pt x="896566" y="0"/>
-                  <a:pt x="2002536" y="0"/>
-                </a:cubicBezTo>
-                <a:close/>
-              </a:path>
-            </a:pathLst>
-          </a:custGeom>
-          <a:solidFill>
-            <a:srgbClr val="FFFFFF">
-              <a:alpha val="80000"/>
-            </a:srgbClr>
-          </a:solidFill>
-          <a:ln>
-            <a:noFill/>
-          </a:ln>
-        </p:spPr>
-        <p:style>
-          <a:lnRef idx="2">
-            <a:schemeClr val="accent1">
-              <a:shade val="50000"/>
-            </a:schemeClr>
-          </a:lnRef>
-          <a:fillRef idx="1">
-            <a:schemeClr val="accent1"/>
-          </a:fillRef>
-          <a:effectRef idx="0">
-            <a:schemeClr val="accent1"/>
-          </a:effectRef>
-          <a:fontRef idx="minor">
-            <a:schemeClr val="lt1"/>
-          </a:fontRef>
-        </p:style>
-        <p:txBody>
-          <a:bodyPr wrap="square" rtlCol="0" anchor="ctr">
-            <a:noAutofit/>
-          </a:bodyPr>
-          <a:lstStyle/>
-          <a:p>
-            <a:pPr marL="0" marR="0" lvl="0" indent="0" algn="ctr" defTabSz="914400" rtl="0" eaLnBrk="1" fontAlgn="auto" latinLnBrk="0" hangingPunct="1">
-              <a:lnSpc>
-                <a:spcPct val="100000"/>
-              </a:lnSpc>
-              <a:spcBef>
-                <a:spcPts val="0"/>
-              </a:spcBef>
-              <a:spcAft>
-                <a:spcPts val="0"/>
-              </a:spcAft>
-              <a:buClrTx/>
-              <a:buSzTx/>
-              <a:buFontTx/>
-              <a:buNone/>
-              <a:tabLst/>
-              <a:defRPr/>
-            </a:pPr>
-            <a:endParaRPr kumimoji="0" lang="en-US" sz="1800" b="0" i="0" u="none" strike="noStrike" kern="1200" cap="none" spc="0" normalizeH="0" baseline="0" noProof="0" dirty="0">
-              <a:ln>
-                <a:noFill/>
-              </a:ln>
-              <a:solidFill>
-                <a:prstClr val="white"/>
-              </a:solidFill>
-              <a:effectLst/>
-              <a:uLnTx/>
-              <a:uFillTx/>
-              <a:latin typeface="Calibri" panose="020F0502020204030204"/>
-              <a:ea typeface="+mn-ea"/>
-              <a:cs typeface="+mn-cs"/>
-            </a:endParaRPr>
-          </a:p>
-        </p:txBody>
-      </p:sp>
-      <p:pic>
-        <p:nvPicPr>
-          <p:cNvPr id="13" name="Picture 12" descr="A black and white robot&#10;&#10;Description automatically generated with medium confidence">
-            <a:extLst>
-              <a:ext uri="{FF2B5EF4-FFF2-40B4-BE49-F238E27FC236}">
-                <a16:creationId xmlns:a16="http://schemas.microsoft.com/office/drawing/2014/main" id="{1DBE438A-F6E9-8547-8416-58577ABF3454}"/>
-              </a:ext>
-            </a:extLst>
-          </p:cNvPr>
-          <p:cNvPicPr>
-            <a:picLocks noChangeAspect="1"/>
-          </p:cNvPicPr>
-          <p:nvPr/>
-        </p:nvPicPr>
-        <p:blipFill rotWithShape="1">
-          <a:blip r:embed="rId6"/>
-          <a:srcRect l="22174" r="-4" b="-4"/>
-          <a:stretch/>
-        </p:blipFill>
-        <p:spPr>
-          <a:xfrm>
-            <a:off x="9009416" y="4131546"/>
-            <a:ext cx="3178912" cy="2726454"/>
-          </a:xfrm>
-          <a:custGeom>
-            <a:avLst/>
-            <a:gdLst/>
-            <a:ahLst/>
-            <a:cxnLst/>
-            <a:rect l="l" t="t" r="r" b="b"/>
-            <a:pathLst>
-              <a:path w="3178912" h="2726454">
-                <a:moveTo>
-                  <a:pt x="1837818" y="0"/>
-                </a:moveTo>
-                <a:cubicBezTo>
-                  <a:pt x="2345318" y="0"/>
-                  <a:pt x="2804772" y="205705"/>
-                  <a:pt x="3137352" y="538285"/>
-                </a:cubicBezTo>
-                <a:lnTo>
-                  <a:pt x="3178912" y="584013"/>
-                </a:lnTo>
-                <a:lnTo>
-                  <a:pt x="3178912" y="2726454"/>
-                </a:lnTo>
-                <a:lnTo>
-                  <a:pt x="229483" y="2726454"/>
-                </a:lnTo>
-                <a:lnTo>
-                  <a:pt x="221815" y="2713832"/>
-                </a:lnTo>
-                <a:cubicBezTo>
-                  <a:pt x="80353" y="2453425"/>
-                  <a:pt x="0" y="2155005"/>
-                  <a:pt x="0" y="1837818"/>
-                </a:cubicBezTo>
-                <a:cubicBezTo>
-                  <a:pt x="0" y="822819"/>
-                  <a:pt x="822819" y="0"/>
-                  <a:pt x="1837818" y="0"/>
-                </a:cubicBezTo>
-                <a:close/>
-              </a:path>
-            </a:pathLst>
-          </a:custGeom>
-        </p:spPr>
-      </p:pic>
-      <p:sp>
-        <p:nvSpPr>
-          <p:cNvPr id="14" name="TextBox 13">
-            <a:extLst>
-              <a:ext uri="{FF2B5EF4-FFF2-40B4-BE49-F238E27FC236}">
-                <a16:creationId xmlns:a16="http://schemas.microsoft.com/office/drawing/2014/main" id="{2EFAE464-8470-7149-AF47-585F08666A74}"/>
-              </a:ext>
-            </a:extLst>
-          </p:cNvPr>
-          <p:cNvSpPr txBox="1"/>
-          <p:nvPr/>
-        </p:nvSpPr>
-        <p:spPr>
-          <a:xfrm>
-            <a:off x="281253" y="1576237"/>
-            <a:ext cx="5370178" cy="4567854"/>
-          </a:xfrm>
-          <a:prstGeom prst="rect">
-            <a:avLst/>
-          </a:prstGeom>
-          <a:noFill/>
-        </p:spPr>
-        <p:txBody>
-          <a:bodyPr wrap="square" rtlCol="0">
-            <a:spAutoFit/>
-          </a:bodyPr>
-          <a:lstStyle/>
-          <a:p>
-            <a:pPr indent="-228600">
-              <a:lnSpc>
-                <a:spcPct val="150000"/>
-              </a:lnSpc>
-              <a:spcAft>
-                <a:spcPts val="600"/>
-              </a:spcAft>
-              <a:buFont typeface="Arial" panose="020B0604020202020204" pitchFamily="34" charset="0"/>
-              <a:buChar char="•"/>
-            </a:pPr>
-            <a:r>
-              <a:rPr lang="en-US" sz="1400" dirty="0"/>
-              <a:t>Autonomous drones would be able to fly and land safely without causing injuries.</a:t>
-            </a:r>
-          </a:p>
-          <a:p>
-            <a:pPr>
-              <a:lnSpc>
-                <a:spcPct val="150000"/>
-              </a:lnSpc>
-              <a:spcAft>
-                <a:spcPts val="600"/>
-              </a:spcAft>
-            </a:pPr>
-            <a:endParaRPr lang="en-US" sz="1400" dirty="0"/>
-          </a:p>
-          <a:p>
-            <a:pPr indent="-228600">
-              <a:lnSpc>
-                <a:spcPct val="150000"/>
-              </a:lnSpc>
-              <a:spcAft>
-                <a:spcPts val="600"/>
-              </a:spcAft>
-              <a:buFont typeface="Arial" panose="020B0604020202020204" pitchFamily="34" charset="0"/>
-              <a:buChar char="•"/>
-            </a:pPr>
-            <a:r>
-              <a:rPr lang="en-US" sz="1400" dirty="0"/>
-              <a:t>A faults and anomaly detection model can be applied to some many fields, not limited to Banking, being detecting and preventing fraud, in Agriculture, to predict crop yielding; in health to predict and prevent sickness like cancer, and so on.  This model can be applied in so many other fields.</a:t>
-            </a:r>
-          </a:p>
-          <a:p>
-            <a:pPr indent="-228600">
-              <a:lnSpc>
-                <a:spcPct val="150000"/>
-              </a:lnSpc>
-              <a:spcAft>
-                <a:spcPts val="600"/>
-              </a:spcAft>
-              <a:buFont typeface="Arial" panose="020B0604020202020204" pitchFamily="34" charset="0"/>
-              <a:buChar char="•"/>
-            </a:pPr>
-            <a:endParaRPr lang="en-US" sz="1400" dirty="0"/>
-          </a:p>
-          <a:p>
-            <a:pPr indent="-228600">
-              <a:lnSpc>
-                <a:spcPct val="150000"/>
-              </a:lnSpc>
-              <a:spcAft>
-                <a:spcPts val="600"/>
-              </a:spcAft>
-              <a:buFont typeface="Arial" panose="020B0604020202020204" pitchFamily="34" charset="0"/>
-              <a:buChar char="•"/>
-            </a:pPr>
-            <a:r>
-              <a:rPr lang="en-US" sz="1400" dirty="0"/>
-              <a:t>There are about 100000 autonomous drones in the  world( </a:t>
-            </a:r>
-            <a:r>
-              <a:rPr lang="en-US" sz="1400" dirty="0" err="1"/>
-              <a:t>www.goofler.com</a:t>
-            </a:r>
-            <a:r>
-              <a:rPr lang="en-US" sz="1400" dirty="0"/>
-              <a:t>) and 200000 drones.  By 2030, we project there would be at least 30000 drones.  In a world full of drones, this model would another safety layer.</a:t>
-            </a:r>
-          </a:p>
-        </p:txBody>
-      </p:sp>
-      <p:cxnSp>
-        <p:nvCxnSpPr>
-          <p:cNvPr id="19" name="Straight Connector 18">
-            <a:extLst>
-              <a:ext uri="{FF2B5EF4-FFF2-40B4-BE49-F238E27FC236}">
-                <a16:creationId xmlns:a16="http://schemas.microsoft.com/office/drawing/2014/main" id="{B6D9C605-D38A-F942-9DA6-3A67572A85BF}"/>
-              </a:ext>
-            </a:extLst>
-          </p:cNvPr>
-          <p:cNvCxnSpPr>
-            <a:cxnSpLocks/>
-          </p:cNvCxnSpPr>
-          <p:nvPr/>
-        </p:nvCxnSpPr>
-        <p:spPr>
-          <a:xfrm>
-            <a:off x="0" y="1410394"/>
-            <a:ext cx="5515495" cy="0"/>
-          </a:xfrm>
-          <a:prstGeom prst="line">
-            <a:avLst/>
-          </a:prstGeom>
-          <a:ln w="57150">
-            <a:solidFill>
-              <a:srgbClr val="FFC000"/>
-            </a:solidFill>
-          </a:ln>
-        </p:spPr>
-        <p:style>
-          <a:lnRef idx="1">
-            <a:schemeClr val="accent1"/>
-          </a:lnRef>
-          <a:fillRef idx="0">
-            <a:schemeClr val="accent1"/>
-          </a:fillRef>
-          <a:effectRef idx="0">
-            <a:schemeClr val="accent1"/>
-          </a:effectRef>
-          <a:fontRef idx="minor">
-            <a:schemeClr val="tx1"/>
-          </a:fontRef>
-        </p:style>
-      </p:cxnSp>
-    </p:spTree>
-    <p:extLst>
-      <p:ext uri="{BB962C8B-B14F-4D97-AF65-F5344CB8AC3E}">
-        <p14:creationId xmlns:p14="http://schemas.microsoft.com/office/powerpoint/2010/main" val="2029401164"/>
-      </p:ext>
-    </p:extLst>
-  </p:cSld>
-  <p:clrMapOvr>
-    <a:overrideClrMapping bg1="dk1" tx1="lt1" bg2="dk2" tx2="lt2" accent1="accent1" accent2="accent2" accent3="accent3" accent4="accent4" accent5="accent5" accent6="accent6" hlink="hlink" folHlink="folHlink"/>
-  </p:clrMapOvr>
-</p:sld>
-</file>
-
-<file path=ppt/slides/slide9.xml><?xml version="1.0" encoding="utf-8"?>
-<p:sld xmlns:a="http://schemas.openxmlformats.org/drawingml/2006/main" xmlns:r="http://schemas.openxmlformats.org/officeDocument/2006/relationships" xmlns:p="http://schemas.openxmlformats.org/presentationml/2006/main">
-  <p:cSld>
-    <p:bg>
-      <p:bgPr>
-        <a:solidFill>
-          <a:schemeClr val="bg1"/>
-        </a:solidFill>
-        <a:effectLst/>
-      </p:bgPr>
-    </p:bg>
-    <p:spTree>
-      <p:nvGrpSpPr>
-        <p:cNvPr id="1" name=""/>
-        <p:cNvGrpSpPr/>
-        <p:nvPr/>
-      </p:nvGrpSpPr>
-      <p:grpSpPr>
-        <a:xfrm>
-          <a:off x="0" y="0"/>
-          <a:ext cx="0" cy="0"/>
-          <a:chOff x="0" y="0"/>
-          <a:chExt cx="0" cy="0"/>
-        </a:xfrm>
-      </p:grpSpPr>
-      <p:sp useBgFill="1">
-        <p:nvSpPr>
-          <p:cNvPr id="32" name="Rectangle 34">
-            <a:extLst>
-              <a:ext uri="{FF2B5EF4-FFF2-40B4-BE49-F238E27FC236}">
-                <a16:creationId xmlns:a16="http://schemas.microsoft.com/office/drawing/2014/main" id="{9AA72BD9-2C5A-4EDC-931F-5AA08EACA0F3}"/>
-              </a:ext>
-              <a:ext uri="{C183D7F6-B498-43B3-948B-1728B52AA6E4}">
-                <adec:decorative xmlns:adec="http://schemas.microsoft.com/office/drawing/2017/decorative" val="1"/>
-              </a:ext>
-            </a:extLst>
-          </p:cNvPr>
-          <p:cNvSpPr>
-            <a:spLocks noGrp="1" noRot="1" noChangeAspect="1" noMove="1" noResize="1" noEditPoints="1" noAdjustHandles="1" noChangeArrowheads="1" noChangeShapeType="1" noTextEdit="1"/>
-          </p:cNvSpPr>
-          <p:nvPr>
-            <p:extLst>
-              <p:ext uri="{386F3935-93C4-4BCD-93E2-E3B085C9AB24}">
-                <p16:designElem xmlns:p16="http://schemas.microsoft.com/office/powerpoint/2015/main" val="1"/>
-              </p:ext>
-            </p:extLst>
-          </p:nvPr>
-        </p:nvSpPr>
-        <p:spPr>
-          <a:xfrm>
-            <a:off x="0" y="0"/>
-            <a:ext cx="12192000" cy="6858000"/>
-          </a:xfrm>
-          <a:prstGeom prst="rect">
-            <a:avLst/>
-          </a:prstGeom>
-          <a:ln>
-            <a:noFill/>
-          </a:ln>
-        </p:spPr>
-        <p:style>
-          <a:lnRef idx="2">
-            <a:schemeClr val="accent1">
-              <a:shade val="50000"/>
-            </a:schemeClr>
-          </a:lnRef>
-          <a:fillRef idx="1">
-            <a:schemeClr val="accent1"/>
-          </a:fillRef>
-          <a:effectRef idx="0">
-            <a:schemeClr val="accent1"/>
-          </a:effectRef>
-          <a:fontRef idx="minor">
-            <a:schemeClr val="lt1"/>
-          </a:fontRef>
-        </p:style>
-        <p:txBody>
-          <a:bodyPr rtlCol="0" anchor="ctr"/>
-          <a:lstStyle/>
-          <a:p>
-            <a:pPr algn="ctr"/>
-            <a:endParaRPr lang="en-US" dirty="0"/>
-          </a:p>
-        </p:txBody>
-      </p:sp>
-      <p:pic>
-        <p:nvPicPr>
-          <p:cNvPr id="12" name="Picture 11" descr="A picture containing aircraft, transport, airplane&#10;&#10;Description automatically generated">
-            <a:extLst>
-              <a:ext uri="{FF2B5EF4-FFF2-40B4-BE49-F238E27FC236}">
-                <a16:creationId xmlns:a16="http://schemas.microsoft.com/office/drawing/2014/main" id="{71134584-1578-A145-A058-4302BC8A889B}"/>
-              </a:ext>
-            </a:extLst>
-          </p:cNvPr>
-          <p:cNvPicPr>
-            <a:picLocks noChangeAspect="1"/>
-          </p:cNvPicPr>
-          <p:nvPr/>
-        </p:nvPicPr>
-        <p:blipFill rotWithShape="1">
-          <a:blip r:embed="rId2">
-            <a:alphaModFix amt="30000"/>
-          </a:blip>
-          <a:srcRect t="31370" r="9090" b="31706"/>
-          <a:stretch/>
-        </p:blipFill>
-        <p:spPr>
-          <a:xfrm>
-            <a:off x="371427" y="1469572"/>
-            <a:ext cx="11640766" cy="4727884"/>
-          </a:xfrm>
-          <a:prstGeom prst="rect">
-            <a:avLst/>
-          </a:prstGeom>
-          <a:ln>
-            <a:noFill/>
-          </a:ln>
-          <a:effectLst>
-            <a:softEdge rad="112500"/>
-          </a:effectLst>
-        </p:spPr>
-      </p:pic>
-      <p:sp>
-        <p:nvSpPr>
-          <p:cNvPr id="37" name="Rectangle 36">
-            <a:extLst>
-              <a:ext uri="{FF2B5EF4-FFF2-40B4-BE49-F238E27FC236}">
-                <a16:creationId xmlns:a16="http://schemas.microsoft.com/office/drawing/2014/main" id="{DD3981AC-7B61-4947-BCF3-F7AA7FA385B9}"/>
-              </a:ext>
-              <a:ext uri="{C183D7F6-B498-43B3-948B-1728B52AA6E4}">
-                <adec:decorative xmlns:adec="http://schemas.microsoft.com/office/drawing/2017/decorative" val="1"/>
-              </a:ext>
-            </a:extLst>
-          </p:cNvPr>
-          <p:cNvSpPr>
-            <a:spLocks noGrp="1" noRot="1" noChangeAspect="1" noMove="1" noResize="1" noEditPoints="1" noAdjustHandles="1" noChangeArrowheads="1" noChangeShapeType="1" noTextEdit="1"/>
-          </p:cNvSpPr>
-          <p:nvPr>
-            <p:extLst>
-              <p:ext uri="{386F3935-93C4-4BCD-93E2-E3B085C9AB24}">
-                <p16:designElem xmlns:p16="http://schemas.microsoft.com/office/powerpoint/2015/main" val="1"/>
-              </p:ext>
-            </p:extLst>
-          </p:nvPr>
-        </p:nvSpPr>
-        <p:spPr>
-          <a:xfrm>
-            <a:off x="2" y="0"/>
-            <a:ext cx="9756601" cy="6858000"/>
-          </a:xfrm>
-          <a:prstGeom prst="rect">
-            <a:avLst/>
-          </a:prstGeom>
-          <a:gradFill>
-            <a:gsLst>
-              <a:gs pos="58000">
-                <a:schemeClr val="bg1"/>
-              </a:gs>
-              <a:gs pos="35000">
-                <a:schemeClr val="bg1">
-                  <a:alpha val="78000"/>
-                </a:schemeClr>
-              </a:gs>
-              <a:gs pos="19000">
-                <a:schemeClr val="bg1">
-                  <a:alpha val="38000"/>
-                </a:schemeClr>
-              </a:gs>
-              <a:gs pos="0">
-                <a:schemeClr val="bg1">
-                  <a:alpha val="0"/>
-                </a:schemeClr>
-              </a:gs>
-              <a:gs pos="100000">
-                <a:schemeClr val="bg1"/>
-              </a:gs>
-            </a:gsLst>
-            <a:lin ang="10800000" scaled="0"/>
-          </a:gradFill>
-          <a:ln>
-            <a:noFill/>
-          </a:ln>
-        </p:spPr>
-        <p:style>
-          <a:lnRef idx="2">
-            <a:schemeClr val="accent1">
-              <a:shade val="50000"/>
-            </a:schemeClr>
-          </a:lnRef>
-          <a:fillRef idx="1">
-            <a:schemeClr val="accent1"/>
-          </a:fillRef>
-          <a:effectRef idx="0">
-            <a:schemeClr val="accent1"/>
-          </a:effectRef>
-          <a:fontRef idx="minor">
-            <a:schemeClr val="lt1"/>
-          </a:fontRef>
-        </p:style>
-        <p:txBody>
-          <a:bodyPr rtlCol="0" anchor="ctr"/>
-          <a:lstStyle/>
-          <a:p>
-            <a:pPr algn="ctr"/>
-            <a:endParaRPr lang="en-US" dirty="0"/>
-          </a:p>
-        </p:txBody>
-      </p:sp>
-      <p:sp>
-        <p:nvSpPr>
-          <p:cNvPr id="2" name="Title 1">
-            <a:extLst>
-              <a:ext uri="{FF2B5EF4-FFF2-40B4-BE49-F238E27FC236}">
-                <a16:creationId xmlns:a16="http://schemas.microsoft.com/office/drawing/2014/main" id="{5BBA3E3D-C182-3F45-9200-3FF70A37E7D9}"/>
-              </a:ext>
-            </a:extLst>
-          </p:cNvPr>
-          <p:cNvSpPr>
-            <a:spLocks noGrp="1"/>
-          </p:cNvSpPr>
-          <p:nvPr>
-            <p:ph type="title"/>
-          </p:nvPr>
-        </p:nvSpPr>
-        <p:spPr>
-          <a:xfrm>
-            <a:off x="359664" y="1152889"/>
-            <a:ext cx="3438144" cy="1124712"/>
-          </a:xfrm>
-        </p:spPr>
-        <p:txBody>
-          <a:bodyPr vert="horz" lIns="91440" tIns="45720" rIns="91440" bIns="45720" rtlCol="0" anchor="b">
-            <a:normAutofit/>
-          </a:bodyPr>
-          <a:lstStyle/>
-          <a:p>
-            <a:pPr algn="ctr"/>
-            <a:r>
-              <a:rPr lang="en-US" b="1" dirty="0"/>
-              <a:t>REFERENCES</a:t>
-            </a:r>
-            <a:endParaRPr lang="en-US" sz="2800" b="1" dirty="0"/>
-          </a:p>
-        </p:txBody>
-      </p:sp>
-      <p:sp>
-        <p:nvSpPr>
-          <p:cNvPr id="39" name="Rectangle 38">
-            <a:extLst>
-              <a:ext uri="{FF2B5EF4-FFF2-40B4-BE49-F238E27FC236}">
-                <a16:creationId xmlns:a16="http://schemas.microsoft.com/office/drawing/2014/main" id="{55D4142C-5077-457F-A6AD-3FECFDB39685}"/>
-              </a:ext>
-              <a:ext uri="{C183D7F6-B498-43B3-948B-1728B52AA6E4}">
-                <adec:decorative xmlns:adec="http://schemas.microsoft.com/office/drawing/2017/decorative" val="1"/>
-              </a:ext>
-            </a:extLst>
-          </p:cNvPr>
-          <p:cNvSpPr>
-            <a:spLocks noGrp="1" noRot="1" noChangeAspect="1" noMove="1" noResize="1" noEditPoints="1" noAdjustHandles="1" noChangeArrowheads="1" noChangeShapeType="1" noTextEdit="1"/>
-          </p:cNvSpPr>
-          <p:nvPr>
-            <p:extLst>
-              <p:ext uri="{386F3935-93C4-4BCD-93E2-E3B085C9AB24}">
-                <p16:designElem xmlns:p16="http://schemas.microsoft.com/office/powerpoint/2015/main" val="1"/>
-              </p:ext>
-            </p:extLst>
-          </p:nvPr>
-        </p:nvSpPr>
-        <p:spPr>
-          <a:xfrm rot="5400000">
-            <a:off x="662559" y="605790"/>
-            <a:ext cx="73152" cy="548640"/>
-          </a:xfrm>
-          <a:prstGeom prst="rect">
-            <a:avLst/>
-          </a:prstGeom>
-          <a:solidFill>
-            <a:schemeClr val="accent2"/>
-          </a:solidFill>
-          <a:ln>
-            <a:noFill/>
-          </a:ln>
-        </p:spPr>
-        <p:style>
-          <a:lnRef idx="2">
-            <a:schemeClr val="accent1">
-              <a:shade val="50000"/>
-            </a:schemeClr>
-          </a:lnRef>
-          <a:fillRef idx="1">
-            <a:schemeClr val="accent1"/>
-          </a:fillRef>
-          <a:effectRef idx="0">
-            <a:schemeClr val="accent1"/>
-          </a:effectRef>
-          <a:fontRef idx="minor">
-            <a:schemeClr val="lt1"/>
-          </a:fontRef>
-        </p:style>
-        <p:txBody>
-          <a:bodyPr rtlCol="0" anchor="ctr"/>
-          <a:lstStyle/>
-          <a:p>
-            <a:pPr algn="ctr"/>
-            <a:endParaRPr lang="en-US" dirty="0">
-              <a:solidFill>
-                <a:prstClr val="white"/>
-              </a:solidFill>
-              <a:latin typeface="Calibri" panose="020F0502020204030204"/>
-            </a:endParaRPr>
-          </a:p>
-        </p:txBody>
-      </p:sp>
-      <p:sp>
-        <p:nvSpPr>
-          <p:cNvPr id="41" name="Rectangle 40">
-            <a:extLst>
-              <a:ext uri="{FF2B5EF4-FFF2-40B4-BE49-F238E27FC236}">
-                <a16:creationId xmlns:a16="http://schemas.microsoft.com/office/drawing/2014/main" id="{7A5F0580-5EE9-419F-96EE-B6529EF6E7D0}"/>
-              </a:ext>
-              <a:ext uri="{C183D7F6-B498-43B3-948B-1728B52AA6E4}">
-                <adec:decorative xmlns:adec="http://schemas.microsoft.com/office/drawing/2017/decorative" val="1"/>
-              </a:ext>
-            </a:extLst>
-          </p:cNvPr>
-          <p:cNvSpPr>
-            <a:spLocks noGrp="1" noRot="1" noChangeAspect="1" noMove="1" noResize="1" noEditPoints="1" noAdjustHandles="1" noChangeArrowheads="1" noChangeShapeType="1" noTextEdit="1"/>
-          </p:cNvSpPr>
-          <p:nvPr>
-            <p:extLst>
-              <p:ext uri="{386F3935-93C4-4BCD-93E2-E3B085C9AB24}">
-                <p16:designElem xmlns:p16="http://schemas.microsoft.com/office/powerpoint/2015/main" val="1"/>
-              </p:ext>
-            </p:extLst>
-          </p:nvPr>
-        </p:nvSpPr>
-        <p:spPr>
-          <a:xfrm>
-            <a:off x="428244" y="2443480"/>
-            <a:ext cx="3300984" cy="18288"/>
-          </a:xfrm>
-          <a:prstGeom prst="rect">
-            <a:avLst/>
-          </a:prstGeom>
-          <a:solidFill>
-            <a:schemeClr val="tx1"/>
-          </a:solidFill>
-          <a:ln w="3175">
-            <a:noFill/>
-          </a:ln>
-          <a:effectLst/>
-        </p:spPr>
-        <p:style>
-          <a:lnRef idx="2">
-            <a:schemeClr val="accent1">
-              <a:shade val="50000"/>
-            </a:schemeClr>
-          </a:lnRef>
-          <a:fillRef idx="1">
-            <a:schemeClr val="accent1"/>
-          </a:fillRef>
-          <a:effectRef idx="0">
-            <a:schemeClr val="accent1"/>
-          </a:effectRef>
-          <a:fontRef idx="minor">
-            <a:schemeClr val="lt1"/>
-          </a:fontRef>
-        </p:style>
-        <p:txBody>
-          <a:bodyPr rtlCol="0" anchor="ctr"/>
-          <a:lstStyle/>
-          <a:p>
-            <a:pPr marL="0" marR="0" lvl="0" indent="0" algn="ctr" defTabSz="914400" rtl="0" eaLnBrk="1" fontAlgn="auto" latinLnBrk="0" hangingPunct="1">
-              <a:lnSpc>
-                <a:spcPct val="100000"/>
-              </a:lnSpc>
-              <a:spcBef>
-                <a:spcPts val="0"/>
-              </a:spcBef>
-              <a:spcAft>
-                <a:spcPts val="0"/>
-              </a:spcAft>
-              <a:buClrTx/>
-              <a:buSzTx/>
-              <a:buFontTx/>
-              <a:buNone/>
-              <a:tabLst/>
-              <a:defRPr/>
-            </a:pPr>
-            <a:endParaRPr kumimoji="0" lang="en-US" sz="1800" b="0" i="0" u="none" strike="noStrike" kern="1200" cap="none" spc="0" normalizeH="0" baseline="0" noProof="0" dirty="0">
-              <a:ln>
-                <a:noFill/>
-              </a:ln>
-              <a:solidFill>
-                <a:prstClr val="white"/>
-              </a:solidFill>
-              <a:effectLst/>
-              <a:uLnTx/>
-              <a:uFillTx/>
-              <a:latin typeface="Calibri" panose="020F0502020204030204"/>
-              <a:ea typeface="+mn-ea"/>
-              <a:cs typeface="+mn-cs"/>
-            </a:endParaRPr>
-          </a:p>
-        </p:txBody>
-      </p:sp>
-      <p:sp>
-        <p:nvSpPr>
-          <p:cNvPr id="3" name="TextBox 2">
-            <a:extLst>
-              <a:ext uri="{FF2B5EF4-FFF2-40B4-BE49-F238E27FC236}">
-                <a16:creationId xmlns:a16="http://schemas.microsoft.com/office/drawing/2014/main" id="{3F909C64-03FB-E744-8DE8-A7C59BC8DBF8}"/>
-              </a:ext>
-            </a:extLst>
-          </p:cNvPr>
-          <p:cNvSpPr txBox="1"/>
-          <p:nvPr/>
-        </p:nvSpPr>
-        <p:spPr>
-          <a:xfrm>
-            <a:off x="371093" y="2986605"/>
-            <a:ext cx="10242478" cy="3210850"/>
-          </a:xfrm>
-          <a:prstGeom prst="rect">
-            <a:avLst/>
-          </a:prstGeom>
-        </p:spPr>
-        <p:txBody>
-          <a:bodyPr vert="horz" lIns="91440" tIns="45720" rIns="91440" bIns="45720" rtlCol="0" anchor="t">
-            <a:normAutofit/>
-          </a:bodyPr>
-          <a:lstStyle/>
-          <a:p>
-            <a:pPr marL="285750" indent="-228600">
-              <a:lnSpc>
-                <a:spcPct val="90000"/>
-              </a:lnSpc>
-              <a:spcAft>
-                <a:spcPts val="600"/>
-              </a:spcAft>
-              <a:buFont typeface="Arial" panose="020B0604020202020204" pitchFamily="34" charset="0"/>
-              <a:buChar char="•"/>
-            </a:pPr>
-            <a:r>
-              <a:rPr lang="en-US" sz="1600" b="1" dirty="0"/>
-              <a:t>Data Source:</a:t>
-            </a:r>
-          </a:p>
-          <a:p>
-            <a:pPr marL="514350" lvl="1">
-              <a:lnSpc>
-                <a:spcPct val="90000"/>
-              </a:lnSpc>
-              <a:spcAft>
-                <a:spcPts val="600"/>
-              </a:spcAft>
-            </a:pPr>
-            <a:r>
-              <a:rPr lang="en-US" dirty="0"/>
-              <a:t>Keipour, A., Mohammadreza Mousaei, &amp; Scherer, S. (2020). </a:t>
-            </a:r>
-            <a:r>
-              <a:rPr lang="en-US" i="1" dirty="0"/>
-              <a:t>ALFA: A Dataset for UAV Fault and Anomaly Detection</a:t>
-            </a:r>
-            <a:r>
-              <a:rPr lang="en-US" dirty="0"/>
-              <a:t> [Data set]. Carnegie Mellon University. https://doi.org/10.1184/R1/12707963</a:t>
-            </a:r>
-            <a:r>
-              <a:rPr lang="en-US" sz="1600" dirty="0"/>
-              <a:t> </a:t>
-            </a:r>
-          </a:p>
-          <a:p>
-            <a:pPr marL="742950" lvl="1" indent="-228600">
-              <a:lnSpc>
-                <a:spcPct val="90000"/>
-              </a:lnSpc>
-              <a:spcAft>
-                <a:spcPts val="600"/>
-              </a:spcAft>
-              <a:buFont typeface="Arial" panose="020B0604020202020204" pitchFamily="34" charset="0"/>
-              <a:buChar char="•"/>
-            </a:pPr>
-            <a:endParaRPr lang="en-US" sz="1600" dirty="0"/>
-          </a:p>
-          <a:p>
-            <a:pPr marL="285750" indent="-228600">
-              <a:lnSpc>
-                <a:spcPct val="90000"/>
-              </a:lnSpc>
-              <a:spcAft>
-                <a:spcPts val="600"/>
-              </a:spcAft>
-              <a:buFont typeface="Arial" panose="020B0604020202020204" pitchFamily="34" charset="0"/>
-              <a:buChar char="•"/>
-            </a:pPr>
-            <a:r>
-              <a:rPr lang="en-US" sz="1600" b="1" dirty="0"/>
-              <a:t>Project Code:</a:t>
-            </a:r>
-          </a:p>
-          <a:p>
-            <a:pPr marL="514350" lvl="1">
-              <a:lnSpc>
-                <a:spcPct val="90000"/>
-              </a:lnSpc>
-              <a:spcAft>
-                <a:spcPts val="600"/>
-              </a:spcAft>
-            </a:pPr>
-            <a:r>
-              <a:rPr lang="en-US" sz="1600" dirty="0"/>
-              <a:t>Mbaya, J.(2021).GITHUB: https://github.com/MrAshTag/Drone_Faults_Anomaly_Dectection</a:t>
-            </a:r>
-          </a:p>
-          <a:p>
-            <a:pPr marL="57150">
-              <a:lnSpc>
-                <a:spcPct val="90000"/>
-              </a:lnSpc>
-              <a:spcAft>
-                <a:spcPts val="600"/>
-              </a:spcAft>
-            </a:pPr>
-            <a:endParaRPr lang="en-US" sz="1600" dirty="0"/>
-          </a:p>
-          <a:p>
-            <a:pPr marL="285750" indent="-228600">
-              <a:lnSpc>
-                <a:spcPct val="90000"/>
-              </a:lnSpc>
-              <a:spcAft>
-                <a:spcPts val="600"/>
-              </a:spcAft>
-              <a:buFont typeface="Arial" panose="020B0604020202020204" pitchFamily="34" charset="0"/>
-              <a:buChar char="•"/>
-            </a:pPr>
-            <a:endParaRPr lang="en-US" sz="1600" dirty="0"/>
-          </a:p>
-          <a:p>
-            <a:pPr indent="-228600">
-              <a:lnSpc>
-                <a:spcPct val="90000"/>
-              </a:lnSpc>
-              <a:spcAft>
-                <a:spcPts val="600"/>
-              </a:spcAft>
-              <a:buFont typeface="Arial" panose="020B0604020202020204" pitchFamily="34" charset="0"/>
-              <a:buChar char="•"/>
-            </a:pPr>
-            <a:endParaRPr lang="en-US" sz="1600" dirty="0"/>
-          </a:p>
-        </p:txBody>
-      </p:sp>
-      <p:pic>
-        <p:nvPicPr>
-          <p:cNvPr id="9" name="Picture 8" descr="A picture containing plane, airplane, red, runway&#10;&#10;Description automatically generated">
-            <a:extLst>
-              <a:ext uri="{FF2B5EF4-FFF2-40B4-BE49-F238E27FC236}">
-                <a16:creationId xmlns:a16="http://schemas.microsoft.com/office/drawing/2014/main" id="{A5591FCB-8D01-D54F-AEA4-03BEF3B2A930}"/>
-              </a:ext>
-            </a:extLst>
-          </p:cNvPr>
-          <p:cNvPicPr>
-            <a:picLocks noChangeAspect="1"/>
-          </p:cNvPicPr>
-          <p:nvPr/>
-        </p:nvPicPr>
-        <p:blipFill rotWithShape="1">
-          <a:blip r:embed="rId3">
-            <a:extLst>
-              <a:ext uri="{BEBA8EAE-BF5A-486C-A8C5-ECC9F3942E4B}">
-                <a14:imgProps xmlns:a14="http://schemas.microsoft.com/office/drawing/2010/main">
-                  <a14:imgLayer r:embed="rId4">
-                    <a14:imgEffect>
-                      <a14:backgroundRemoval t="34875" b="65000" l="3250" r="94500">
-                        <a14:foregroundMark x1="7250" y1="49625" x2="7250" y2="49625"/>
-                        <a14:foregroundMark x1="3250" y1="49375" x2="3250" y2="49375"/>
-                        <a14:foregroundMark x1="57000" y1="52250" x2="57000" y2="52250"/>
-                        <a14:foregroundMark x1="90375" y1="49000" x2="90375" y2="49000"/>
-                        <a14:foregroundMark x1="94500" y1="48500" x2="94500" y2="48500"/>
-                        <a14:foregroundMark x1="50250" y1="41875" x2="50250" y2="41875"/>
-                        <a14:foregroundMark x1="51875" y1="42000" x2="51875" y2="42000"/>
-                        <a14:foregroundMark x1="47250" y1="42125" x2="47250" y2="42125"/>
-                        <a14:foregroundMark x1="47250" y1="41250" x2="47250" y2="41250"/>
-                        <a14:foregroundMark x1="49375" y1="39625" x2="49375" y2="39625"/>
-                        <a14:foregroundMark x1="49375" y1="39500" x2="49375" y2="39500"/>
-                        <a14:foregroundMark x1="49375" y1="39250" x2="49375" y2="39250"/>
-                        <a14:foregroundMark x1="49875" y1="39625" x2="49875" y2="39625"/>
-                        <a14:foregroundMark x1="50625" y1="39625" x2="50625" y2="39625"/>
-                        <a14:foregroundMark x1="51000" y1="39875" x2="51000" y2="39875"/>
-                        <a14:foregroundMark x1="47750" y1="40125" x2="47750" y2="40125"/>
-                        <a14:foregroundMark x1="46875" y1="41125" x2="46875" y2="41125"/>
-                        <a14:foregroundMark x1="46625" y1="42125" x2="46625" y2="42125"/>
-                        <a14:foregroundMark x1="46375" y1="43000" x2="46375" y2="43000"/>
-                        <a14:foregroundMark x1="46750" y1="43625" x2="46750" y2="43625"/>
-                        <a14:foregroundMark x1="46500" y1="43875" x2="46500" y2="43875"/>
-                        <a14:foregroundMark x1="40000" y1="48375" x2="40000" y2="48375"/>
-                        <a14:backgroundMark x1="28000" y1="57875" x2="28000" y2="57875"/>
-                        <a14:backgroundMark x1="42000" y1="57750" x2="42000" y2="57750"/>
-                        <a14:backgroundMark x1="40500" y1="58625" x2="40500" y2="58625"/>
-                        <a14:backgroundMark x1="40250" y1="58125" x2="46125" y2="60500"/>
-                        <a14:backgroundMark x1="53125" y1="56750" x2="59750" y2="65000"/>
-                        <a14:backgroundMark x1="59750" y1="65000" x2="55375" y2="60125"/>
-                      </a14:backgroundRemoval>
-                    </a14:imgEffect>
-                  </a14:imgLayer>
-                </a14:imgProps>
-              </a:ext>
-            </a:extLst>
-          </a:blip>
-          <a:srcRect t="31179" r="1250" b="31239"/>
-          <a:stretch/>
-        </p:blipFill>
-        <p:spPr>
-          <a:xfrm rot="20437590">
-            <a:off x="10922980" y="317543"/>
-            <a:ext cx="1109015" cy="422329"/>
-          </a:xfrm>
-          <a:prstGeom prst="rect">
-            <a:avLst/>
-          </a:prstGeom>
-        </p:spPr>
-      </p:pic>
-    </p:spTree>
-    <p:extLst>
-      <p:ext uri="{BB962C8B-B14F-4D97-AF65-F5344CB8AC3E}">
-        <p14:creationId xmlns:p14="http://schemas.microsoft.com/office/powerpoint/2010/main" val="3882958302"/>
-      </p:ext>
-    </p:extLst>
-  </p:cSld>
-  <p:clrMapOvr>
-    <a:overrideClrMapping bg1="dk1" tx1="lt1" bg2="dk2" tx2="lt2" accent1="accent1" accent2="accent2" accent3="accent3" accent4="accent4" accent5="accent5" accent6="accent6" hlink="hlink" folHlink="folHlink"/>
-  </p:clrMapOvr>
-  <mc:AlternateContent xmlns:mc="http://schemas.openxmlformats.org/markup-compatibility/2006" xmlns:p14="http://schemas.microsoft.com/office/powerpoint/2010/main">
-    <mc:Choice Requires="p14">
-      <p:transition spd="slow" p14:dur="1600" advTm="3">
-        <p14:gallery dir="l"/>
-      </p:transition>
-    </mc:Choice>
-    <mc:Fallback xmlns="">
-      <p:transition spd="slow" advTm="3">
         <p:fade/>
       </p:transition>
     </mc:Fallback>

--- a/Drone_Faults_and_Anomaly_detection.pptx
+++ b/Drone_Faults_and_Anomaly_detection.pptx
@@ -4,6 +4,9 @@
   <p:sldMasterIdLst>
     <p:sldMasterId id="2147483648" r:id="rId1"/>
   </p:sldMasterIdLst>
+  <p:notesMasterIdLst>
+    <p:notesMasterId r:id="rId14"/>
+  </p:notesMasterIdLst>
   <p:sldIdLst>
     <p:sldId id="256" r:id="rId2"/>
     <p:sldId id="263" r:id="rId3"/>
@@ -12,7 +15,7 @@
     <p:sldId id="259" r:id="rId6"/>
     <p:sldId id="260" r:id="rId7"/>
     <p:sldId id="267" r:id="rId8"/>
-    <p:sldId id="268" r:id="rId9"/>
+    <p:sldId id="269" r:id="rId9"/>
     <p:sldId id="261" r:id="rId10"/>
     <p:sldId id="264" r:id="rId11"/>
     <p:sldId id="262" r:id="rId12"/>
@@ -123,6 +126,439 @@
 </p:presentation>
 </file>
 
+<file path=ppt/notesMasters/notesMaster1.xml><?xml version="1.0" encoding="utf-8"?>
+<p:notesMaster xmlns:a="http://schemas.openxmlformats.org/drawingml/2006/main" xmlns:r="http://schemas.openxmlformats.org/officeDocument/2006/relationships" xmlns:p="http://schemas.openxmlformats.org/presentationml/2006/main">
+  <p:cSld>
+    <p:bg>
+      <p:bgRef idx="1001">
+        <a:schemeClr val="bg1"/>
+      </p:bgRef>
+    </p:bg>
+    <p:spTree>
+      <p:nvGrpSpPr>
+        <p:cNvPr id="1" name=""/>
+        <p:cNvGrpSpPr/>
+        <p:nvPr/>
+      </p:nvGrpSpPr>
+      <p:grpSpPr>
+        <a:xfrm>
+          <a:off x="0" y="0"/>
+          <a:ext cx="0" cy="0"/>
+          <a:chOff x="0" y="0"/>
+          <a:chExt cx="0" cy="0"/>
+        </a:xfrm>
+      </p:grpSpPr>
+      <p:sp>
+        <p:nvSpPr>
+          <p:cNvPr id="2" name="Header Placeholder 1"/>
+          <p:cNvSpPr>
+            <a:spLocks noGrp="1"/>
+          </p:cNvSpPr>
+          <p:nvPr>
+            <p:ph type="hdr" sz="quarter"/>
+          </p:nvPr>
+        </p:nvSpPr>
+        <p:spPr>
+          <a:xfrm>
+            <a:off x="0" y="0"/>
+            <a:ext cx="2971800" cy="458788"/>
+          </a:xfrm>
+          <a:prstGeom prst="rect">
+            <a:avLst/>
+          </a:prstGeom>
+        </p:spPr>
+        <p:txBody>
+          <a:bodyPr vert="horz" lIns="91440" tIns="45720" rIns="91440" bIns="45720" rtlCol="0"/>
+          <a:lstStyle>
+            <a:lvl1pPr algn="l">
+              <a:defRPr sz="1200"/>
+            </a:lvl1pPr>
+          </a:lstStyle>
+          <a:p>
+            <a:endParaRPr lang="en-US"/>
+          </a:p>
+        </p:txBody>
+      </p:sp>
+      <p:sp>
+        <p:nvSpPr>
+          <p:cNvPr id="3" name="Date Placeholder 2"/>
+          <p:cNvSpPr>
+            <a:spLocks noGrp="1"/>
+          </p:cNvSpPr>
+          <p:nvPr>
+            <p:ph type="dt" idx="1"/>
+          </p:nvPr>
+        </p:nvSpPr>
+        <p:spPr>
+          <a:xfrm>
+            <a:off x="3884613" y="0"/>
+            <a:ext cx="2971800" cy="458788"/>
+          </a:xfrm>
+          <a:prstGeom prst="rect">
+            <a:avLst/>
+          </a:prstGeom>
+        </p:spPr>
+        <p:txBody>
+          <a:bodyPr vert="horz" lIns="91440" tIns="45720" rIns="91440" bIns="45720" rtlCol="0"/>
+          <a:lstStyle>
+            <a:lvl1pPr algn="r">
+              <a:defRPr sz="1200"/>
+            </a:lvl1pPr>
+          </a:lstStyle>
+          <a:p>
+            <a:fld id="{27FE33AC-993F-EF44-9F71-ACD913CBF6C7}" type="datetimeFigureOut">
+              <a:rPr lang="en-US" smtClean="0"/>
+              <a:t>8/25/21</a:t>
+            </a:fld>
+            <a:endParaRPr lang="en-US"/>
+          </a:p>
+        </p:txBody>
+      </p:sp>
+      <p:sp>
+        <p:nvSpPr>
+          <p:cNvPr id="4" name="Slide Image Placeholder 3"/>
+          <p:cNvSpPr>
+            <a:spLocks noGrp="1" noRot="1" noChangeAspect="1"/>
+          </p:cNvSpPr>
+          <p:nvPr>
+            <p:ph type="sldImg" idx="2"/>
+          </p:nvPr>
+        </p:nvSpPr>
+        <p:spPr>
+          <a:xfrm>
+            <a:off x="685800" y="1143000"/>
+            <a:ext cx="5486400" cy="3086100"/>
+          </a:xfrm>
+          <a:prstGeom prst="rect">
+            <a:avLst/>
+          </a:prstGeom>
+          <a:noFill/>
+          <a:ln w="12700">
+            <a:solidFill>
+              <a:prstClr val="black"/>
+            </a:solidFill>
+          </a:ln>
+        </p:spPr>
+        <p:txBody>
+          <a:bodyPr vert="horz" lIns="91440" tIns="45720" rIns="91440" bIns="45720" rtlCol="0" anchor="ctr"/>
+          <a:lstStyle/>
+          <a:p>
+            <a:endParaRPr lang="en-US"/>
+          </a:p>
+        </p:txBody>
+      </p:sp>
+      <p:sp>
+        <p:nvSpPr>
+          <p:cNvPr id="5" name="Notes Placeholder 4"/>
+          <p:cNvSpPr>
+            <a:spLocks noGrp="1"/>
+          </p:cNvSpPr>
+          <p:nvPr>
+            <p:ph type="body" sz="quarter" idx="3"/>
+          </p:nvPr>
+        </p:nvSpPr>
+        <p:spPr>
+          <a:xfrm>
+            <a:off x="685800" y="4400550"/>
+            <a:ext cx="5486400" cy="3600450"/>
+          </a:xfrm>
+          <a:prstGeom prst="rect">
+            <a:avLst/>
+          </a:prstGeom>
+        </p:spPr>
+        <p:txBody>
+          <a:bodyPr vert="horz" lIns="91440" tIns="45720" rIns="91440" bIns="45720" rtlCol="0"/>
+          <a:lstStyle/>
+          <a:p>
+            <a:pPr lvl="0"/>
+            <a:r>
+              <a:rPr lang="en-US"/>
+              <a:t>Click to edit Master text styles</a:t>
+            </a:r>
+          </a:p>
+          <a:p>
+            <a:pPr lvl="1"/>
+            <a:r>
+              <a:rPr lang="en-US"/>
+              <a:t>Second level</a:t>
+            </a:r>
+          </a:p>
+          <a:p>
+            <a:pPr lvl="2"/>
+            <a:r>
+              <a:rPr lang="en-US"/>
+              <a:t>Third level</a:t>
+            </a:r>
+          </a:p>
+          <a:p>
+            <a:pPr lvl="3"/>
+            <a:r>
+              <a:rPr lang="en-US"/>
+              <a:t>Fourth level</a:t>
+            </a:r>
+          </a:p>
+          <a:p>
+            <a:pPr lvl="4"/>
+            <a:r>
+              <a:rPr lang="en-US"/>
+              <a:t>Fifth level</a:t>
+            </a:r>
+          </a:p>
+        </p:txBody>
+      </p:sp>
+      <p:sp>
+        <p:nvSpPr>
+          <p:cNvPr id="6" name="Footer Placeholder 5"/>
+          <p:cNvSpPr>
+            <a:spLocks noGrp="1"/>
+          </p:cNvSpPr>
+          <p:nvPr>
+            <p:ph type="ftr" sz="quarter" idx="4"/>
+          </p:nvPr>
+        </p:nvSpPr>
+        <p:spPr>
+          <a:xfrm>
+            <a:off x="0" y="8685213"/>
+            <a:ext cx="2971800" cy="458787"/>
+          </a:xfrm>
+          <a:prstGeom prst="rect">
+            <a:avLst/>
+          </a:prstGeom>
+        </p:spPr>
+        <p:txBody>
+          <a:bodyPr vert="horz" lIns="91440" tIns="45720" rIns="91440" bIns="45720" rtlCol="0" anchor="b"/>
+          <a:lstStyle>
+            <a:lvl1pPr algn="l">
+              <a:defRPr sz="1200"/>
+            </a:lvl1pPr>
+          </a:lstStyle>
+          <a:p>
+            <a:endParaRPr lang="en-US"/>
+          </a:p>
+        </p:txBody>
+      </p:sp>
+      <p:sp>
+        <p:nvSpPr>
+          <p:cNvPr id="7" name="Slide Number Placeholder 6"/>
+          <p:cNvSpPr>
+            <a:spLocks noGrp="1"/>
+          </p:cNvSpPr>
+          <p:nvPr>
+            <p:ph type="sldNum" sz="quarter" idx="5"/>
+          </p:nvPr>
+        </p:nvSpPr>
+        <p:spPr>
+          <a:xfrm>
+            <a:off x="3884613" y="8685213"/>
+            <a:ext cx="2971800" cy="458787"/>
+          </a:xfrm>
+          <a:prstGeom prst="rect">
+            <a:avLst/>
+          </a:prstGeom>
+        </p:spPr>
+        <p:txBody>
+          <a:bodyPr vert="horz" lIns="91440" tIns="45720" rIns="91440" bIns="45720" rtlCol="0" anchor="b"/>
+          <a:lstStyle>
+            <a:lvl1pPr algn="r">
+              <a:defRPr sz="1200"/>
+            </a:lvl1pPr>
+          </a:lstStyle>
+          <a:p>
+            <a:fld id="{BD128F5C-7898-AD4B-BB7B-91B32B82D2BA}" type="slidenum">
+              <a:rPr lang="en-US" smtClean="0"/>
+              <a:t>‹#›</a:t>
+            </a:fld>
+            <a:endParaRPr lang="en-US"/>
+          </a:p>
+        </p:txBody>
+      </p:sp>
+    </p:spTree>
+    <p:extLst>
+      <p:ext uri="{BB962C8B-B14F-4D97-AF65-F5344CB8AC3E}">
+        <p14:creationId xmlns:p14="http://schemas.microsoft.com/office/powerpoint/2010/main" val="833250966"/>
+      </p:ext>
+    </p:extLst>
+  </p:cSld>
+  <p:clrMap bg1="lt1" tx1="dk1" bg2="lt2" tx2="dk2" accent1="accent1" accent2="accent2" accent3="accent3" accent4="accent4" accent5="accent5" accent6="accent6" hlink="hlink" folHlink="folHlink"/>
+  <p:notesStyle>
+    <a:lvl1pPr marL="0" algn="l" defTabSz="914400" rtl="0" eaLnBrk="1" latinLnBrk="0" hangingPunct="1">
+      <a:defRPr sz="1200" kern="1200">
+        <a:solidFill>
+          <a:schemeClr val="tx1"/>
+        </a:solidFill>
+        <a:latin typeface="+mn-lt"/>
+        <a:ea typeface="+mn-ea"/>
+        <a:cs typeface="+mn-cs"/>
+      </a:defRPr>
+    </a:lvl1pPr>
+    <a:lvl2pPr marL="457200" algn="l" defTabSz="914400" rtl="0" eaLnBrk="1" latinLnBrk="0" hangingPunct="1">
+      <a:defRPr sz="1200" kern="1200">
+        <a:solidFill>
+          <a:schemeClr val="tx1"/>
+        </a:solidFill>
+        <a:latin typeface="+mn-lt"/>
+        <a:ea typeface="+mn-ea"/>
+        <a:cs typeface="+mn-cs"/>
+      </a:defRPr>
+    </a:lvl2pPr>
+    <a:lvl3pPr marL="914400" algn="l" defTabSz="914400" rtl="0" eaLnBrk="1" latinLnBrk="0" hangingPunct="1">
+      <a:defRPr sz="1200" kern="1200">
+        <a:solidFill>
+          <a:schemeClr val="tx1"/>
+        </a:solidFill>
+        <a:latin typeface="+mn-lt"/>
+        <a:ea typeface="+mn-ea"/>
+        <a:cs typeface="+mn-cs"/>
+      </a:defRPr>
+    </a:lvl3pPr>
+    <a:lvl4pPr marL="1371600" algn="l" defTabSz="914400" rtl="0" eaLnBrk="1" latinLnBrk="0" hangingPunct="1">
+      <a:defRPr sz="1200" kern="1200">
+        <a:solidFill>
+          <a:schemeClr val="tx1"/>
+        </a:solidFill>
+        <a:latin typeface="+mn-lt"/>
+        <a:ea typeface="+mn-ea"/>
+        <a:cs typeface="+mn-cs"/>
+      </a:defRPr>
+    </a:lvl4pPr>
+    <a:lvl5pPr marL="1828800" algn="l" defTabSz="914400" rtl="0" eaLnBrk="1" latinLnBrk="0" hangingPunct="1">
+      <a:defRPr sz="1200" kern="1200">
+        <a:solidFill>
+          <a:schemeClr val="tx1"/>
+        </a:solidFill>
+        <a:latin typeface="+mn-lt"/>
+        <a:ea typeface="+mn-ea"/>
+        <a:cs typeface="+mn-cs"/>
+      </a:defRPr>
+    </a:lvl5pPr>
+    <a:lvl6pPr marL="2286000" algn="l" defTabSz="914400" rtl="0" eaLnBrk="1" latinLnBrk="0" hangingPunct="1">
+      <a:defRPr sz="1200" kern="1200">
+        <a:solidFill>
+          <a:schemeClr val="tx1"/>
+        </a:solidFill>
+        <a:latin typeface="+mn-lt"/>
+        <a:ea typeface="+mn-ea"/>
+        <a:cs typeface="+mn-cs"/>
+      </a:defRPr>
+    </a:lvl6pPr>
+    <a:lvl7pPr marL="2743200" algn="l" defTabSz="914400" rtl="0" eaLnBrk="1" latinLnBrk="0" hangingPunct="1">
+      <a:defRPr sz="1200" kern="1200">
+        <a:solidFill>
+          <a:schemeClr val="tx1"/>
+        </a:solidFill>
+        <a:latin typeface="+mn-lt"/>
+        <a:ea typeface="+mn-ea"/>
+        <a:cs typeface="+mn-cs"/>
+      </a:defRPr>
+    </a:lvl7pPr>
+    <a:lvl8pPr marL="3200400" algn="l" defTabSz="914400" rtl="0" eaLnBrk="1" latinLnBrk="0" hangingPunct="1">
+      <a:defRPr sz="1200" kern="1200">
+        <a:solidFill>
+          <a:schemeClr val="tx1"/>
+        </a:solidFill>
+        <a:latin typeface="+mn-lt"/>
+        <a:ea typeface="+mn-ea"/>
+        <a:cs typeface="+mn-cs"/>
+      </a:defRPr>
+    </a:lvl8pPr>
+    <a:lvl9pPr marL="3657600" algn="l" defTabSz="914400" rtl="0" eaLnBrk="1" latinLnBrk="0" hangingPunct="1">
+      <a:defRPr sz="1200" kern="1200">
+        <a:solidFill>
+          <a:schemeClr val="tx1"/>
+        </a:solidFill>
+        <a:latin typeface="+mn-lt"/>
+        <a:ea typeface="+mn-ea"/>
+        <a:cs typeface="+mn-cs"/>
+      </a:defRPr>
+    </a:lvl9pPr>
+  </p:notesStyle>
+</p:notesMaster>
+</file>
+
+<file path=ppt/notesSlides/notesSlide1.xml><?xml version="1.0" encoding="utf-8"?>
+<p:notes xmlns:a="http://schemas.openxmlformats.org/drawingml/2006/main" xmlns:r="http://schemas.openxmlformats.org/officeDocument/2006/relationships" xmlns:p="http://schemas.openxmlformats.org/presentationml/2006/main">
+  <p:cSld>
+    <p:spTree>
+      <p:nvGrpSpPr>
+        <p:cNvPr id="1" name=""/>
+        <p:cNvGrpSpPr/>
+        <p:nvPr/>
+      </p:nvGrpSpPr>
+      <p:grpSpPr>
+        <a:xfrm>
+          <a:off x="0" y="0"/>
+          <a:ext cx="0" cy="0"/>
+          <a:chOff x="0" y="0"/>
+          <a:chExt cx="0" cy="0"/>
+        </a:xfrm>
+      </p:grpSpPr>
+      <p:sp>
+        <p:nvSpPr>
+          <p:cNvPr id="2" name="Slide Image Placeholder 1"/>
+          <p:cNvSpPr>
+            <a:spLocks noGrp="1" noRot="1" noChangeAspect="1"/>
+          </p:cNvSpPr>
+          <p:nvPr>
+            <p:ph type="sldImg"/>
+          </p:nvPr>
+        </p:nvSpPr>
+        <p:spPr/>
+      </p:sp>
+      <p:sp>
+        <p:nvSpPr>
+          <p:cNvPr id="3" name="Notes Placeholder 2"/>
+          <p:cNvSpPr>
+            <a:spLocks noGrp="1"/>
+          </p:cNvSpPr>
+          <p:nvPr>
+            <p:ph type="body" idx="1"/>
+          </p:nvPr>
+        </p:nvSpPr>
+        <p:spPr/>
+        <p:txBody>
+          <a:bodyPr/>
+          <a:lstStyle/>
+          <a:p>
+            <a:endParaRPr lang="en-US" dirty="0"/>
+          </a:p>
+        </p:txBody>
+      </p:sp>
+      <p:sp>
+        <p:nvSpPr>
+          <p:cNvPr id="4" name="Slide Number Placeholder 3"/>
+          <p:cNvSpPr>
+            <a:spLocks noGrp="1"/>
+          </p:cNvSpPr>
+          <p:nvPr>
+            <p:ph type="sldNum" sz="quarter" idx="5"/>
+          </p:nvPr>
+        </p:nvSpPr>
+        <p:spPr/>
+        <p:txBody>
+          <a:bodyPr/>
+          <a:lstStyle/>
+          <a:p>
+            <a:fld id="{BD128F5C-7898-AD4B-BB7B-91B32B82D2BA}" type="slidenum">
+              <a:rPr lang="en-US" smtClean="0"/>
+              <a:t>1</a:t>
+            </a:fld>
+            <a:endParaRPr lang="en-US"/>
+          </a:p>
+        </p:txBody>
+      </p:sp>
+    </p:spTree>
+    <p:extLst>
+      <p:ext uri="{BB962C8B-B14F-4D97-AF65-F5344CB8AC3E}">
+        <p14:creationId xmlns:p14="http://schemas.microsoft.com/office/powerpoint/2010/main" val="216186127"/>
+      </p:ext>
+    </p:extLst>
+  </p:cSld>
+  <p:clrMapOvr>
+    <a:masterClrMapping/>
+  </p:clrMapOvr>
+</p:notes>
+</file>
+
 <file path=ppt/slideLayouts/slideLayout1.xml><?xml version="1.0" encoding="utf-8"?>
 <p:sldLayout xmlns:a="http://schemas.openxmlformats.org/drawingml/2006/main" xmlns:r="http://schemas.openxmlformats.org/officeDocument/2006/relationships" xmlns:p="http://schemas.openxmlformats.org/presentationml/2006/main" type="title" preserve="1">
   <p:cSld name="Title Slide">
@@ -270,7 +706,7 @@
           <a:p>
             <a:fld id="{2322F9CC-3CD8-F64C-9E7A-7649FAE6ACC1}" type="datetimeFigureOut">
               <a:rPr lang="en-US" smtClean="0"/>
-              <a:t>8/18/21</a:t>
+              <a:t>8/25/21</a:t>
             </a:fld>
             <a:endParaRPr lang="en-US" dirty="0"/>
           </a:p>
@@ -468,7 +904,7 @@
           <a:p>
             <a:fld id="{2322F9CC-3CD8-F64C-9E7A-7649FAE6ACC1}" type="datetimeFigureOut">
               <a:rPr lang="en-US" smtClean="0"/>
-              <a:t>8/18/21</a:t>
+              <a:t>8/25/21</a:t>
             </a:fld>
             <a:endParaRPr lang="en-US" dirty="0"/>
           </a:p>
@@ -676,7 +1112,7 @@
           <a:p>
             <a:fld id="{2322F9CC-3CD8-F64C-9E7A-7649FAE6ACC1}" type="datetimeFigureOut">
               <a:rPr lang="en-US" smtClean="0"/>
-              <a:t>8/18/21</a:t>
+              <a:t>8/25/21</a:t>
             </a:fld>
             <a:endParaRPr lang="en-US" dirty="0"/>
           </a:p>
@@ -874,7 +1310,7 @@
           <a:p>
             <a:fld id="{2322F9CC-3CD8-F64C-9E7A-7649FAE6ACC1}" type="datetimeFigureOut">
               <a:rPr lang="en-US" smtClean="0"/>
-              <a:t>8/18/21</a:t>
+              <a:t>8/25/21</a:t>
             </a:fld>
             <a:endParaRPr lang="en-US" dirty="0"/>
           </a:p>
@@ -1149,7 +1585,7 @@
           <a:p>
             <a:fld id="{2322F9CC-3CD8-F64C-9E7A-7649FAE6ACC1}" type="datetimeFigureOut">
               <a:rPr lang="en-US" smtClean="0"/>
-              <a:t>8/18/21</a:t>
+              <a:t>8/25/21</a:t>
             </a:fld>
             <a:endParaRPr lang="en-US" dirty="0"/>
           </a:p>
@@ -1414,7 +1850,7 @@
           <a:p>
             <a:fld id="{2322F9CC-3CD8-F64C-9E7A-7649FAE6ACC1}" type="datetimeFigureOut">
               <a:rPr lang="en-US" smtClean="0"/>
-              <a:t>8/18/21</a:t>
+              <a:t>8/25/21</a:t>
             </a:fld>
             <a:endParaRPr lang="en-US" dirty="0"/>
           </a:p>
@@ -1826,7 +2262,7 @@
           <a:p>
             <a:fld id="{2322F9CC-3CD8-F64C-9E7A-7649FAE6ACC1}" type="datetimeFigureOut">
               <a:rPr lang="en-US" smtClean="0"/>
-              <a:t>8/18/21</a:t>
+              <a:t>8/25/21</a:t>
             </a:fld>
             <a:endParaRPr lang="en-US" dirty="0"/>
           </a:p>
@@ -1967,7 +2403,7 @@
           <a:p>
             <a:fld id="{2322F9CC-3CD8-F64C-9E7A-7649FAE6ACC1}" type="datetimeFigureOut">
               <a:rPr lang="en-US" smtClean="0"/>
-              <a:t>8/18/21</a:t>
+              <a:t>8/25/21</a:t>
             </a:fld>
             <a:endParaRPr lang="en-US" dirty="0"/>
           </a:p>
@@ -2080,7 +2516,7 @@
           <a:p>
             <a:fld id="{2322F9CC-3CD8-F64C-9E7A-7649FAE6ACC1}" type="datetimeFigureOut">
               <a:rPr lang="en-US" smtClean="0"/>
-              <a:t>8/18/21</a:t>
+              <a:t>8/25/21</a:t>
             </a:fld>
             <a:endParaRPr lang="en-US" dirty="0"/>
           </a:p>
@@ -2391,7 +2827,7 @@
           <a:p>
             <a:fld id="{2322F9CC-3CD8-F64C-9E7A-7649FAE6ACC1}" type="datetimeFigureOut">
               <a:rPr lang="en-US" smtClean="0"/>
-              <a:t>8/18/21</a:t>
+              <a:t>8/25/21</a:t>
             </a:fld>
             <a:endParaRPr lang="en-US" dirty="0"/>
           </a:p>
@@ -2679,7 +3115,7 @@
           <a:p>
             <a:fld id="{2322F9CC-3CD8-F64C-9E7A-7649FAE6ACC1}" type="datetimeFigureOut">
               <a:rPr lang="en-US" smtClean="0"/>
-              <a:t>8/18/21</a:t>
+              <a:t>8/25/21</a:t>
             </a:fld>
             <a:endParaRPr lang="en-US" dirty="0"/>
           </a:p>
@@ -2920,7 +3356,7 @@
           <a:p>
             <a:fld id="{2322F9CC-3CD8-F64C-9E7A-7649FAE6ACC1}" type="datetimeFigureOut">
               <a:rPr lang="en-US" smtClean="0"/>
-              <a:t>8/18/21</a:t>
+              <a:t>8/25/21</a:t>
             </a:fld>
             <a:endParaRPr lang="en-US" dirty="0"/>
           </a:p>
@@ -3659,7 +4095,7 @@
           <p:nvPr/>
         </p:nvPicPr>
         <p:blipFill>
-          <a:blip r:embed="rId2"/>
+          <a:blip r:embed="rId3"/>
           <a:stretch>
             <a:fillRect/>
           </a:stretch>
@@ -3689,7 +4125,7 @@
           <p:nvPr/>
         </p:nvPicPr>
         <p:blipFill rotWithShape="1">
-          <a:blip r:embed="rId3"/>
+          <a:blip r:embed="rId4"/>
           <a:srcRect t="18422" b="21042"/>
           <a:stretch/>
         </p:blipFill>
@@ -3709,36 +4145,6 @@
             <a:extLst>
               <a:ext uri="{FF2B5EF4-FFF2-40B4-BE49-F238E27FC236}">
                 <a16:creationId xmlns:a16="http://schemas.microsoft.com/office/drawing/2014/main" id="{2106A338-3629-1844-A0B7-6458D89402DE}"/>
-              </a:ext>
-            </a:extLst>
-          </p:cNvPr>
-          <p:cNvPicPr>
-            <a:picLocks noChangeAspect="1"/>
-          </p:cNvPicPr>
-          <p:nvPr/>
-        </p:nvPicPr>
-        <p:blipFill>
-          <a:blip r:embed="rId4"/>
-          <a:stretch>
-            <a:fillRect/>
-          </a:stretch>
-        </p:blipFill>
-        <p:spPr>
-          <a:xfrm>
-            <a:off x="4389438" y="457200"/>
-            <a:ext cx="2801938" cy="1511300"/>
-          </a:xfrm>
-          <a:prstGeom prst="rect">
-            <a:avLst/>
-          </a:prstGeom>
-        </p:spPr>
-      </p:pic>
-      <p:pic>
-        <p:nvPicPr>
-          <p:cNvPr id="17" name="Picture 16">
-            <a:extLst>
-              <a:ext uri="{FF2B5EF4-FFF2-40B4-BE49-F238E27FC236}">
-                <a16:creationId xmlns:a16="http://schemas.microsoft.com/office/drawing/2014/main" id="{4C4EBA17-6F8E-5441-9315-BF5EC9E41FC9}"/>
               </a:ext>
             </a:extLst>
           </p:cNvPr>
@@ -3755,8 +4161,8 @@
         </p:blipFill>
         <p:spPr>
           <a:xfrm>
-            <a:off x="4389438" y="2044700"/>
-            <a:ext cx="2801938" cy="1476375"/>
+            <a:off x="4389438" y="457200"/>
+            <a:ext cx="2801938" cy="1511300"/>
           </a:xfrm>
           <a:prstGeom prst="rect">
             <a:avLst/>
@@ -3765,10 +4171,10 @@
       </p:pic>
       <p:pic>
         <p:nvPicPr>
-          <p:cNvPr id="7" name="Picture 6" descr="A picture containing plane, road, airplane, runway&#10;&#10;Description automatically generated">
-            <a:extLst>
-              <a:ext uri="{FF2B5EF4-FFF2-40B4-BE49-F238E27FC236}">
-                <a16:creationId xmlns:a16="http://schemas.microsoft.com/office/drawing/2014/main" id="{9E3CA5F9-3933-2A4F-BF81-60AA4E86CBCB}"/>
+          <p:cNvPr id="17" name="Picture 16">
+            <a:extLst>
+              <a:ext uri="{FF2B5EF4-FFF2-40B4-BE49-F238E27FC236}">
+                <a16:creationId xmlns:a16="http://schemas.microsoft.com/office/drawing/2014/main" id="{4C4EBA17-6F8E-5441-9315-BF5EC9E41FC9}"/>
               </a:ext>
             </a:extLst>
           </p:cNvPr>
@@ -3785,8 +4191,8 @@
         </p:blipFill>
         <p:spPr>
           <a:xfrm>
-            <a:off x="4410273" y="3771067"/>
-            <a:ext cx="2801938" cy="2801938"/>
+            <a:off x="4389438" y="2044700"/>
+            <a:ext cx="2801938" cy="1476375"/>
           </a:xfrm>
           <a:prstGeom prst="rect">
             <a:avLst/>
@@ -3795,10 +4201,10 @@
       </p:pic>
       <p:pic>
         <p:nvPicPr>
-          <p:cNvPr id="11" name="Picture 10" descr="A black and white robot&#10;&#10;Description automatically generated with medium confidence">
-            <a:extLst>
-              <a:ext uri="{FF2B5EF4-FFF2-40B4-BE49-F238E27FC236}">
-                <a16:creationId xmlns:a16="http://schemas.microsoft.com/office/drawing/2014/main" id="{344FE286-FD1A-9A44-8795-8A5A3E7153A0}"/>
+          <p:cNvPr id="7" name="Picture 6" descr="A picture containing plane, road, airplane, runway&#10;&#10;Description automatically generated">
+            <a:extLst>
+              <a:ext uri="{FF2B5EF4-FFF2-40B4-BE49-F238E27FC236}">
+                <a16:creationId xmlns:a16="http://schemas.microsoft.com/office/drawing/2014/main" id="{9E3CA5F9-3933-2A4F-BF81-60AA4E86CBCB}"/>
               </a:ext>
             </a:extLst>
           </p:cNvPr>
@@ -3815,8 +4221,8 @@
         </p:blipFill>
         <p:spPr>
           <a:xfrm>
-            <a:off x="7269163" y="457200"/>
-            <a:ext cx="2193925" cy="1397000"/>
+            <a:off x="4410273" y="3771067"/>
+            <a:ext cx="2801938" cy="2801938"/>
           </a:xfrm>
           <a:prstGeom prst="rect">
             <a:avLst/>
@@ -3825,10 +4231,10 @@
       </p:pic>
       <p:pic>
         <p:nvPicPr>
-          <p:cNvPr id="15" name="Picture 14" descr="A close-up of a helmet&#10;&#10;Description automatically generated with low confidence">
-            <a:extLst>
-              <a:ext uri="{FF2B5EF4-FFF2-40B4-BE49-F238E27FC236}">
-                <a16:creationId xmlns:a16="http://schemas.microsoft.com/office/drawing/2014/main" id="{A4AB7D75-3FCF-0447-92B8-4E28360E7C1B}"/>
+          <p:cNvPr id="11" name="Picture 10" descr="A black and white robot&#10;&#10;Description automatically generated with medium confidence">
+            <a:extLst>
+              <a:ext uri="{FF2B5EF4-FFF2-40B4-BE49-F238E27FC236}">
+                <a16:creationId xmlns:a16="http://schemas.microsoft.com/office/drawing/2014/main" id="{344FE286-FD1A-9A44-8795-8A5A3E7153A0}"/>
               </a:ext>
             </a:extLst>
           </p:cNvPr>
@@ -3845,6 +4251,36 @@
         </p:blipFill>
         <p:spPr>
           <a:xfrm>
+            <a:off x="7269163" y="457200"/>
+            <a:ext cx="2193925" cy="1397000"/>
+          </a:xfrm>
+          <a:prstGeom prst="rect">
+            <a:avLst/>
+          </a:prstGeom>
+        </p:spPr>
+      </p:pic>
+      <p:pic>
+        <p:nvPicPr>
+          <p:cNvPr id="15" name="Picture 14" descr="A close-up of a helmet&#10;&#10;Description automatically generated with low confidence">
+            <a:extLst>
+              <a:ext uri="{FF2B5EF4-FFF2-40B4-BE49-F238E27FC236}">
+                <a16:creationId xmlns:a16="http://schemas.microsoft.com/office/drawing/2014/main" id="{A4AB7D75-3FCF-0447-92B8-4E28360E7C1B}"/>
+              </a:ext>
+            </a:extLst>
+          </p:cNvPr>
+          <p:cNvPicPr>
+            <a:picLocks noChangeAspect="1"/>
+          </p:cNvPicPr>
+          <p:nvPr/>
+        </p:nvPicPr>
+        <p:blipFill>
+          <a:blip r:embed="rId9"/>
+          <a:stretch>
+            <a:fillRect/>
+          </a:stretch>
+        </p:blipFill>
+        <p:spPr>
+          <a:xfrm>
             <a:off x="9540875" y="457200"/>
             <a:ext cx="2193925" cy="1397000"/>
           </a:xfrm>
@@ -3868,7 +4304,7 @@
           <p:nvPr/>
         </p:nvPicPr>
         <p:blipFill rotWithShape="1">
-          <a:blip r:embed="rId9"/>
+          <a:blip r:embed="rId10"/>
           <a:srcRect t="31994" b="31412"/>
           <a:stretch/>
         </p:blipFill>
@@ -3970,7 +4406,7 @@
                   <a:schemeClr val="bg1"/>
                 </a:solidFill>
               </a:rPr>
-              <a:t>BY JEAN BAPTISTE MBAYA</a:t>
+              <a:t>BY JEAN BAPTISTE MBAYA / Woz –U</a:t>
             </a:r>
           </a:p>
         </p:txBody>
@@ -4927,7 +5363,7 @@
             </a:pPr>
             <a:r>
               <a:rPr lang="en-US" sz="1600" dirty="0"/>
-              <a:t>Autonomous UAVs would be able to fly and land safely without causing injuries.</a:t>
+              <a:t>UAVs would be able to fly and land safely without causing injuries.</a:t>
             </a:r>
           </a:p>
           <a:p>
@@ -5748,12 +6184,12 @@
   </p:clrMapOvr>
   <mc:AlternateContent xmlns:mc="http://schemas.openxmlformats.org/markup-compatibility/2006" xmlns:p14="http://schemas.microsoft.com/office/powerpoint/2010/main">
     <mc:Choice Requires="p14">
-      <p:transition spd="slow" p14:dur="1600" advTm="3">
+      <p:transition spd="slow" p14:dur="1600">
         <p14:gallery dir="l"/>
       </p:transition>
     </mc:Choice>
     <mc:Fallback xmlns="">
-      <p:transition spd="slow" advTm="3">
+      <p:transition spd="slow">
         <p:fade/>
       </p:transition>
     </mc:Fallback>
@@ -6923,7 +7359,7 @@
         </p:nvSpPr>
         <p:spPr>
           <a:xfrm>
-            <a:off x="4024538" y="457606"/>
+            <a:off x="4040659" y="161100"/>
             <a:ext cx="5960907" cy="922102"/>
           </a:xfrm>
         </p:spPr>
@@ -6976,7 +7412,7 @@
           <a:p>
             <a:pPr marL="342900" indent="-342900">
               <a:lnSpc>
-                <a:spcPct val="90000"/>
+                <a:spcPct val="150000"/>
               </a:lnSpc>
               <a:spcAft>
                 <a:spcPts val="600"/>
@@ -6998,13 +7434,13 @@
                   <a:srgbClr val="FFFFFF"/>
                 </a:solidFill>
               </a:rPr>
-              <a:t> a Cloud Data Analyst &amp; Power BI at AT&amp;T </a:t>
+              <a:t> a Cloud Data Analyst &amp; Power BI Dev at AT&amp;T </a:t>
             </a:r>
           </a:p>
           <a:p>
             <a:pPr marL="800100" lvl="1" indent="-342900">
               <a:lnSpc>
-                <a:spcPct val="90000"/>
+                <a:spcPct val="150000"/>
               </a:lnSpc>
               <a:spcAft>
                 <a:spcPts val="600"/>
@@ -7024,7 +7460,7 @@
           <a:p>
             <a:pPr marL="800100" lvl="1" indent="-342900">
               <a:lnSpc>
-                <a:spcPct val="90000"/>
+                <a:spcPct val="150000"/>
               </a:lnSpc>
               <a:spcAft>
                 <a:spcPts val="600"/>
@@ -7038,13 +7474,13 @@
                   <a:srgbClr val="FFFFFF"/>
                 </a:solidFill>
               </a:rPr>
-              <a:t>Data Analyst - Data Engineer at Millennial R&amp;D, LLC</a:t>
+              <a:t>Data Analyst - Data Engineer at Millennial R&amp;D, LLC…</a:t>
             </a:r>
           </a:p>
           <a:p>
             <a:pPr marL="800100" lvl="1" indent="-342900">
               <a:lnSpc>
-                <a:spcPct val="90000"/>
+                <a:spcPct val="150000"/>
               </a:lnSpc>
               <a:spcAft>
                 <a:spcPts val="600"/>
@@ -7094,8 +7530,8 @@
         </p:nvSpPr>
         <p:spPr>
           <a:xfrm>
-            <a:off x="1225694" y="4451473"/>
-            <a:ext cx="9195487" cy="1785104"/>
+            <a:off x="1032994" y="3645559"/>
+            <a:ext cx="9195487" cy="3062377"/>
           </a:xfrm>
           <a:prstGeom prst="rect">
             <a:avLst/>
@@ -7110,7 +7546,7 @@
           <a:p>
             <a:pPr marL="342900" indent="-342900">
               <a:lnSpc>
-                <a:spcPct val="90000"/>
+                <a:spcPct val="150000"/>
               </a:lnSpc>
               <a:spcAft>
                 <a:spcPts val="600"/>
@@ -7130,7 +7566,7 @@
           <a:p>
             <a:pPr marL="800100" lvl="1" indent="-342900">
               <a:lnSpc>
-                <a:spcPct val="90000"/>
+                <a:spcPct val="150000"/>
               </a:lnSpc>
               <a:spcAft>
                 <a:spcPts val="600"/>
@@ -7150,7 +7586,7 @@
           <a:p>
             <a:pPr marL="800100" lvl="1" indent="-342900">
               <a:lnSpc>
-                <a:spcPct val="90000"/>
+                <a:spcPct val="150000"/>
               </a:lnSpc>
               <a:spcAft>
                 <a:spcPts val="600"/>
@@ -7170,7 +7606,7 @@
           <a:p>
             <a:pPr marL="800100" lvl="1" indent="-342900">
               <a:lnSpc>
-                <a:spcPct val="90000"/>
+                <a:spcPct val="150000"/>
               </a:lnSpc>
               <a:spcAft>
                 <a:spcPts val="600"/>
@@ -7184,7 +7620,27 @@
                   <a:srgbClr val="FFFFFF"/>
                 </a:solidFill>
               </a:rPr>
-              <a:t>Area of interest: ML and AI</a:t>
+              <a:t>Expecting Certification in Data Science from Woz –U …</a:t>
+            </a:r>
+          </a:p>
+          <a:p>
+            <a:pPr marL="800100" lvl="1" indent="-342900">
+              <a:lnSpc>
+                <a:spcPct val="150000"/>
+              </a:lnSpc>
+              <a:spcAft>
+                <a:spcPts val="600"/>
+              </a:spcAft>
+              <a:buFont typeface="Arial" panose="020B0604020202020204" pitchFamily="34" charset="0"/>
+              <a:buChar char="•"/>
+            </a:pPr>
+            <a:r>
+              <a:rPr lang="en-US" sz="2000" dirty="0">
+                <a:solidFill>
+                  <a:srgbClr val="FFFFFF"/>
+                </a:solidFill>
+              </a:rPr>
+              <a:t>Areas of focus: ML and AI</a:t>
             </a:r>
           </a:p>
           <a:p>
@@ -7206,7 +7662,7 @@
         </p:nvCxnSpPr>
         <p:spPr>
           <a:xfrm>
-            <a:off x="4102443" y="1421027"/>
+            <a:off x="4102443" y="1263263"/>
             <a:ext cx="8089554" cy="0"/>
           </a:xfrm>
           <a:prstGeom prst="line">
@@ -9147,7 +9603,7 @@
             </a:pPr>
             <a:r>
               <a:rPr lang="en-US" b="1" dirty="0"/>
-              <a:t>There are two questions that we’re researching in our project:</a:t>
+              <a:t>There are two questions that are researched in this project:</a:t>
             </a:r>
           </a:p>
           <a:p>
@@ -9176,7 +9632,7 @@
             </a:pPr>
             <a:r>
               <a:rPr lang="en-US" dirty="0"/>
-              <a:t>Which variables have the highest influence?</a:t>
+              <a:t>Which attributes have the highest influence?</a:t>
             </a:r>
           </a:p>
           <a:p>
@@ -9205,7 +9661,7 @@
             </a:pPr>
             <a:r>
               <a:rPr lang="en-US" dirty="0"/>
-              <a:t>Could we build a machine learning model to predict at least 80% accuracy?</a:t>
+              <a:t>Is it possible to build a machine learning model predicting failure at least 80% accuracy?</a:t>
             </a:r>
           </a:p>
         </p:txBody>
@@ -9961,7 +10417,7 @@
         <p:spPr>
           <a:xfrm>
             <a:off x="261247" y="6248807"/>
-            <a:ext cx="5441859" cy="518435"/>
+            <a:ext cx="5834753" cy="518435"/>
           </a:xfrm>
           <a:prstGeom prst="rect">
             <a:avLst/>
@@ -9989,8 +10445,13 @@
             </a:r>
             <a:r>
               <a:rPr lang="en-US" dirty="0"/>
-              <a:t>Jupiter Notebook,  GitHub, Python and R</a:t>
+              <a:t>Jupiter Notebook,  GitHub, Python and </a:t>
             </a:r>
+            <a:r>
+              <a:rPr lang="en-US" dirty="0" err="1"/>
+              <a:t>Rstudio</a:t>
+            </a:r>
+            <a:endParaRPr lang="en-US" dirty="0"/>
           </a:p>
           <a:p>
             <a:pPr>
@@ -10118,783 +10579,723 @@
           </a:p>
         </p:txBody>
       </p:sp>
-      <p:grpSp>
-        <p:nvGrpSpPr>
-          <p:cNvPr id="29" name="Group 28">
-            <a:extLst>
-              <a:ext uri="{FF2B5EF4-FFF2-40B4-BE49-F238E27FC236}">
-                <a16:creationId xmlns:a16="http://schemas.microsoft.com/office/drawing/2014/main" id="{FD446A0E-B44B-5E43-A4BC-A205DDB5F025}"/>
-              </a:ext>
-            </a:extLst>
-          </p:cNvPr>
-          <p:cNvGrpSpPr/>
+      <p:sp>
+        <p:nvSpPr>
+          <p:cNvPr id="22" name="Rectangle 21">
+            <a:extLst>
+              <a:ext uri="{FF2B5EF4-FFF2-40B4-BE49-F238E27FC236}">
+                <a16:creationId xmlns:a16="http://schemas.microsoft.com/office/drawing/2014/main" id="{9916B528-6CB3-B645-9390-742DC642AB44}"/>
+              </a:ext>
+            </a:extLst>
+          </p:cNvPr>
+          <p:cNvSpPr/>
           <p:nvPr/>
-        </p:nvGrpSpPr>
-        <p:grpSpPr>
+        </p:nvSpPr>
+        <p:spPr>
           <a:xfrm>
-            <a:off x="5940357" y="1763510"/>
-            <a:ext cx="5609220" cy="4800784"/>
-            <a:chOff x="6206574" y="1586712"/>
-            <a:chExt cx="5647797" cy="5054249"/>
-          </a:xfrm>
-        </p:grpSpPr>
-        <p:sp>
-          <p:nvSpPr>
-            <p:cNvPr id="22" name="Rectangle 21">
-              <a:extLst>
-                <a:ext uri="{FF2B5EF4-FFF2-40B4-BE49-F238E27FC236}">
-                  <a16:creationId xmlns:a16="http://schemas.microsoft.com/office/drawing/2014/main" id="{9916B528-6CB3-B645-9390-742DC642AB44}"/>
-                </a:ext>
-              </a:extLst>
-            </p:cNvPr>
-            <p:cNvSpPr/>
-            <p:nvPr/>
-          </p:nvSpPr>
-          <p:spPr>
-            <a:xfrm>
-              <a:off x="8231495" y="1586712"/>
-              <a:ext cx="3622876" cy="5054249"/>
-            </a:xfrm>
-            <a:prstGeom prst="rect">
-              <a:avLst/>
-            </a:prstGeom>
+            <a:off x="7951447" y="1763510"/>
+            <a:ext cx="3598130" cy="4800784"/>
+          </a:xfrm>
+          <a:prstGeom prst="rect">
+            <a:avLst/>
+          </a:prstGeom>
+          <a:solidFill>
+            <a:schemeClr val="accent1">
+              <a:lumMod val="20000"/>
+              <a:lumOff val="80000"/>
+              <a:alpha val="82148"/>
+            </a:schemeClr>
+          </a:solidFill>
+          <a:ln>
+            <a:noFill/>
+          </a:ln>
+        </p:spPr>
+        <p:style>
+          <a:lnRef idx="2">
+            <a:schemeClr val="accent1">
+              <a:shade val="50000"/>
+            </a:schemeClr>
+          </a:lnRef>
+          <a:fillRef idx="1">
+            <a:schemeClr val="accent1"/>
+          </a:fillRef>
+          <a:effectRef idx="0">
+            <a:schemeClr val="accent1"/>
+          </a:effectRef>
+          <a:fontRef idx="minor">
+            <a:schemeClr val="lt1"/>
+          </a:fontRef>
+        </p:style>
+        <p:txBody>
+          <a:bodyPr rtlCol="0" anchor="ctr"/>
+          <a:lstStyle/>
+          <a:p>
+            <a:pPr algn="ctr"/>
+            <a:endParaRPr lang="en-US"/>
+          </a:p>
+        </p:txBody>
+      </p:sp>
+      <p:sp>
+        <p:nvSpPr>
+          <p:cNvPr id="16" name="Down Arrow 15">
+            <a:extLst>
+              <a:ext uri="{FF2B5EF4-FFF2-40B4-BE49-F238E27FC236}">
+                <a16:creationId xmlns:a16="http://schemas.microsoft.com/office/drawing/2014/main" id="{85315B3B-F865-1146-859B-635D58CE3B99}"/>
+              </a:ext>
+            </a:extLst>
+          </p:cNvPr>
+          <p:cNvSpPr/>
+          <p:nvPr/>
+        </p:nvSpPr>
+        <p:spPr>
+          <a:xfrm>
+            <a:off x="9479552" y="2564484"/>
+            <a:ext cx="438826" cy="240446"/>
+          </a:xfrm>
+          <a:prstGeom prst="downArrow">
+            <a:avLst/>
+          </a:prstGeom>
+          <a:solidFill>
+            <a:schemeClr val="bg1"/>
+          </a:solidFill>
+          <a:ln>
+            <a:noFill/>
+          </a:ln>
+        </p:spPr>
+        <p:style>
+          <a:lnRef idx="2">
+            <a:schemeClr val="accent1">
+              <a:shade val="50000"/>
+            </a:schemeClr>
+          </a:lnRef>
+          <a:fillRef idx="1">
+            <a:schemeClr val="accent1"/>
+          </a:fillRef>
+          <a:effectRef idx="0">
+            <a:schemeClr val="accent1"/>
+          </a:effectRef>
+          <a:fontRef idx="minor">
+            <a:schemeClr val="lt1"/>
+          </a:fontRef>
+        </p:style>
+        <p:txBody>
+          <a:bodyPr rtlCol="0" anchor="ctr"/>
+          <a:lstStyle/>
+          <a:p>
+            <a:pPr algn="ctr"/>
+            <a:endParaRPr lang="en-US"/>
+          </a:p>
+        </p:txBody>
+      </p:sp>
+      <p:sp>
+        <p:nvSpPr>
+          <p:cNvPr id="4" name="Rectangle 3">
+            <a:extLst>
+              <a:ext uri="{FF2B5EF4-FFF2-40B4-BE49-F238E27FC236}">
+                <a16:creationId xmlns:a16="http://schemas.microsoft.com/office/drawing/2014/main" id="{9DB8B7AD-9FE5-FB44-AD44-8CBF3A401292}"/>
+              </a:ext>
+            </a:extLst>
+          </p:cNvPr>
+          <p:cNvSpPr/>
+          <p:nvPr/>
+        </p:nvSpPr>
+        <p:spPr>
+          <a:xfrm>
+            <a:off x="9187411" y="3600391"/>
+            <a:ext cx="1023110" cy="417781"/>
+          </a:xfrm>
+          <a:prstGeom prst="rect">
+            <a:avLst/>
+          </a:prstGeom>
+          <a:solidFill>
+            <a:schemeClr val="bg1">
+              <a:alpha val="62000"/>
+            </a:schemeClr>
+          </a:solidFill>
+          <a:ln>
+            <a:noFill/>
+          </a:ln>
+        </p:spPr>
+        <p:style>
+          <a:lnRef idx="2">
+            <a:schemeClr val="accent1">
+              <a:shade val="50000"/>
+            </a:schemeClr>
+          </a:lnRef>
+          <a:fillRef idx="1">
+            <a:schemeClr val="accent1"/>
+          </a:fillRef>
+          <a:effectRef idx="0">
+            <a:schemeClr val="accent1"/>
+          </a:effectRef>
+          <a:fontRef idx="minor">
+            <a:schemeClr val="lt1"/>
+          </a:fontRef>
+        </p:style>
+        <p:txBody>
+          <a:bodyPr rtlCol="0" anchor="ctr"/>
+          <a:lstStyle/>
+          <a:p>
+            <a:pPr algn="ctr"/>
+            <a:r>
+              <a:rPr lang="en-US" sz="1400" dirty="0"/>
+              <a:t>Data Exp</a:t>
+            </a:r>
+          </a:p>
+        </p:txBody>
+      </p:sp>
+      <p:sp>
+        <p:nvSpPr>
+          <p:cNvPr id="9" name="Rectangle 8">
+            <a:extLst>
+              <a:ext uri="{FF2B5EF4-FFF2-40B4-BE49-F238E27FC236}">
+                <a16:creationId xmlns:a16="http://schemas.microsoft.com/office/drawing/2014/main" id="{4CBD9124-7B22-2743-9749-68FFAA372099}"/>
+              </a:ext>
+            </a:extLst>
+          </p:cNvPr>
+          <p:cNvSpPr/>
+          <p:nvPr/>
+        </p:nvSpPr>
+        <p:spPr>
+          <a:xfrm>
+            <a:off x="9187410" y="2841391"/>
+            <a:ext cx="1023110" cy="417781"/>
+          </a:xfrm>
+          <a:prstGeom prst="rect">
+            <a:avLst/>
+          </a:prstGeom>
+          <a:solidFill>
+            <a:schemeClr val="bg1">
+              <a:alpha val="62000"/>
+            </a:schemeClr>
+          </a:solidFill>
+          <a:ln>
+            <a:noFill/>
+          </a:ln>
+        </p:spPr>
+        <p:style>
+          <a:lnRef idx="2">
+            <a:schemeClr val="accent1">
+              <a:shade val="50000"/>
+            </a:schemeClr>
+          </a:lnRef>
+          <a:fillRef idx="1">
+            <a:schemeClr val="accent1"/>
+          </a:fillRef>
+          <a:effectRef idx="0">
+            <a:schemeClr val="accent1"/>
+          </a:effectRef>
+          <a:fontRef idx="minor">
+            <a:schemeClr val="lt1"/>
+          </a:fontRef>
+        </p:style>
+        <p:txBody>
+          <a:bodyPr rtlCol="0" anchor="ctr"/>
+          <a:lstStyle/>
+          <a:p>
+            <a:pPr algn="ctr"/>
+            <a:r>
+              <a:rPr lang="en-US" sz="1400" dirty="0"/>
+              <a:t>Data Prep</a:t>
+            </a:r>
+          </a:p>
+        </p:txBody>
+      </p:sp>
+      <p:sp>
+        <p:nvSpPr>
+          <p:cNvPr id="10" name="Rectangle 9">
+            <a:extLst>
+              <a:ext uri="{FF2B5EF4-FFF2-40B4-BE49-F238E27FC236}">
+                <a16:creationId xmlns:a16="http://schemas.microsoft.com/office/drawing/2014/main" id="{09B379BF-E6C7-084A-AE03-F96F894110C0}"/>
+              </a:ext>
+            </a:extLst>
+          </p:cNvPr>
+          <p:cNvSpPr/>
+          <p:nvPr/>
+        </p:nvSpPr>
+        <p:spPr>
+          <a:xfrm>
+            <a:off x="8730787" y="1868268"/>
+            <a:ext cx="1997084" cy="702641"/>
+          </a:xfrm>
+          <a:prstGeom prst="rect">
+            <a:avLst/>
+          </a:prstGeom>
+          <a:solidFill>
+            <a:schemeClr val="bg1">
+              <a:alpha val="62000"/>
+            </a:schemeClr>
+          </a:solidFill>
+          <a:ln>
+            <a:noFill/>
+          </a:ln>
+        </p:spPr>
+        <p:style>
+          <a:lnRef idx="2">
+            <a:schemeClr val="accent1">
+              <a:shade val="50000"/>
+            </a:schemeClr>
+          </a:lnRef>
+          <a:fillRef idx="1">
+            <a:schemeClr val="accent1"/>
+          </a:fillRef>
+          <a:effectRef idx="0">
+            <a:schemeClr val="accent1"/>
+          </a:effectRef>
+          <a:fontRef idx="minor">
+            <a:schemeClr val="lt1"/>
+          </a:fontRef>
+        </p:style>
+        <p:txBody>
+          <a:bodyPr rtlCol="0" anchor="ctr"/>
+          <a:lstStyle/>
+          <a:p>
+            <a:pPr algn="ctr"/>
+            <a:r>
+              <a:rPr lang="en-US" sz="1400" dirty="0"/>
+              <a:t>Data Collection  &amp; Wrangling</a:t>
+            </a:r>
+          </a:p>
+        </p:txBody>
+      </p:sp>
+      <p:sp>
+        <p:nvSpPr>
+          <p:cNvPr id="13" name="Down Arrow 12">
+            <a:extLst>
+              <a:ext uri="{FF2B5EF4-FFF2-40B4-BE49-F238E27FC236}">
+                <a16:creationId xmlns:a16="http://schemas.microsoft.com/office/drawing/2014/main" id="{9BAB3519-116A-D54E-9EF2-CBA3971F38A9}"/>
+              </a:ext>
+            </a:extLst>
+          </p:cNvPr>
+          <p:cNvSpPr/>
+          <p:nvPr/>
+        </p:nvSpPr>
+        <p:spPr>
+          <a:xfrm>
+            <a:off x="9479552" y="3966074"/>
+            <a:ext cx="445938" cy="298970"/>
+          </a:xfrm>
+          <a:prstGeom prst="downArrow">
+            <a:avLst/>
+          </a:prstGeom>
+          <a:solidFill>
+            <a:schemeClr val="bg1"/>
+          </a:solidFill>
+          <a:ln>
+            <a:noFill/>
+          </a:ln>
+        </p:spPr>
+        <p:style>
+          <a:lnRef idx="2">
+            <a:schemeClr val="accent1">
+              <a:shade val="50000"/>
+            </a:schemeClr>
+          </a:lnRef>
+          <a:fillRef idx="1">
+            <a:schemeClr val="accent1"/>
+          </a:fillRef>
+          <a:effectRef idx="0">
+            <a:schemeClr val="accent1"/>
+          </a:effectRef>
+          <a:fontRef idx="minor">
+            <a:schemeClr val="lt1"/>
+          </a:fontRef>
+        </p:style>
+        <p:txBody>
+          <a:bodyPr rtlCol="0" anchor="ctr"/>
+          <a:lstStyle/>
+          <a:p>
+            <a:pPr algn="ctr"/>
+            <a:endParaRPr lang="en-US"/>
+          </a:p>
+        </p:txBody>
+      </p:sp>
+      <p:sp>
+        <p:nvSpPr>
+          <p:cNvPr id="15" name="Down Arrow 14">
+            <a:extLst>
+              <a:ext uri="{FF2B5EF4-FFF2-40B4-BE49-F238E27FC236}">
+                <a16:creationId xmlns:a16="http://schemas.microsoft.com/office/drawing/2014/main" id="{6CB1C1FA-EA66-914F-A5D9-3FC158FD27AB}"/>
+              </a:ext>
+            </a:extLst>
+          </p:cNvPr>
+          <p:cNvSpPr/>
+          <p:nvPr/>
+        </p:nvSpPr>
+        <p:spPr>
+          <a:xfrm>
+            <a:off x="9479552" y="3225710"/>
+            <a:ext cx="415452" cy="303944"/>
+          </a:xfrm>
+          <a:prstGeom prst="downArrow">
+            <a:avLst/>
+          </a:prstGeom>
+          <a:solidFill>
+            <a:schemeClr val="bg1"/>
+          </a:solidFill>
+          <a:ln>
+            <a:noFill/>
+          </a:ln>
+        </p:spPr>
+        <p:style>
+          <a:lnRef idx="2">
+            <a:schemeClr val="accent1">
+              <a:shade val="50000"/>
+            </a:schemeClr>
+          </a:lnRef>
+          <a:fillRef idx="1">
+            <a:schemeClr val="accent1"/>
+          </a:fillRef>
+          <a:effectRef idx="0">
+            <a:schemeClr val="accent1"/>
+          </a:effectRef>
+          <a:fontRef idx="minor">
+            <a:schemeClr val="lt1"/>
+          </a:fontRef>
+        </p:style>
+        <p:txBody>
+          <a:bodyPr rtlCol="0" anchor="ctr"/>
+          <a:lstStyle/>
+          <a:p>
+            <a:pPr algn="ctr"/>
+            <a:endParaRPr lang="en-US"/>
+          </a:p>
+        </p:txBody>
+      </p:sp>
+      <p:sp>
+        <p:nvSpPr>
+          <p:cNvPr id="12" name="TextBox 11">
+            <a:extLst>
+              <a:ext uri="{FF2B5EF4-FFF2-40B4-BE49-F238E27FC236}">
+                <a16:creationId xmlns:a16="http://schemas.microsoft.com/office/drawing/2014/main" id="{964B3054-FC58-4F40-B4C1-356448A817BF}"/>
+              </a:ext>
+            </a:extLst>
+          </p:cNvPr>
+          <p:cNvSpPr txBox="1"/>
+          <p:nvPr/>
+        </p:nvSpPr>
+        <p:spPr>
+          <a:xfrm>
+            <a:off x="6631797" y="5202527"/>
+            <a:ext cx="1088114" cy="350810"/>
+          </a:xfrm>
+          <a:prstGeom prst="rect">
+            <a:avLst/>
+          </a:prstGeom>
+          <a:noFill/>
+        </p:spPr>
+        <p:txBody>
+          <a:bodyPr wrap="square" rtlCol="0">
+            <a:spAutoFit/>
+          </a:bodyPr>
+          <a:lstStyle/>
+          <a:p>
+            <a:r>
+              <a:rPr lang="en-US" b="1" dirty="0"/>
+              <a:t>Analysis</a:t>
+            </a:r>
+            <a:endParaRPr lang="en-US" dirty="0"/>
+          </a:p>
+        </p:txBody>
+      </p:sp>
+      <p:sp>
+        <p:nvSpPr>
+          <p:cNvPr id="7" name="Rectangle 6">
+            <a:extLst>
+              <a:ext uri="{FF2B5EF4-FFF2-40B4-BE49-F238E27FC236}">
+                <a16:creationId xmlns:a16="http://schemas.microsoft.com/office/drawing/2014/main" id="{0A611001-E1AC-3F41-B8EB-17BF1F95BAEF}"/>
+              </a:ext>
+            </a:extLst>
+          </p:cNvPr>
+          <p:cNvSpPr/>
+          <p:nvPr/>
+        </p:nvSpPr>
+        <p:spPr>
+          <a:xfrm>
+            <a:off x="8617278" y="4465412"/>
+            <a:ext cx="2253142" cy="1825041"/>
+          </a:xfrm>
+          <a:prstGeom prst="rect">
+            <a:avLst/>
+          </a:prstGeom>
+          <a:solidFill>
+            <a:schemeClr val="accent1">
+              <a:alpha val="62000"/>
+            </a:schemeClr>
+          </a:solidFill>
+          <a:ln>
+            <a:solidFill>
+              <a:schemeClr val="accent1">
+                <a:shade val="50000"/>
+                <a:alpha val="77249"/>
+              </a:schemeClr>
+            </a:solidFill>
+          </a:ln>
+        </p:spPr>
+        <p:style>
+          <a:lnRef idx="2">
+            <a:schemeClr val="accent1">
+              <a:shade val="50000"/>
+            </a:schemeClr>
+          </a:lnRef>
+          <a:fillRef idx="1">
+            <a:schemeClr val="accent1"/>
+          </a:fillRef>
+          <a:effectRef idx="0">
+            <a:schemeClr val="accent1"/>
+          </a:effectRef>
+          <a:fontRef idx="minor">
+            <a:schemeClr val="lt1"/>
+          </a:fontRef>
+        </p:style>
+        <p:txBody>
+          <a:bodyPr rtlCol="0" anchor="ctr"/>
+          <a:lstStyle/>
+          <a:p>
+            <a:pPr algn="ctr"/>
+            <a:endParaRPr lang="en-US"/>
+          </a:p>
+        </p:txBody>
+      </p:sp>
+      <p:sp>
+        <p:nvSpPr>
+          <p:cNvPr id="8" name="Rectangle 7">
+            <a:extLst>
+              <a:ext uri="{FF2B5EF4-FFF2-40B4-BE49-F238E27FC236}">
+                <a16:creationId xmlns:a16="http://schemas.microsoft.com/office/drawing/2014/main" id="{D2C78EC0-A002-F04F-AA22-552422A412BE}"/>
+              </a:ext>
+            </a:extLst>
+          </p:cNvPr>
+          <p:cNvSpPr/>
+          <p:nvPr/>
+        </p:nvSpPr>
+        <p:spPr>
+          <a:xfrm>
+            <a:off x="9238957" y="4711527"/>
+            <a:ext cx="1023111" cy="417781"/>
+          </a:xfrm>
+          <a:prstGeom prst="rect">
+            <a:avLst/>
+          </a:prstGeom>
+          <a:solidFill>
+            <a:schemeClr val="bg1">
+              <a:alpha val="80000"/>
+            </a:schemeClr>
+          </a:solidFill>
+          <a:ln>
+            <a:noFill/>
+          </a:ln>
+        </p:spPr>
+        <p:style>
+          <a:lnRef idx="2">
+            <a:schemeClr val="accent1">
+              <a:shade val="50000"/>
+            </a:schemeClr>
+          </a:lnRef>
+          <a:fillRef idx="1">
+            <a:schemeClr val="accent1"/>
+          </a:fillRef>
+          <a:effectRef idx="0">
+            <a:schemeClr val="accent1"/>
+          </a:effectRef>
+          <a:fontRef idx="minor">
+            <a:schemeClr val="lt1"/>
+          </a:fontRef>
+        </p:style>
+        <p:txBody>
+          <a:bodyPr rtlCol="0" anchor="ctr"/>
+          <a:lstStyle/>
+          <a:p>
+            <a:pPr algn="ctr"/>
+            <a:r>
+              <a:rPr lang="en-US" sz="1400" dirty="0"/>
+              <a:t>Backward Elimination</a:t>
+            </a:r>
+          </a:p>
+        </p:txBody>
+      </p:sp>
+      <p:sp>
+        <p:nvSpPr>
+          <p:cNvPr id="11" name="Rectangle 10">
+            <a:extLst>
+              <a:ext uri="{FF2B5EF4-FFF2-40B4-BE49-F238E27FC236}">
+                <a16:creationId xmlns:a16="http://schemas.microsoft.com/office/drawing/2014/main" id="{F256F7A8-A673-6E4E-981B-B82BEEA2B972}"/>
+              </a:ext>
+            </a:extLst>
+          </p:cNvPr>
+          <p:cNvSpPr/>
+          <p:nvPr/>
+        </p:nvSpPr>
+        <p:spPr>
+          <a:xfrm>
+            <a:off x="9233399" y="5647605"/>
+            <a:ext cx="1023111" cy="417781"/>
+          </a:xfrm>
+          <a:prstGeom prst="rect">
+            <a:avLst/>
+          </a:prstGeom>
+          <a:solidFill>
+            <a:schemeClr val="bg1">
+              <a:alpha val="80000"/>
+            </a:schemeClr>
+          </a:solidFill>
+          <a:ln>
+            <a:noFill/>
+          </a:ln>
+        </p:spPr>
+        <p:style>
+          <a:lnRef idx="2">
+            <a:schemeClr val="accent1">
+              <a:shade val="50000"/>
+            </a:schemeClr>
+          </a:lnRef>
+          <a:fillRef idx="1">
+            <a:schemeClr val="accent1"/>
+          </a:fillRef>
+          <a:effectRef idx="0">
+            <a:schemeClr val="accent1"/>
+          </a:effectRef>
+          <a:fontRef idx="minor">
+            <a:schemeClr val="lt1"/>
+          </a:fontRef>
+        </p:style>
+        <p:txBody>
+          <a:bodyPr rtlCol="0" anchor="ctr"/>
+          <a:lstStyle/>
+          <a:p>
+            <a:pPr algn="ctr"/>
+            <a:r>
+              <a:rPr lang="en-US" sz="1600" dirty="0"/>
+              <a:t>ML</a:t>
+            </a:r>
+            <a:endParaRPr lang="en-US" dirty="0"/>
+          </a:p>
+        </p:txBody>
+      </p:sp>
+      <p:cxnSp>
+        <p:nvCxnSpPr>
+          <p:cNvPr id="17" name="Straight Arrow Connector 16">
+            <a:extLst>
+              <a:ext uri="{FF2B5EF4-FFF2-40B4-BE49-F238E27FC236}">
+                <a16:creationId xmlns:a16="http://schemas.microsoft.com/office/drawing/2014/main" id="{B4F4F91A-8079-D244-9C83-E6466BD0829E}"/>
+              </a:ext>
+            </a:extLst>
+          </p:cNvPr>
+          <p:cNvCxnSpPr>
+            <a:cxnSpLocks/>
+            <a:stCxn id="7" idx="1"/>
+          </p:cNvCxnSpPr>
+          <p:nvPr/>
+        </p:nvCxnSpPr>
+        <p:spPr>
+          <a:xfrm flipH="1">
+            <a:off x="7490707" y="5377933"/>
+            <a:ext cx="1126571" cy="0"/>
+          </a:xfrm>
+          <a:prstGeom prst="straightConnector1">
+            <a:avLst/>
+          </a:prstGeom>
+          <a:ln w="19050">
+            <a:tailEnd type="triangle"/>
+          </a:ln>
+        </p:spPr>
+        <p:style>
+          <a:lnRef idx="1">
+            <a:schemeClr val="accent1"/>
+          </a:lnRef>
+          <a:fillRef idx="0">
+            <a:schemeClr val="accent1"/>
+          </a:fillRef>
+          <a:effectRef idx="0">
+            <a:schemeClr val="accent1"/>
+          </a:effectRef>
+          <a:fontRef idx="minor">
+            <a:schemeClr val="tx1"/>
+          </a:fontRef>
+        </p:style>
+      </p:cxnSp>
+      <p:sp>
+        <p:nvSpPr>
+          <p:cNvPr id="25" name="TextBox 24">
+            <a:extLst>
+              <a:ext uri="{FF2B5EF4-FFF2-40B4-BE49-F238E27FC236}">
+                <a16:creationId xmlns:a16="http://schemas.microsoft.com/office/drawing/2014/main" id="{7E776BEB-6BDC-3245-90E8-8CE5DD952BA6}"/>
+              </a:ext>
+            </a:extLst>
+          </p:cNvPr>
+          <p:cNvSpPr txBox="1"/>
+          <p:nvPr/>
+        </p:nvSpPr>
+        <p:spPr>
+          <a:xfrm>
+            <a:off x="5940357" y="2624206"/>
+            <a:ext cx="1088114" cy="350810"/>
+          </a:xfrm>
+          <a:prstGeom prst="rect">
+            <a:avLst/>
+          </a:prstGeom>
+          <a:noFill/>
+        </p:spPr>
+        <p:txBody>
+          <a:bodyPr wrap="square" rtlCol="0">
+            <a:spAutoFit/>
+          </a:bodyPr>
+          <a:lstStyle/>
+          <a:p>
+            <a:r>
+              <a:rPr lang="en-US" b="1" dirty="0"/>
+              <a:t>Process</a:t>
+            </a:r>
+          </a:p>
+        </p:txBody>
+      </p:sp>
+      <p:cxnSp>
+        <p:nvCxnSpPr>
+          <p:cNvPr id="27" name="Straight Arrow Connector 26">
+            <a:extLst>
+              <a:ext uri="{FF2B5EF4-FFF2-40B4-BE49-F238E27FC236}">
+                <a16:creationId xmlns:a16="http://schemas.microsoft.com/office/drawing/2014/main" id="{89BE7448-354D-894C-9C4C-DDD39B2E99AC}"/>
+              </a:ext>
+            </a:extLst>
+          </p:cNvPr>
+          <p:cNvCxnSpPr>
+            <a:cxnSpLocks/>
+          </p:cNvCxnSpPr>
+          <p:nvPr/>
+        </p:nvCxnSpPr>
+        <p:spPr>
+          <a:xfrm flipH="1" flipV="1">
+            <a:off x="6832107" y="2810691"/>
+            <a:ext cx="1094467" cy="1"/>
+          </a:xfrm>
+          <a:prstGeom prst="straightConnector1">
+            <a:avLst/>
+          </a:prstGeom>
+          <a:ln w="19050">
             <a:solidFill>
               <a:schemeClr val="accent1">
                 <a:lumMod val="20000"/>
                 <a:lumOff val="80000"/>
               </a:schemeClr>
             </a:solidFill>
-            <a:ln>
-              <a:noFill/>
-            </a:ln>
-          </p:spPr>
-          <p:style>
-            <a:lnRef idx="2">
-              <a:schemeClr val="accent1">
-                <a:shade val="50000"/>
-              </a:schemeClr>
-            </a:lnRef>
-            <a:fillRef idx="1">
-              <a:schemeClr val="accent1"/>
-            </a:fillRef>
-            <a:effectRef idx="0">
-              <a:schemeClr val="accent1"/>
-            </a:effectRef>
-            <a:fontRef idx="minor">
-              <a:schemeClr val="lt1"/>
-            </a:fontRef>
-          </p:style>
-          <p:txBody>
-            <a:bodyPr rtlCol="0" anchor="ctr"/>
-            <a:lstStyle/>
-            <a:p>
-              <a:pPr algn="ctr"/>
-              <a:endParaRPr lang="en-US"/>
-            </a:p>
-          </p:txBody>
-        </p:sp>
-        <p:grpSp>
-          <p:nvGrpSpPr>
-            <p:cNvPr id="21" name="Group 20">
-              <a:extLst>
-                <a:ext uri="{FF2B5EF4-FFF2-40B4-BE49-F238E27FC236}">
-                  <a16:creationId xmlns:a16="http://schemas.microsoft.com/office/drawing/2014/main" id="{BE03BE50-1722-4A4A-AFDF-B0BD77C64739}"/>
-                </a:ext>
-              </a:extLst>
-            </p:cNvPr>
-            <p:cNvGrpSpPr/>
-            <p:nvPr/>
-          </p:nvGrpSpPr>
-          <p:grpSpPr>
-            <a:xfrm>
-              <a:off x="9016195" y="1832559"/>
-              <a:ext cx="1936257" cy="2473959"/>
-              <a:chOff x="7226746" y="1855040"/>
-              <a:chExt cx="1936257" cy="2473959"/>
-            </a:xfrm>
-          </p:grpSpPr>
-          <p:sp>
-            <p:nvSpPr>
-              <p:cNvPr id="16" name="Down Arrow 15">
-                <a:extLst>
-                  <a:ext uri="{FF2B5EF4-FFF2-40B4-BE49-F238E27FC236}">
-                    <a16:creationId xmlns:a16="http://schemas.microsoft.com/office/drawing/2014/main" id="{85315B3B-F865-1146-859B-635D58CE3B99}"/>
-                  </a:ext>
-                </a:extLst>
-              </p:cNvPr>
-              <p:cNvSpPr/>
-              <p:nvPr/>
-            </p:nvSpPr>
-            <p:spPr>
-              <a:xfrm>
-                <a:off x="7980661" y="2328405"/>
-                <a:ext cx="441844" cy="403912"/>
-              </a:xfrm>
-              <a:prstGeom prst="downArrow">
-                <a:avLst/>
-              </a:prstGeom>
-              <a:solidFill>
-                <a:schemeClr val="bg1"/>
-              </a:solidFill>
-              <a:ln>
-                <a:noFill/>
-              </a:ln>
-            </p:spPr>
-            <p:style>
-              <a:lnRef idx="2">
-                <a:schemeClr val="accent1">
-                  <a:shade val="50000"/>
-                </a:schemeClr>
-              </a:lnRef>
-              <a:fillRef idx="1">
-                <a:schemeClr val="accent1"/>
-              </a:fillRef>
-              <a:effectRef idx="0">
-                <a:schemeClr val="accent1"/>
-              </a:effectRef>
-              <a:fontRef idx="minor">
-                <a:schemeClr val="lt1"/>
-              </a:fontRef>
-            </p:style>
-            <p:txBody>
-              <a:bodyPr rtlCol="0" anchor="ctr"/>
-              <a:lstStyle/>
-              <a:p>
-                <a:pPr algn="ctr"/>
-                <a:endParaRPr lang="en-US"/>
-              </a:p>
-            </p:txBody>
-          </p:sp>
-          <p:sp>
-            <p:nvSpPr>
-              <p:cNvPr id="4" name="Rectangle 3">
-                <a:extLst>
-                  <a:ext uri="{FF2B5EF4-FFF2-40B4-BE49-F238E27FC236}">
-                    <a16:creationId xmlns:a16="http://schemas.microsoft.com/office/drawing/2014/main" id="{9DB8B7AD-9FE5-FB44-AD44-8CBF3A401292}"/>
-                  </a:ext>
-                </a:extLst>
-              </p:cNvPr>
-              <p:cNvSpPr/>
-              <p:nvPr/>
-            </p:nvSpPr>
-            <p:spPr>
-              <a:xfrm>
-                <a:off x="7686511" y="3543055"/>
-                <a:ext cx="1030147" cy="439838"/>
-              </a:xfrm>
-              <a:prstGeom prst="rect">
-                <a:avLst/>
-              </a:prstGeom>
-              <a:solidFill>
-                <a:schemeClr val="bg1"/>
-              </a:solidFill>
-              <a:ln>
-                <a:noFill/>
-              </a:ln>
-            </p:spPr>
-            <p:style>
-              <a:lnRef idx="2">
-                <a:schemeClr val="accent1">
-                  <a:shade val="50000"/>
-                </a:schemeClr>
-              </a:lnRef>
-              <a:fillRef idx="1">
-                <a:schemeClr val="accent1"/>
-              </a:fillRef>
-              <a:effectRef idx="0">
-                <a:schemeClr val="accent1"/>
-              </a:effectRef>
-              <a:fontRef idx="minor">
-                <a:schemeClr val="lt1"/>
-              </a:fontRef>
-            </p:style>
-            <p:txBody>
-              <a:bodyPr rtlCol="0" anchor="ctr"/>
-              <a:lstStyle/>
-              <a:p>
-                <a:pPr algn="ctr"/>
-                <a:r>
-                  <a:rPr lang="en-US" sz="1400" dirty="0"/>
-                  <a:t>Data Exp</a:t>
-                </a:r>
-              </a:p>
-            </p:txBody>
-          </p:sp>
-          <p:sp>
-            <p:nvSpPr>
-              <p:cNvPr id="9" name="Rectangle 8">
-                <a:extLst>
-                  <a:ext uri="{FF2B5EF4-FFF2-40B4-BE49-F238E27FC236}">
-                    <a16:creationId xmlns:a16="http://schemas.microsoft.com/office/drawing/2014/main" id="{4CBD9124-7B22-2743-9749-68FFAA372099}"/>
-                  </a:ext>
-                </a:extLst>
-              </p:cNvPr>
-              <p:cNvSpPr/>
-              <p:nvPr/>
-            </p:nvSpPr>
-            <p:spPr>
-              <a:xfrm>
-                <a:off x="7686510" y="2743982"/>
-                <a:ext cx="1030147" cy="439838"/>
-              </a:xfrm>
-              <a:prstGeom prst="rect">
-                <a:avLst/>
-              </a:prstGeom>
-              <a:solidFill>
-                <a:schemeClr val="bg1"/>
-              </a:solidFill>
-              <a:ln>
-                <a:noFill/>
-              </a:ln>
-            </p:spPr>
-            <p:style>
-              <a:lnRef idx="2">
-                <a:schemeClr val="accent1">
-                  <a:shade val="50000"/>
-                </a:schemeClr>
-              </a:lnRef>
-              <a:fillRef idx="1">
-                <a:schemeClr val="accent1"/>
-              </a:fillRef>
-              <a:effectRef idx="0">
-                <a:schemeClr val="accent1"/>
-              </a:effectRef>
-              <a:fontRef idx="minor">
-                <a:schemeClr val="lt1"/>
-              </a:fontRef>
-            </p:style>
-            <p:txBody>
-              <a:bodyPr rtlCol="0" anchor="ctr"/>
-              <a:lstStyle/>
-              <a:p>
-                <a:pPr algn="ctr"/>
-                <a:r>
-                  <a:rPr lang="en-US" sz="1400" dirty="0"/>
-                  <a:t>Data Prep</a:t>
-                </a:r>
-              </a:p>
-            </p:txBody>
-          </p:sp>
-          <p:sp>
-            <p:nvSpPr>
-              <p:cNvPr id="10" name="Rectangle 9">
-                <a:extLst>
-                  <a:ext uri="{FF2B5EF4-FFF2-40B4-BE49-F238E27FC236}">
-                    <a16:creationId xmlns:a16="http://schemas.microsoft.com/office/drawing/2014/main" id="{09B379BF-E6C7-084A-AE03-F96F894110C0}"/>
-                  </a:ext>
-                </a:extLst>
-              </p:cNvPr>
-              <p:cNvSpPr/>
-              <p:nvPr/>
-            </p:nvSpPr>
-            <p:spPr>
-              <a:xfrm>
-                <a:off x="7226746" y="1855040"/>
-                <a:ext cx="1936257" cy="604180"/>
-              </a:xfrm>
-              <a:prstGeom prst="rect">
-                <a:avLst/>
-              </a:prstGeom>
-              <a:solidFill>
-                <a:schemeClr val="bg1"/>
-              </a:solidFill>
-              <a:ln>
-                <a:noFill/>
-              </a:ln>
-            </p:spPr>
-            <p:style>
-              <a:lnRef idx="2">
-                <a:schemeClr val="accent1">
-                  <a:shade val="50000"/>
-                </a:schemeClr>
-              </a:lnRef>
-              <a:fillRef idx="1">
-                <a:schemeClr val="accent1"/>
-              </a:fillRef>
-              <a:effectRef idx="0">
-                <a:schemeClr val="accent1"/>
-              </a:effectRef>
-              <a:fontRef idx="minor">
-                <a:schemeClr val="lt1"/>
-              </a:fontRef>
-            </p:style>
-            <p:txBody>
-              <a:bodyPr rtlCol="0" anchor="ctr"/>
-              <a:lstStyle/>
-              <a:p>
-                <a:pPr algn="ctr"/>
-                <a:r>
-                  <a:rPr lang="en-US" sz="1400" dirty="0"/>
-                  <a:t>Data Collection  &amp; Wrangling</a:t>
-                </a:r>
-              </a:p>
-            </p:txBody>
-          </p:sp>
-          <p:sp>
-            <p:nvSpPr>
-              <p:cNvPr id="13" name="Down Arrow 12">
-                <a:extLst>
-                  <a:ext uri="{FF2B5EF4-FFF2-40B4-BE49-F238E27FC236}">
-                    <a16:creationId xmlns:a16="http://schemas.microsoft.com/office/drawing/2014/main" id="{9BAB3519-116A-D54E-9EF2-CBA3971F38A9}"/>
-                  </a:ext>
-                </a:extLst>
-              </p:cNvPr>
-              <p:cNvSpPr/>
-              <p:nvPr/>
-            </p:nvSpPr>
-            <p:spPr>
-              <a:xfrm>
-                <a:off x="7949965" y="3925087"/>
-                <a:ext cx="490764" cy="403912"/>
-              </a:xfrm>
-              <a:prstGeom prst="downArrow">
-                <a:avLst/>
-              </a:prstGeom>
-              <a:solidFill>
-                <a:schemeClr val="bg1"/>
-              </a:solidFill>
-              <a:ln>
-                <a:noFill/>
-              </a:ln>
-            </p:spPr>
-            <p:style>
-              <a:lnRef idx="2">
-                <a:schemeClr val="accent1">
-                  <a:shade val="50000"/>
-                </a:schemeClr>
-              </a:lnRef>
-              <a:fillRef idx="1">
-                <a:schemeClr val="accent1"/>
-              </a:fillRef>
-              <a:effectRef idx="0">
-                <a:schemeClr val="accent1"/>
-              </a:effectRef>
-              <a:fontRef idx="minor">
-                <a:schemeClr val="lt1"/>
-              </a:fontRef>
-            </p:style>
-            <p:txBody>
-              <a:bodyPr rtlCol="0" anchor="ctr"/>
-              <a:lstStyle/>
-              <a:p>
-                <a:pPr algn="ctr"/>
-                <a:endParaRPr lang="en-US"/>
-              </a:p>
-            </p:txBody>
-          </p:sp>
-          <p:sp>
-            <p:nvSpPr>
-              <p:cNvPr id="15" name="Down Arrow 14">
-                <a:extLst>
-                  <a:ext uri="{FF2B5EF4-FFF2-40B4-BE49-F238E27FC236}">
-                    <a16:creationId xmlns:a16="http://schemas.microsoft.com/office/drawing/2014/main" id="{6CB1C1FA-EA66-914F-A5D9-3FC158FD27AB}"/>
-                  </a:ext>
-                </a:extLst>
-              </p:cNvPr>
-              <p:cNvSpPr/>
-              <p:nvPr/>
-            </p:nvSpPr>
-            <p:spPr>
-              <a:xfrm>
-                <a:off x="7985721" y="3119247"/>
-                <a:ext cx="418309" cy="403912"/>
-              </a:xfrm>
-              <a:prstGeom prst="downArrow">
-                <a:avLst/>
-              </a:prstGeom>
-              <a:solidFill>
-                <a:schemeClr val="bg1"/>
-              </a:solidFill>
-              <a:ln>
-                <a:noFill/>
-              </a:ln>
-            </p:spPr>
-            <p:style>
-              <a:lnRef idx="2">
-                <a:schemeClr val="accent1">
-                  <a:shade val="50000"/>
-                </a:schemeClr>
-              </a:lnRef>
-              <a:fillRef idx="1">
-                <a:schemeClr val="accent1"/>
-              </a:fillRef>
-              <a:effectRef idx="0">
-                <a:schemeClr val="accent1"/>
-              </a:effectRef>
-              <a:fontRef idx="minor">
-                <a:schemeClr val="lt1"/>
-              </a:fontRef>
-            </p:style>
-            <p:txBody>
-              <a:bodyPr rtlCol="0" anchor="ctr"/>
-              <a:lstStyle/>
-              <a:p>
-                <a:pPr algn="ctr"/>
-                <a:endParaRPr lang="en-US"/>
-              </a:p>
-            </p:txBody>
-          </p:sp>
-        </p:grpSp>
-        <p:grpSp>
-          <p:nvGrpSpPr>
-            <p:cNvPr id="20" name="Group 19">
-              <a:extLst>
-                <a:ext uri="{FF2B5EF4-FFF2-40B4-BE49-F238E27FC236}">
-                  <a16:creationId xmlns:a16="http://schemas.microsoft.com/office/drawing/2014/main" id="{0199ABF4-AC28-0F46-BF6F-C77226A750FB}"/>
-                </a:ext>
-              </a:extLst>
-            </p:cNvPr>
-            <p:cNvGrpSpPr/>
-            <p:nvPr/>
-          </p:nvGrpSpPr>
-          <p:grpSpPr>
-            <a:xfrm>
-              <a:off x="6902769" y="4431265"/>
-              <a:ext cx="4267774" cy="1921397"/>
-              <a:chOff x="5061421" y="4467828"/>
-              <a:chExt cx="4267774" cy="1921397"/>
-            </a:xfrm>
-          </p:grpSpPr>
-          <p:sp>
-            <p:nvSpPr>
-              <p:cNvPr id="12" name="TextBox 11">
-                <a:extLst>
-                  <a:ext uri="{FF2B5EF4-FFF2-40B4-BE49-F238E27FC236}">
-                    <a16:creationId xmlns:a16="http://schemas.microsoft.com/office/drawing/2014/main" id="{964B3054-FC58-4F40-B4C1-356448A817BF}"/>
-                  </a:ext>
-                </a:extLst>
-              </p:cNvPr>
-              <p:cNvSpPr txBox="1"/>
-              <p:nvPr/>
-            </p:nvSpPr>
-            <p:spPr>
-              <a:xfrm>
-                <a:off x="5061421" y="5243860"/>
-                <a:ext cx="1095597" cy="369332"/>
-              </a:xfrm>
-              <a:prstGeom prst="rect">
-                <a:avLst/>
-              </a:prstGeom>
-              <a:noFill/>
-            </p:spPr>
-            <p:txBody>
-              <a:bodyPr wrap="square" rtlCol="0">
-                <a:spAutoFit/>
-              </a:bodyPr>
-              <a:lstStyle/>
-              <a:p>
-                <a:r>
-                  <a:rPr lang="en-US" b="1" dirty="0"/>
-                  <a:t>Analysis</a:t>
-                </a:r>
-                <a:endParaRPr lang="en-US" dirty="0"/>
-              </a:p>
-            </p:txBody>
-          </p:sp>
-          <p:grpSp>
-            <p:nvGrpSpPr>
-              <p:cNvPr id="19" name="Group 18">
-                <a:extLst>
-                  <a:ext uri="{FF2B5EF4-FFF2-40B4-BE49-F238E27FC236}">
-                    <a16:creationId xmlns:a16="http://schemas.microsoft.com/office/drawing/2014/main" id="{1F045510-B18D-1B49-B102-56B8B9E6166A}"/>
-                  </a:ext>
-                </a:extLst>
-              </p:cNvPr>
-              <p:cNvGrpSpPr/>
-              <p:nvPr/>
-            </p:nvGrpSpPr>
-            <p:grpSpPr>
-              <a:xfrm>
-                <a:off x="5926238" y="4467828"/>
-                <a:ext cx="3402957" cy="1921397"/>
-                <a:chOff x="5926238" y="4467828"/>
-                <a:chExt cx="3402957" cy="1921397"/>
-              </a:xfrm>
-            </p:grpSpPr>
-            <p:sp>
-              <p:nvSpPr>
-                <p:cNvPr id="7" name="Rectangle 6">
-                  <a:extLst>
-                    <a:ext uri="{FF2B5EF4-FFF2-40B4-BE49-F238E27FC236}">
-                      <a16:creationId xmlns:a16="http://schemas.microsoft.com/office/drawing/2014/main" id="{0A611001-E1AC-3F41-B8EB-17BF1F95BAEF}"/>
-                    </a:ext>
-                  </a:extLst>
-                </p:cNvPr>
-                <p:cNvSpPr/>
-                <p:nvPr/>
-              </p:nvSpPr>
-              <p:spPr>
-                <a:xfrm>
-                  <a:off x="7060557" y="4467828"/>
-                  <a:ext cx="2268638" cy="1921397"/>
-                </a:xfrm>
-                <a:prstGeom prst="rect">
-                  <a:avLst/>
-                </a:prstGeom>
-              </p:spPr>
-              <p:style>
-                <a:lnRef idx="2">
-                  <a:schemeClr val="accent1">
-                    <a:shade val="50000"/>
-                  </a:schemeClr>
-                </a:lnRef>
-                <a:fillRef idx="1">
-                  <a:schemeClr val="accent1"/>
-                </a:fillRef>
-                <a:effectRef idx="0">
-                  <a:schemeClr val="accent1"/>
-                </a:effectRef>
-                <a:fontRef idx="minor">
-                  <a:schemeClr val="lt1"/>
-                </a:fontRef>
-              </p:style>
-              <p:txBody>
-                <a:bodyPr rtlCol="0" anchor="ctr"/>
-                <a:lstStyle/>
-                <a:p>
-                  <a:pPr algn="ctr"/>
-                  <a:endParaRPr lang="en-US"/>
-                </a:p>
-              </p:txBody>
-            </p:sp>
-            <p:sp>
-              <p:nvSpPr>
-                <p:cNvPr id="8" name="Rectangle 7">
-                  <a:extLst>
-                    <a:ext uri="{FF2B5EF4-FFF2-40B4-BE49-F238E27FC236}">
-                      <a16:creationId xmlns:a16="http://schemas.microsoft.com/office/drawing/2014/main" id="{D2C78EC0-A002-F04F-AA22-552422A412BE}"/>
-                    </a:ext>
-                  </a:extLst>
-                </p:cNvPr>
-                <p:cNvSpPr/>
-                <p:nvPr/>
-              </p:nvSpPr>
-              <p:spPr>
-                <a:xfrm>
-                  <a:off x="7686512" y="4726937"/>
-                  <a:ext cx="1030147" cy="439838"/>
-                </a:xfrm>
-                <a:prstGeom prst="rect">
-                  <a:avLst/>
-                </a:prstGeom>
-                <a:solidFill>
-                  <a:schemeClr val="bg1"/>
-                </a:solidFill>
-                <a:ln>
-                  <a:noFill/>
-                </a:ln>
-              </p:spPr>
-              <p:style>
-                <a:lnRef idx="2">
-                  <a:schemeClr val="accent1">
-                    <a:shade val="50000"/>
-                  </a:schemeClr>
-                </a:lnRef>
-                <a:fillRef idx="1">
-                  <a:schemeClr val="accent1"/>
-                </a:fillRef>
-                <a:effectRef idx="0">
-                  <a:schemeClr val="accent1"/>
-                </a:effectRef>
-                <a:fontRef idx="minor">
-                  <a:schemeClr val="lt1"/>
-                </a:fontRef>
-              </p:style>
-              <p:txBody>
-                <a:bodyPr rtlCol="0" anchor="ctr"/>
-                <a:lstStyle/>
-                <a:p>
-                  <a:pPr algn="ctr"/>
-                  <a:r>
-                    <a:rPr lang="en-US" sz="1400" dirty="0"/>
-                    <a:t>Backward Elimination</a:t>
-                  </a:r>
-                </a:p>
-              </p:txBody>
-            </p:sp>
-            <p:sp>
-              <p:nvSpPr>
-                <p:cNvPr id="11" name="Rectangle 10">
-                  <a:extLst>
-                    <a:ext uri="{FF2B5EF4-FFF2-40B4-BE49-F238E27FC236}">
-                      <a16:creationId xmlns:a16="http://schemas.microsoft.com/office/drawing/2014/main" id="{F256F7A8-A673-6E4E-981B-B82BEEA2B972}"/>
-                    </a:ext>
-                  </a:extLst>
-                </p:cNvPr>
-                <p:cNvSpPr/>
-                <p:nvPr/>
-              </p:nvSpPr>
-              <p:spPr>
-                <a:xfrm>
-                  <a:off x="7680915" y="5712437"/>
-                  <a:ext cx="1030147" cy="439838"/>
-                </a:xfrm>
-                <a:prstGeom prst="rect">
-                  <a:avLst/>
-                </a:prstGeom>
-                <a:solidFill>
-                  <a:schemeClr val="bg1"/>
-                </a:solidFill>
-                <a:ln>
-                  <a:noFill/>
-                </a:ln>
-              </p:spPr>
-              <p:style>
-                <a:lnRef idx="2">
-                  <a:schemeClr val="accent1">
-                    <a:shade val="50000"/>
-                  </a:schemeClr>
-                </a:lnRef>
-                <a:fillRef idx="1">
-                  <a:schemeClr val="accent1"/>
-                </a:fillRef>
-                <a:effectRef idx="0">
-                  <a:schemeClr val="accent1"/>
-                </a:effectRef>
-                <a:fontRef idx="minor">
-                  <a:schemeClr val="lt1"/>
-                </a:fontRef>
-              </p:style>
-              <p:txBody>
-                <a:bodyPr rtlCol="0" anchor="ctr"/>
-                <a:lstStyle/>
-                <a:p>
-                  <a:pPr algn="ctr"/>
-                  <a:r>
-                    <a:rPr lang="en-US" sz="1600" dirty="0"/>
-                    <a:t>ML</a:t>
-                  </a:r>
-                  <a:endParaRPr lang="en-US" dirty="0"/>
-                </a:p>
-              </p:txBody>
-            </p:sp>
-            <p:cxnSp>
-              <p:nvCxnSpPr>
-                <p:cNvPr id="17" name="Straight Arrow Connector 16">
-                  <a:extLst>
-                    <a:ext uri="{FF2B5EF4-FFF2-40B4-BE49-F238E27FC236}">
-                      <a16:creationId xmlns:a16="http://schemas.microsoft.com/office/drawing/2014/main" id="{B4F4F91A-8079-D244-9C83-E6466BD0829E}"/>
-                    </a:ext>
-                  </a:extLst>
-                </p:cNvPr>
-                <p:cNvCxnSpPr>
-                  <a:cxnSpLocks/>
-                  <a:stCxn id="7" idx="1"/>
-                </p:cNvCxnSpPr>
-                <p:nvPr/>
-              </p:nvCxnSpPr>
-              <p:spPr>
-                <a:xfrm flipH="1">
-                  <a:off x="5926238" y="5428527"/>
-                  <a:ext cx="1134319" cy="0"/>
-                </a:xfrm>
-                <a:prstGeom prst="straightConnector1">
-                  <a:avLst/>
-                </a:prstGeom>
-                <a:ln w="19050">
-                  <a:tailEnd type="triangle"/>
-                </a:ln>
-              </p:spPr>
-              <p:style>
-                <a:lnRef idx="1">
-                  <a:schemeClr val="accent1"/>
-                </a:lnRef>
-                <a:fillRef idx="0">
-                  <a:schemeClr val="accent1"/>
-                </a:fillRef>
-                <a:effectRef idx="0">
-                  <a:schemeClr val="accent1"/>
-                </a:effectRef>
-                <a:fontRef idx="minor">
-                  <a:schemeClr val="tx1"/>
-                </a:fontRef>
-              </p:style>
-            </p:cxnSp>
-          </p:grpSp>
-        </p:grpSp>
-        <p:sp>
-          <p:nvSpPr>
-            <p:cNvPr id="25" name="TextBox 24">
-              <a:extLst>
-                <a:ext uri="{FF2B5EF4-FFF2-40B4-BE49-F238E27FC236}">
-                  <a16:creationId xmlns:a16="http://schemas.microsoft.com/office/drawing/2014/main" id="{7E776BEB-6BDC-3245-90E8-8CE5DD952BA6}"/>
-                </a:ext>
-              </a:extLst>
-            </p:cNvPr>
-            <p:cNvSpPr txBox="1"/>
-            <p:nvPr/>
-          </p:nvSpPr>
-          <p:spPr>
-            <a:xfrm>
-              <a:off x="6206574" y="2492850"/>
-              <a:ext cx="1095597" cy="369332"/>
-            </a:xfrm>
-            <a:prstGeom prst="rect">
-              <a:avLst/>
-            </a:prstGeom>
-            <a:noFill/>
-          </p:spPr>
-          <p:txBody>
-            <a:bodyPr wrap="square" rtlCol="0">
-              <a:spAutoFit/>
-            </a:bodyPr>
-            <a:lstStyle/>
-            <a:p>
-              <a:r>
-                <a:rPr lang="en-US" b="1" dirty="0"/>
-                <a:t>Process</a:t>
-              </a:r>
-            </a:p>
-          </p:txBody>
-        </p:sp>
-        <p:cxnSp>
-          <p:nvCxnSpPr>
-            <p:cNvPr id="27" name="Straight Arrow Connector 26">
-              <a:extLst>
-                <a:ext uri="{FF2B5EF4-FFF2-40B4-BE49-F238E27FC236}">
-                  <a16:creationId xmlns:a16="http://schemas.microsoft.com/office/drawing/2014/main" id="{89BE7448-354D-894C-9C4C-DDD39B2E99AC}"/>
-                </a:ext>
-              </a:extLst>
-            </p:cNvPr>
-            <p:cNvCxnSpPr>
-              <a:cxnSpLocks/>
-            </p:cNvCxnSpPr>
-            <p:nvPr/>
-          </p:nvCxnSpPr>
-          <p:spPr>
-            <a:xfrm flipH="1" flipV="1">
-              <a:off x="7104457" y="2689181"/>
-              <a:ext cx="1101994" cy="1"/>
-            </a:xfrm>
-            <a:prstGeom prst="straightConnector1">
-              <a:avLst/>
-            </a:prstGeom>
-            <a:ln w="19050">
-              <a:solidFill>
-                <a:schemeClr val="accent1">
-                  <a:lumMod val="20000"/>
-                  <a:lumOff val="80000"/>
-                </a:schemeClr>
-              </a:solidFill>
-              <a:tailEnd type="triangle"/>
-            </a:ln>
-          </p:spPr>
-          <p:style>
-            <a:lnRef idx="1">
-              <a:schemeClr val="accent1"/>
-            </a:lnRef>
-            <a:fillRef idx="0">
-              <a:schemeClr val="accent1"/>
-            </a:fillRef>
-            <a:effectRef idx="0">
-              <a:schemeClr val="accent1"/>
-            </a:effectRef>
-            <a:fontRef idx="minor">
-              <a:schemeClr val="tx1"/>
-            </a:fontRef>
-          </p:style>
-        </p:cxnSp>
-      </p:grpSp>
+            <a:tailEnd type="triangle"/>
+          </a:ln>
+        </p:spPr>
+        <p:style>
+          <a:lnRef idx="1">
+            <a:schemeClr val="accent1"/>
+          </a:lnRef>
+          <a:fillRef idx="0">
+            <a:schemeClr val="accent1"/>
+          </a:fillRef>
+          <a:effectRef idx="0">
+            <a:schemeClr val="accent1"/>
+          </a:effectRef>
+          <a:fontRef idx="minor">
+            <a:schemeClr val="tx1"/>
+          </a:fontRef>
+        </p:style>
+      </p:cxnSp>
       <p:cxnSp>
         <p:nvCxnSpPr>
           <p:cNvPr id="26" name="Straight Connector 25">
@@ -11376,10 +11777,10 @@
       </p:cxnSp>
       <p:pic>
         <p:nvPicPr>
-          <p:cNvPr id="13" name="Picture 12" descr="Chart&#10;&#10;Description automatically generated with medium confidence">
-            <a:extLst>
-              <a:ext uri="{FF2B5EF4-FFF2-40B4-BE49-F238E27FC236}">
-                <a16:creationId xmlns:a16="http://schemas.microsoft.com/office/drawing/2014/main" id="{4C7339B3-D738-4E4C-843B-1391EA78BD04}"/>
+          <p:cNvPr id="5" name="Picture 4" descr="Chart&#10;&#10;Description automatically generated">
+            <a:extLst>
+              <a:ext uri="{FF2B5EF4-FFF2-40B4-BE49-F238E27FC236}">
+                <a16:creationId xmlns:a16="http://schemas.microsoft.com/office/drawing/2014/main" id="{1EAFC9F3-0907-4040-950A-C99CCE3CDCDB}"/>
               </a:ext>
             </a:extLst>
           </p:cNvPr>
@@ -11389,15 +11790,17 @@
           <p:nvPr/>
         </p:nvPicPr>
         <p:blipFill>
-          <a:blip r:embed="rId5"/>
+          <a:blip r:embed="rId5">
+            <a:alphaModFix amt="70000"/>
+          </a:blip>
           <a:stretch>
             <a:fillRect/>
           </a:stretch>
         </p:blipFill>
         <p:spPr>
           <a:xfrm>
-            <a:off x="474101" y="2424577"/>
-            <a:ext cx="5497096" cy="3614716"/>
+            <a:off x="588403" y="2424576"/>
+            <a:ext cx="5306625" cy="3796609"/>
           </a:xfrm>
           <a:prstGeom prst="rect">
             <a:avLst/>
@@ -11406,10 +11809,10 @@
       </p:pic>
       <p:pic>
         <p:nvPicPr>
-          <p:cNvPr id="15" name="Picture 14" descr="Chart, line chart&#10;&#10;Description automatically generated">
-            <a:extLst>
-              <a:ext uri="{FF2B5EF4-FFF2-40B4-BE49-F238E27FC236}">
-                <a16:creationId xmlns:a16="http://schemas.microsoft.com/office/drawing/2014/main" id="{DBAAE425-CFE4-4F41-989D-348EC3CA1E7C}"/>
+          <p:cNvPr id="8" name="Picture 7" descr="Chart, line chart&#10;&#10;Description automatically generated">
+            <a:extLst>
+              <a:ext uri="{FF2B5EF4-FFF2-40B4-BE49-F238E27FC236}">
+                <a16:creationId xmlns:a16="http://schemas.microsoft.com/office/drawing/2014/main" id="{3693EC5B-C89F-1542-8D48-C376223B43C4}"/>
               </a:ext>
             </a:extLst>
           </p:cNvPr>
@@ -11419,15 +11822,17 @@
           <p:nvPr/>
         </p:nvPicPr>
         <p:blipFill>
-          <a:blip r:embed="rId6"/>
+          <a:blip r:embed="rId6">
+            <a:alphaModFix amt="80000"/>
+          </a:blip>
           <a:stretch>
             <a:fillRect/>
           </a:stretch>
         </p:blipFill>
         <p:spPr>
           <a:xfrm>
-            <a:off x="6694819" y="2424577"/>
-            <a:ext cx="5023079" cy="3614716"/>
+            <a:off x="6621559" y="2424576"/>
+            <a:ext cx="5262097" cy="3796595"/>
           </a:xfrm>
           <a:prstGeom prst="rect">
             <a:avLst/>
@@ -11448,7 +11853,7 @@
         </p:nvSpPr>
         <p:spPr>
           <a:xfrm>
-            <a:off x="3476847" y="2541181"/>
+            <a:off x="3760888" y="2633702"/>
             <a:ext cx="329609" cy="478465"/>
           </a:xfrm>
           <a:prstGeom prst="rect">
@@ -11660,14 +12065,14 @@
           <p:nvPr>
             <p:extLst>
               <p:ext uri="{D42A27DB-BD31-4B8C-83A1-F6EECF244321}">
-                <p14:modId xmlns:p14="http://schemas.microsoft.com/office/powerpoint/2010/main" val="2210322590"/>
+                <p14:modId xmlns:p14="http://schemas.microsoft.com/office/powerpoint/2010/main" val="3248453572"/>
               </p:ext>
             </p:extLst>
           </p:nvPr>
         </p:nvGraphicFramePr>
         <p:xfrm>
-          <a:off x="308343" y="1569306"/>
-          <a:ext cx="11568224" cy="5076043"/>
+          <a:off x="308343" y="1313508"/>
+          <a:ext cx="11568224" cy="5331841"/>
         </p:xfrm>
         <a:graphic>
           <a:graphicData uri="http://schemas.openxmlformats.org/drawingml/2006/table">
@@ -11676,14 +12081,14 @@
                 <a:tableStyleId>{5C22544A-7EE6-4342-B048-85BDC9FD1C3A}</a:tableStyleId>
               </a:tblPr>
               <a:tblGrid>
-                <a:gridCol w="6560290">
+                <a:gridCol w="7015483">
                   <a:extLst>
                     <a:ext uri="{9D8B030D-6E8A-4147-A177-3AD203B41FA5}">
                       <a16:colId xmlns:a16="http://schemas.microsoft.com/office/drawing/2014/main" val="2772417878"/>
                     </a:ext>
                   </a:extLst>
                 </a:gridCol>
-                <a:gridCol w="5007934">
+                <a:gridCol w="4552741">
                   <a:extLst>
                     <a:ext uri="{9D8B030D-6E8A-4147-A177-3AD203B41FA5}">
                       <a16:colId xmlns:a16="http://schemas.microsoft.com/office/drawing/2014/main" val="3698826209"/>
@@ -11691,11 +12096,14 @@
                   </a:extLst>
                 </a:gridCol>
               </a:tblGrid>
-              <a:tr h="5076043">
+              <a:tr h="5331841">
                 <a:tc>
                   <a:txBody>
                     <a:bodyPr/>
                     <a:lstStyle/>
+                    <a:p>
+                      <a:endParaRPr lang="en-US" sz="2400" dirty="0"/>
+                    </a:p>
                     <a:p>
                       <a:r>
                         <a:rPr lang="en-US" sz="2400" dirty="0"/>
@@ -11704,17 +12112,35 @@
                     </a:p>
                   </a:txBody>
                   <a:tcPr>
-                    <a:lnL w="12700" cmpd="sng">
+                    <a:lnL w="12700" cap="flat" cmpd="sng" algn="ctr">
                       <a:noFill/>
+                      <a:prstDash val="solid"/>
+                      <a:round/>
+                      <a:headEnd type="none" w="med" len="med"/>
+                      <a:tailEnd type="none" w="med" len="med"/>
                     </a:lnL>
-                    <a:lnR w="12700" cmpd="sng">
+                    <a:lnR w="12700" cap="flat" cmpd="sng" algn="ctr">
+                      <a:solidFill>
+                        <a:schemeClr val="tx1"/>
+                      </a:solidFill>
+                      <a:prstDash val="solid"/>
+                      <a:round/>
+                      <a:headEnd type="none" w="med" len="med"/>
+                      <a:tailEnd type="none" w="med" len="med"/>
+                    </a:lnR>
+                    <a:lnT w="12700" cap="flat" cmpd="sng" algn="ctr">
                       <a:noFill/>
-                    </a:lnR>
-                    <a:lnT w="12700" cmpd="sng">
+                      <a:prstDash val="solid"/>
+                      <a:round/>
+                      <a:headEnd type="none" w="med" len="med"/>
+                      <a:tailEnd type="none" w="med" len="med"/>
+                    </a:lnT>
+                    <a:lnB w="12700" cap="flat" cmpd="sng" algn="ctr">
                       <a:noFill/>
-                    </a:lnT>
-                    <a:lnB w="38100" cmpd="sng">
-                      <a:noFill/>
+                      <a:prstDash val="solid"/>
+                      <a:round/>
+                      <a:headEnd type="none" w="med" len="med"/>
+                      <a:tailEnd type="none" w="med" len="med"/>
                     </a:lnB>
                     <a:lnTlToBr w="12700" cmpd="sng">
                       <a:noFill/>
@@ -11735,28 +12161,62 @@
                       <a:endParaRPr lang="en-US" dirty="0"/>
                     </a:p>
                     <a:p>
-                      <a:endParaRPr lang="en-US" dirty="0"/>
-                    </a:p>
-                    <a:p>
-                      <a:endParaRPr lang="en-US" dirty="0"/>
-                    </a:p>
-                    <a:p>
-                      <a:endParaRPr lang="en-US" dirty="0"/>
-                    </a:p>
-                    <a:p>
-                      <a:endParaRPr lang="en-US" dirty="0"/>
-                    </a:p>
-                    <a:p>
-                      <a:endParaRPr lang="en-US" dirty="0"/>
-                    </a:p>
-                    <a:p>
                       <a:pPr marL="285750" indent="-285750">
+                        <a:lnSpc>
+                          <a:spcPct val="100000"/>
+                        </a:lnSpc>
                         <a:buFont typeface="Arial" panose="020B0604020202020204" pitchFamily="34" charset="0"/>
                         <a:buChar char="•"/>
                       </a:pPr>
                       <a:r>
-                        <a:rPr lang="en-US" sz="2000" dirty="0"/>
+                        <a:rPr lang="en-US" sz="1800" dirty="0"/>
                         <a:t>Rx total bytes</a:t>
+                      </a:r>
+                    </a:p>
+                    <a:p>
+                      <a:pPr marL="285750" indent="-285750">
+                        <a:lnSpc>
+                          <a:spcPct val="100000"/>
+                        </a:lnSpc>
+                        <a:buFont typeface="Arial" panose="020B0604020202020204" pitchFamily="34" charset="0"/>
+                        <a:buChar char="•"/>
+                      </a:pPr>
+                      <a:endParaRPr lang="en-US" sz="1800" dirty="0"/>
+                    </a:p>
+                    <a:p>
+                      <a:pPr marL="285750" indent="-285750">
+                        <a:lnSpc>
+                          <a:spcPct val="100000"/>
+                        </a:lnSpc>
+                        <a:buFont typeface="Arial" panose="020B0604020202020204" pitchFamily="34" charset="0"/>
+                        <a:buChar char="•"/>
+                      </a:pPr>
+                      <a:r>
+                        <a:rPr lang="en-US" sz="1800" dirty="0"/>
+                        <a:t>Heartbeats since startup</a:t>
+                      </a:r>
+                    </a:p>
+                    <a:p>
+                      <a:pPr marL="285750" indent="-285750">
+                        <a:lnSpc>
+                          <a:spcPct val="100000"/>
+                        </a:lnSpc>
+                        <a:buFont typeface="Arial" panose="020B0604020202020204" pitchFamily="34" charset="0"/>
+                        <a:buChar char="•"/>
+                      </a:pPr>
+                      <a:endParaRPr lang="en-US" sz="1800" dirty="0"/>
+                    </a:p>
+                    <a:p>
+                      <a:pPr marL="285750" indent="-285750">
+                        <a:lnSpc>
+                          <a:spcPct val="100000"/>
+                        </a:lnSpc>
+                        <a:buFont typeface="Arial" panose="020B0604020202020204" pitchFamily="34" charset="0"/>
+                        <a:buChar char="•"/>
+                      </a:pPr>
+                      <a:r>
+                        <a:rPr lang="en-US" sz="1800" dirty="0"/>
+                        <a:t>EPV (m)</a:t>
                       </a:r>
                     </a:p>
                     <a:p>
@@ -11771,41 +12231,39 @@
                         <a:buFont typeface="Arial" panose="020B0604020202020204" pitchFamily="34" charset="0"/>
                         <a:buChar char="•"/>
                       </a:pPr>
-                      <a:r>
-                        <a:rPr lang="en-US" sz="2000" dirty="0"/>
-                        <a:t>Heartbeats since startup</a:t>
-                      </a:r>
-                    </a:p>
-                    <a:p>
-                      <a:pPr marL="285750" indent="-285750">
-                        <a:buFont typeface="Arial" panose="020B0604020202020204" pitchFamily="34" charset="0"/>
-                        <a:buChar char="•"/>
-                      </a:pPr>
                       <a:endParaRPr lang="en-US" sz="2000" dirty="0"/>
-                    </a:p>
-                    <a:p>
-                      <a:pPr marL="285750" indent="-285750">
-                        <a:buFont typeface="Arial" panose="020B0604020202020204" pitchFamily="34" charset="0"/>
-                        <a:buChar char="•"/>
-                      </a:pPr>
-                      <a:r>
-                        <a:rPr lang="en-US" sz="2000" dirty="0"/>
-                        <a:t>EPV (m)</a:t>
-                      </a:r>
                     </a:p>
                   </a:txBody>
                   <a:tcPr>
-                    <a:lnL w="12700" cmpd="sng">
+                    <a:lnL w="12700" cap="flat" cmpd="sng" algn="ctr">
+                      <a:solidFill>
+                        <a:schemeClr val="tx1"/>
+                      </a:solidFill>
+                      <a:prstDash val="solid"/>
+                      <a:round/>
+                      <a:headEnd type="none" w="med" len="med"/>
+                      <a:tailEnd type="none" w="med" len="med"/>
+                    </a:lnL>
+                    <a:lnR w="12700" cap="flat" cmpd="sng" algn="ctr">
                       <a:noFill/>
-                    </a:lnL>
-                    <a:lnR w="12700" cmpd="sng">
+                      <a:prstDash val="solid"/>
+                      <a:round/>
+                      <a:headEnd type="none" w="med" len="med"/>
+                      <a:tailEnd type="none" w="med" len="med"/>
+                    </a:lnR>
+                    <a:lnT w="12700" cap="flat" cmpd="sng" algn="ctr">
                       <a:noFill/>
-                    </a:lnR>
-                    <a:lnT w="12700" cmpd="sng">
+                      <a:prstDash val="solid"/>
+                      <a:round/>
+                      <a:headEnd type="none" w="med" len="med"/>
+                      <a:tailEnd type="none" w="med" len="med"/>
+                    </a:lnT>
+                    <a:lnB w="12700" cap="flat" cmpd="sng" algn="ctr">
                       <a:noFill/>
-                    </a:lnT>
-                    <a:lnB w="38100" cmpd="sng">
-                      <a:noFill/>
+                      <a:prstDash val="solid"/>
+                      <a:round/>
+                      <a:headEnd type="none" w="med" len="med"/>
+                      <a:tailEnd type="none" w="med" len="med"/>
                     </a:lnB>
                     <a:lnTlToBr w="12700" cmpd="sng">
                       <a:noFill/>
@@ -11946,7 +12404,7 @@
           <p:cNvPr id="5" name="Picture 4" descr="Chart, bar chart&#10;&#10;Description automatically generated">
             <a:extLst>
               <a:ext uri="{FF2B5EF4-FFF2-40B4-BE49-F238E27FC236}">
-                <a16:creationId xmlns:a16="http://schemas.microsoft.com/office/drawing/2014/main" id="{61BF98F8-DDE5-A54D-A63A-783980223C39}"/>
+                <a16:creationId xmlns:a16="http://schemas.microsoft.com/office/drawing/2014/main" id="{BBBBBDE0-0E38-8141-A910-7731B83F2877}"/>
               </a:ext>
             </a:extLst>
           </p:cNvPr>
@@ -11956,15 +12414,49 @@
           <p:nvPr/>
         </p:nvPicPr>
         <p:blipFill>
-          <a:blip r:embed="rId5"/>
+          <a:blip r:embed="rId5">
+            <a:alphaModFix amt="80000"/>
+          </a:blip>
           <a:stretch>
             <a:fillRect/>
           </a:stretch>
         </p:blipFill>
         <p:spPr>
           <a:xfrm>
-            <a:off x="1210203" y="2498651"/>
-            <a:ext cx="5098029" cy="3985608"/>
+            <a:off x="412528" y="2672075"/>
+            <a:ext cx="6117668" cy="3822553"/>
+          </a:xfrm>
+          <a:prstGeom prst="rect">
+            <a:avLst/>
+          </a:prstGeom>
+        </p:spPr>
+      </p:pic>
+      <p:pic>
+        <p:nvPicPr>
+          <p:cNvPr id="12" name="Picture 11" descr="Chart&#10;&#10;Description automatically generated">
+            <a:extLst>
+              <a:ext uri="{FF2B5EF4-FFF2-40B4-BE49-F238E27FC236}">
+                <a16:creationId xmlns:a16="http://schemas.microsoft.com/office/drawing/2014/main" id="{668EF17C-1FAE-DE45-A556-9413DF206C99}"/>
+              </a:ext>
+            </a:extLst>
+          </p:cNvPr>
+          <p:cNvPicPr>
+            <a:picLocks noChangeAspect="1"/>
+          </p:cNvPicPr>
+          <p:nvPr/>
+        </p:nvPicPr>
+        <p:blipFill>
+          <a:blip r:embed="rId6">
+            <a:alphaModFix amt="86000"/>
+          </a:blip>
+          <a:stretch>
+            <a:fillRect/>
+          </a:stretch>
+        </p:blipFill>
+        <p:spPr>
+          <a:xfrm>
+            <a:off x="7824159" y="3370979"/>
+            <a:ext cx="3508945" cy="3123649"/>
           </a:xfrm>
           <a:prstGeom prst="rect">
             <a:avLst/>
@@ -11974,7 +12466,7 @@
     </p:spTree>
     <p:extLst>
       <p:ext uri="{BB962C8B-B14F-4D97-AF65-F5344CB8AC3E}">
-        <p14:creationId xmlns:p14="http://schemas.microsoft.com/office/powerpoint/2010/main" val="4100014404"/>
+        <p14:creationId xmlns:p14="http://schemas.microsoft.com/office/powerpoint/2010/main" val="4146683574"/>
       </p:ext>
     </p:extLst>
   </p:cSld>
@@ -12456,7 +12948,7 @@
             </a:pPr>
             <a:r>
               <a:rPr lang="en-US" sz="2000" dirty="0"/>
-              <a:t>Responsible for 29% of outcome changes.</a:t>
+              <a:t>Responsible for 29% of change in the outcome.</a:t>
             </a:r>
           </a:p>
           <a:p>
@@ -12541,7 +13033,7 @@
             </a:pPr>
             <a:r>
               <a:rPr lang="en-US" sz="2000" dirty="0"/>
-              <a:t>We need more data on right aileron failures.</a:t>
+              <a:t>More data instances on right aileron failures to reach 100% accuracy</a:t>
             </a:r>
           </a:p>
           <a:p>
@@ -12958,4 +13450,299 @@
     </a:ext>
   </a:extLst>
 </a:theme>
+</file>
+
+<file path=ppt/theme/theme2.xml><?xml version="1.0" encoding="utf-8"?>
+<a:theme xmlns:a="http://schemas.openxmlformats.org/drawingml/2006/main" name="Office Theme">
+  <a:themeElements>
+    <a:clrScheme name="Office">
+      <a:dk1>
+        <a:sysClr val="windowText" lastClr="000000"/>
+      </a:dk1>
+      <a:lt1>
+        <a:sysClr val="window" lastClr="FFFFFF"/>
+      </a:lt1>
+      <a:dk2>
+        <a:srgbClr val="44546A"/>
+      </a:dk2>
+      <a:lt2>
+        <a:srgbClr val="E7E6E6"/>
+      </a:lt2>
+      <a:accent1>
+        <a:srgbClr val="4472C4"/>
+      </a:accent1>
+      <a:accent2>
+        <a:srgbClr val="ED7D31"/>
+      </a:accent2>
+      <a:accent3>
+        <a:srgbClr val="A5A5A5"/>
+      </a:accent3>
+      <a:accent4>
+        <a:srgbClr val="FFC000"/>
+      </a:accent4>
+      <a:accent5>
+        <a:srgbClr val="5B9BD5"/>
+      </a:accent5>
+      <a:accent6>
+        <a:srgbClr val="70AD47"/>
+      </a:accent6>
+      <a:hlink>
+        <a:srgbClr val="0563C1"/>
+      </a:hlink>
+      <a:folHlink>
+        <a:srgbClr val="954F72"/>
+      </a:folHlink>
+    </a:clrScheme>
+    <a:fontScheme name="Office">
+      <a:majorFont>
+        <a:latin typeface="Calibri Light" panose="020F0302020204030204"/>
+        <a:ea typeface=""/>
+        <a:cs typeface=""/>
+        <a:font script="Jpan" typeface="游ゴシック Light"/>
+        <a:font script="Hang" typeface="맑은 고딕"/>
+        <a:font script="Hans" typeface="等线 Light"/>
+        <a:font script="Hant" typeface="新細明體"/>
+        <a:font script="Arab" typeface="Times New Roman"/>
+        <a:font script="Hebr" typeface="Times New Roman"/>
+        <a:font script="Thai" typeface="Angsana New"/>
+        <a:font script="Ethi" typeface="Nyala"/>
+        <a:font script="Beng" typeface="Vrinda"/>
+        <a:font script="Gujr" typeface="Shruti"/>
+        <a:font script="Khmr" typeface="MoolBoran"/>
+        <a:font script="Knda" typeface="Tunga"/>
+        <a:font script="Guru" typeface="Raavi"/>
+        <a:font script="Cans" typeface="Euphemia"/>
+        <a:font script="Cher" typeface="Plantagenet Cherokee"/>
+        <a:font script="Yiii" typeface="Microsoft Yi Baiti"/>
+        <a:font script="Tibt" typeface="Microsoft Himalaya"/>
+        <a:font script="Thaa" typeface="MV Boli"/>
+        <a:font script="Deva" typeface="Mangal"/>
+        <a:font script="Telu" typeface="Gautami"/>
+        <a:font script="Taml" typeface="Latha"/>
+        <a:font script="Syrc" typeface="Estrangelo Edessa"/>
+        <a:font script="Orya" typeface="Kalinga"/>
+        <a:font script="Mlym" typeface="Kartika"/>
+        <a:font script="Laoo" typeface="DokChampa"/>
+        <a:font script="Sinh" typeface="Iskoola Pota"/>
+        <a:font script="Mong" typeface="Mongolian Baiti"/>
+        <a:font script="Viet" typeface="Times New Roman"/>
+        <a:font script="Uigh" typeface="Microsoft Uighur"/>
+        <a:font script="Geor" typeface="Sylfaen"/>
+        <a:font script="Armn" typeface="Arial"/>
+        <a:font script="Bugi" typeface="Leelawadee UI"/>
+        <a:font script="Bopo" typeface="Microsoft JhengHei"/>
+        <a:font script="Java" typeface="Javanese Text"/>
+        <a:font script="Lisu" typeface="Segoe UI"/>
+        <a:font script="Mymr" typeface="Myanmar Text"/>
+        <a:font script="Nkoo" typeface="Ebrima"/>
+        <a:font script="Olck" typeface="Nirmala UI"/>
+        <a:font script="Osma" typeface="Ebrima"/>
+        <a:font script="Phag" typeface="Phagspa"/>
+        <a:font script="Syrn" typeface="Estrangelo Edessa"/>
+        <a:font script="Syrj" typeface="Estrangelo Edessa"/>
+        <a:font script="Syre" typeface="Estrangelo Edessa"/>
+        <a:font script="Sora" typeface="Nirmala UI"/>
+        <a:font script="Tale" typeface="Microsoft Tai Le"/>
+        <a:font script="Talu" typeface="Microsoft New Tai Lue"/>
+        <a:font script="Tfng" typeface="Ebrima"/>
+      </a:majorFont>
+      <a:minorFont>
+        <a:latin typeface="Calibri" panose="020F0502020204030204"/>
+        <a:ea typeface=""/>
+        <a:cs typeface=""/>
+        <a:font script="Jpan" typeface="游ゴシック"/>
+        <a:font script="Hang" typeface="맑은 고딕"/>
+        <a:font script="Hans" typeface="等线"/>
+        <a:font script="Hant" typeface="新細明體"/>
+        <a:font script="Arab" typeface="Arial"/>
+        <a:font script="Hebr" typeface="Arial"/>
+        <a:font script="Thai" typeface="Cordia New"/>
+        <a:font script="Ethi" typeface="Nyala"/>
+        <a:font script="Beng" typeface="Vrinda"/>
+        <a:font script="Gujr" typeface="Shruti"/>
+        <a:font script="Khmr" typeface="DaunPenh"/>
+        <a:font script="Knda" typeface="Tunga"/>
+        <a:font script="Guru" typeface="Raavi"/>
+        <a:font script="Cans" typeface="Euphemia"/>
+        <a:font script="Cher" typeface="Plantagenet Cherokee"/>
+        <a:font script="Yiii" typeface="Microsoft Yi Baiti"/>
+        <a:font script="Tibt" typeface="Microsoft Himalaya"/>
+        <a:font script="Thaa" typeface="MV Boli"/>
+        <a:font script="Deva" typeface="Mangal"/>
+        <a:font script="Telu" typeface="Gautami"/>
+        <a:font script="Taml" typeface="Latha"/>
+        <a:font script="Syrc" typeface="Estrangelo Edessa"/>
+        <a:font script="Orya" typeface="Kalinga"/>
+        <a:font script="Mlym" typeface="Kartika"/>
+        <a:font script="Laoo" typeface="DokChampa"/>
+        <a:font script="Sinh" typeface="Iskoola Pota"/>
+        <a:font script="Mong" typeface="Mongolian Baiti"/>
+        <a:font script="Viet" typeface="Arial"/>
+        <a:font script="Uigh" typeface="Microsoft Uighur"/>
+        <a:font script="Geor" typeface="Sylfaen"/>
+        <a:font script="Armn" typeface="Arial"/>
+        <a:font script="Bugi" typeface="Leelawadee UI"/>
+        <a:font script="Bopo" typeface="Microsoft JhengHei"/>
+        <a:font script="Java" typeface="Javanese Text"/>
+        <a:font script="Lisu" typeface="Segoe UI"/>
+        <a:font script="Mymr" typeface="Myanmar Text"/>
+        <a:font script="Nkoo" typeface="Ebrima"/>
+        <a:font script="Olck" typeface="Nirmala UI"/>
+        <a:font script="Osma" typeface="Ebrima"/>
+        <a:font script="Phag" typeface="Phagspa"/>
+        <a:font script="Syrn" typeface="Estrangelo Edessa"/>
+        <a:font script="Syrj" typeface="Estrangelo Edessa"/>
+        <a:font script="Syre" typeface="Estrangelo Edessa"/>
+        <a:font script="Sora" typeface="Nirmala UI"/>
+        <a:font script="Tale" typeface="Microsoft Tai Le"/>
+        <a:font script="Talu" typeface="Microsoft New Tai Lue"/>
+        <a:font script="Tfng" typeface="Ebrima"/>
+      </a:minorFont>
+    </a:fontScheme>
+    <a:fmtScheme name="Office">
+      <a:fillStyleLst>
+        <a:solidFill>
+          <a:schemeClr val="phClr"/>
+        </a:solidFill>
+        <a:gradFill rotWithShape="1">
+          <a:gsLst>
+            <a:gs pos="0">
+              <a:schemeClr val="phClr">
+                <a:lumMod val="110000"/>
+                <a:satMod val="105000"/>
+                <a:tint val="67000"/>
+              </a:schemeClr>
+            </a:gs>
+            <a:gs pos="50000">
+              <a:schemeClr val="phClr">
+                <a:lumMod val="105000"/>
+                <a:satMod val="103000"/>
+                <a:tint val="73000"/>
+              </a:schemeClr>
+            </a:gs>
+            <a:gs pos="100000">
+              <a:schemeClr val="phClr">
+                <a:lumMod val="105000"/>
+                <a:satMod val="109000"/>
+                <a:tint val="81000"/>
+              </a:schemeClr>
+            </a:gs>
+          </a:gsLst>
+          <a:lin ang="5400000" scaled="0"/>
+        </a:gradFill>
+        <a:gradFill rotWithShape="1">
+          <a:gsLst>
+            <a:gs pos="0">
+              <a:schemeClr val="phClr">
+                <a:satMod val="103000"/>
+                <a:lumMod val="102000"/>
+                <a:tint val="94000"/>
+              </a:schemeClr>
+            </a:gs>
+            <a:gs pos="50000">
+              <a:schemeClr val="phClr">
+                <a:satMod val="110000"/>
+                <a:lumMod val="100000"/>
+                <a:shade val="100000"/>
+              </a:schemeClr>
+            </a:gs>
+            <a:gs pos="100000">
+              <a:schemeClr val="phClr">
+                <a:lumMod val="99000"/>
+                <a:satMod val="120000"/>
+                <a:shade val="78000"/>
+              </a:schemeClr>
+            </a:gs>
+          </a:gsLst>
+          <a:lin ang="5400000" scaled="0"/>
+        </a:gradFill>
+      </a:fillStyleLst>
+      <a:lnStyleLst>
+        <a:ln w="6350" cap="flat" cmpd="sng" algn="ctr">
+          <a:solidFill>
+            <a:schemeClr val="phClr"/>
+          </a:solidFill>
+          <a:prstDash val="solid"/>
+          <a:miter lim="800000"/>
+        </a:ln>
+        <a:ln w="12700" cap="flat" cmpd="sng" algn="ctr">
+          <a:solidFill>
+            <a:schemeClr val="phClr"/>
+          </a:solidFill>
+          <a:prstDash val="solid"/>
+          <a:miter lim="800000"/>
+        </a:ln>
+        <a:ln w="19050" cap="flat" cmpd="sng" algn="ctr">
+          <a:solidFill>
+            <a:schemeClr val="phClr"/>
+          </a:solidFill>
+          <a:prstDash val="solid"/>
+          <a:miter lim="800000"/>
+        </a:ln>
+      </a:lnStyleLst>
+      <a:effectStyleLst>
+        <a:effectStyle>
+          <a:effectLst/>
+        </a:effectStyle>
+        <a:effectStyle>
+          <a:effectLst/>
+        </a:effectStyle>
+        <a:effectStyle>
+          <a:effectLst>
+            <a:outerShdw blurRad="57150" dist="19050" dir="5400000" algn="ctr" rotWithShape="0">
+              <a:srgbClr val="000000">
+                <a:alpha val="63000"/>
+              </a:srgbClr>
+            </a:outerShdw>
+          </a:effectLst>
+        </a:effectStyle>
+      </a:effectStyleLst>
+      <a:bgFillStyleLst>
+        <a:solidFill>
+          <a:schemeClr val="phClr"/>
+        </a:solidFill>
+        <a:solidFill>
+          <a:schemeClr val="phClr">
+            <a:tint val="95000"/>
+            <a:satMod val="170000"/>
+          </a:schemeClr>
+        </a:solidFill>
+        <a:gradFill rotWithShape="1">
+          <a:gsLst>
+            <a:gs pos="0">
+              <a:schemeClr val="phClr">
+                <a:tint val="93000"/>
+                <a:satMod val="150000"/>
+                <a:shade val="98000"/>
+                <a:lumMod val="102000"/>
+              </a:schemeClr>
+            </a:gs>
+            <a:gs pos="50000">
+              <a:schemeClr val="phClr">
+                <a:tint val="98000"/>
+                <a:satMod val="130000"/>
+                <a:shade val="90000"/>
+                <a:lumMod val="103000"/>
+              </a:schemeClr>
+            </a:gs>
+            <a:gs pos="100000">
+              <a:schemeClr val="phClr">
+                <a:shade val="63000"/>
+                <a:satMod val="120000"/>
+              </a:schemeClr>
+            </a:gs>
+          </a:gsLst>
+          <a:lin ang="5400000" scaled="0"/>
+        </a:gradFill>
+      </a:bgFillStyleLst>
+    </a:fmtScheme>
+  </a:themeElements>
+  <a:objectDefaults/>
+  <a:extraClrSchemeLst/>
+  <a:extLst>
+    <a:ext uri="{05A4C25C-085E-4340-85A3-A5531E510DB2}">
+      <thm15:themeFamily xmlns:thm15="http://schemas.microsoft.com/office/thememl/2012/main" name="Office Theme" id="{62F939B6-93AF-4DB8-9C6B-D6C7DFDC589F}" vid="{4A3C46E8-61CC-4603-A589-7422A47A8E4A}"/>
+    </a:ext>
+  </a:extLst>
+</a:theme>
 </file>
--- a/Drone_Faults_and_Anomaly_detection.pptx
+++ b/Drone_Faults_and_Anomaly_detection.pptx
@@ -11791,7 +11791,7 @@
         </p:nvPicPr>
         <p:blipFill>
           <a:blip r:embed="rId5">
-            <a:alphaModFix amt="70000"/>
+            <a:alphaModFix amt="89000"/>
           </a:blip>
           <a:stretch>
             <a:fillRect/>
@@ -11805,6 +11805,16 @@
           <a:prstGeom prst="rect">
             <a:avLst/>
           </a:prstGeom>
+          <a:ln>
+            <a:noFill/>
+          </a:ln>
+          <a:effectLst>
+            <a:outerShdw blurRad="190500" algn="tl" rotWithShape="0">
+              <a:srgbClr val="000000">
+                <a:alpha val="70000"/>
+              </a:srgbClr>
+            </a:outerShdw>
+          </a:effectLst>
         </p:spPr>
       </p:pic>
       <p:pic>
@@ -11823,7 +11833,7 @@
         </p:nvPicPr>
         <p:blipFill>
           <a:blip r:embed="rId6">
-            <a:alphaModFix amt="80000"/>
+            <a:alphaModFix amt="91000"/>
           </a:blip>
           <a:stretch>
             <a:fillRect/>
@@ -11837,6 +11847,16 @@
           <a:prstGeom prst="rect">
             <a:avLst/>
           </a:prstGeom>
+          <a:ln>
+            <a:noFill/>
+          </a:ln>
+          <a:effectLst>
+            <a:outerShdw blurRad="190500" algn="tl" rotWithShape="0">
+              <a:srgbClr val="000000">
+                <a:alpha val="70000"/>
+              </a:srgbClr>
+            </a:outerShdw>
+          </a:effectLst>
         </p:spPr>
       </p:pic>
       <p:sp>
@@ -12429,6 +12449,16 @@
           <a:prstGeom prst="rect">
             <a:avLst/>
           </a:prstGeom>
+          <a:ln>
+            <a:noFill/>
+          </a:ln>
+          <a:effectLst>
+            <a:outerShdw blurRad="292100" dist="139700" dir="2700000" algn="tl" rotWithShape="0">
+              <a:srgbClr val="333333">
+                <a:alpha val="65000"/>
+              </a:srgbClr>
+            </a:outerShdw>
+          </a:effectLst>
         </p:spPr>
       </p:pic>
       <p:pic>
@@ -12461,6 +12491,16 @@
           <a:prstGeom prst="rect">
             <a:avLst/>
           </a:prstGeom>
+          <a:ln>
+            <a:noFill/>
+          </a:ln>
+          <a:effectLst>
+            <a:outerShdw blurRad="292100" dist="139700" dir="2700000" algn="tl" rotWithShape="0">
+              <a:srgbClr val="333333">
+                <a:alpha val="65000"/>
+              </a:srgbClr>
+            </a:outerShdw>
+          </a:effectLst>
         </p:spPr>
       </p:pic>
     </p:spTree>
@@ -13006,47 +13046,6 @@
               <a:rPr lang="en-US" sz="2000" dirty="0"/>
               <a:t>96% accuracy on right aileron failure predictions.</a:t>
             </a:r>
-          </a:p>
-          <a:p>
-            <a:pPr marL="285750" indent="-228600">
-              <a:lnSpc>
-                <a:spcPct val="90000"/>
-              </a:lnSpc>
-              <a:spcAft>
-                <a:spcPts val="600"/>
-              </a:spcAft>
-              <a:buFont typeface="Arial" panose="020B0604020202020204" pitchFamily="34" charset="0"/>
-              <a:buChar char="•"/>
-            </a:pPr>
-            <a:endParaRPr lang="en-US" sz="2000" dirty="0"/>
-          </a:p>
-          <a:p>
-            <a:pPr marL="285750" indent="-228600">
-              <a:lnSpc>
-                <a:spcPct val="90000"/>
-              </a:lnSpc>
-              <a:spcAft>
-                <a:spcPts val="600"/>
-              </a:spcAft>
-              <a:buFont typeface="Arial" panose="020B0604020202020204" pitchFamily="34" charset="0"/>
-              <a:buChar char="•"/>
-            </a:pPr>
-            <a:r>
-              <a:rPr lang="en-US" sz="2000" dirty="0"/>
-              <a:t>More data instances on right aileron failures to reach 100% accuracy</a:t>
-            </a:r>
-          </a:p>
-          <a:p>
-            <a:pPr marL="285750" indent="-228600">
-              <a:lnSpc>
-                <a:spcPct val="90000"/>
-              </a:lnSpc>
-              <a:spcAft>
-                <a:spcPts val="600"/>
-              </a:spcAft>
-              <a:buFont typeface="Arial" panose="020B0604020202020204" pitchFamily="34" charset="0"/>
-              <a:buChar char="•"/>
-            </a:pPr>
             <a:endParaRPr lang="en-US" sz="1600" dirty="0"/>
           </a:p>
           <a:p>
